--- a/resource/make.pptx
+++ b/resource/make.pptx
@@ -14,17 +14,20 @@
     <p:sldId id="256" r:id="rId8"/>
     <p:sldId id="270" r:id="rId9"/>
     <p:sldId id="271" r:id="rId10"/>
-    <p:sldId id="278" r:id="rId11"/>
-    <p:sldId id="279" r:id="rId12"/>
-    <p:sldId id="280" r:id="rId13"/>
-    <p:sldId id="281" r:id="rId14"/>
-    <p:sldId id="269" r:id="rId15"/>
-    <p:sldId id="268" r:id="rId16"/>
-    <p:sldId id="273" r:id="rId17"/>
-    <p:sldId id="274" r:id="rId18"/>
-    <p:sldId id="277" r:id="rId19"/>
-    <p:sldId id="276" r:id="rId20"/>
-    <p:sldId id="272" r:id="rId21"/>
+    <p:sldId id="282" r:id="rId11"/>
+    <p:sldId id="278" r:id="rId12"/>
+    <p:sldId id="283" r:id="rId13"/>
+    <p:sldId id="279" r:id="rId14"/>
+    <p:sldId id="284" r:id="rId15"/>
+    <p:sldId id="280" r:id="rId16"/>
+    <p:sldId id="281" r:id="rId17"/>
+    <p:sldId id="269" r:id="rId18"/>
+    <p:sldId id="268" r:id="rId19"/>
+    <p:sldId id="273" r:id="rId20"/>
+    <p:sldId id="274" r:id="rId21"/>
+    <p:sldId id="277" r:id="rId22"/>
+    <p:sldId id="276" r:id="rId23"/>
+    <p:sldId id="272" r:id="rId24"/>
   </p:sldIdLst>
   <p:sldSz cx="12192000" cy="6858000"/>
   <p:notesSz cx="6858000" cy="9144000"/>
@@ -278,7 +281,7 @@
           <a:p>
             <a:fld id="{0CE2D17F-8A6D-4B4F-8FFD-A6952A389937}" type="datetimeFigureOut">
               <a:rPr lang="ko-KR" altLang="en-US" smtClean="0"/>
-              <a:t>2023-10-21</a:t>
+              <a:t>2023-12-05</a:t>
             </a:fld>
             <a:endParaRPr lang="ko-KR" altLang="en-US"/>
           </a:p>
@@ -476,7 +479,7 @@
           <a:p>
             <a:fld id="{0CE2D17F-8A6D-4B4F-8FFD-A6952A389937}" type="datetimeFigureOut">
               <a:rPr lang="ko-KR" altLang="en-US" smtClean="0"/>
-              <a:t>2023-10-21</a:t>
+              <a:t>2023-12-05</a:t>
             </a:fld>
             <a:endParaRPr lang="ko-KR" altLang="en-US"/>
           </a:p>
@@ -684,7 +687,7 @@
           <a:p>
             <a:fld id="{0CE2D17F-8A6D-4B4F-8FFD-A6952A389937}" type="datetimeFigureOut">
               <a:rPr lang="ko-KR" altLang="en-US" smtClean="0"/>
-              <a:t>2023-10-21</a:t>
+              <a:t>2023-12-05</a:t>
             </a:fld>
             <a:endParaRPr lang="ko-KR" altLang="en-US"/>
           </a:p>
@@ -882,7 +885,7 @@
           <a:p>
             <a:fld id="{0CE2D17F-8A6D-4B4F-8FFD-A6952A389937}" type="datetimeFigureOut">
               <a:rPr lang="ko-KR" altLang="en-US" smtClean="0"/>
-              <a:t>2023-10-21</a:t>
+              <a:t>2023-12-05</a:t>
             </a:fld>
             <a:endParaRPr lang="ko-KR" altLang="en-US"/>
           </a:p>
@@ -1157,7 +1160,7 @@
           <a:p>
             <a:fld id="{0CE2D17F-8A6D-4B4F-8FFD-A6952A389937}" type="datetimeFigureOut">
               <a:rPr lang="ko-KR" altLang="en-US" smtClean="0"/>
-              <a:t>2023-10-21</a:t>
+              <a:t>2023-12-05</a:t>
             </a:fld>
             <a:endParaRPr lang="ko-KR" altLang="en-US"/>
           </a:p>
@@ -1422,7 +1425,7 @@
           <a:p>
             <a:fld id="{0CE2D17F-8A6D-4B4F-8FFD-A6952A389937}" type="datetimeFigureOut">
               <a:rPr lang="ko-KR" altLang="en-US" smtClean="0"/>
-              <a:t>2023-10-21</a:t>
+              <a:t>2023-12-05</a:t>
             </a:fld>
             <a:endParaRPr lang="ko-KR" altLang="en-US"/>
           </a:p>
@@ -1834,7 +1837,7 @@
           <a:p>
             <a:fld id="{0CE2D17F-8A6D-4B4F-8FFD-A6952A389937}" type="datetimeFigureOut">
               <a:rPr lang="ko-KR" altLang="en-US" smtClean="0"/>
-              <a:t>2023-10-21</a:t>
+              <a:t>2023-12-05</a:t>
             </a:fld>
             <a:endParaRPr lang="ko-KR" altLang="en-US"/>
           </a:p>
@@ -1975,7 +1978,7 @@
           <a:p>
             <a:fld id="{0CE2D17F-8A6D-4B4F-8FFD-A6952A389937}" type="datetimeFigureOut">
               <a:rPr lang="ko-KR" altLang="en-US" smtClean="0"/>
-              <a:t>2023-10-21</a:t>
+              <a:t>2023-12-05</a:t>
             </a:fld>
             <a:endParaRPr lang="ko-KR" altLang="en-US"/>
           </a:p>
@@ -2088,7 +2091,7 @@
           <a:p>
             <a:fld id="{0CE2D17F-8A6D-4B4F-8FFD-A6952A389937}" type="datetimeFigureOut">
               <a:rPr lang="ko-KR" altLang="en-US" smtClean="0"/>
-              <a:t>2023-10-21</a:t>
+              <a:t>2023-12-05</a:t>
             </a:fld>
             <a:endParaRPr lang="ko-KR" altLang="en-US"/>
           </a:p>
@@ -2399,7 +2402,7 @@
           <a:p>
             <a:fld id="{0CE2D17F-8A6D-4B4F-8FFD-A6952A389937}" type="datetimeFigureOut">
               <a:rPr lang="ko-KR" altLang="en-US" smtClean="0"/>
-              <a:t>2023-10-21</a:t>
+              <a:t>2023-12-05</a:t>
             </a:fld>
             <a:endParaRPr lang="ko-KR" altLang="en-US"/>
           </a:p>
@@ -2687,7 +2690,7 @@
           <a:p>
             <a:fld id="{0CE2D17F-8A6D-4B4F-8FFD-A6952A389937}" type="datetimeFigureOut">
               <a:rPr lang="ko-KR" altLang="en-US" smtClean="0"/>
-              <a:t>2023-10-21</a:t>
+              <a:t>2023-12-05</a:t>
             </a:fld>
             <a:endParaRPr lang="ko-KR" altLang="en-US"/>
           </a:p>
@@ -2928,7 +2931,7 @@
           <a:p>
             <a:fld id="{0CE2D17F-8A6D-4B4F-8FFD-A6952A389937}" type="datetimeFigureOut">
               <a:rPr lang="ko-KR" altLang="en-US" smtClean="0"/>
-              <a:t>2023-10-21</a:t>
+              <a:t>2023-12-05</a:t>
             </a:fld>
             <a:endParaRPr lang="ko-KR" altLang="en-US"/>
           </a:p>
@@ -6675,6 +6678,871 @@
                 <a:latin typeface="던파 비트비트체 v2" panose="02040503000000000000" pitchFamily="18" charset="-127"/>
                 <a:ea typeface="던파 비트비트체 v2" panose="02040503000000000000" pitchFamily="18" charset="-127"/>
               </a:rPr>
+              <a:t>- PLAYER -</a:t>
+            </a:r>
+            <a:endParaRPr lang="ko-KR" altLang="en-US" sz="4400" dirty="0">
+              <a:solidFill>
+                <a:schemeClr val="bg1"/>
+              </a:solidFill>
+              <a:latin typeface="던파 비트비트체 v2" panose="02040503000000000000" pitchFamily="18" charset="-127"/>
+              <a:ea typeface="던파 비트비트체 v2" panose="02040503000000000000" pitchFamily="18" charset="-127"/>
+            </a:endParaRPr>
+          </a:p>
+        </p:txBody>
+      </p:sp>
+      <p:pic>
+        <p:nvPicPr>
+          <p:cNvPr id="2" name="그림 1" descr="스크린샷, 패턴, 블랙이(가) 표시된 사진&#10;&#10;자동 생성된 설명">
+            <a:extLst>
+              <a:ext uri="{FF2B5EF4-FFF2-40B4-BE49-F238E27FC236}">
+                <a16:creationId xmlns:a16="http://schemas.microsoft.com/office/drawing/2014/main" id="{66636E53-F9AA-4B3F-41F4-7A14AB4347AC}"/>
+              </a:ext>
+            </a:extLst>
+          </p:cNvPr>
+          <p:cNvPicPr>
+            <a:picLocks noChangeAspect="1"/>
+          </p:cNvPicPr>
+          <p:nvPr/>
+        </p:nvPicPr>
+        <p:blipFill rotWithShape="1">
+          <a:blip r:embed="rId2">
+            <a:extLst>
+              <a:ext uri="{28A0092B-C50C-407E-A947-70E740481C1C}">
+                <a14:useLocalDpi xmlns:a14="http://schemas.microsoft.com/office/drawing/2010/main" val="0"/>
+              </a:ext>
+            </a:extLst>
+          </a:blip>
+          <a:srcRect l="478" r="478" b="85"/>
+          <a:stretch/>
+        </p:blipFill>
+        <p:spPr>
+          <a:xfrm>
+            <a:off x="7351" y="4669129"/>
+            <a:ext cx="12177297" cy="2188871"/>
+          </a:xfrm>
+          <a:prstGeom prst="rect">
+            <a:avLst/>
+          </a:prstGeom>
+        </p:spPr>
+      </p:pic>
+      <p:sp>
+        <p:nvSpPr>
+          <p:cNvPr id="7" name="사각형: 둥근 모서리 6">
+            <a:extLst>
+              <a:ext uri="{FF2B5EF4-FFF2-40B4-BE49-F238E27FC236}">
+                <a16:creationId xmlns:a16="http://schemas.microsoft.com/office/drawing/2014/main" id="{1F077001-D9A3-8F25-810B-04B426F93A87}"/>
+              </a:ext>
+            </a:extLst>
+          </p:cNvPr>
+          <p:cNvSpPr/>
+          <p:nvPr/>
+        </p:nvSpPr>
+        <p:spPr>
+          <a:xfrm>
+            <a:off x="221381" y="3205800"/>
+            <a:ext cx="914400" cy="914400"/>
+          </a:xfrm>
+          <a:prstGeom prst="roundRect">
+            <a:avLst/>
+          </a:prstGeom>
+          <a:solidFill>
+            <a:srgbClr val="3C8367"/>
+          </a:solidFill>
+          <a:ln w="76200">
+            <a:solidFill>
+              <a:schemeClr val="bg1"/>
+            </a:solidFill>
+          </a:ln>
+        </p:spPr>
+        <p:style>
+          <a:lnRef idx="2">
+            <a:schemeClr val="accent1">
+              <a:shade val="15000"/>
+            </a:schemeClr>
+          </a:lnRef>
+          <a:fillRef idx="1">
+            <a:schemeClr val="accent1"/>
+          </a:fillRef>
+          <a:effectRef idx="0">
+            <a:schemeClr val="accent1"/>
+          </a:effectRef>
+          <a:fontRef idx="minor">
+            <a:schemeClr val="lt1"/>
+          </a:fontRef>
+        </p:style>
+        <p:txBody>
+          <a:bodyPr rtlCol="0" anchor="ctr"/>
+          <a:lstStyle/>
+          <a:p>
+            <a:pPr algn="ctr"/>
+            <a:r>
+              <a:rPr lang="en-US" altLang="ko-KR" sz="4400" dirty="0">
+                <a:latin typeface="던파 비트비트체 v2" panose="02040503000000000000" pitchFamily="18" charset="-127"/>
+                <a:ea typeface="던파 비트비트체 v2" panose="02040503000000000000" pitchFamily="18" charset="-127"/>
+              </a:rPr>
+              <a:t>&lt;</a:t>
+            </a:r>
+            <a:endParaRPr lang="ko-KR" altLang="en-US" sz="4400" dirty="0">
+              <a:latin typeface="던파 비트비트체 v2" panose="02040503000000000000" pitchFamily="18" charset="-127"/>
+              <a:ea typeface="던파 비트비트체 v2" panose="02040503000000000000" pitchFamily="18" charset="-127"/>
+            </a:endParaRPr>
+          </a:p>
+        </p:txBody>
+      </p:sp>
+      <p:sp>
+        <p:nvSpPr>
+          <p:cNvPr id="8" name="사각형: 둥근 모서리 7">
+            <a:extLst>
+              <a:ext uri="{FF2B5EF4-FFF2-40B4-BE49-F238E27FC236}">
+                <a16:creationId xmlns:a16="http://schemas.microsoft.com/office/drawing/2014/main" id="{C350A305-ECB5-FB52-7A10-5747AE36B4D4}"/>
+              </a:ext>
+            </a:extLst>
+          </p:cNvPr>
+          <p:cNvSpPr/>
+          <p:nvPr/>
+        </p:nvSpPr>
+        <p:spPr>
+          <a:xfrm>
+            <a:off x="11053943" y="3205800"/>
+            <a:ext cx="914400" cy="914400"/>
+          </a:xfrm>
+          <a:prstGeom prst="roundRect">
+            <a:avLst/>
+          </a:prstGeom>
+          <a:solidFill>
+            <a:srgbClr val="3C8367"/>
+          </a:solidFill>
+          <a:ln w="76200">
+            <a:solidFill>
+              <a:schemeClr val="bg1"/>
+            </a:solidFill>
+          </a:ln>
+        </p:spPr>
+        <p:style>
+          <a:lnRef idx="2">
+            <a:schemeClr val="accent1">
+              <a:shade val="15000"/>
+            </a:schemeClr>
+          </a:lnRef>
+          <a:fillRef idx="1">
+            <a:schemeClr val="accent1"/>
+          </a:fillRef>
+          <a:effectRef idx="0">
+            <a:schemeClr val="accent1"/>
+          </a:effectRef>
+          <a:fontRef idx="minor">
+            <a:schemeClr val="lt1"/>
+          </a:fontRef>
+        </p:style>
+        <p:txBody>
+          <a:bodyPr rtlCol="0" anchor="ctr"/>
+          <a:lstStyle/>
+          <a:p>
+            <a:pPr algn="ctr"/>
+            <a:r>
+              <a:rPr lang="en-US" altLang="ko-KR" sz="4400" dirty="0">
+                <a:latin typeface="던파 비트비트체 v2" panose="02040503000000000000" pitchFamily="18" charset="-127"/>
+                <a:ea typeface="던파 비트비트체 v2" panose="02040503000000000000" pitchFamily="18" charset="-127"/>
+              </a:rPr>
+              <a:t>&gt;</a:t>
+            </a:r>
+            <a:endParaRPr lang="ko-KR" altLang="en-US" sz="4400" dirty="0">
+              <a:latin typeface="던파 비트비트체 v2" panose="02040503000000000000" pitchFamily="18" charset="-127"/>
+              <a:ea typeface="던파 비트비트체 v2" panose="02040503000000000000" pitchFamily="18" charset="-127"/>
+            </a:endParaRPr>
+          </a:p>
+        </p:txBody>
+      </p:sp>
+      <p:sp>
+        <p:nvSpPr>
+          <p:cNvPr id="9" name="직사각형 8">
+            <a:extLst>
+              <a:ext uri="{FF2B5EF4-FFF2-40B4-BE49-F238E27FC236}">
+                <a16:creationId xmlns:a16="http://schemas.microsoft.com/office/drawing/2014/main" id="{1FD3DD03-5CBC-6610-26E7-D71D757A0595}"/>
+              </a:ext>
+            </a:extLst>
+          </p:cNvPr>
+          <p:cNvSpPr/>
+          <p:nvPr/>
+        </p:nvSpPr>
+        <p:spPr>
+          <a:xfrm>
+            <a:off x="1399764" y="1558062"/>
+            <a:ext cx="4112600" cy="4677878"/>
+          </a:xfrm>
+          <a:prstGeom prst="rect">
+            <a:avLst/>
+          </a:prstGeom>
+          <a:solidFill>
+            <a:schemeClr val="bg1"/>
+          </a:solidFill>
+          <a:ln w="76200">
+            <a:solidFill>
+              <a:srgbClr val="3C8367"/>
+            </a:solidFill>
+          </a:ln>
+        </p:spPr>
+        <p:style>
+          <a:lnRef idx="2">
+            <a:schemeClr val="accent1">
+              <a:shade val="15000"/>
+            </a:schemeClr>
+          </a:lnRef>
+          <a:fillRef idx="1">
+            <a:schemeClr val="accent1"/>
+          </a:fillRef>
+          <a:effectRef idx="0">
+            <a:schemeClr val="accent1"/>
+          </a:effectRef>
+          <a:fontRef idx="minor">
+            <a:schemeClr val="lt1"/>
+          </a:fontRef>
+        </p:style>
+        <p:txBody>
+          <a:bodyPr rtlCol="0" anchor="ctr"/>
+          <a:lstStyle/>
+          <a:p>
+            <a:pPr algn="ctr"/>
+            <a:endParaRPr lang="ko-KR" altLang="en-US"/>
+          </a:p>
+        </p:txBody>
+      </p:sp>
+      <p:sp>
+        <p:nvSpPr>
+          <p:cNvPr id="10" name="직사각형 9">
+            <a:extLst>
+              <a:ext uri="{FF2B5EF4-FFF2-40B4-BE49-F238E27FC236}">
+                <a16:creationId xmlns:a16="http://schemas.microsoft.com/office/drawing/2014/main" id="{EAAADA9E-32D2-9540-200E-4B807725902A}"/>
+              </a:ext>
+            </a:extLst>
+          </p:cNvPr>
+          <p:cNvSpPr/>
+          <p:nvPr/>
+        </p:nvSpPr>
+        <p:spPr>
+          <a:xfrm>
+            <a:off x="6672357" y="1558062"/>
+            <a:ext cx="4112600" cy="4677878"/>
+          </a:xfrm>
+          <a:prstGeom prst="rect">
+            <a:avLst/>
+          </a:prstGeom>
+          <a:solidFill>
+            <a:schemeClr val="bg1"/>
+          </a:solidFill>
+          <a:ln w="76200">
+            <a:solidFill>
+              <a:srgbClr val="3C8367"/>
+            </a:solidFill>
+          </a:ln>
+        </p:spPr>
+        <p:style>
+          <a:lnRef idx="2">
+            <a:schemeClr val="accent1">
+              <a:shade val="15000"/>
+            </a:schemeClr>
+          </a:lnRef>
+          <a:fillRef idx="1">
+            <a:schemeClr val="accent1"/>
+          </a:fillRef>
+          <a:effectRef idx="0">
+            <a:schemeClr val="accent1"/>
+          </a:effectRef>
+          <a:fontRef idx="minor">
+            <a:schemeClr val="lt1"/>
+          </a:fontRef>
+        </p:style>
+        <p:txBody>
+          <a:bodyPr rtlCol="0" anchor="ctr"/>
+          <a:lstStyle/>
+          <a:p>
+            <a:pPr algn="ctr"/>
+            <a:endParaRPr lang="ko-KR" altLang="en-US"/>
+          </a:p>
+        </p:txBody>
+      </p:sp>
+      <p:sp>
+        <p:nvSpPr>
+          <p:cNvPr id="12" name="TextBox 11">
+            <a:extLst>
+              <a:ext uri="{FF2B5EF4-FFF2-40B4-BE49-F238E27FC236}">
+                <a16:creationId xmlns:a16="http://schemas.microsoft.com/office/drawing/2014/main" id="{23EE6846-81F7-29F4-6EF2-00973A3AB98B}"/>
+              </a:ext>
+            </a:extLst>
+          </p:cNvPr>
+          <p:cNvSpPr txBox="1"/>
+          <p:nvPr/>
+        </p:nvSpPr>
+        <p:spPr>
+          <a:xfrm>
+            <a:off x="1738993" y="3202532"/>
+            <a:ext cx="499421" cy="523220"/>
+          </a:xfrm>
+          <a:prstGeom prst="rect">
+            <a:avLst/>
+          </a:prstGeom>
+          <a:noFill/>
+        </p:spPr>
+        <p:txBody>
+          <a:bodyPr wrap="square" rtlCol="0">
+            <a:spAutoFit/>
+          </a:bodyPr>
+          <a:lstStyle/>
+          <a:p>
+            <a:pPr algn="ctr"/>
+            <a:r>
+              <a:rPr lang="en-US" altLang="ko-KR" sz="2800" dirty="0">
+                <a:solidFill>
+                  <a:srgbClr val="3C8367"/>
+                </a:solidFill>
+                <a:latin typeface="던파 비트비트체 v2" panose="02040503000000000000" pitchFamily="18" charset="-127"/>
+                <a:ea typeface="던파 비트비트체 v2" panose="02040503000000000000" pitchFamily="18" charset="-127"/>
+              </a:rPr>
+              <a:t>&lt;</a:t>
+            </a:r>
+            <a:endParaRPr lang="ko-KR" altLang="en-US" sz="2800" dirty="0">
+              <a:solidFill>
+                <a:srgbClr val="3C8367"/>
+              </a:solidFill>
+              <a:latin typeface="던파 비트비트체 v2" panose="02040503000000000000" pitchFamily="18" charset="-127"/>
+              <a:ea typeface="던파 비트비트체 v2" panose="02040503000000000000" pitchFamily="18" charset="-127"/>
+            </a:endParaRPr>
+          </a:p>
+        </p:txBody>
+      </p:sp>
+      <p:sp>
+        <p:nvSpPr>
+          <p:cNvPr id="13" name="TextBox 12">
+            <a:extLst>
+              <a:ext uri="{FF2B5EF4-FFF2-40B4-BE49-F238E27FC236}">
+                <a16:creationId xmlns:a16="http://schemas.microsoft.com/office/drawing/2014/main" id="{39081E33-16B5-E8CF-C2DB-2358223939E1}"/>
+              </a:ext>
+            </a:extLst>
+          </p:cNvPr>
+          <p:cNvSpPr txBox="1"/>
+          <p:nvPr/>
+        </p:nvSpPr>
+        <p:spPr>
+          <a:xfrm>
+            <a:off x="6769916" y="3202532"/>
+            <a:ext cx="3917482" cy="523220"/>
+          </a:xfrm>
+          <a:prstGeom prst="rect">
+            <a:avLst/>
+          </a:prstGeom>
+          <a:noFill/>
+        </p:spPr>
+        <p:txBody>
+          <a:bodyPr wrap="square" rtlCol="0">
+            <a:spAutoFit/>
+          </a:bodyPr>
+          <a:lstStyle/>
+          <a:p>
+            <a:pPr algn="ctr"/>
+            <a:r>
+              <a:rPr lang="en-US" altLang="ko-KR" sz="2800" dirty="0">
+                <a:solidFill>
+                  <a:srgbClr val="3C8367"/>
+                </a:solidFill>
+                <a:latin typeface="던파 비트비트체 v2" panose="02040503000000000000" pitchFamily="18" charset="-127"/>
+                <a:ea typeface="던파 비트비트체 v2" panose="02040503000000000000" pitchFamily="18" charset="-127"/>
+              </a:rPr>
+              <a:t>&lt;                             &gt;</a:t>
+            </a:r>
+            <a:endParaRPr lang="ko-KR" altLang="en-US" sz="2800" dirty="0">
+              <a:solidFill>
+                <a:srgbClr val="3C8367"/>
+              </a:solidFill>
+              <a:latin typeface="던파 비트비트체 v2" panose="02040503000000000000" pitchFamily="18" charset="-127"/>
+              <a:ea typeface="던파 비트비트체 v2" panose="02040503000000000000" pitchFamily="18" charset="-127"/>
+            </a:endParaRPr>
+          </a:p>
+        </p:txBody>
+      </p:sp>
+      <p:sp>
+        <p:nvSpPr>
+          <p:cNvPr id="14" name="TextBox 13">
+            <a:extLst>
+              <a:ext uri="{FF2B5EF4-FFF2-40B4-BE49-F238E27FC236}">
+                <a16:creationId xmlns:a16="http://schemas.microsoft.com/office/drawing/2014/main" id="{F859D5D2-412F-F77D-CC14-E7A20F74B3B5}"/>
+              </a:ext>
+            </a:extLst>
+          </p:cNvPr>
+          <p:cNvSpPr txBox="1"/>
+          <p:nvPr/>
+        </p:nvSpPr>
+        <p:spPr>
+          <a:xfrm>
+            <a:off x="1407043" y="1898649"/>
+            <a:ext cx="4105321" cy="369332"/>
+          </a:xfrm>
+          <a:prstGeom prst="rect">
+            <a:avLst/>
+          </a:prstGeom>
+          <a:noFill/>
+        </p:spPr>
+        <p:txBody>
+          <a:bodyPr wrap="square" rtlCol="0">
+            <a:spAutoFit/>
+          </a:bodyPr>
+          <a:lstStyle/>
+          <a:p>
+            <a:pPr algn="ctr"/>
+            <a:r>
+              <a:rPr lang="en-US" altLang="ko-KR" dirty="0">
+                <a:solidFill>
+                  <a:srgbClr val="3C8367"/>
+                </a:solidFill>
+                <a:latin typeface="던파 비트비트체 v2" panose="02040503000000000000" pitchFamily="18" charset="-127"/>
+                <a:ea typeface="던파 비트비트체 v2" panose="02040503000000000000" pitchFamily="18" charset="-127"/>
+              </a:rPr>
+              <a:t>p1</a:t>
+            </a:r>
+            <a:endParaRPr lang="ko-KR" altLang="en-US" dirty="0">
+              <a:solidFill>
+                <a:srgbClr val="3C8367"/>
+              </a:solidFill>
+              <a:latin typeface="던파 비트비트체 v2" panose="02040503000000000000" pitchFamily="18" charset="-127"/>
+              <a:ea typeface="던파 비트비트체 v2" panose="02040503000000000000" pitchFamily="18" charset="-127"/>
+            </a:endParaRPr>
+          </a:p>
+        </p:txBody>
+      </p:sp>
+      <p:sp>
+        <p:nvSpPr>
+          <p:cNvPr id="15" name="TextBox 14">
+            <a:extLst>
+              <a:ext uri="{FF2B5EF4-FFF2-40B4-BE49-F238E27FC236}">
+                <a16:creationId xmlns:a16="http://schemas.microsoft.com/office/drawing/2014/main" id="{2A3A933E-FCD2-20F8-ADD1-06207C5F457B}"/>
+              </a:ext>
+            </a:extLst>
+          </p:cNvPr>
+          <p:cNvSpPr txBox="1"/>
+          <p:nvPr/>
+        </p:nvSpPr>
+        <p:spPr>
+          <a:xfrm>
+            <a:off x="6679636" y="1898649"/>
+            <a:ext cx="4105321" cy="369332"/>
+          </a:xfrm>
+          <a:prstGeom prst="rect">
+            <a:avLst/>
+          </a:prstGeom>
+          <a:noFill/>
+        </p:spPr>
+        <p:txBody>
+          <a:bodyPr wrap="square" rtlCol="0">
+            <a:spAutoFit/>
+          </a:bodyPr>
+          <a:lstStyle/>
+          <a:p>
+            <a:pPr algn="ctr"/>
+            <a:r>
+              <a:rPr lang="en-US" altLang="ko-KR" dirty="0">
+                <a:solidFill>
+                  <a:srgbClr val="3C8367"/>
+                </a:solidFill>
+                <a:latin typeface="던파 비트비트체 v2" panose="02040503000000000000" pitchFamily="18" charset="-127"/>
+                <a:ea typeface="던파 비트비트체 v2" panose="02040503000000000000" pitchFamily="18" charset="-127"/>
+              </a:rPr>
+              <a:t>p2</a:t>
+            </a:r>
+            <a:endParaRPr lang="ko-KR" altLang="en-US" dirty="0">
+              <a:solidFill>
+                <a:srgbClr val="3C8367"/>
+              </a:solidFill>
+              <a:latin typeface="던파 비트비트체 v2" panose="02040503000000000000" pitchFamily="18" charset="-127"/>
+              <a:ea typeface="던파 비트비트체 v2" panose="02040503000000000000" pitchFamily="18" charset="-127"/>
+            </a:endParaRPr>
+          </a:p>
+        </p:txBody>
+      </p:sp>
+      <p:sp>
+        <p:nvSpPr>
+          <p:cNvPr id="17" name="직사각형 16">
+            <a:extLst>
+              <a:ext uri="{FF2B5EF4-FFF2-40B4-BE49-F238E27FC236}">
+                <a16:creationId xmlns:a16="http://schemas.microsoft.com/office/drawing/2014/main" id="{45225F07-D9EC-3D00-8B4D-D7CDE4327BD8}"/>
+              </a:ext>
+            </a:extLst>
+          </p:cNvPr>
+          <p:cNvSpPr/>
+          <p:nvPr/>
+        </p:nvSpPr>
+        <p:spPr>
+          <a:xfrm>
+            <a:off x="2736064" y="3005539"/>
+            <a:ext cx="1440000" cy="1440000"/>
+          </a:xfrm>
+          <a:prstGeom prst="rect">
+            <a:avLst/>
+          </a:prstGeom>
+          <a:solidFill>
+            <a:schemeClr val="bg1"/>
+          </a:solidFill>
+          <a:ln w="76200">
+            <a:noFill/>
+          </a:ln>
+        </p:spPr>
+        <p:style>
+          <a:lnRef idx="2">
+            <a:schemeClr val="accent1">
+              <a:shade val="15000"/>
+            </a:schemeClr>
+          </a:lnRef>
+          <a:fillRef idx="1">
+            <a:schemeClr val="accent1"/>
+          </a:fillRef>
+          <a:effectRef idx="0">
+            <a:schemeClr val="accent1"/>
+          </a:effectRef>
+          <a:fontRef idx="minor">
+            <a:schemeClr val="lt1"/>
+          </a:fontRef>
+        </p:style>
+        <p:txBody>
+          <a:bodyPr rtlCol="0" anchor="ctr"/>
+          <a:lstStyle/>
+          <a:p>
+            <a:pPr algn="ctr"/>
+            <a:endParaRPr lang="ko-KR" altLang="en-US" dirty="0"/>
+          </a:p>
+        </p:txBody>
+      </p:sp>
+      <p:sp>
+        <p:nvSpPr>
+          <p:cNvPr id="43" name="TextBox 42">
+            <a:extLst>
+              <a:ext uri="{FF2B5EF4-FFF2-40B4-BE49-F238E27FC236}">
+                <a16:creationId xmlns:a16="http://schemas.microsoft.com/office/drawing/2014/main" id="{F7080DD0-7130-3D6A-4D1B-4D304208AC31}"/>
+              </a:ext>
+            </a:extLst>
+          </p:cNvPr>
+          <p:cNvSpPr txBox="1"/>
+          <p:nvPr/>
+        </p:nvSpPr>
+        <p:spPr>
+          <a:xfrm>
+            <a:off x="4673713" y="3205157"/>
+            <a:ext cx="499419" cy="523220"/>
+          </a:xfrm>
+          <a:prstGeom prst="rect">
+            <a:avLst/>
+          </a:prstGeom>
+          <a:noFill/>
+        </p:spPr>
+        <p:txBody>
+          <a:bodyPr wrap="square" rtlCol="0">
+            <a:spAutoFit/>
+          </a:bodyPr>
+          <a:lstStyle/>
+          <a:p>
+            <a:pPr algn="ctr"/>
+            <a:r>
+              <a:rPr lang="en-US" altLang="ko-KR" sz="2800" dirty="0">
+                <a:solidFill>
+                  <a:srgbClr val="3C8367"/>
+                </a:solidFill>
+                <a:latin typeface="던파 비트비트체 v2" panose="02040503000000000000" pitchFamily="18" charset="-127"/>
+                <a:ea typeface="던파 비트비트체 v2" panose="02040503000000000000" pitchFamily="18" charset="-127"/>
+              </a:rPr>
+              <a:t>&gt;</a:t>
+            </a:r>
+            <a:endParaRPr lang="ko-KR" altLang="en-US" sz="2800" dirty="0">
+              <a:solidFill>
+                <a:srgbClr val="3C8367"/>
+              </a:solidFill>
+              <a:latin typeface="던파 비트비트체 v2" panose="02040503000000000000" pitchFamily="18" charset="-127"/>
+              <a:ea typeface="던파 비트비트체 v2" panose="02040503000000000000" pitchFamily="18" charset="-127"/>
+            </a:endParaRPr>
+          </a:p>
+        </p:txBody>
+      </p:sp>
+    </p:spTree>
+    <p:extLst>
+      <p:ext uri="{BB962C8B-B14F-4D97-AF65-F5344CB8AC3E}">
+        <p14:creationId xmlns:p14="http://schemas.microsoft.com/office/powerpoint/2010/main" val="3621131047"/>
+      </p:ext>
+    </p:extLst>
+  </p:cSld>
+  <p:clrMapOvr>
+    <a:masterClrMapping/>
+  </p:clrMapOvr>
+</p:sld>
+</file>
+
+<file path=ppt/slides/slide11.xml><?xml version="1.0" encoding="utf-8"?>
+<p:sld xmlns:a="http://schemas.openxmlformats.org/drawingml/2006/main" xmlns:r="http://schemas.openxmlformats.org/officeDocument/2006/relationships" xmlns:p="http://schemas.openxmlformats.org/presentationml/2006/main">
+  <p:cSld>
+    <p:bg>
+      <p:bgPr>
+        <a:solidFill>
+          <a:srgbClr val="4FA976"/>
+        </a:solidFill>
+        <a:effectLst/>
+      </p:bgPr>
+    </p:bg>
+    <p:spTree>
+      <p:nvGrpSpPr>
+        <p:cNvPr id="1" name=""/>
+        <p:cNvGrpSpPr/>
+        <p:nvPr/>
+      </p:nvGrpSpPr>
+      <p:grpSpPr>
+        <a:xfrm>
+          <a:off x="0" y="0"/>
+          <a:ext cx="0" cy="0"/>
+          <a:chOff x="0" y="0"/>
+          <a:chExt cx="0" cy="0"/>
+        </a:xfrm>
+      </p:grpSpPr>
+      <p:sp>
+        <p:nvSpPr>
+          <p:cNvPr id="1036" name="직사각형 1035">
+            <a:extLst>
+              <a:ext uri="{FF2B5EF4-FFF2-40B4-BE49-F238E27FC236}">
+                <a16:creationId xmlns:a16="http://schemas.microsoft.com/office/drawing/2014/main" id="{A6E87786-5AD1-C87D-1CF6-C9A7D2E7FDDB}"/>
+              </a:ext>
+            </a:extLst>
+          </p:cNvPr>
+          <p:cNvSpPr/>
+          <p:nvPr/>
+        </p:nvSpPr>
+        <p:spPr>
+          <a:xfrm>
+            <a:off x="7349" y="-2"/>
+            <a:ext cx="12177297" cy="6858002"/>
+          </a:xfrm>
+          <a:prstGeom prst="rect">
+            <a:avLst/>
+          </a:prstGeom>
+          <a:solidFill>
+            <a:srgbClr val="4FA976"/>
+          </a:solidFill>
+          <a:ln>
+            <a:noFill/>
+          </a:ln>
+        </p:spPr>
+        <p:style>
+          <a:lnRef idx="2">
+            <a:schemeClr val="accent1">
+              <a:shade val="15000"/>
+            </a:schemeClr>
+          </a:lnRef>
+          <a:fillRef idx="1">
+            <a:schemeClr val="accent1"/>
+          </a:fillRef>
+          <a:effectRef idx="0">
+            <a:schemeClr val="accent1"/>
+          </a:effectRef>
+          <a:fontRef idx="minor">
+            <a:schemeClr val="lt1"/>
+          </a:fontRef>
+        </p:style>
+        <p:txBody>
+          <a:bodyPr rtlCol="0" anchor="ctr"/>
+          <a:lstStyle/>
+          <a:p>
+            <a:pPr algn="ctr"/>
+            <a:endParaRPr lang="ko-KR" altLang="en-US"/>
+          </a:p>
+        </p:txBody>
+      </p:sp>
+      <p:sp>
+        <p:nvSpPr>
+          <p:cNvPr id="4" name="직사각형 3">
+            <a:extLst>
+              <a:ext uri="{FF2B5EF4-FFF2-40B4-BE49-F238E27FC236}">
+                <a16:creationId xmlns:a16="http://schemas.microsoft.com/office/drawing/2014/main" id="{CF412288-50FF-48F3-A6FE-5B2B535D586B}"/>
+              </a:ext>
+            </a:extLst>
+          </p:cNvPr>
+          <p:cNvSpPr/>
+          <p:nvPr/>
+        </p:nvSpPr>
+        <p:spPr>
+          <a:xfrm>
+            <a:off x="9942897" y="0"/>
+            <a:ext cx="468000" cy="6858000"/>
+          </a:xfrm>
+          <a:prstGeom prst="rect">
+            <a:avLst/>
+          </a:prstGeom>
+          <a:solidFill>
+            <a:schemeClr val="bg1"/>
+          </a:solidFill>
+          <a:ln>
+            <a:noFill/>
+          </a:ln>
+        </p:spPr>
+        <p:style>
+          <a:lnRef idx="2">
+            <a:schemeClr val="accent1">
+              <a:shade val="15000"/>
+            </a:schemeClr>
+          </a:lnRef>
+          <a:fillRef idx="1">
+            <a:schemeClr val="accent1"/>
+          </a:fillRef>
+          <a:effectRef idx="0">
+            <a:schemeClr val="accent1"/>
+          </a:effectRef>
+          <a:fontRef idx="minor">
+            <a:schemeClr val="lt1"/>
+          </a:fontRef>
+        </p:style>
+        <p:txBody>
+          <a:bodyPr rtlCol="0" anchor="ctr"/>
+          <a:lstStyle/>
+          <a:p>
+            <a:pPr algn="ctr"/>
+            <a:endParaRPr lang="ko-KR" altLang="en-US" dirty="0"/>
+          </a:p>
+        </p:txBody>
+      </p:sp>
+      <p:sp>
+        <p:nvSpPr>
+          <p:cNvPr id="5" name="직사각형 4">
+            <a:extLst>
+              <a:ext uri="{FF2B5EF4-FFF2-40B4-BE49-F238E27FC236}">
+                <a16:creationId xmlns:a16="http://schemas.microsoft.com/office/drawing/2014/main" id="{D35378FF-2805-A6FE-4225-99284A50BC38}"/>
+              </a:ext>
+            </a:extLst>
+          </p:cNvPr>
+          <p:cNvSpPr/>
+          <p:nvPr/>
+        </p:nvSpPr>
+        <p:spPr>
+          <a:xfrm rot="5400000">
+            <a:off x="4737449" y="-1308448"/>
+            <a:ext cx="468000" cy="9942897"/>
+          </a:xfrm>
+          <a:prstGeom prst="rect">
+            <a:avLst/>
+          </a:prstGeom>
+          <a:solidFill>
+            <a:schemeClr val="bg1"/>
+          </a:solidFill>
+          <a:ln>
+            <a:noFill/>
+          </a:ln>
+        </p:spPr>
+        <p:style>
+          <a:lnRef idx="2">
+            <a:schemeClr val="accent1">
+              <a:shade val="15000"/>
+            </a:schemeClr>
+          </a:lnRef>
+          <a:fillRef idx="1">
+            <a:schemeClr val="accent1"/>
+          </a:fillRef>
+          <a:effectRef idx="0">
+            <a:schemeClr val="accent1"/>
+          </a:effectRef>
+          <a:fontRef idx="minor">
+            <a:schemeClr val="lt1"/>
+          </a:fontRef>
+        </p:style>
+        <p:txBody>
+          <a:bodyPr rtlCol="0" anchor="ctr"/>
+          <a:lstStyle/>
+          <a:p>
+            <a:pPr algn="ctr"/>
+            <a:endParaRPr lang="ko-KR" altLang="en-US" dirty="0"/>
+          </a:p>
+        </p:txBody>
+      </p:sp>
+      <p:sp>
+        <p:nvSpPr>
+          <p:cNvPr id="1035" name="순서도: 수동 입력 1034">
+            <a:extLst>
+              <a:ext uri="{FF2B5EF4-FFF2-40B4-BE49-F238E27FC236}">
+                <a16:creationId xmlns:a16="http://schemas.microsoft.com/office/drawing/2014/main" id="{640E910B-DC53-44D9-F9B1-EECF427CC188}"/>
+              </a:ext>
+            </a:extLst>
+          </p:cNvPr>
+          <p:cNvSpPr/>
+          <p:nvPr/>
+        </p:nvSpPr>
+        <p:spPr>
+          <a:xfrm flipV="1">
+            <a:off x="7351" y="-1"/>
+            <a:ext cx="12199281" cy="3797301"/>
+          </a:xfrm>
+          <a:prstGeom prst="flowChartManualInput">
+            <a:avLst/>
+          </a:prstGeom>
+          <a:solidFill>
+            <a:srgbClr val="295E58">
+              <a:alpha val="50196"/>
+            </a:srgbClr>
+          </a:solidFill>
+          <a:ln>
+            <a:noFill/>
+          </a:ln>
+        </p:spPr>
+        <p:style>
+          <a:lnRef idx="2">
+            <a:schemeClr val="accent1">
+              <a:shade val="15000"/>
+            </a:schemeClr>
+          </a:lnRef>
+          <a:fillRef idx="1">
+            <a:schemeClr val="accent1"/>
+          </a:fillRef>
+          <a:effectRef idx="0">
+            <a:schemeClr val="accent1"/>
+          </a:effectRef>
+          <a:fontRef idx="minor">
+            <a:schemeClr val="lt1"/>
+          </a:fontRef>
+        </p:style>
+        <p:txBody>
+          <a:bodyPr rtlCol="0" anchor="ctr"/>
+          <a:lstStyle/>
+          <a:p>
+            <a:pPr algn="ctr"/>
+            <a:endParaRPr lang="ko-KR" altLang="en-US" dirty="0"/>
+          </a:p>
+        </p:txBody>
+      </p:sp>
+      <p:sp>
+        <p:nvSpPr>
+          <p:cNvPr id="1037" name="TextBox 1036">
+            <a:extLst>
+              <a:ext uri="{FF2B5EF4-FFF2-40B4-BE49-F238E27FC236}">
+                <a16:creationId xmlns:a16="http://schemas.microsoft.com/office/drawing/2014/main" id="{7E3B3EFE-B4E1-5D29-CC3D-D1957246BCEC}"/>
+              </a:ext>
+            </a:extLst>
+          </p:cNvPr>
+          <p:cNvSpPr txBox="1"/>
+          <p:nvPr/>
+        </p:nvSpPr>
+        <p:spPr>
+          <a:xfrm>
+            <a:off x="2897205" y="485316"/>
+            <a:ext cx="6397588" cy="769441"/>
+          </a:xfrm>
+          <a:prstGeom prst="rect">
+            <a:avLst/>
+          </a:prstGeom>
+          <a:noFill/>
+        </p:spPr>
+        <p:txBody>
+          <a:bodyPr wrap="square" rtlCol="0">
+            <a:spAutoFit/>
+          </a:bodyPr>
+          <a:lstStyle/>
+          <a:p>
+            <a:pPr algn="ctr"/>
+            <a:r>
+              <a:rPr lang="en-US" altLang="ko-KR" sz="4400" dirty="0">
+                <a:solidFill>
+                  <a:schemeClr val="bg1"/>
+                </a:solidFill>
+                <a:latin typeface="던파 비트비트체 v2" panose="02040503000000000000" pitchFamily="18" charset="-127"/>
+                <a:ea typeface="던파 비트비트체 v2" panose="02040503000000000000" pitchFamily="18" charset="-127"/>
+              </a:rPr>
               <a:t>- Rule Setting -</a:t>
             </a:r>
             <a:endParaRPr lang="ko-KR" altLang="en-US" sz="4400" dirty="0">
@@ -7210,7 +8078,721 @@
 </p:sld>
 </file>
 
-<file path=ppt/slides/slide11.xml><?xml version="1.0" encoding="utf-8"?>
+<file path=ppt/slides/slide12.xml><?xml version="1.0" encoding="utf-8"?>
+<p:sld xmlns:a="http://schemas.openxmlformats.org/drawingml/2006/main" xmlns:r="http://schemas.openxmlformats.org/officeDocument/2006/relationships" xmlns:p="http://schemas.openxmlformats.org/presentationml/2006/main">
+  <p:cSld>
+    <p:bg>
+      <p:bgPr>
+        <a:solidFill>
+          <a:srgbClr val="4FA976"/>
+        </a:solidFill>
+        <a:effectLst/>
+      </p:bgPr>
+    </p:bg>
+    <p:spTree>
+      <p:nvGrpSpPr>
+        <p:cNvPr id="1" name=""/>
+        <p:cNvGrpSpPr/>
+        <p:nvPr/>
+      </p:nvGrpSpPr>
+      <p:grpSpPr>
+        <a:xfrm>
+          <a:off x="0" y="0"/>
+          <a:ext cx="0" cy="0"/>
+          <a:chOff x="0" y="0"/>
+          <a:chExt cx="0" cy="0"/>
+        </a:xfrm>
+      </p:grpSpPr>
+      <p:sp>
+        <p:nvSpPr>
+          <p:cNvPr id="1036" name="직사각형 1035">
+            <a:extLst>
+              <a:ext uri="{FF2B5EF4-FFF2-40B4-BE49-F238E27FC236}">
+                <a16:creationId xmlns:a16="http://schemas.microsoft.com/office/drawing/2014/main" id="{A6E87786-5AD1-C87D-1CF6-C9A7D2E7FDDB}"/>
+              </a:ext>
+            </a:extLst>
+          </p:cNvPr>
+          <p:cNvSpPr/>
+          <p:nvPr/>
+        </p:nvSpPr>
+        <p:spPr>
+          <a:xfrm>
+            <a:off x="7349" y="-2"/>
+            <a:ext cx="12177297" cy="6858002"/>
+          </a:xfrm>
+          <a:prstGeom prst="rect">
+            <a:avLst/>
+          </a:prstGeom>
+          <a:solidFill>
+            <a:srgbClr val="4FA976"/>
+          </a:solidFill>
+          <a:ln>
+            <a:noFill/>
+          </a:ln>
+        </p:spPr>
+        <p:style>
+          <a:lnRef idx="2">
+            <a:schemeClr val="accent1">
+              <a:shade val="15000"/>
+            </a:schemeClr>
+          </a:lnRef>
+          <a:fillRef idx="1">
+            <a:schemeClr val="accent1"/>
+          </a:fillRef>
+          <a:effectRef idx="0">
+            <a:schemeClr val="accent1"/>
+          </a:effectRef>
+          <a:fontRef idx="minor">
+            <a:schemeClr val="lt1"/>
+          </a:fontRef>
+        </p:style>
+        <p:txBody>
+          <a:bodyPr rtlCol="0" anchor="ctr"/>
+          <a:lstStyle/>
+          <a:p>
+            <a:pPr algn="ctr"/>
+            <a:endParaRPr lang="ko-KR" altLang="en-US"/>
+          </a:p>
+        </p:txBody>
+      </p:sp>
+      <p:sp>
+        <p:nvSpPr>
+          <p:cNvPr id="4" name="직사각형 3">
+            <a:extLst>
+              <a:ext uri="{FF2B5EF4-FFF2-40B4-BE49-F238E27FC236}">
+                <a16:creationId xmlns:a16="http://schemas.microsoft.com/office/drawing/2014/main" id="{CF412288-50FF-48F3-A6FE-5B2B535D586B}"/>
+              </a:ext>
+            </a:extLst>
+          </p:cNvPr>
+          <p:cNvSpPr/>
+          <p:nvPr/>
+        </p:nvSpPr>
+        <p:spPr>
+          <a:xfrm>
+            <a:off x="9942897" y="0"/>
+            <a:ext cx="468000" cy="6858000"/>
+          </a:xfrm>
+          <a:prstGeom prst="rect">
+            <a:avLst/>
+          </a:prstGeom>
+          <a:solidFill>
+            <a:schemeClr val="bg1"/>
+          </a:solidFill>
+          <a:ln>
+            <a:noFill/>
+          </a:ln>
+        </p:spPr>
+        <p:style>
+          <a:lnRef idx="2">
+            <a:schemeClr val="accent1">
+              <a:shade val="15000"/>
+            </a:schemeClr>
+          </a:lnRef>
+          <a:fillRef idx="1">
+            <a:schemeClr val="accent1"/>
+          </a:fillRef>
+          <a:effectRef idx="0">
+            <a:schemeClr val="accent1"/>
+          </a:effectRef>
+          <a:fontRef idx="minor">
+            <a:schemeClr val="lt1"/>
+          </a:fontRef>
+        </p:style>
+        <p:txBody>
+          <a:bodyPr rtlCol="0" anchor="ctr"/>
+          <a:lstStyle/>
+          <a:p>
+            <a:pPr algn="ctr"/>
+            <a:endParaRPr lang="ko-KR" altLang="en-US" dirty="0"/>
+          </a:p>
+        </p:txBody>
+      </p:sp>
+      <p:sp>
+        <p:nvSpPr>
+          <p:cNvPr id="5" name="직사각형 4">
+            <a:extLst>
+              <a:ext uri="{FF2B5EF4-FFF2-40B4-BE49-F238E27FC236}">
+                <a16:creationId xmlns:a16="http://schemas.microsoft.com/office/drawing/2014/main" id="{D35378FF-2805-A6FE-4225-99284A50BC38}"/>
+              </a:ext>
+            </a:extLst>
+          </p:cNvPr>
+          <p:cNvSpPr/>
+          <p:nvPr/>
+        </p:nvSpPr>
+        <p:spPr>
+          <a:xfrm rot="5400000">
+            <a:off x="4737449" y="-1308448"/>
+            <a:ext cx="468000" cy="9942897"/>
+          </a:xfrm>
+          <a:prstGeom prst="rect">
+            <a:avLst/>
+          </a:prstGeom>
+          <a:solidFill>
+            <a:schemeClr val="bg1"/>
+          </a:solidFill>
+          <a:ln>
+            <a:noFill/>
+          </a:ln>
+        </p:spPr>
+        <p:style>
+          <a:lnRef idx="2">
+            <a:schemeClr val="accent1">
+              <a:shade val="15000"/>
+            </a:schemeClr>
+          </a:lnRef>
+          <a:fillRef idx="1">
+            <a:schemeClr val="accent1"/>
+          </a:fillRef>
+          <a:effectRef idx="0">
+            <a:schemeClr val="accent1"/>
+          </a:effectRef>
+          <a:fontRef idx="minor">
+            <a:schemeClr val="lt1"/>
+          </a:fontRef>
+        </p:style>
+        <p:txBody>
+          <a:bodyPr rtlCol="0" anchor="ctr"/>
+          <a:lstStyle/>
+          <a:p>
+            <a:pPr algn="ctr"/>
+            <a:endParaRPr lang="ko-KR" altLang="en-US" dirty="0"/>
+          </a:p>
+        </p:txBody>
+      </p:sp>
+      <p:sp>
+        <p:nvSpPr>
+          <p:cNvPr id="1035" name="순서도: 수동 입력 1034">
+            <a:extLst>
+              <a:ext uri="{FF2B5EF4-FFF2-40B4-BE49-F238E27FC236}">
+                <a16:creationId xmlns:a16="http://schemas.microsoft.com/office/drawing/2014/main" id="{640E910B-DC53-44D9-F9B1-EECF427CC188}"/>
+              </a:ext>
+            </a:extLst>
+          </p:cNvPr>
+          <p:cNvSpPr/>
+          <p:nvPr/>
+        </p:nvSpPr>
+        <p:spPr>
+          <a:xfrm flipV="1">
+            <a:off x="7351" y="-1"/>
+            <a:ext cx="12199281" cy="3797301"/>
+          </a:xfrm>
+          <a:prstGeom prst="flowChartManualInput">
+            <a:avLst/>
+          </a:prstGeom>
+          <a:solidFill>
+            <a:srgbClr val="295E58">
+              <a:alpha val="50196"/>
+            </a:srgbClr>
+          </a:solidFill>
+          <a:ln>
+            <a:noFill/>
+          </a:ln>
+        </p:spPr>
+        <p:style>
+          <a:lnRef idx="2">
+            <a:schemeClr val="accent1">
+              <a:shade val="15000"/>
+            </a:schemeClr>
+          </a:lnRef>
+          <a:fillRef idx="1">
+            <a:schemeClr val="accent1"/>
+          </a:fillRef>
+          <a:effectRef idx="0">
+            <a:schemeClr val="accent1"/>
+          </a:effectRef>
+          <a:fontRef idx="minor">
+            <a:schemeClr val="lt1"/>
+          </a:fontRef>
+        </p:style>
+        <p:txBody>
+          <a:bodyPr rtlCol="0" anchor="ctr"/>
+          <a:lstStyle/>
+          <a:p>
+            <a:pPr algn="ctr"/>
+            <a:endParaRPr lang="ko-KR" altLang="en-US" dirty="0"/>
+          </a:p>
+        </p:txBody>
+      </p:sp>
+      <p:sp>
+        <p:nvSpPr>
+          <p:cNvPr id="1037" name="TextBox 1036">
+            <a:extLst>
+              <a:ext uri="{FF2B5EF4-FFF2-40B4-BE49-F238E27FC236}">
+                <a16:creationId xmlns:a16="http://schemas.microsoft.com/office/drawing/2014/main" id="{7E3B3EFE-B4E1-5D29-CC3D-D1957246BCEC}"/>
+              </a:ext>
+            </a:extLst>
+          </p:cNvPr>
+          <p:cNvSpPr txBox="1"/>
+          <p:nvPr/>
+        </p:nvSpPr>
+        <p:spPr>
+          <a:xfrm>
+            <a:off x="2897205" y="485316"/>
+            <a:ext cx="6397588" cy="769441"/>
+          </a:xfrm>
+          <a:prstGeom prst="rect">
+            <a:avLst/>
+          </a:prstGeom>
+          <a:noFill/>
+        </p:spPr>
+        <p:txBody>
+          <a:bodyPr wrap="square" rtlCol="0">
+            <a:spAutoFit/>
+          </a:bodyPr>
+          <a:lstStyle/>
+          <a:p>
+            <a:pPr algn="ctr"/>
+            <a:r>
+              <a:rPr lang="en-US" altLang="ko-KR" sz="4400" dirty="0">
+                <a:solidFill>
+                  <a:schemeClr val="bg1"/>
+                </a:solidFill>
+                <a:latin typeface="던파 비트비트체 v2" panose="02040503000000000000" pitchFamily="18" charset="-127"/>
+                <a:ea typeface="던파 비트비트체 v2" panose="02040503000000000000" pitchFamily="18" charset="-127"/>
+              </a:rPr>
+              <a:t>- Rule Setting -</a:t>
+            </a:r>
+            <a:endParaRPr lang="ko-KR" altLang="en-US" sz="4400" dirty="0">
+              <a:solidFill>
+                <a:schemeClr val="bg1"/>
+              </a:solidFill>
+              <a:latin typeface="던파 비트비트체 v2" panose="02040503000000000000" pitchFamily="18" charset="-127"/>
+              <a:ea typeface="던파 비트비트체 v2" panose="02040503000000000000" pitchFamily="18" charset="-127"/>
+            </a:endParaRPr>
+          </a:p>
+        </p:txBody>
+      </p:sp>
+      <p:pic>
+        <p:nvPicPr>
+          <p:cNvPr id="2" name="그림 1" descr="스크린샷, 패턴, 블랙이(가) 표시된 사진&#10;&#10;자동 생성된 설명">
+            <a:extLst>
+              <a:ext uri="{FF2B5EF4-FFF2-40B4-BE49-F238E27FC236}">
+                <a16:creationId xmlns:a16="http://schemas.microsoft.com/office/drawing/2014/main" id="{66636E53-F9AA-4B3F-41F4-7A14AB4347AC}"/>
+              </a:ext>
+            </a:extLst>
+          </p:cNvPr>
+          <p:cNvPicPr>
+            <a:picLocks noChangeAspect="1"/>
+          </p:cNvPicPr>
+          <p:nvPr/>
+        </p:nvPicPr>
+        <p:blipFill rotWithShape="1">
+          <a:blip r:embed="rId2">
+            <a:extLst>
+              <a:ext uri="{28A0092B-C50C-407E-A947-70E740481C1C}">
+                <a14:useLocalDpi xmlns:a14="http://schemas.microsoft.com/office/drawing/2010/main" val="0"/>
+              </a:ext>
+            </a:extLst>
+          </a:blip>
+          <a:srcRect l="478" r="478" b="85"/>
+          <a:stretch/>
+        </p:blipFill>
+        <p:spPr>
+          <a:xfrm>
+            <a:off x="7351" y="4669129"/>
+            <a:ext cx="12177297" cy="2188871"/>
+          </a:xfrm>
+          <a:prstGeom prst="rect">
+            <a:avLst/>
+          </a:prstGeom>
+        </p:spPr>
+      </p:pic>
+      <p:sp>
+        <p:nvSpPr>
+          <p:cNvPr id="7" name="사각형: 둥근 모서리 6">
+            <a:extLst>
+              <a:ext uri="{FF2B5EF4-FFF2-40B4-BE49-F238E27FC236}">
+                <a16:creationId xmlns:a16="http://schemas.microsoft.com/office/drawing/2014/main" id="{1F077001-D9A3-8F25-810B-04B426F93A87}"/>
+              </a:ext>
+            </a:extLst>
+          </p:cNvPr>
+          <p:cNvSpPr/>
+          <p:nvPr/>
+        </p:nvSpPr>
+        <p:spPr>
+          <a:xfrm>
+            <a:off x="221381" y="3205800"/>
+            <a:ext cx="914400" cy="914400"/>
+          </a:xfrm>
+          <a:prstGeom prst="roundRect">
+            <a:avLst/>
+          </a:prstGeom>
+          <a:solidFill>
+            <a:srgbClr val="3C8367"/>
+          </a:solidFill>
+          <a:ln w="76200">
+            <a:solidFill>
+              <a:schemeClr val="bg1"/>
+            </a:solidFill>
+          </a:ln>
+        </p:spPr>
+        <p:style>
+          <a:lnRef idx="2">
+            <a:schemeClr val="accent1">
+              <a:shade val="15000"/>
+            </a:schemeClr>
+          </a:lnRef>
+          <a:fillRef idx="1">
+            <a:schemeClr val="accent1"/>
+          </a:fillRef>
+          <a:effectRef idx="0">
+            <a:schemeClr val="accent1"/>
+          </a:effectRef>
+          <a:fontRef idx="minor">
+            <a:schemeClr val="lt1"/>
+          </a:fontRef>
+        </p:style>
+        <p:txBody>
+          <a:bodyPr rtlCol="0" anchor="ctr"/>
+          <a:lstStyle/>
+          <a:p>
+            <a:pPr algn="ctr"/>
+            <a:r>
+              <a:rPr lang="en-US" altLang="ko-KR" sz="4400" dirty="0">
+                <a:latin typeface="던파 비트비트체 v2" panose="02040503000000000000" pitchFamily="18" charset="-127"/>
+                <a:ea typeface="던파 비트비트체 v2" panose="02040503000000000000" pitchFamily="18" charset="-127"/>
+              </a:rPr>
+              <a:t>&lt;</a:t>
+            </a:r>
+            <a:endParaRPr lang="ko-KR" altLang="en-US" sz="4400" dirty="0">
+              <a:latin typeface="던파 비트비트체 v2" panose="02040503000000000000" pitchFamily="18" charset="-127"/>
+              <a:ea typeface="던파 비트비트체 v2" panose="02040503000000000000" pitchFamily="18" charset="-127"/>
+            </a:endParaRPr>
+          </a:p>
+        </p:txBody>
+      </p:sp>
+      <p:sp>
+        <p:nvSpPr>
+          <p:cNvPr id="8" name="사각형: 둥근 모서리 7">
+            <a:extLst>
+              <a:ext uri="{FF2B5EF4-FFF2-40B4-BE49-F238E27FC236}">
+                <a16:creationId xmlns:a16="http://schemas.microsoft.com/office/drawing/2014/main" id="{C350A305-ECB5-FB52-7A10-5747AE36B4D4}"/>
+              </a:ext>
+            </a:extLst>
+          </p:cNvPr>
+          <p:cNvSpPr/>
+          <p:nvPr/>
+        </p:nvSpPr>
+        <p:spPr>
+          <a:xfrm>
+            <a:off x="11053943" y="3205800"/>
+            <a:ext cx="914400" cy="914400"/>
+          </a:xfrm>
+          <a:prstGeom prst="roundRect">
+            <a:avLst/>
+          </a:prstGeom>
+          <a:solidFill>
+            <a:srgbClr val="3C8367"/>
+          </a:solidFill>
+          <a:ln w="76200">
+            <a:solidFill>
+              <a:schemeClr val="bg1"/>
+            </a:solidFill>
+          </a:ln>
+        </p:spPr>
+        <p:style>
+          <a:lnRef idx="2">
+            <a:schemeClr val="accent1">
+              <a:shade val="15000"/>
+            </a:schemeClr>
+          </a:lnRef>
+          <a:fillRef idx="1">
+            <a:schemeClr val="accent1"/>
+          </a:fillRef>
+          <a:effectRef idx="0">
+            <a:schemeClr val="accent1"/>
+          </a:effectRef>
+          <a:fontRef idx="minor">
+            <a:schemeClr val="lt1"/>
+          </a:fontRef>
+        </p:style>
+        <p:txBody>
+          <a:bodyPr rtlCol="0" anchor="ctr"/>
+          <a:lstStyle/>
+          <a:p>
+            <a:pPr algn="ctr"/>
+            <a:r>
+              <a:rPr lang="en-US" altLang="ko-KR" sz="4400" dirty="0">
+                <a:latin typeface="던파 비트비트체 v2" panose="02040503000000000000" pitchFamily="18" charset="-127"/>
+                <a:ea typeface="던파 비트비트체 v2" panose="02040503000000000000" pitchFamily="18" charset="-127"/>
+              </a:rPr>
+              <a:t>&gt;</a:t>
+            </a:r>
+            <a:endParaRPr lang="ko-KR" altLang="en-US" sz="4400" dirty="0">
+              <a:latin typeface="던파 비트비트체 v2" panose="02040503000000000000" pitchFamily="18" charset="-127"/>
+              <a:ea typeface="던파 비트비트체 v2" panose="02040503000000000000" pitchFamily="18" charset="-127"/>
+            </a:endParaRPr>
+          </a:p>
+        </p:txBody>
+      </p:sp>
+      <p:pic>
+        <p:nvPicPr>
+          <p:cNvPr id="42" name="그림 41" descr="텍스트, 스크린샷이(가) 표시된 사진&#10;&#10;자동 생성된 설명">
+            <a:extLst>
+              <a:ext uri="{FF2B5EF4-FFF2-40B4-BE49-F238E27FC236}">
+                <a16:creationId xmlns:a16="http://schemas.microsoft.com/office/drawing/2014/main" id="{889991A5-B0F0-9B49-5F34-802E387A0C46}"/>
+              </a:ext>
+            </a:extLst>
+          </p:cNvPr>
+          <p:cNvPicPr>
+            <a:picLocks noChangeAspect="1"/>
+          </p:cNvPicPr>
+          <p:nvPr/>
+        </p:nvPicPr>
+        <p:blipFill>
+          <a:blip r:embed="rId3">
+            <a:extLst>
+              <a:ext uri="{28A0092B-C50C-407E-A947-70E740481C1C}">
+                <a14:useLocalDpi xmlns:a14="http://schemas.microsoft.com/office/drawing/2010/main" val="0"/>
+              </a:ext>
+            </a:extLst>
+          </a:blip>
+          <a:stretch>
+            <a:fillRect/>
+          </a:stretch>
+        </p:blipFill>
+        <p:spPr>
+          <a:xfrm>
+            <a:off x="746036" y="-5797240"/>
+            <a:ext cx="7855354" cy="5226319"/>
+          </a:xfrm>
+          <a:prstGeom prst="rect">
+            <a:avLst/>
+          </a:prstGeom>
+        </p:spPr>
+      </p:pic>
+      <p:sp>
+        <p:nvSpPr>
+          <p:cNvPr id="46" name="직사각형 45">
+            <a:extLst>
+              <a:ext uri="{FF2B5EF4-FFF2-40B4-BE49-F238E27FC236}">
+                <a16:creationId xmlns:a16="http://schemas.microsoft.com/office/drawing/2014/main" id="{1806D53B-F48B-04BE-E67F-1076223DC893}"/>
+              </a:ext>
+            </a:extLst>
+          </p:cNvPr>
+          <p:cNvSpPr/>
+          <p:nvPr/>
+        </p:nvSpPr>
+        <p:spPr>
+          <a:xfrm>
+            <a:off x="4037593" y="1558062"/>
+            <a:ext cx="4112600" cy="4677878"/>
+          </a:xfrm>
+          <a:prstGeom prst="rect">
+            <a:avLst/>
+          </a:prstGeom>
+          <a:solidFill>
+            <a:schemeClr val="bg1"/>
+          </a:solidFill>
+          <a:ln w="76200">
+            <a:solidFill>
+              <a:srgbClr val="3C8367"/>
+            </a:solidFill>
+          </a:ln>
+        </p:spPr>
+        <p:style>
+          <a:lnRef idx="2">
+            <a:schemeClr val="accent1">
+              <a:shade val="15000"/>
+            </a:schemeClr>
+          </a:lnRef>
+          <a:fillRef idx="1">
+            <a:schemeClr val="accent1"/>
+          </a:fillRef>
+          <a:effectRef idx="0">
+            <a:schemeClr val="accent1"/>
+          </a:effectRef>
+          <a:fontRef idx="minor">
+            <a:schemeClr val="lt1"/>
+          </a:fontRef>
+        </p:style>
+        <p:txBody>
+          <a:bodyPr rtlCol="0" anchor="ctr"/>
+          <a:lstStyle/>
+          <a:p>
+            <a:pPr algn="ctr"/>
+            <a:endParaRPr lang="ko-KR" altLang="en-US"/>
+          </a:p>
+        </p:txBody>
+      </p:sp>
+      <p:sp>
+        <p:nvSpPr>
+          <p:cNvPr id="47" name="TextBox 46">
+            <a:extLst>
+              <a:ext uri="{FF2B5EF4-FFF2-40B4-BE49-F238E27FC236}">
+                <a16:creationId xmlns:a16="http://schemas.microsoft.com/office/drawing/2014/main" id="{1355B1B7-C2D5-F01E-6379-9149223CEDCD}"/>
+              </a:ext>
+            </a:extLst>
+          </p:cNvPr>
+          <p:cNvSpPr txBox="1"/>
+          <p:nvPr/>
+        </p:nvSpPr>
+        <p:spPr>
+          <a:xfrm>
+            <a:off x="4044872" y="1898649"/>
+            <a:ext cx="4105321" cy="369332"/>
+          </a:xfrm>
+          <a:prstGeom prst="rect">
+            <a:avLst/>
+          </a:prstGeom>
+          <a:noFill/>
+        </p:spPr>
+        <p:txBody>
+          <a:bodyPr wrap="square" rtlCol="0">
+            <a:spAutoFit/>
+          </a:bodyPr>
+          <a:lstStyle/>
+          <a:p>
+            <a:pPr algn="ctr"/>
+            <a:r>
+              <a:rPr lang="en-US" altLang="ko-KR" dirty="0">
+                <a:solidFill>
+                  <a:srgbClr val="3C8367"/>
+                </a:solidFill>
+                <a:latin typeface="던파 비트비트체 v2" panose="02040503000000000000" pitchFamily="18" charset="-127"/>
+                <a:ea typeface="던파 비트비트체 v2" panose="02040503000000000000" pitchFamily="18" charset="-127"/>
+              </a:rPr>
+              <a:t>Ground</a:t>
+            </a:r>
+            <a:endParaRPr lang="ko-KR" altLang="en-US" dirty="0">
+              <a:solidFill>
+                <a:srgbClr val="3C8367"/>
+              </a:solidFill>
+              <a:latin typeface="던파 비트비트체 v2" panose="02040503000000000000" pitchFamily="18" charset="-127"/>
+              <a:ea typeface="던파 비트비트체 v2" panose="02040503000000000000" pitchFamily="18" charset="-127"/>
+            </a:endParaRPr>
+          </a:p>
+        </p:txBody>
+      </p:sp>
+      <p:sp>
+        <p:nvSpPr>
+          <p:cNvPr id="48" name="직사각형 47">
+            <a:extLst>
+              <a:ext uri="{FF2B5EF4-FFF2-40B4-BE49-F238E27FC236}">
+                <a16:creationId xmlns:a16="http://schemas.microsoft.com/office/drawing/2014/main" id="{9B9B59B4-76A3-EC16-CBBB-12A1618D0AE2}"/>
+              </a:ext>
+            </a:extLst>
+          </p:cNvPr>
+          <p:cNvSpPr/>
+          <p:nvPr/>
+        </p:nvSpPr>
+        <p:spPr>
+          <a:xfrm>
+            <a:off x="4715933" y="2368391"/>
+            <a:ext cx="2755920" cy="476765"/>
+          </a:xfrm>
+          <a:prstGeom prst="rect">
+            <a:avLst/>
+          </a:prstGeom>
+          <a:noFill/>
+          <a:ln>
+            <a:noFill/>
+          </a:ln>
+        </p:spPr>
+        <p:style>
+          <a:lnRef idx="2">
+            <a:schemeClr val="accent1">
+              <a:shade val="15000"/>
+            </a:schemeClr>
+          </a:lnRef>
+          <a:fillRef idx="1">
+            <a:schemeClr val="accent1"/>
+          </a:fillRef>
+          <a:effectRef idx="0">
+            <a:schemeClr val="accent1"/>
+          </a:effectRef>
+          <a:fontRef idx="minor">
+            <a:schemeClr val="lt1"/>
+          </a:fontRef>
+        </p:style>
+        <p:txBody>
+          <a:bodyPr rtlCol="0" anchor="ctr"/>
+          <a:lstStyle/>
+          <a:p>
+            <a:pPr algn="ctr"/>
+            <a:r>
+              <a:rPr lang="en-US" altLang="ko-KR" dirty="0">
+                <a:solidFill>
+                  <a:srgbClr val="0E2734"/>
+                </a:solidFill>
+                <a:latin typeface="던파 비트비트체 v2" panose="02040503000000000000" pitchFamily="18" charset="-127"/>
+                <a:ea typeface="던파 비트비트체 v2" panose="02040503000000000000" pitchFamily="18" charset="-127"/>
+              </a:rPr>
+              <a:t>TUK ground</a:t>
+            </a:r>
+            <a:endParaRPr lang="ko-KR" altLang="en-US" dirty="0">
+              <a:solidFill>
+                <a:srgbClr val="0E2734"/>
+              </a:solidFill>
+              <a:latin typeface="던파 비트비트체 v2" panose="02040503000000000000" pitchFamily="18" charset="-127"/>
+              <a:ea typeface="던파 비트비트체 v2" panose="02040503000000000000" pitchFamily="18" charset="-127"/>
+            </a:endParaRPr>
+          </a:p>
+        </p:txBody>
+      </p:sp>
+      <p:sp>
+        <p:nvSpPr>
+          <p:cNvPr id="1032" name="TextBox 1031">
+            <a:extLst>
+              <a:ext uri="{FF2B5EF4-FFF2-40B4-BE49-F238E27FC236}">
+                <a16:creationId xmlns:a16="http://schemas.microsoft.com/office/drawing/2014/main" id="{E2E4F47A-A191-3A33-1990-D9890FA7606E}"/>
+              </a:ext>
+            </a:extLst>
+          </p:cNvPr>
+          <p:cNvSpPr txBox="1"/>
+          <p:nvPr/>
+        </p:nvSpPr>
+        <p:spPr>
+          <a:xfrm>
+            <a:off x="4052221" y="3532319"/>
+            <a:ext cx="4105321" cy="369332"/>
+          </a:xfrm>
+          <a:prstGeom prst="rect">
+            <a:avLst/>
+          </a:prstGeom>
+          <a:noFill/>
+        </p:spPr>
+        <p:txBody>
+          <a:bodyPr wrap="square" rtlCol="0">
+            <a:spAutoFit/>
+          </a:bodyPr>
+          <a:lstStyle/>
+          <a:p>
+            <a:pPr algn="ctr"/>
+            <a:r>
+              <a:rPr lang="en-US" altLang="ko-KR" dirty="0">
+                <a:solidFill>
+                  <a:srgbClr val="3C8367"/>
+                </a:solidFill>
+                <a:latin typeface="던파 비트비트체 v2" panose="02040503000000000000" pitchFamily="18" charset="-127"/>
+                <a:ea typeface="던파 비트비트체 v2" panose="02040503000000000000" pitchFamily="18" charset="-127"/>
+              </a:rPr>
+              <a:t>Match Length</a:t>
+            </a:r>
+            <a:endParaRPr lang="ko-KR" altLang="en-US" dirty="0">
+              <a:solidFill>
+                <a:srgbClr val="3C8367"/>
+              </a:solidFill>
+              <a:latin typeface="던파 비트비트체 v2" panose="02040503000000000000" pitchFamily="18" charset="-127"/>
+              <a:ea typeface="던파 비트비트체 v2" panose="02040503000000000000" pitchFamily="18" charset="-127"/>
+            </a:endParaRPr>
+          </a:p>
+        </p:txBody>
+      </p:sp>
+    </p:spTree>
+    <p:extLst>
+      <p:ext uri="{BB962C8B-B14F-4D97-AF65-F5344CB8AC3E}">
+        <p14:creationId xmlns:p14="http://schemas.microsoft.com/office/powerpoint/2010/main" val="1877739127"/>
+      </p:ext>
+    </p:extLst>
+  </p:cSld>
+  <p:clrMapOvr>
+    <a:masterClrMapping/>
+  </p:clrMapOvr>
+</p:sld>
+</file>
+
+<file path=ppt/slides/slide13.xml><?xml version="1.0" encoding="utf-8"?>
 <p:sld xmlns:a="http://schemas.openxmlformats.org/drawingml/2006/main" xmlns:r="http://schemas.openxmlformats.org/officeDocument/2006/relationships" xmlns:p="http://schemas.openxmlformats.org/presentationml/2006/main">
   <p:cSld>
     <p:bg>
@@ -8359,7 +9941,1156 @@
 </p:sld>
 </file>
 
-<file path=ppt/slides/slide12.xml><?xml version="1.0" encoding="utf-8"?>
+<file path=ppt/slides/slide14.xml><?xml version="1.0" encoding="utf-8"?>
+<p:sld xmlns:a="http://schemas.openxmlformats.org/drawingml/2006/main" xmlns:r="http://schemas.openxmlformats.org/officeDocument/2006/relationships" xmlns:p="http://schemas.openxmlformats.org/presentationml/2006/main">
+  <p:cSld>
+    <p:bg>
+      <p:bgPr>
+        <a:solidFill>
+          <a:srgbClr val="4FA976"/>
+        </a:solidFill>
+        <a:effectLst/>
+      </p:bgPr>
+    </p:bg>
+    <p:spTree>
+      <p:nvGrpSpPr>
+        <p:cNvPr id="1" name=""/>
+        <p:cNvGrpSpPr/>
+        <p:nvPr/>
+      </p:nvGrpSpPr>
+      <p:grpSpPr>
+        <a:xfrm>
+          <a:off x="0" y="0"/>
+          <a:ext cx="0" cy="0"/>
+          <a:chOff x="0" y="0"/>
+          <a:chExt cx="0" cy="0"/>
+        </a:xfrm>
+      </p:grpSpPr>
+      <p:sp>
+        <p:nvSpPr>
+          <p:cNvPr id="1036" name="직사각형 1035">
+            <a:extLst>
+              <a:ext uri="{FF2B5EF4-FFF2-40B4-BE49-F238E27FC236}">
+                <a16:creationId xmlns:a16="http://schemas.microsoft.com/office/drawing/2014/main" id="{A6E87786-5AD1-C87D-1CF6-C9A7D2E7FDDB}"/>
+              </a:ext>
+            </a:extLst>
+          </p:cNvPr>
+          <p:cNvSpPr/>
+          <p:nvPr/>
+        </p:nvSpPr>
+        <p:spPr>
+          <a:xfrm>
+            <a:off x="7349" y="-2"/>
+            <a:ext cx="12177297" cy="6858002"/>
+          </a:xfrm>
+          <a:prstGeom prst="rect">
+            <a:avLst/>
+          </a:prstGeom>
+          <a:solidFill>
+            <a:srgbClr val="4FA976"/>
+          </a:solidFill>
+          <a:ln>
+            <a:noFill/>
+          </a:ln>
+        </p:spPr>
+        <p:style>
+          <a:lnRef idx="2">
+            <a:schemeClr val="accent1">
+              <a:shade val="15000"/>
+            </a:schemeClr>
+          </a:lnRef>
+          <a:fillRef idx="1">
+            <a:schemeClr val="accent1"/>
+          </a:fillRef>
+          <a:effectRef idx="0">
+            <a:schemeClr val="accent1"/>
+          </a:effectRef>
+          <a:fontRef idx="minor">
+            <a:schemeClr val="lt1"/>
+          </a:fontRef>
+        </p:style>
+        <p:txBody>
+          <a:bodyPr rtlCol="0" anchor="ctr"/>
+          <a:lstStyle/>
+          <a:p>
+            <a:pPr algn="ctr"/>
+            <a:endParaRPr lang="ko-KR" altLang="en-US"/>
+          </a:p>
+        </p:txBody>
+      </p:sp>
+      <p:sp>
+        <p:nvSpPr>
+          <p:cNvPr id="4" name="직사각형 3">
+            <a:extLst>
+              <a:ext uri="{FF2B5EF4-FFF2-40B4-BE49-F238E27FC236}">
+                <a16:creationId xmlns:a16="http://schemas.microsoft.com/office/drawing/2014/main" id="{CF412288-50FF-48F3-A6FE-5B2B535D586B}"/>
+              </a:ext>
+            </a:extLst>
+          </p:cNvPr>
+          <p:cNvSpPr/>
+          <p:nvPr/>
+        </p:nvSpPr>
+        <p:spPr>
+          <a:xfrm>
+            <a:off x="9942897" y="0"/>
+            <a:ext cx="468000" cy="6858000"/>
+          </a:xfrm>
+          <a:prstGeom prst="rect">
+            <a:avLst/>
+          </a:prstGeom>
+          <a:solidFill>
+            <a:schemeClr val="bg1"/>
+          </a:solidFill>
+          <a:ln>
+            <a:noFill/>
+          </a:ln>
+        </p:spPr>
+        <p:style>
+          <a:lnRef idx="2">
+            <a:schemeClr val="accent1">
+              <a:shade val="15000"/>
+            </a:schemeClr>
+          </a:lnRef>
+          <a:fillRef idx="1">
+            <a:schemeClr val="accent1"/>
+          </a:fillRef>
+          <a:effectRef idx="0">
+            <a:schemeClr val="accent1"/>
+          </a:effectRef>
+          <a:fontRef idx="minor">
+            <a:schemeClr val="lt1"/>
+          </a:fontRef>
+        </p:style>
+        <p:txBody>
+          <a:bodyPr rtlCol="0" anchor="ctr"/>
+          <a:lstStyle/>
+          <a:p>
+            <a:pPr algn="ctr"/>
+            <a:endParaRPr lang="ko-KR" altLang="en-US" dirty="0"/>
+          </a:p>
+        </p:txBody>
+      </p:sp>
+      <p:sp>
+        <p:nvSpPr>
+          <p:cNvPr id="5" name="직사각형 4">
+            <a:extLst>
+              <a:ext uri="{FF2B5EF4-FFF2-40B4-BE49-F238E27FC236}">
+                <a16:creationId xmlns:a16="http://schemas.microsoft.com/office/drawing/2014/main" id="{D35378FF-2805-A6FE-4225-99284A50BC38}"/>
+              </a:ext>
+            </a:extLst>
+          </p:cNvPr>
+          <p:cNvSpPr/>
+          <p:nvPr/>
+        </p:nvSpPr>
+        <p:spPr>
+          <a:xfrm rot="5400000">
+            <a:off x="4737449" y="-1308448"/>
+            <a:ext cx="468000" cy="9942897"/>
+          </a:xfrm>
+          <a:prstGeom prst="rect">
+            <a:avLst/>
+          </a:prstGeom>
+          <a:solidFill>
+            <a:schemeClr val="bg1"/>
+          </a:solidFill>
+          <a:ln>
+            <a:noFill/>
+          </a:ln>
+        </p:spPr>
+        <p:style>
+          <a:lnRef idx="2">
+            <a:schemeClr val="accent1">
+              <a:shade val="15000"/>
+            </a:schemeClr>
+          </a:lnRef>
+          <a:fillRef idx="1">
+            <a:schemeClr val="accent1"/>
+          </a:fillRef>
+          <a:effectRef idx="0">
+            <a:schemeClr val="accent1"/>
+          </a:effectRef>
+          <a:fontRef idx="minor">
+            <a:schemeClr val="lt1"/>
+          </a:fontRef>
+        </p:style>
+        <p:txBody>
+          <a:bodyPr rtlCol="0" anchor="ctr"/>
+          <a:lstStyle/>
+          <a:p>
+            <a:pPr algn="ctr"/>
+            <a:endParaRPr lang="ko-KR" altLang="en-US" dirty="0"/>
+          </a:p>
+        </p:txBody>
+      </p:sp>
+      <p:sp>
+        <p:nvSpPr>
+          <p:cNvPr id="1035" name="순서도: 수동 입력 1034">
+            <a:extLst>
+              <a:ext uri="{FF2B5EF4-FFF2-40B4-BE49-F238E27FC236}">
+                <a16:creationId xmlns:a16="http://schemas.microsoft.com/office/drawing/2014/main" id="{640E910B-DC53-44D9-F9B1-EECF427CC188}"/>
+              </a:ext>
+            </a:extLst>
+          </p:cNvPr>
+          <p:cNvSpPr/>
+          <p:nvPr/>
+        </p:nvSpPr>
+        <p:spPr>
+          <a:xfrm flipV="1">
+            <a:off x="7351" y="-1"/>
+            <a:ext cx="12199281" cy="3797301"/>
+          </a:xfrm>
+          <a:prstGeom prst="flowChartManualInput">
+            <a:avLst/>
+          </a:prstGeom>
+          <a:solidFill>
+            <a:srgbClr val="295E58">
+              <a:alpha val="50196"/>
+            </a:srgbClr>
+          </a:solidFill>
+          <a:ln>
+            <a:noFill/>
+          </a:ln>
+        </p:spPr>
+        <p:style>
+          <a:lnRef idx="2">
+            <a:schemeClr val="accent1">
+              <a:shade val="15000"/>
+            </a:schemeClr>
+          </a:lnRef>
+          <a:fillRef idx="1">
+            <a:schemeClr val="accent1"/>
+          </a:fillRef>
+          <a:effectRef idx="0">
+            <a:schemeClr val="accent1"/>
+          </a:effectRef>
+          <a:fontRef idx="minor">
+            <a:schemeClr val="lt1"/>
+          </a:fontRef>
+        </p:style>
+        <p:txBody>
+          <a:bodyPr rtlCol="0" anchor="ctr"/>
+          <a:lstStyle/>
+          <a:p>
+            <a:pPr algn="ctr"/>
+            <a:endParaRPr lang="ko-KR" altLang="en-US" dirty="0"/>
+          </a:p>
+        </p:txBody>
+      </p:sp>
+      <p:sp>
+        <p:nvSpPr>
+          <p:cNvPr id="1037" name="TextBox 1036">
+            <a:extLst>
+              <a:ext uri="{FF2B5EF4-FFF2-40B4-BE49-F238E27FC236}">
+                <a16:creationId xmlns:a16="http://schemas.microsoft.com/office/drawing/2014/main" id="{7E3B3EFE-B4E1-5D29-CC3D-D1957246BCEC}"/>
+              </a:ext>
+            </a:extLst>
+          </p:cNvPr>
+          <p:cNvSpPr txBox="1"/>
+          <p:nvPr/>
+        </p:nvSpPr>
+        <p:spPr>
+          <a:xfrm>
+            <a:off x="2897205" y="485316"/>
+            <a:ext cx="6397588" cy="769441"/>
+          </a:xfrm>
+          <a:prstGeom prst="rect">
+            <a:avLst/>
+          </a:prstGeom>
+          <a:noFill/>
+        </p:spPr>
+        <p:txBody>
+          <a:bodyPr wrap="square" rtlCol="0">
+            <a:spAutoFit/>
+          </a:bodyPr>
+          <a:lstStyle/>
+          <a:p>
+            <a:pPr algn="ctr"/>
+            <a:r>
+              <a:rPr lang="en-US" altLang="ko-KR" sz="4400" dirty="0">
+                <a:solidFill>
+                  <a:schemeClr val="bg1"/>
+                </a:solidFill>
+                <a:latin typeface="던파 비트비트체 v2" panose="02040503000000000000" pitchFamily="18" charset="-127"/>
+                <a:ea typeface="던파 비트비트체 v2" panose="02040503000000000000" pitchFamily="18" charset="-127"/>
+              </a:rPr>
+              <a:t>Win </a:t>
+            </a:r>
+            <a:r>
+              <a:rPr lang="en-US" altLang="ko-KR" sz="4400" dirty="0">
+                <a:solidFill>
+                  <a:srgbClr val="0E2734"/>
+                </a:solidFill>
+                <a:latin typeface="던파 비트비트체 v2" panose="02040503000000000000" pitchFamily="18" charset="-127"/>
+                <a:ea typeface="던파 비트비트체 v2" panose="02040503000000000000" pitchFamily="18" charset="-127"/>
+              </a:rPr>
+              <a:t>p2</a:t>
+            </a:r>
+            <a:r>
+              <a:rPr lang="en-US" altLang="ko-KR" sz="4400" dirty="0">
+                <a:solidFill>
+                  <a:schemeClr val="bg1"/>
+                </a:solidFill>
+                <a:latin typeface="던파 비트비트체 v2" panose="02040503000000000000" pitchFamily="18" charset="-127"/>
+                <a:ea typeface="던파 비트비트체 v2" panose="02040503000000000000" pitchFamily="18" charset="-127"/>
+              </a:rPr>
+              <a:t> o0o !!</a:t>
+            </a:r>
+            <a:endParaRPr lang="ko-KR" altLang="en-US" sz="4400" dirty="0">
+              <a:solidFill>
+                <a:schemeClr val="bg1"/>
+              </a:solidFill>
+              <a:latin typeface="던파 비트비트체 v2" panose="02040503000000000000" pitchFamily="18" charset="-127"/>
+              <a:ea typeface="던파 비트비트체 v2" panose="02040503000000000000" pitchFamily="18" charset="-127"/>
+            </a:endParaRPr>
+          </a:p>
+        </p:txBody>
+      </p:sp>
+      <p:pic>
+        <p:nvPicPr>
+          <p:cNvPr id="2" name="그림 1" descr="스크린샷, 패턴, 블랙이(가) 표시된 사진&#10;&#10;자동 생성된 설명">
+            <a:extLst>
+              <a:ext uri="{FF2B5EF4-FFF2-40B4-BE49-F238E27FC236}">
+                <a16:creationId xmlns:a16="http://schemas.microsoft.com/office/drawing/2014/main" id="{66636E53-F9AA-4B3F-41F4-7A14AB4347AC}"/>
+              </a:ext>
+            </a:extLst>
+          </p:cNvPr>
+          <p:cNvPicPr>
+            <a:picLocks noChangeAspect="1"/>
+          </p:cNvPicPr>
+          <p:nvPr/>
+        </p:nvPicPr>
+        <p:blipFill rotWithShape="1">
+          <a:blip r:embed="rId2">
+            <a:extLst>
+              <a:ext uri="{28A0092B-C50C-407E-A947-70E740481C1C}">
+                <a14:useLocalDpi xmlns:a14="http://schemas.microsoft.com/office/drawing/2010/main" val="0"/>
+              </a:ext>
+            </a:extLst>
+          </a:blip>
+          <a:srcRect l="478" r="478" b="85"/>
+          <a:stretch/>
+        </p:blipFill>
+        <p:spPr>
+          <a:xfrm>
+            <a:off x="7351" y="4669129"/>
+            <a:ext cx="12177297" cy="2188871"/>
+          </a:xfrm>
+          <a:prstGeom prst="rect">
+            <a:avLst/>
+          </a:prstGeom>
+        </p:spPr>
+      </p:pic>
+      <p:sp>
+        <p:nvSpPr>
+          <p:cNvPr id="7" name="사각형: 둥근 모서리 6">
+            <a:extLst>
+              <a:ext uri="{FF2B5EF4-FFF2-40B4-BE49-F238E27FC236}">
+                <a16:creationId xmlns:a16="http://schemas.microsoft.com/office/drawing/2014/main" id="{1F077001-D9A3-8F25-810B-04B426F93A87}"/>
+              </a:ext>
+            </a:extLst>
+          </p:cNvPr>
+          <p:cNvSpPr/>
+          <p:nvPr/>
+        </p:nvSpPr>
+        <p:spPr>
+          <a:xfrm>
+            <a:off x="221381" y="3205800"/>
+            <a:ext cx="914400" cy="914400"/>
+          </a:xfrm>
+          <a:prstGeom prst="roundRect">
+            <a:avLst/>
+          </a:prstGeom>
+          <a:solidFill>
+            <a:srgbClr val="3C8367"/>
+          </a:solidFill>
+          <a:ln w="76200">
+            <a:solidFill>
+              <a:schemeClr val="bg1"/>
+            </a:solidFill>
+          </a:ln>
+        </p:spPr>
+        <p:style>
+          <a:lnRef idx="2">
+            <a:schemeClr val="accent1">
+              <a:shade val="15000"/>
+            </a:schemeClr>
+          </a:lnRef>
+          <a:fillRef idx="1">
+            <a:schemeClr val="accent1"/>
+          </a:fillRef>
+          <a:effectRef idx="0">
+            <a:schemeClr val="accent1"/>
+          </a:effectRef>
+          <a:fontRef idx="minor">
+            <a:schemeClr val="lt1"/>
+          </a:fontRef>
+        </p:style>
+        <p:txBody>
+          <a:bodyPr rtlCol="0" anchor="ctr"/>
+          <a:lstStyle/>
+          <a:p>
+            <a:pPr algn="ctr"/>
+            <a:r>
+              <a:rPr lang="en-US" altLang="ko-KR" sz="4400" dirty="0">
+                <a:latin typeface="던파 비트비트체 v2" panose="02040503000000000000" pitchFamily="18" charset="-127"/>
+                <a:ea typeface="던파 비트비트체 v2" panose="02040503000000000000" pitchFamily="18" charset="-127"/>
+              </a:rPr>
+              <a:t>&lt;</a:t>
+            </a:r>
+            <a:endParaRPr lang="ko-KR" altLang="en-US" sz="4400" dirty="0">
+              <a:latin typeface="던파 비트비트체 v2" panose="02040503000000000000" pitchFamily="18" charset="-127"/>
+              <a:ea typeface="던파 비트비트체 v2" panose="02040503000000000000" pitchFamily="18" charset="-127"/>
+            </a:endParaRPr>
+          </a:p>
+        </p:txBody>
+      </p:sp>
+      <p:sp>
+        <p:nvSpPr>
+          <p:cNvPr id="8" name="사각형: 둥근 모서리 7">
+            <a:extLst>
+              <a:ext uri="{FF2B5EF4-FFF2-40B4-BE49-F238E27FC236}">
+                <a16:creationId xmlns:a16="http://schemas.microsoft.com/office/drawing/2014/main" id="{C350A305-ECB5-FB52-7A10-5747AE36B4D4}"/>
+              </a:ext>
+            </a:extLst>
+          </p:cNvPr>
+          <p:cNvSpPr/>
+          <p:nvPr/>
+        </p:nvSpPr>
+        <p:spPr>
+          <a:xfrm>
+            <a:off x="11053943" y="3205800"/>
+            <a:ext cx="914400" cy="914400"/>
+          </a:xfrm>
+          <a:prstGeom prst="roundRect">
+            <a:avLst/>
+          </a:prstGeom>
+          <a:solidFill>
+            <a:srgbClr val="3C8367"/>
+          </a:solidFill>
+          <a:ln w="76200">
+            <a:solidFill>
+              <a:schemeClr val="bg1"/>
+            </a:solidFill>
+          </a:ln>
+        </p:spPr>
+        <p:style>
+          <a:lnRef idx="2">
+            <a:schemeClr val="accent1">
+              <a:shade val="15000"/>
+            </a:schemeClr>
+          </a:lnRef>
+          <a:fillRef idx="1">
+            <a:schemeClr val="accent1"/>
+          </a:fillRef>
+          <a:effectRef idx="0">
+            <a:schemeClr val="accent1"/>
+          </a:effectRef>
+          <a:fontRef idx="minor">
+            <a:schemeClr val="lt1"/>
+          </a:fontRef>
+        </p:style>
+        <p:txBody>
+          <a:bodyPr rtlCol="0" anchor="ctr"/>
+          <a:lstStyle/>
+          <a:p>
+            <a:pPr algn="ctr"/>
+            <a:r>
+              <a:rPr lang="en-US" altLang="ko-KR" sz="4400" dirty="0">
+                <a:latin typeface="던파 비트비트체 v2" panose="02040503000000000000" pitchFamily="18" charset="-127"/>
+                <a:ea typeface="던파 비트비트체 v2" panose="02040503000000000000" pitchFamily="18" charset="-127"/>
+              </a:rPr>
+              <a:t>&gt;</a:t>
+            </a:r>
+            <a:endParaRPr lang="ko-KR" altLang="en-US" sz="4400" dirty="0">
+              <a:latin typeface="던파 비트비트체 v2" panose="02040503000000000000" pitchFamily="18" charset="-127"/>
+              <a:ea typeface="던파 비트비트체 v2" panose="02040503000000000000" pitchFamily="18" charset="-127"/>
+            </a:endParaRPr>
+          </a:p>
+        </p:txBody>
+      </p:sp>
+      <p:sp>
+        <p:nvSpPr>
+          <p:cNvPr id="46" name="직사각형 45">
+            <a:extLst>
+              <a:ext uri="{FF2B5EF4-FFF2-40B4-BE49-F238E27FC236}">
+                <a16:creationId xmlns:a16="http://schemas.microsoft.com/office/drawing/2014/main" id="{1806D53B-F48B-04BE-E67F-1076223DC893}"/>
+              </a:ext>
+            </a:extLst>
+          </p:cNvPr>
+          <p:cNvSpPr/>
+          <p:nvPr/>
+        </p:nvSpPr>
+        <p:spPr>
+          <a:xfrm>
+            <a:off x="4037593" y="1558062"/>
+            <a:ext cx="4112600" cy="4677878"/>
+          </a:xfrm>
+          <a:prstGeom prst="rect">
+            <a:avLst/>
+          </a:prstGeom>
+          <a:solidFill>
+            <a:schemeClr val="bg1"/>
+          </a:solidFill>
+          <a:ln w="76200">
+            <a:solidFill>
+              <a:srgbClr val="3C8367"/>
+            </a:solidFill>
+          </a:ln>
+        </p:spPr>
+        <p:style>
+          <a:lnRef idx="2">
+            <a:schemeClr val="accent1">
+              <a:shade val="15000"/>
+            </a:schemeClr>
+          </a:lnRef>
+          <a:fillRef idx="1">
+            <a:schemeClr val="accent1"/>
+          </a:fillRef>
+          <a:effectRef idx="0">
+            <a:schemeClr val="accent1"/>
+          </a:effectRef>
+          <a:fontRef idx="minor">
+            <a:schemeClr val="lt1"/>
+          </a:fontRef>
+        </p:style>
+        <p:txBody>
+          <a:bodyPr rtlCol="0" anchor="ctr"/>
+          <a:lstStyle/>
+          <a:p>
+            <a:pPr algn="ctr"/>
+            <a:endParaRPr lang="ko-KR" altLang="en-US"/>
+          </a:p>
+        </p:txBody>
+      </p:sp>
+      <p:sp>
+        <p:nvSpPr>
+          <p:cNvPr id="47" name="TextBox 46">
+            <a:extLst>
+              <a:ext uri="{FF2B5EF4-FFF2-40B4-BE49-F238E27FC236}">
+                <a16:creationId xmlns:a16="http://schemas.microsoft.com/office/drawing/2014/main" id="{1355B1B7-C2D5-F01E-6379-9149223CEDCD}"/>
+              </a:ext>
+            </a:extLst>
+          </p:cNvPr>
+          <p:cNvSpPr txBox="1"/>
+          <p:nvPr/>
+        </p:nvSpPr>
+        <p:spPr>
+          <a:xfrm>
+            <a:off x="4044872" y="1898649"/>
+            <a:ext cx="4105321" cy="369332"/>
+          </a:xfrm>
+          <a:prstGeom prst="rect">
+            <a:avLst/>
+          </a:prstGeom>
+          <a:noFill/>
+        </p:spPr>
+        <p:txBody>
+          <a:bodyPr wrap="square" rtlCol="0">
+            <a:spAutoFit/>
+          </a:bodyPr>
+          <a:lstStyle/>
+          <a:p>
+            <a:pPr algn="ctr"/>
+            <a:r>
+              <a:rPr lang="en-US" altLang="ko-KR" dirty="0">
+                <a:solidFill>
+                  <a:srgbClr val="3C8367"/>
+                </a:solidFill>
+                <a:latin typeface="던파 비트비트체 v2" panose="02040503000000000000" pitchFamily="18" charset="-127"/>
+                <a:ea typeface="던파 비트비트체 v2" panose="02040503000000000000" pitchFamily="18" charset="-127"/>
+              </a:rPr>
+              <a:t>p2</a:t>
+            </a:r>
+            <a:endParaRPr lang="ko-KR" altLang="en-US" dirty="0">
+              <a:solidFill>
+                <a:srgbClr val="3C8367"/>
+              </a:solidFill>
+              <a:latin typeface="던파 비트비트체 v2" panose="02040503000000000000" pitchFamily="18" charset="-127"/>
+              <a:ea typeface="던파 비트비트체 v2" panose="02040503000000000000" pitchFamily="18" charset="-127"/>
+            </a:endParaRPr>
+          </a:p>
+        </p:txBody>
+      </p:sp>
+      <p:sp>
+        <p:nvSpPr>
+          <p:cNvPr id="48" name="직사각형 47">
+            <a:extLst>
+              <a:ext uri="{FF2B5EF4-FFF2-40B4-BE49-F238E27FC236}">
+                <a16:creationId xmlns:a16="http://schemas.microsoft.com/office/drawing/2014/main" id="{9B9B59B4-76A3-EC16-CBBB-12A1618D0AE2}"/>
+              </a:ext>
+            </a:extLst>
+          </p:cNvPr>
+          <p:cNvSpPr/>
+          <p:nvPr/>
+        </p:nvSpPr>
+        <p:spPr>
+          <a:xfrm>
+            <a:off x="4715933" y="2368391"/>
+            <a:ext cx="2755920" cy="476765"/>
+          </a:xfrm>
+          <a:prstGeom prst="rect">
+            <a:avLst/>
+          </a:prstGeom>
+          <a:solidFill>
+            <a:schemeClr val="bg1"/>
+          </a:solidFill>
+          <a:ln>
+            <a:noFill/>
+          </a:ln>
+        </p:spPr>
+        <p:style>
+          <a:lnRef idx="2">
+            <a:schemeClr val="accent1">
+              <a:shade val="15000"/>
+            </a:schemeClr>
+          </a:lnRef>
+          <a:fillRef idx="1">
+            <a:schemeClr val="accent1"/>
+          </a:fillRef>
+          <a:effectRef idx="0">
+            <a:schemeClr val="accent1"/>
+          </a:effectRef>
+          <a:fontRef idx="minor">
+            <a:schemeClr val="lt1"/>
+          </a:fontRef>
+        </p:style>
+        <p:txBody>
+          <a:bodyPr rtlCol="0" anchor="ctr"/>
+          <a:lstStyle/>
+          <a:p>
+            <a:pPr algn="ctr"/>
+            <a:endParaRPr lang="ko-KR" altLang="en-US" dirty="0">
+              <a:solidFill>
+                <a:srgbClr val="0E2734"/>
+              </a:solidFill>
+              <a:latin typeface="던파 비트비트체 v2" panose="02040503000000000000" pitchFamily="18" charset="-127"/>
+              <a:ea typeface="던파 비트비트체 v2" panose="02040503000000000000" pitchFamily="18" charset="-127"/>
+            </a:endParaRPr>
+          </a:p>
+        </p:txBody>
+      </p:sp>
+      <p:sp>
+        <p:nvSpPr>
+          <p:cNvPr id="1034" name="사각형: 둥근 모서리 1033">
+            <a:extLst>
+              <a:ext uri="{FF2B5EF4-FFF2-40B4-BE49-F238E27FC236}">
+                <a16:creationId xmlns:a16="http://schemas.microsoft.com/office/drawing/2014/main" id="{B5B83085-7848-9465-5F35-ED9751AE6A88}"/>
+              </a:ext>
+            </a:extLst>
+          </p:cNvPr>
+          <p:cNvSpPr/>
+          <p:nvPr/>
+        </p:nvSpPr>
+        <p:spPr>
+          <a:xfrm>
+            <a:off x="4408030" y="4976160"/>
+            <a:ext cx="653850" cy="911482"/>
+          </a:xfrm>
+          <a:prstGeom prst="roundRect">
+            <a:avLst/>
+          </a:prstGeom>
+          <a:solidFill>
+            <a:srgbClr val="0E2734"/>
+          </a:solidFill>
+          <a:ln w="127000">
+            <a:noFill/>
+          </a:ln>
+        </p:spPr>
+        <p:style>
+          <a:lnRef idx="2">
+            <a:schemeClr val="accent1">
+              <a:shade val="15000"/>
+            </a:schemeClr>
+          </a:lnRef>
+          <a:fillRef idx="1">
+            <a:schemeClr val="accent1"/>
+          </a:fillRef>
+          <a:effectRef idx="0">
+            <a:schemeClr val="accent1"/>
+          </a:effectRef>
+          <a:fontRef idx="minor">
+            <a:schemeClr val="lt1"/>
+          </a:fontRef>
+        </p:style>
+        <p:txBody>
+          <a:bodyPr rtlCol="0" anchor="ctr"/>
+          <a:lstStyle/>
+          <a:p>
+            <a:pPr algn="ctr"/>
+            <a:r>
+              <a:rPr lang="en-US" altLang="ko-KR" sz="3600">
+                <a:solidFill>
+                  <a:schemeClr val="bg1"/>
+                </a:solidFill>
+                <a:latin typeface="던파 비트비트체 v2" panose="02040503000000000000" pitchFamily="18" charset="-127"/>
+                <a:ea typeface="던파 비트비트체 v2" panose="02040503000000000000" pitchFamily="18" charset="-127"/>
+              </a:rPr>
+              <a:t>1</a:t>
+            </a:r>
+            <a:endParaRPr lang="ko-KR" altLang="en-US" sz="7200" dirty="0">
+              <a:solidFill>
+                <a:schemeClr val="bg1"/>
+              </a:solidFill>
+              <a:latin typeface="던파 비트비트체 v2" panose="02040503000000000000" pitchFamily="18" charset="-127"/>
+              <a:ea typeface="던파 비트비트체 v2" panose="02040503000000000000" pitchFamily="18" charset="-127"/>
+            </a:endParaRPr>
+          </a:p>
+        </p:txBody>
+      </p:sp>
+      <p:sp>
+        <p:nvSpPr>
+          <p:cNvPr id="9" name="사각형: 둥근 모서리 8">
+            <a:extLst>
+              <a:ext uri="{FF2B5EF4-FFF2-40B4-BE49-F238E27FC236}">
+                <a16:creationId xmlns:a16="http://schemas.microsoft.com/office/drawing/2014/main" id="{DD96A0B2-79E9-C230-EA31-F6A5DB397DAE}"/>
+              </a:ext>
+            </a:extLst>
+          </p:cNvPr>
+          <p:cNvSpPr/>
+          <p:nvPr/>
+        </p:nvSpPr>
+        <p:spPr>
+          <a:xfrm>
+            <a:off x="5222760" y="4976160"/>
+            <a:ext cx="653850" cy="911482"/>
+          </a:xfrm>
+          <a:prstGeom prst="roundRect">
+            <a:avLst/>
+          </a:prstGeom>
+          <a:solidFill>
+            <a:srgbClr val="0E2734"/>
+          </a:solidFill>
+          <a:ln w="127000">
+            <a:noFill/>
+          </a:ln>
+        </p:spPr>
+        <p:style>
+          <a:lnRef idx="2">
+            <a:schemeClr val="accent1">
+              <a:shade val="15000"/>
+            </a:schemeClr>
+          </a:lnRef>
+          <a:fillRef idx="1">
+            <a:schemeClr val="accent1"/>
+          </a:fillRef>
+          <a:effectRef idx="0">
+            <a:schemeClr val="accent1"/>
+          </a:effectRef>
+          <a:fontRef idx="minor">
+            <a:schemeClr val="lt1"/>
+          </a:fontRef>
+        </p:style>
+        <p:txBody>
+          <a:bodyPr rtlCol="0" anchor="ctr"/>
+          <a:lstStyle/>
+          <a:p>
+            <a:pPr algn="ctr"/>
+            <a:r>
+              <a:rPr lang="en-US" altLang="ko-KR" sz="3600" dirty="0">
+                <a:solidFill>
+                  <a:schemeClr val="bg1"/>
+                </a:solidFill>
+                <a:latin typeface="던파 비트비트체 v2" panose="02040503000000000000" pitchFamily="18" charset="-127"/>
+                <a:ea typeface="던파 비트비트체 v2" panose="02040503000000000000" pitchFamily="18" charset="-127"/>
+              </a:rPr>
+              <a:t>9</a:t>
+            </a:r>
+            <a:endParaRPr lang="ko-KR" altLang="en-US" sz="7200" dirty="0">
+              <a:solidFill>
+                <a:schemeClr val="bg1"/>
+              </a:solidFill>
+              <a:latin typeface="던파 비트비트체 v2" panose="02040503000000000000" pitchFamily="18" charset="-127"/>
+              <a:ea typeface="던파 비트비트체 v2" panose="02040503000000000000" pitchFamily="18" charset="-127"/>
+            </a:endParaRPr>
+          </a:p>
+        </p:txBody>
+      </p:sp>
+      <p:grpSp>
+        <p:nvGrpSpPr>
+          <p:cNvPr id="11" name="그룹 10">
+            <a:extLst>
+              <a:ext uri="{FF2B5EF4-FFF2-40B4-BE49-F238E27FC236}">
+                <a16:creationId xmlns:a16="http://schemas.microsoft.com/office/drawing/2014/main" id="{F8BF8045-0C64-6052-3A95-8CFFE8ECA6AE}"/>
+              </a:ext>
+            </a:extLst>
+          </p:cNvPr>
+          <p:cNvGrpSpPr/>
+          <p:nvPr/>
+        </p:nvGrpSpPr>
+        <p:grpSpPr>
+          <a:xfrm>
+            <a:off x="6315392" y="4976160"/>
+            <a:ext cx="1468580" cy="911482"/>
+            <a:chOff x="4430413" y="4381144"/>
+            <a:chExt cx="1859890" cy="1154350"/>
+          </a:xfrm>
+          <a:solidFill>
+            <a:srgbClr val="0E2734"/>
+          </a:solidFill>
+        </p:grpSpPr>
+        <p:sp>
+          <p:nvSpPr>
+            <p:cNvPr id="12" name="사각형: 둥근 모서리 11">
+              <a:extLst>
+                <a:ext uri="{FF2B5EF4-FFF2-40B4-BE49-F238E27FC236}">
+                  <a16:creationId xmlns:a16="http://schemas.microsoft.com/office/drawing/2014/main" id="{83AF724A-E6BE-E039-9411-8B1D65CC62D1}"/>
+                </a:ext>
+              </a:extLst>
+            </p:cNvPr>
+            <p:cNvSpPr/>
+            <p:nvPr/>
+          </p:nvSpPr>
+          <p:spPr>
+            <a:xfrm>
+              <a:off x="4430413" y="4381144"/>
+              <a:ext cx="828072" cy="1154350"/>
+            </a:xfrm>
+            <a:prstGeom prst="roundRect">
+              <a:avLst/>
+            </a:prstGeom>
+            <a:grpFill/>
+            <a:ln w="127000">
+              <a:noFill/>
+            </a:ln>
+          </p:spPr>
+          <p:style>
+            <a:lnRef idx="2">
+              <a:schemeClr val="accent1">
+                <a:shade val="15000"/>
+              </a:schemeClr>
+            </a:lnRef>
+            <a:fillRef idx="1">
+              <a:schemeClr val="accent1"/>
+            </a:fillRef>
+            <a:effectRef idx="0">
+              <a:schemeClr val="accent1"/>
+            </a:effectRef>
+            <a:fontRef idx="minor">
+              <a:schemeClr val="lt1"/>
+            </a:fontRef>
+          </p:style>
+          <p:txBody>
+            <a:bodyPr rtlCol="0" anchor="ctr"/>
+            <a:lstStyle/>
+            <a:p>
+              <a:pPr algn="ctr"/>
+              <a:r>
+                <a:rPr lang="en-US" altLang="ko-KR" sz="3600">
+                  <a:solidFill>
+                    <a:schemeClr val="bg1"/>
+                  </a:solidFill>
+                  <a:latin typeface="던파 비트비트체 v2" panose="02040503000000000000" pitchFamily="18" charset="-127"/>
+                  <a:ea typeface="던파 비트비트체 v2" panose="02040503000000000000" pitchFamily="18" charset="-127"/>
+                </a:rPr>
+                <a:t>0</a:t>
+              </a:r>
+              <a:endParaRPr lang="ko-KR" altLang="en-US" sz="7200" dirty="0">
+                <a:solidFill>
+                  <a:schemeClr val="bg1"/>
+                </a:solidFill>
+                <a:latin typeface="던파 비트비트체 v2" panose="02040503000000000000" pitchFamily="18" charset="-127"/>
+                <a:ea typeface="던파 비트비트체 v2" panose="02040503000000000000" pitchFamily="18" charset="-127"/>
+              </a:endParaRPr>
+            </a:p>
+          </p:txBody>
+        </p:sp>
+        <p:sp>
+          <p:nvSpPr>
+            <p:cNvPr id="13" name="사각형: 둥근 모서리 12">
+              <a:extLst>
+                <a:ext uri="{FF2B5EF4-FFF2-40B4-BE49-F238E27FC236}">
+                  <a16:creationId xmlns:a16="http://schemas.microsoft.com/office/drawing/2014/main" id="{ABDA510F-D558-709A-B713-4773AE00B12A}"/>
+                </a:ext>
+              </a:extLst>
+            </p:cNvPr>
+            <p:cNvSpPr/>
+            <p:nvPr/>
+          </p:nvSpPr>
+          <p:spPr>
+            <a:xfrm>
+              <a:off x="5462231" y="4381144"/>
+              <a:ext cx="828072" cy="1154350"/>
+            </a:xfrm>
+            <a:prstGeom prst="roundRect">
+              <a:avLst/>
+            </a:prstGeom>
+            <a:grpFill/>
+            <a:ln w="127000">
+              <a:noFill/>
+            </a:ln>
+          </p:spPr>
+          <p:style>
+            <a:lnRef idx="2">
+              <a:schemeClr val="accent1">
+                <a:shade val="15000"/>
+              </a:schemeClr>
+            </a:lnRef>
+            <a:fillRef idx="1">
+              <a:schemeClr val="accent1"/>
+            </a:fillRef>
+            <a:effectRef idx="0">
+              <a:schemeClr val="accent1"/>
+            </a:effectRef>
+            <a:fontRef idx="minor">
+              <a:schemeClr val="lt1"/>
+            </a:fontRef>
+          </p:style>
+          <p:txBody>
+            <a:bodyPr rtlCol="0" anchor="ctr"/>
+            <a:lstStyle/>
+            <a:p>
+              <a:pPr algn="ctr"/>
+              <a:r>
+                <a:rPr lang="en-US" altLang="ko-KR" sz="3600" dirty="0">
+                  <a:solidFill>
+                    <a:schemeClr val="bg1"/>
+                  </a:solidFill>
+                  <a:latin typeface="던파 비트비트체 v2" panose="02040503000000000000" pitchFamily="18" charset="-127"/>
+                  <a:ea typeface="던파 비트비트체 v2" panose="02040503000000000000" pitchFamily="18" charset="-127"/>
+                </a:rPr>
+                <a:t>8</a:t>
+              </a:r>
+              <a:endParaRPr lang="ko-KR" altLang="en-US" sz="7200" dirty="0">
+                <a:solidFill>
+                  <a:schemeClr val="bg1"/>
+                </a:solidFill>
+                <a:latin typeface="던파 비트비트체 v2" panose="02040503000000000000" pitchFamily="18" charset="-127"/>
+                <a:ea typeface="던파 비트비트체 v2" panose="02040503000000000000" pitchFamily="18" charset="-127"/>
+              </a:endParaRPr>
+            </a:p>
+          </p:txBody>
+        </p:sp>
+      </p:grpSp>
+      <p:sp>
+        <p:nvSpPr>
+          <p:cNvPr id="14" name="직사각형 13">
+            <a:extLst>
+              <a:ext uri="{FF2B5EF4-FFF2-40B4-BE49-F238E27FC236}">
+                <a16:creationId xmlns:a16="http://schemas.microsoft.com/office/drawing/2014/main" id="{82BEB738-9A83-B731-5A51-9DDB6A331A25}"/>
+              </a:ext>
+            </a:extLst>
+          </p:cNvPr>
+          <p:cNvSpPr/>
+          <p:nvPr/>
+        </p:nvSpPr>
+        <p:spPr>
+          <a:xfrm>
+            <a:off x="5919316" y="5194295"/>
+            <a:ext cx="349411" cy="447672"/>
+          </a:xfrm>
+          <a:prstGeom prst="rect">
+            <a:avLst/>
+          </a:prstGeom>
+          <a:noFill/>
+          <a:ln>
+            <a:noFill/>
+          </a:ln>
+        </p:spPr>
+        <p:style>
+          <a:lnRef idx="2">
+            <a:schemeClr val="accent1">
+              <a:shade val="15000"/>
+            </a:schemeClr>
+          </a:lnRef>
+          <a:fillRef idx="1">
+            <a:schemeClr val="accent1"/>
+          </a:fillRef>
+          <a:effectRef idx="0">
+            <a:schemeClr val="accent1"/>
+          </a:effectRef>
+          <a:fontRef idx="minor">
+            <a:schemeClr val="lt1"/>
+          </a:fontRef>
+        </p:style>
+        <p:txBody>
+          <a:bodyPr rtlCol="0" anchor="ctr"/>
+          <a:lstStyle/>
+          <a:p>
+            <a:pPr algn="ctr"/>
+            <a:r>
+              <a:rPr lang="en-US" altLang="ko-KR" sz="3200" dirty="0">
+                <a:solidFill>
+                  <a:srgbClr val="0E2734"/>
+                </a:solidFill>
+                <a:latin typeface="던파 비트비트체 v2" panose="02040503000000000000" pitchFamily="18" charset="-127"/>
+                <a:ea typeface="던파 비트비트체 v2" panose="02040503000000000000" pitchFamily="18" charset="-127"/>
+              </a:rPr>
+              <a:t>:</a:t>
+            </a:r>
+            <a:endParaRPr lang="ko-KR" altLang="en-US" sz="3200" dirty="0">
+              <a:solidFill>
+                <a:srgbClr val="0E2734"/>
+              </a:solidFill>
+              <a:latin typeface="던파 비트비트체 v2" panose="02040503000000000000" pitchFamily="18" charset="-127"/>
+              <a:ea typeface="던파 비트비트체 v2" panose="02040503000000000000" pitchFamily="18" charset="-127"/>
+            </a:endParaRPr>
+          </a:p>
+        </p:txBody>
+      </p:sp>
+      <p:sp>
+        <p:nvSpPr>
+          <p:cNvPr id="15" name="직사각형 14">
+            <a:extLst>
+              <a:ext uri="{FF2B5EF4-FFF2-40B4-BE49-F238E27FC236}">
+                <a16:creationId xmlns:a16="http://schemas.microsoft.com/office/drawing/2014/main" id="{7832BCAB-C958-2B16-DB1C-64546C51A27D}"/>
+              </a:ext>
+            </a:extLst>
+          </p:cNvPr>
+          <p:cNvSpPr/>
+          <p:nvPr/>
+        </p:nvSpPr>
+        <p:spPr>
+          <a:xfrm>
+            <a:off x="5377664" y="3005539"/>
+            <a:ext cx="1440000" cy="1440000"/>
+          </a:xfrm>
+          <a:prstGeom prst="rect">
+            <a:avLst/>
+          </a:prstGeom>
+          <a:solidFill>
+            <a:schemeClr val="bg1"/>
+          </a:solidFill>
+          <a:ln w="76200">
+            <a:noFill/>
+          </a:ln>
+        </p:spPr>
+        <p:style>
+          <a:lnRef idx="2">
+            <a:schemeClr val="accent1">
+              <a:shade val="15000"/>
+            </a:schemeClr>
+          </a:lnRef>
+          <a:fillRef idx="1">
+            <a:schemeClr val="accent1"/>
+          </a:fillRef>
+          <a:effectRef idx="0">
+            <a:schemeClr val="accent1"/>
+          </a:effectRef>
+          <a:fontRef idx="minor">
+            <a:schemeClr val="lt1"/>
+          </a:fontRef>
+        </p:style>
+        <p:txBody>
+          <a:bodyPr rtlCol="0" anchor="ctr"/>
+          <a:lstStyle/>
+          <a:p>
+            <a:pPr algn="ctr"/>
+            <a:endParaRPr lang="ko-KR" altLang="en-US" dirty="0"/>
+          </a:p>
+        </p:txBody>
+      </p:sp>
+      <p:sp>
+        <p:nvSpPr>
+          <p:cNvPr id="18" name="TextBox 17">
+            <a:extLst>
+              <a:ext uri="{FF2B5EF4-FFF2-40B4-BE49-F238E27FC236}">
+                <a16:creationId xmlns:a16="http://schemas.microsoft.com/office/drawing/2014/main" id="{AAB4F5EE-3F48-FB2C-2BA4-13879A62F56C}"/>
+              </a:ext>
+            </a:extLst>
+          </p:cNvPr>
+          <p:cNvSpPr txBox="1"/>
+          <p:nvPr/>
+        </p:nvSpPr>
+        <p:spPr>
+          <a:xfrm>
+            <a:off x="4436609" y="4607086"/>
+            <a:ext cx="1440001" cy="307777"/>
+          </a:xfrm>
+          <a:prstGeom prst="rect">
+            <a:avLst/>
+          </a:prstGeom>
+          <a:noFill/>
+        </p:spPr>
+        <p:txBody>
+          <a:bodyPr wrap="square" rtlCol="0">
+            <a:spAutoFit/>
+          </a:bodyPr>
+          <a:lstStyle/>
+          <a:p>
+            <a:pPr algn="ctr"/>
+            <a:r>
+              <a:rPr lang="en-US" altLang="ko-KR" sz="1400" dirty="0">
+                <a:solidFill>
+                  <a:srgbClr val="0E2734"/>
+                </a:solidFill>
+                <a:latin typeface="던파 비트비트체 v2" panose="02040503000000000000" pitchFamily="18" charset="-127"/>
+                <a:ea typeface="던파 비트비트체 v2" panose="02040503000000000000" pitchFamily="18" charset="-127"/>
+              </a:rPr>
+              <a:t>p1</a:t>
+            </a:r>
+            <a:endParaRPr lang="ko-KR" altLang="en-US" sz="1400" dirty="0">
+              <a:solidFill>
+                <a:srgbClr val="0E2734"/>
+              </a:solidFill>
+              <a:latin typeface="던파 비트비트체 v2" panose="02040503000000000000" pitchFamily="18" charset="-127"/>
+              <a:ea typeface="던파 비트비트체 v2" panose="02040503000000000000" pitchFamily="18" charset="-127"/>
+            </a:endParaRPr>
+          </a:p>
+        </p:txBody>
+      </p:sp>
+      <p:sp>
+        <p:nvSpPr>
+          <p:cNvPr id="19" name="TextBox 18">
+            <a:extLst>
+              <a:ext uri="{FF2B5EF4-FFF2-40B4-BE49-F238E27FC236}">
+                <a16:creationId xmlns:a16="http://schemas.microsoft.com/office/drawing/2014/main" id="{F61DD825-201B-46A5-0F97-745E19A59E84}"/>
+              </a:ext>
+            </a:extLst>
+          </p:cNvPr>
+          <p:cNvSpPr txBox="1"/>
+          <p:nvPr/>
+        </p:nvSpPr>
+        <p:spPr>
+          <a:xfrm>
+            <a:off x="6318718" y="4607086"/>
+            <a:ext cx="1440001" cy="307777"/>
+          </a:xfrm>
+          <a:prstGeom prst="rect">
+            <a:avLst/>
+          </a:prstGeom>
+          <a:noFill/>
+        </p:spPr>
+        <p:txBody>
+          <a:bodyPr wrap="square" rtlCol="0">
+            <a:spAutoFit/>
+          </a:bodyPr>
+          <a:lstStyle/>
+          <a:p>
+            <a:pPr algn="ctr"/>
+            <a:r>
+              <a:rPr lang="en-US" altLang="ko-KR" sz="1400" dirty="0">
+                <a:solidFill>
+                  <a:srgbClr val="0E2734"/>
+                </a:solidFill>
+                <a:latin typeface="던파 비트비트체 v2" panose="02040503000000000000" pitchFamily="18" charset="-127"/>
+                <a:ea typeface="던파 비트비트체 v2" panose="02040503000000000000" pitchFamily="18" charset="-127"/>
+              </a:rPr>
+              <a:t>p2</a:t>
+            </a:r>
+            <a:endParaRPr lang="ko-KR" altLang="en-US" sz="1400" dirty="0">
+              <a:solidFill>
+                <a:srgbClr val="0E2734"/>
+              </a:solidFill>
+              <a:latin typeface="던파 비트비트체 v2" panose="02040503000000000000" pitchFamily="18" charset="-127"/>
+              <a:ea typeface="던파 비트비트체 v2" panose="02040503000000000000" pitchFamily="18" charset="-127"/>
+            </a:endParaRPr>
+          </a:p>
+        </p:txBody>
+      </p:sp>
+    </p:spTree>
+    <p:extLst>
+      <p:ext uri="{BB962C8B-B14F-4D97-AF65-F5344CB8AC3E}">
+        <p14:creationId xmlns:p14="http://schemas.microsoft.com/office/powerpoint/2010/main" val="1268265488"/>
+      </p:ext>
+    </p:extLst>
+  </p:cSld>
+  <p:clrMapOvr>
+    <a:masterClrMapping/>
+  </p:clrMapOvr>
+</p:sld>
+</file>
+
+<file path=ppt/slides/slide15.xml><?xml version="1.0" encoding="utf-8"?>
 <p:sld xmlns:a="http://schemas.openxmlformats.org/drawingml/2006/main" xmlns:r="http://schemas.openxmlformats.org/officeDocument/2006/relationships" xmlns:p="http://schemas.openxmlformats.org/presentationml/2006/main">
   <p:cSld>
     <p:bg>
@@ -9846,7 +12577,7 @@
 </p:sld>
 </file>
 
-<file path=ppt/slides/slide13.xml><?xml version="1.0" encoding="utf-8"?>
+<file path=ppt/slides/slide16.xml><?xml version="1.0" encoding="utf-8"?>
 <p:sld xmlns:a="http://schemas.openxmlformats.org/drawingml/2006/main" xmlns:r="http://schemas.openxmlformats.org/officeDocument/2006/relationships" xmlns:p="http://schemas.openxmlformats.org/presentationml/2006/main">
   <p:cSld>
     <p:bg>
@@ -11891,7 +14622,7 @@
 </p:sld>
 </file>
 
-<file path=ppt/slides/slide14.xml><?xml version="1.0" encoding="utf-8"?>
+<file path=ppt/slides/slide17.xml><?xml version="1.0" encoding="utf-8"?>
 <p:sld xmlns:a="http://schemas.openxmlformats.org/drawingml/2006/main" xmlns:r="http://schemas.openxmlformats.org/officeDocument/2006/relationships" xmlns:p="http://schemas.openxmlformats.org/presentationml/2006/main">
   <p:cSld>
     <p:bg>
@@ -12687,7 +15418,7 @@
 </p:sld>
 </file>
 
-<file path=ppt/slides/slide15.xml><?xml version="1.0" encoding="utf-8"?>
+<file path=ppt/slides/slide18.xml><?xml version="1.0" encoding="utf-8"?>
 <p:sld xmlns:a="http://schemas.openxmlformats.org/drawingml/2006/main" xmlns:r="http://schemas.openxmlformats.org/officeDocument/2006/relationships" xmlns:p="http://schemas.openxmlformats.org/presentationml/2006/main">
   <p:cSld>
     <p:spTree>
@@ -12752,7 +15483,7 @@
 </p:sld>
 </file>
 
-<file path=ppt/slides/slide16.xml><?xml version="1.0" encoding="utf-8"?>
+<file path=ppt/slides/slide19.xml><?xml version="1.0" encoding="utf-8"?>
 <p:sld xmlns:a="http://schemas.openxmlformats.org/drawingml/2006/main" xmlns:r="http://schemas.openxmlformats.org/officeDocument/2006/relationships" xmlns:p="http://schemas.openxmlformats.org/presentationml/2006/main">
   <p:cSld>
     <p:bg>
@@ -13311,7 +16042,3298 @@
 </p:sld>
 </file>
 
-<file path=ppt/slides/slide17.xml><?xml version="1.0" encoding="utf-8"?>
+<file path=ppt/slides/slide2.xml><?xml version="1.0" encoding="utf-8"?>
+<p:sld xmlns:a="http://schemas.openxmlformats.org/drawingml/2006/main" xmlns:r="http://schemas.openxmlformats.org/officeDocument/2006/relationships" xmlns:p="http://schemas.openxmlformats.org/presentationml/2006/main">
+  <p:cSld>
+    <p:spTree>
+      <p:nvGrpSpPr>
+        <p:cNvPr id="1" name=""/>
+        <p:cNvGrpSpPr/>
+        <p:nvPr/>
+      </p:nvGrpSpPr>
+      <p:grpSpPr>
+        <a:xfrm>
+          <a:off x="0" y="0"/>
+          <a:ext cx="0" cy="0"/>
+          <a:chOff x="0" y="0"/>
+          <a:chExt cx="0" cy="0"/>
+        </a:xfrm>
+      </p:grpSpPr>
+      <p:grpSp>
+        <p:nvGrpSpPr>
+          <p:cNvPr id="51" name="그룹 50">
+            <a:extLst>
+              <a:ext uri="{FF2B5EF4-FFF2-40B4-BE49-F238E27FC236}">
+                <a16:creationId xmlns:a16="http://schemas.microsoft.com/office/drawing/2014/main" id="{2A3F020C-E44E-F142-4F5D-C6D271750993}"/>
+              </a:ext>
+            </a:extLst>
+          </p:cNvPr>
+          <p:cNvGrpSpPr/>
+          <p:nvPr/>
+        </p:nvGrpSpPr>
+        <p:grpSpPr>
+          <a:xfrm>
+            <a:off x="833045" y="1676793"/>
+            <a:ext cx="10800000" cy="3600000"/>
+            <a:chOff x="833046" y="1676794"/>
+            <a:chExt cx="10525907" cy="3504411"/>
+          </a:xfrm>
+        </p:grpSpPr>
+        <p:sp>
+          <p:nvSpPr>
+            <p:cNvPr id="14" name="직사각형 13">
+              <a:extLst>
+                <a:ext uri="{FF2B5EF4-FFF2-40B4-BE49-F238E27FC236}">
+                  <a16:creationId xmlns:a16="http://schemas.microsoft.com/office/drawing/2014/main" id="{1A2E10EA-ECD6-320E-A717-A6A8E8806504}"/>
+                </a:ext>
+              </a:extLst>
+            </p:cNvPr>
+            <p:cNvSpPr/>
+            <p:nvPr/>
+          </p:nvSpPr>
+          <p:spPr>
+            <a:xfrm>
+              <a:off x="833046" y="1676796"/>
+              <a:ext cx="3504409" cy="3504409"/>
+            </a:xfrm>
+            <a:prstGeom prst="rect">
+              <a:avLst/>
+            </a:prstGeom>
+            <a:noFill/>
+            <a:ln>
+              <a:noFill/>
+            </a:ln>
+          </p:spPr>
+          <p:style>
+            <a:lnRef idx="2">
+              <a:schemeClr val="accent1">
+                <a:shade val="15000"/>
+              </a:schemeClr>
+            </a:lnRef>
+            <a:fillRef idx="1">
+              <a:schemeClr val="accent1"/>
+            </a:fillRef>
+            <a:effectRef idx="0">
+              <a:schemeClr val="accent1"/>
+            </a:effectRef>
+            <a:fontRef idx="minor">
+              <a:schemeClr val="lt1"/>
+            </a:fontRef>
+          </p:style>
+          <p:txBody>
+            <a:bodyPr rtlCol="0" anchor="ctr"/>
+            <a:lstStyle/>
+            <a:p>
+              <a:pPr algn="ctr"/>
+              <a:endParaRPr lang="ko-KR" altLang="en-US"/>
+            </a:p>
+          </p:txBody>
+        </p:sp>
+        <p:sp>
+          <p:nvSpPr>
+            <p:cNvPr id="15" name="직사각형 14">
+              <a:extLst>
+                <a:ext uri="{FF2B5EF4-FFF2-40B4-BE49-F238E27FC236}">
+                  <a16:creationId xmlns:a16="http://schemas.microsoft.com/office/drawing/2014/main" id="{89014616-648A-932B-DB14-3A492A010E86}"/>
+                </a:ext>
+              </a:extLst>
+            </p:cNvPr>
+            <p:cNvSpPr/>
+            <p:nvPr/>
+          </p:nvSpPr>
+          <p:spPr>
+            <a:xfrm>
+              <a:off x="4343795" y="1676795"/>
+              <a:ext cx="3504409" cy="3504409"/>
+            </a:xfrm>
+            <a:prstGeom prst="rect">
+              <a:avLst/>
+            </a:prstGeom>
+            <a:noFill/>
+            <a:ln>
+              <a:noFill/>
+            </a:ln>
+          </p:spPr>
+          <p:style>
+            <a:lnRef idx="2">
+              <a:schemeClr val="accent1">
+                <a:shade val="15000"/>
+              </a:schemeClr>
+            </a:lnRef>
+            <a:fillRef idx="1">
+              <a:schemeClr val="accent1"/>
+            </a:fillRef>
+            <a:effectRef idx="0">
+              <a:schemeClr val="accent1"/>
+            </a:effectRef>
+            <a:fontRef idx="minor">
+              <a:schemeClr val="lt1"/>
+            </a:fontRef>
+          </p:style>
+          <p:txBody>
+            <a:bodyPr rtlCol="0" anchor="ctr"/>
+            <a:lstStyle/>
+            <a:p>
+              <a:pPr algn="ctr"/>
+              <a:endParaRPr lang="ko-KR" altLang="en-US"/>
+            </a:p>
+          </p:txBody>
+        </p:sp>
+        <p:sp>
+          <p:nvSpPr>
+            <p:cNvPr id="16" name="직사각형 15">
+              <a:extLst>
+                <a:ext uri="{FF2B5EF4-FFF2-40B4-BE49-F238E27FC236}">
+                  <a16:creationId xmlns:a16="http://schemas.microsoft.com/office/drawing/2014/main" id="{FA7679B8-230E-40FB-F7EC-DF6B358493F3}"/>
+                </a:ext>
+              </a:extLst>
+            </p:cNvPr>
+            <p:cNvSpPr/>
+            <p:nvPr/>
+          </p:nvSpPr>
+          <p:spPr>
+            <a:xfrm>
+              <a:off x="7854544" y="1676794"/>
+              <a:ext cx="3504409" cy="3504409"/>
+            </a:xfrm>
+            <a:prstGeom prst="rect">
+              <a:avLst/>
+            </a:prstGeom>
+            <a:noFill/>
+            <a:ln>
+              <a:noFill/>
+            </a:ln>
+          </p:spPr>
+          <p:style>
+            <a:lnRef idx="2">
+              <a:schemeClr val="accent1">
+                <a:shade val="15000"/>
+              </a:schemeClr>
+            </a:lnRef>
+            <a:fillRef idx="1">
+              <a:schemeClr val="accent1"/>
+            </a:fillRef>
+            <a:effectRef idx="0">
+              <a:schemeClr val="accent1"/>
+            </a:effectRef>
+            <a:fontRef idx="minor">
+              <a:schemeClr val="lt1"/>
+            </a:fontRef>
+          </p:style>
+          <p:txBody>
+            <a:bodyPr rtlCol="0" anchor="ctr"/>
+            <a:lstStyle/>
+            <a:p>
+              <a:pPr algn="ctr"/>
+              <a:endParaRPr lang="ko-KR" altLang="en-US"/>
+            </a:p>
+          </p:txBody>
+        </p:sp>
+        <p:sp>
+          <p:nvSpPr>
+            <p:cNvPr id="6" name="타원 5">
+              <a:extLst>
+                <a:ext uri="{FF2B5EF4-FFF2-40B4-BE49-F238E27FC236}">
+                  <a16:creationId xmlns:a16="http://schemas.microsoft.com/office/drawing/2014/main" id="{4199BC8F-D6B7-3EAA-5124-3E7135ED64F0}"/>
+                </a:ext>
+              </a:extLst>
+            </p:cNvPr>
+            <p:cNvSpPr/>
+            <p:nvPr/>
+          </p:nvSpPr>
+          <p:spPr>
+            <a:xfrm>
+              <a:off x="2353746" y="4313312"/>
+              <a:ext cx="194606" cy="194606"/>
+            </a:xfrm>
+            <a:prstGeom prst="ellipse">
+              <a:avLst/>
+            </a:prstGeom>
+            <a:solidFill>
+              <a:schemeClr val="bg1"/>
+            </a:solidFill>
+            <a:ln w="38100">
+              <a:solidFill>
+                <a:schemeClr val="tx1"/>
+              </a:solidFill>
+            </a:ln>
+          </p:spPr>
+          <p:style>
+            <a:lnRef idx="2">
+              <a:schemeClr val="accent1">
+                <a:shade val="15000"/>
+              </a:schemeClr>
+            </a:lnRef>
+            <a:fillRef idx="1">
+              <a:schemeClr val="accent1"/>
+            </a:fillRef>
+            <a:effectRef idx="0">
+              <a:schemeClr val="accent1"/>
+            </a:effectRef>
+            <a:fontRef idx="minor">
+              <a:schemeClr val="lt1"/>
+            </a:fontRef>
+          </p:style>
+          <p:txBody>
+            <a:bodyPr rtlCol="0" anchor="ctr"/>
+            <a:lstStyle/>
+            <a:p>
+              <a:pPr algn="ctr"/>
+              <a:endParaRPr lang="ko-KR" altLang="en-US" dirty="0"/>
+            </a:p>
+          </p:txBody>
+        </p:sp>
+        <p:sp>
+          <p:nvSpPr>
+            <p:cNvPr id="5" name="타원 4">
+              <a:extLst>
+                <a:ext uri="{FF2B5EF4-FFF2-40B4-BE49-F238E27FC236}">
+                  <a16:creationId xmlns:a16="http://schemas.microsoft.com/office/drawing/2014/main" id="{DEBEBF3E-0358-FB45-DA61-B1455F85D55B}"/>
+                </a:ext>
+              </a:extLst>
+            </p:cNvPr>
+            <p:cNvSpPr/>
+            <p:nvPr/>
+          </p:nvSpPr>
+          <p:spPr>
+            <a:xfrm>
+              <a:off x="2451049" y="4201682"/>
+              <a:ext cx="505321" cy="505321"/>
+            </a:xfrm>
+            <a:prstGeom prst="ellipse">
+              <a:avLst/>
+            </a:prstGeom>
+            <a:solidFill>
+              <a:schemeClr val="accent6">
+                <a:lumMod val="60000"/>
+                <a:lumOff val="40000"/>
+              </a:schemeClr>
+            </a:solidFill>
+            <a:ln w="38100">
+              <a:solidFill>
+                <a:schemeClr val="tx1"/>
+              </a:solidFill>
+            </a:ln>
+          </p:spPr>
+          <p:style>
+            <a:lnRef idx="2">
+              <a:schemeClr val="accent1">
+                <a:shade val="15000"/>
+              </a:schemeClr>
+            </a:lnRef>
+            <a:fillRef idx="1">
+              <a:schemeClr val="accent1"/>
+            </a:fillRef>
+            <a:effectRef idx="0">
+              <a:schemeClr val="accent1"/>
+            </a:effectRef>
+            <a:fontRef idx="minor">
+              <a:schemeClr val="lt1"/>
+            </a:fontRef>
+          </p:style>
+          <p:txBody>
+            <a:bodyPr rtlCol="0" anchor="ctr"/>
+            <a:lstStyle/>
+            <a:p>
+              <a:pPr algn="ctr"/>
+              <a:endParaRPr lang="ko-KR" altLang="en-US" dirty="0"/>
+            </a:p>
+          </p:txBody>
+        </p:sp>
+        <p:sp>
+          <p:nvSpPr>
+            <p:cNvPr id="7" name="타원 6">
+              <a:extLst>
+                <a:ext uri="{FF2B5EF4-FFF2-40B4-BE49-F238E27FC236}">
+                  <a16:creationId xmlns:a16="http://schemas.microsoft.com/office/drawing/2014/main" id="{29AE59D5-15E4-A717-7246-23B0714B6879}"/>
+                </a:ext>
+              </a:extLst>
+            </p:cNvPr>
+            <p:cNvSpPr/>
+            <p:nvPr/>
+          </p:nvSpPr>
+          <p:spPr>
+            <a:xfrm>
+              <a:off x="2859067" y="4313312"/>
+              <a:ext cx="194606" cy="194606"/>
+            </a:xfrm>
+            <a:prstGeom prst="ellipse">
+              <a:avLst/>
+            </a:prstGeom>
+            <a:solidFill>
+              <a:schemeClr val="bg1"/>
+            </a:solidFill>
+            <a:ln w="38100">
+              <a:solidFill>
+                <a:schemeClr val="tx1"/>
+              </a:solidFill>
+            </a:ln>
+          </p:spPr>
+          <p:style>
+            <a:lnRef idx="2">
+              <a:schemeClr val="accent1">
+                <a:shade val="15000"/>
+              </a:schemeClr>
+            </a:lnRef>
+            <a:fillRef idx="1">
+              <a:schemeClr val="accent1"/>
+            </a:fillRef>
+            <a:effectRef idx="0">
+              <a:schemeClr val="accent1"/>
+            </a:effectRef>
+            <a:fontRef idx="minor">
+              <a:schemeClr val="lt1"/>
+            </a:fontRef>
+          </p:style>
+          <p:txBody>
+            <a:bodyPr rtlCol="0" anchor="ctr"/>
+            <a:lstStyle/>
+            <a:p>
+              <a:pPr algn="ctr"/>
+              <a:endParaRPr lang="ko-KR" altLang="en-US" dirty="0"/>
+            </a:p>
+          </p:txBody>
+        </p:sp>
+        <p:sp>
+          <p:nvSpPr>
+            <p:cNvPr id="8" name="순서도: 지연 7">
+              <a:extLst>
+                <a:ext uri="{FF2B5EF4-FFF2-40B4-BE49-F238E27FC236}">
+                  <a16:creationId xmlns:a16="http://schemas.microsoft.com/office/drawing/2014/main" id="{A738ED43-F5D8-B9AA-DC82-E087B5677385}"/>
+                </a:ext>
+              </a:extLst>
+            </p:cNvPr>
+            <p:cNvSpPr/>
+            <p:nvPr/>
+          </p:nvSpPr>
+          <p:spPr>
+            <a:xfrm rot="18900000">
+              <a:off x="2169172" y="4572228"/>
+              <a:ext cx="241871" cy="313430"/>
+            </a:xfrm>
+            <a:prstGeom prst="flowChartDelay">
+              <a:avLst/>
+            </a:prstGeom>
+            <a:solidFill>
+              <a:schemeClr val="bg1"/>
+            </a:solidFill>
+            <a:ln w="38100">
+              <a:solidFill>
+                <a:schemeClr val="tx1"/>
+              </a:solidFill>
+            </a:ln>
+          </p:spPr>
+          <p:style>
+            <a:lnRef idx="2">
+              <a:schemeClr val="accent1">
+                <a:shade val="15000"/>
+              </a:schemeClr>
+            </a:lnRef>
+            <a:fillRef idx="1">
+              <a:schemeClr val="accent1"/>
+            </a:fillRef>
+            <a:effectRef idx="0">
+              <a:schemeClr val="accent1"/>
+            </a:effectRef>
+            <a:fontRef idx="minor">
+              <a:schemeClr val="lt1"/>
+            </a:fontRef>
+          </p:style>
+          <p:txBody>
+            <a:bodyPr rtlCol="0" anchor="ctr"/>
+            <a:lstStyle/>
+            <a:p>
+              <a:pPr algn="ctr"/>
+              <a:endParaRPr lang="ko-KR" altLang="en-US"/>
+            </a:p>
+          </p:txBody>
+        </p:sp>
+        <p:sp>
+          <p:nvSpPr>
+            <p:cNvPr id="9" name="순서도: 지연 8">
+              <a:extLst>
+                <a:ext uri="{FF2B5EF4-FFF2-40B4-BE49-F238E27FC236}">
+                  <a16:creationId xmlns:a16="http://schemas.microsoft.com/office/drawing/2014/main" id="{74DCCA03-C3D3-C4AE-321A-56E6C76CB2BD}"/>
+                </a:ext>
+              </a:extLst>
+            </p:cNvPr>
+            <p:cNvSpPr/>
+            <p:nvPr/>
+          </p:nvSpPr>
+          <p:spPr>
+            <a:xfrm rot="14100000">
+              <a:off x="2991282" y="4572228"/>
+              <a:ext cx="241871" cy="313430"/>
+            </a:xfrm>
+            <a:prstGeom prst="flowChartDelay">
+              <a:avLst/>
+            </a:prstGeom>
+            <a:solidFill>
+              <a:schemeClr val="bg1"/>
+            </a:solidFill>
+            <a:ln w="38100">
+              <a:solidFill>
+                <a:schemeClr val="tx1"/>
+              </a:solidFill>
+            </a:ln>
+          </p:spPr>
+          <p:style>
+            <a:lnRef idx="2">
+              <a:schemeClr val="accent1">
+                <a:shade val="15000"/>
+              </a:schemeClr>
+            </a:lnRef>
+            <a:fillRef idx="1">
+              <a:schemeClr val="accent1"/>
+            </a:fillRef>
+            <a:effectRef idx="0">
+              <a:schemeClr val="accent1"/>
+            </a:effectRef>
+            <a:fontRef idx="minor">
+              <a:schemeClr val="lt1"/>
+            </a:fontRef>
+          </p:style>
+          <p:txBody>
+            <a:bodyPr rtlCol="0" anchor="ctr"/>
+            <a:lstStyle/>
+            <a:p>
+              <a:pPr algn="ctr"/>
+              <a:endParaRPr lang="ko-KR" altLang="en-US"/>
+            </a:p>
+          </p:txBody>
+        </p:sp>
+        <p:sp>
+          <p:nvSpPr>
+            <p:cNvPr id="2" name="자유형: 도형 1">
+              <a:extLst>
+                <a:ext uri="{FF2B5EF4-FFF2-40B4-BE49-F238E27FC236}">
+                  <a16:creationId xmlns:a16="http://schemas.microsoft.com/office/drawing/2014/main" id="{85E02217-17CB-E14B-AFCC-9CE72F3CA952}"/>
+                </a:ext>
+              </a:extLst>
+            </p:cNvPr>
+            <p:cNvSpPr/>
+            <p:nvPr/>
+          </p:nvSpPr>
+          <p:spPr>
+            <a:xfrm>
+              <a:off x="1579223" y="2263614"/>
+              <a:ext cx="2012053" cy="1888306"/>
+            </a:xfrm>
+            <a:custGeom>
+              <a:avLst/>
+              <a:gdLst>
+                <a:gd name="connsiteX0" fmla="*/ 1067900 w 2012053"/>
+                <a:gd name="connsiteY0" fmla="*/ 0 h 1888306"/>
+                <a:gd name="connsiteX1" fmla="*/ 2012053 w 2012053"/>
+                <a:gd name="connsiteY1" fmla="*/ 944153 h 1888306"/>
+                <a:gd name="connsiteX2" fmla="*/ 1067900 w 2012053"/>
+                <a:gd name="connsiteY2" fmla="*/ 1888306 h 1888306"/>
+                <a:gd name="connsiteX3" fmla="*/ 166194 w 2012053"/>
+                <a:gd name="connsiteY3" fmla="*/ 1224915 h 1888306"/>
+                <a:gd name="connsiteX4" fmla="*/ 161288 w 2012053"/>
+                <a:gd name="connsiteY4" fmla="*/ 1205835 h 1888306"/>
+                <a:gd name="connsiteX5" fmla="*/ 82764 w 2012053"/>
+                <a:gd name="connsiteY5" fmla="*/ 1184559 h 1888306"/>
+                <a:gd name="connsiteX6" fmla="*/ 7019 w 2012053"/>
+                <a:gd name="connsiteY6" fmla="*/ 1001672 h 1888306"/>
+                <a:gd name="connsiteX7" fmla="*/ 116074 w 2012053"/>
+                <a:gd name="connsiteY7" fmla="*/ 881613 h 1888306"/>
+                <a:gd name="connsiteX8" fmla="*/ 126900 w 2012053"/>
+                <a:gd name="connsiteY8" fmla="*/ 881707 h 1888306"/>
+                <a:gd name="connsiteX9" fmla="*/ 128622 w 2012053"/>
+                <a:gd name="connsiteY9" fmla="*/ 847619 h 1888306"/>
+                <a:gd name="connsiteX10" fmla="*/ 1067900 w 2012053"/>
+                <a:gd name="connsiteY10" fmla="*/ 0 h 1888306"/>
+              </a:gdLst>
+              <a:ahLst/>
+              <a:cxnLst>
+                <a:cxn ang="0">
+                  <a:pos x="connsiteX0" y="connsiteY0"/>
+                </a:cxn>
+                <a:cxn ang="0">
+                  <a:pos x="connsiteX1" y="connsiteY1"/>
+                </a:cxn>
+                <a:cxn ang="0">
+                  <a:pos x="connsiteX2" y="connsiteY2"/>
+                </a:cxn>
+                <a:cxn ang="0">
+                  <a:pos x="connsiteX3" y="connsiteY3"/>
+                </a:cxn>
+                <a:cxn ang="0">
+                  <a:pos x="connsiteX4" y="connsiteY4"/>
+                </a:cxn>
+                <a:cxn ang="0">
+                  <a:pos x="connsiteX5" y="connsiteY5"/>
+                </a:cxn>
+                <a:cxn ang="0">
+                  <a:pos x="connsiteX6" y="connsiteY6"/>
+                </a:cxn>
+                <a:cxn ang="0">
+                  <a:pos x="connsiteX7" y="connsiteY7"/>
+                </a:cxn>
+                <a:cxn ang="0">
+                  <a:pos x="connsiteX8" y="connsiteY8"/>
+                </a:cxn>
+                <a:cxn ang="0">
+                  <a:pos x="connsiteX9" y="connsiteY9"/>
+                </a:cxn>
+                <a:cxn ang="0">
+                  <a:pos x="connsiteX10" y="connsiteY10"/>
+                </a:cxn>
+              </a:cxnLst>
+              <a:rect l="l" t="t" r="r" b="b"/>
+              <a:pathLst>
+                <a:path w="2012053" h="1888306">
+                  <a:moveTo>
+                    <a:pt x="1067900" y="0"/>
+                  </a:moveTo>
+                  <a:cubicBezTo>
+                    <a:pt x="1589341" y="0"/>
+                    <a:pt x="2012053" y="422712"/>
+                    <a:pt x="2012053" y="944153"/>
+                  </a:cubicBezTo>
+                  <a:cubicBezTo>
+                    <a:pt x="2012053" y="1465594"/>
+                    <a:pt x="1589341" y="1888306"/>
+                    <a:pt x="1067900" y="1888306"/>
+                  </a:cubicBezTo>
+                  <a:cubicBezTo>
+                    <a:pt x="644229" y="1888306"/>
+                    <a:pt x="285735" y="1609250"/>
+                    <a:pt x="166194" y="1224915"/>
+                  </a:cubicBezTo>
+                  <a:lnTo>
+                    <a:pt x="161288" y="1205835"/>
+                  </a:lnTo>
+                  <a:lnTo>
+                    <a:pt x="82764" y="1184559"/>
+                  </a:lnTo>
+                  <a:cubicBezTo>
+                    <a:pt x="18297" y="1167093"/>
+                    <a:pt x="-15615" y="1085211"/>
+                    <a:pt x="7019" y="1001672"/>
+                  </a:cubicBezTo>
+                  <a:cubicBezTo>
+                    <a:pt x="23995" y="939017"/>
+                    <a:pt x="67957" y="893225"/>
+                    <a:pt x="116074" y="881613"/>
+                  </a:cubicBezTo>
+                  <a:lnTo>
+                    <a:pt x="126900" y="881707"/>
+                  </a:lnTo>
+                  <a:lnTo>
+                    <a:pt x="128622" y="847619"/>
+                  </a:lnTo>
+                  <a:cubicBezTo>
+                    <a:pt x="176972" y="371524"/>
+                    <a:pt x="579049" y="0"/>
+                    <a:pt x="1067900" y="0"/>
+                  </a:cubicBezTo>
+                  <a:close/>
+                </a:path>
+              </a:pathLst>
+            </a:custGeom>
+            <a:solidFill>
+              <a:srgbClr val="F5DEB4"/>
+            </a:solidFill>
+            <a:ln w="38100">
+              <a:solidFill>
+                <a:schemeClr val="tx1"/>
+              </a:solidFill>
+            </a:ln>
+          </p:spPr>
+          <p:style>
+            <a:lnRef idx="2">
+              <a:schemeClr val="accent1">
+                <a:shade val="15000"/>
+              </a:schemeClr>
+            </a:lnRef>
+            <a:fillRef idx="1">
+              <a:schemeClr val="accent1"/>
+            </a:fillRef>
+            <a:effectRef idx="0">
+              <a:schemeClr val="accent1"/>
+            </a:effectRef>
+            <a:fontRef idx="minor">
+              <a:schemeClr val="lt1"/>
+            </a:fontRef>
+          </p:style>
+          <p:txBody>
+            <a:bodyPr wrap="square" rtlCol="0" anchor="ctr">
+              <a:noAutofit/>
+            </a:bodyPr>
+            <a:lstStyle/>
+            <a:p>
+              <a:pPr algn="ctr"/>
+              <a:endParaRPr lang="ko-KR" altLang="en-US" dirty="0"/>
+            </a:p>
+          </p:txBody>
+        </p:sp>
+        <p:sp>
+          <p:nvSpPr>
+            <p:cNvPr id="10" name="타원 9">
+              <a:extLst>
+                <a:ext uri="{FF2B5EF4-FFF2-40B4-BE49-F238E27FC236}">
+                  <a16:creationId xmlns:a16="http://schemas.microsoft.com/office/drawing/2014/main" id="{EB5F35A8-55F9-795E-0D28-C6C4B28E6696}"/>
+                </a:ext>
+              </a:extLst>
+            </p:cNvPr>
+            <p:cNvSpPr/>
+            <p:nvPr/>
+          </p:nvSpPr>
+          <p:spPr>
+            <a:xfrm>
+              <a:off x="2293792" y="3054072"/>
+              <a:ext cx="119907" cy="119907"/>
+            </a:xfrm>
+            <a:prstGeom prst="ellipse">
+              <a:avLst/>
+            </a:prstGeom>
+            <a:solidFill>
+              <a:schemeClr val="tx1">
+                <a:lumMod val="65000"/>
+                <a:lumOff val="35000"/>
+              </a:schemeClr>
+            </a:solidFill>
+            <a:ln w="38100">
+              <a:solidFill>
+                <a:schemeClr val="tx1"/>
+              </a:solidFill>
+            </a:ln>
+          </p:spPr>
+          <p:style>
+            <a:lnRef idx="2">
+              <a:schemeClr val="accent1">
+                <a:shade val="15000"/>
+              </a:schemeClr>
+            </a:lnRef>
+            <a:fillRef idx="1">
+              <a:schemeClr val="accent1"/>
+            </a:fillRef>
+            <a:effectRef idx="0">
+              <a:schemeClr val="accent1"/>
+            </a:effectRef>
+            <a:fontRef idx="minor">
+              <a:schemeClr val="lt1"/>
+            </a:fontRef>
+          </p:style>
+          <p:txBody>
+            <a:bodyPr rtlCol="0" anchor="ctr"/>
+            <a:lstStyle/>
+            <a:p>
+              <a:pPr algn="ctr"/>
+              <a:endParaRPr lang="ko-KR" altLang="en-US"/>
+            </a:p>
+          </p:txBody>
+        </p:sp>
+        <p:sp>
+          <p:nvSpPr>
+            <p:cNvPr id="12" name="타원 11">
+              <a:extLst>
+                <a:ext uri="{FF2B5EF4-FFF2-40B4-BE49-F238E27FC236}">
+                  <a16:creationId xmlns:a16="http://schemas.microsoft.com/office/drawing/2014/main" id="{FE30D7E2-0C0F-9CBC-E225-0A6A3C2E3060}"/>
+                </a:ext>
+              </a:extLst>
+            </p:cNvPr>
+            <p:cNvSpPr/>
+            <p:nvPr/>
+          </p:nvSpPr>
+          <p:spPr>
+            <a:xfrm rot="19641618">
+              <a:off x="2048609" y="3554673"/>
+              <a:ext cx="241498" cy="355106"/>
+            </a:xfrm>
+            <a:prstGeom prst="ellipse">
+              <a:avLst/>
+            </a:prstGeom>
+            <a:solidFill>
+              <a:schemeClr val="accent2">
+                <a:lumMod val="60000"/>
+                <a:lumOff val="40000"/>
+              </a:schemeClr>
+            </a:solidFill>
+            <a:ln w="38100">
+              <a:solidFill>
+                <a:schemeClr val="tx1"/>
+              </a:solidFill>
+            </a:ln>
+          </p:spPr>
+          <p:style>
+            <a:lnRef idx="2">
+              <a:schemeClr val="accent1">
+                <a:shade val="15000"/>
+              </a:schemeClr>
+            </a:lnRef>
+            <a:fillRef idx="1">
+              <a:schemeClr val="accent1"/>
+            </a:fillRef>
+            <a:effectRef idx="0">
+              <a:schemeClr val="accent1"/>
+            </a:effectRef>
+            <a:fontRef idx="minor">
+              <a:schemeClr val="lt1"/>
+            </a:fontRef>
+          </p:style>
+          <p:txBody>
+            <a:bodyPr rtlCol="0" anchor="ctr"/>
+            <a:lstStyle/>
+            <a:p>
+              <a:pPr algn="ctr"/>
+              <a:endParaRPr lang="ko-KR" altLang="en-US"/>
+            </a:p>
+          </p:txBody>
+        </p:sp>
+        <p:sp>
+          <p:nvSpPr>
+            <p:cNvPr id="20" name="타원 19">
+              <a:extLst>
+                <a:ext uri="{FF2B5EF4-FFF2-40B4-BE49-F238E27FC236}">
+                  <a16:creationId xmlns:a16="http://schemas.microsoft.com/office/drawing/2014/main" id="{9CAC6178-DE26-D427-CD48-640FED486023}"/>
+                </a:ext>
+              </a:extLst>
+            </p:cNvPr>
+            <p:cNvSpPr/>
+            <p:nvPr/>
+          </p:nvSpPr>
+          <p:spPr>
+            <a:xfrm>
+              <a:off x="5955458" y="4145193"/>
+              <a:ext cx="505321" cy="505321"/>
+            </a:xfrm>
+            <a:prstGeom prst="ellipse">
+              <a:avLst/>
+            </a:prstGeom>
+            <a:solidFill>
+              <a:schemeClr val="accent6">
+                <a:lumMod val="60000"/>
+                <a:lumOff val="40000"/>
+              </a:schemeClr>
+            </a:solidFill>
+            <a:ln w="38100">
+              <a:solidFill>
+                <a:schemeClr val="tx1"/>
+              </a:solidFill>
+            </a:ln>
+          </p:spPr>
+          <p:style>
+            <a:lnRef idx="2">
+              <a:schemeClr val="accent1">
+                <a:shade val="15000"/>
+              </a:schemeClr>
+            </a:lnRef>
+            <a:fillRef idx="1">
+              <a:schemeClr val="accent1"/>
+            </a:fillRef>
+            <a:effectRef idx="0">
+              <a:schemeClr val="accent1"/>
+            </a:effectRef>
+            <a:fontRef idx="minor">
+              <a:schemeClr val="lt1"/>
+            </a:fontRef>
+          </p:style>
+          <p:txBody>
+            <a:bodyPr rtlCol="0" anchor="ctr"/>
+            <a:lstStyle/>
+            <a:p>
+              <a:pPr algn="ctr"/>
+              <a:endParaRPr lang="ko-KR" altLang="en-US" dirty="0"/>
+            </a:p>
+          </p:txBody>
+        </p:sp>
+        <p:sp>
+          <p:nvSpPr>
+            <p:cNvPr id="21" name="타원 20">
+              <a:extLst>
+                <a:ext uri="{FF2B5EF4-FFF2-40B4-BE49-F238E27FC236}">
+                  <a16:creationId xmlns:a16="http://schemas.microsoft.com/office/drawing/2014/main" id="{2B8F19D8-A5E6-3F44-C02B-ED4BF460918F}"/>
+                </a:ext>
+              </a:extLst>
+            </p:cNvPr>
+            <p:cNvSpPr/>
+            <p:nvPr/>
+          </p:nvSpPr>
+          <p:spPr>
+            <a:xfrm>
+              <a:off x="6110815" y="4256823"/>
+              <a:ext cx="194606" cy="194606"/>
+            </a:xfrm>
+            <a:prstGeom prst="ellipse">
+              <a:avLst/>
+            </a:prstGeom>
+            <a:solidFill>
+              <a:schemeClr val="bg1"/>
+            </a:solidFill>
+            <a:ln w="38100">
+              <a:solidFill>
+                <a:schemeClr val="tx1"/>
+              </a:solidFill>
+            </a:ln>
+          </p:spPr>
+          <p:style>
+            <a:lnRef idx="2">
+              <a:schemeClr val="accent1">
+                <a:shade val="15000"/>
+              </a:schemeClr>
+            </a:lnRef>
+            <a:fillRef idx="1">
+              <a:schemeClr val="accent1"/>
+            </a:fillRef>
+            <a:effectRef idx="0">
+              <a:schemeClr val="accent1"/>
+            </a:effectRef>
+            <a:fontRef idx="minor">
+              <a:schemeClr val="lt1"/>
+            </a:fontRef>
+          </p:style>
+          <p:txBody>
+            <a:bodyPr rtlCol="0" anchor="ctr"/>
+            <a:lstStyle/>
+            <a:p>
+              <a:pPr algn="ctr"/>
+              <a:endParaRPr lang="ko-KR" altLang="en-US" dirty="0"/>
+            </a:p>
+          </p:txBody>
+        </p:sp>
+        <p:sp>
+          <p:nvSpPr>
+            <p:cNvPr id="22" name="순서도: 지연 21">
+              <a:extLst>
+                <a:ext uri="{FF2B5EF4-FFF2-40B4-BE49-F238E27FC236}">
+                  <a16:creationId xmlns:a16="http://schemas.microsoft.com/office/drawing/2014/main" id="{5682A0E6-4C8E-EA02-E0C2-472DF1696C97}"/>
+                </a:ext>
+              </a:extLst>
+            </p:cNvPr>
+            <p:cNvSpPr/>
+            <p:nvPr/>
+          </p:nvSpPr>
+          <p:spPr>
+            <a:xfrm rot="16200000">
+              <a:off x="6087183" y="4664496"/>
+              <a:ext cx="241871" cy="313430"/>
+            </a:xfrm>
+            <a:prstGeom prst="flowChartDelay">
+              <a:avLst/>
+            </a:prstGeom>
+            <a:solidFill>
+              <a:schemeClr val="bg1"/>
+            </a:solidFill>
+            <a:ln w="38100">
+              <a:solidFill>
+                <a:schemeClr val="tx1"/>
+              </a:solidFill>
+            </a:ln>
+          </p:spPr>
+          <p:style>
+            <a:lnRef idx="2">
+              <a:schemeClr val="accent1">
+                <a:shade val="15000"/>
+              </a:schemeClr>
+            </a:lnRef>
+            <a:fillRef idx="1">
+              <a:schemeClr val="accent1"/>
+            </a:fillRef>
+            <a:effectRef idx="0">
+              <a:schemeClr val="accent1"/>
+            </a:effectRef>
+            <a:fontRef idx="minor">
+              <a:schemeClr val="lt1"/>
+            </a:fontRef>
+          </p:style>
+          <p:txBody>
+            <a:bodyPr rtlCol="0" anchor="ctr"/>
+            <a:lstStyle/>
+            <a:p>
+              <a:pPr algn="ctr"/>
+              <a:endParaRPr lang="ko-KR" altLang="en-US" dirty="0"/>
+            </a:p>
+          </p:txBody>
+        </p:sp>
+        <p:sp>
+          <p:nvSpPr>
+            <p:cNvPr id="28" name="타원 27">
+              <a:extLst>
+                <a:ext uri="{FF2B5EF4-FFF2-40B4-BE49-F238E27FC236}">
+                  <a16:creationId xmlns:a16="http://schemas.microsoft.com/office/drawing/2014/main" id="{51C5B86B-96BC-7B69-0CE0-E0F5BB7E2384}"/>
+                </a:ext>
+              </a:extLst>
+            </p:cNvPr>
+            <p:cNvSpPr/>
+            <p:nvPr/>
+          </p:nvSpPr>
+          <p:spPr>
+            <a:xfrm>
+              <a:off x="9880565" y="4312135"/>
+              <a:ext cx="194606" cy="194606"/>
+            </a:xfrm>
+            <a:prstGeom prst="ellipse">
+              <a:avLst/>
+            </a:prstGeom>
+            <a:solidFill>
+              <a:schemeClr val="bg1"/>
+            </a:solidFill>
+            <a:ln w="38100">
+              <a:solidFill>
+                <a:schemeClr val="tx1"/>
+              </a:solidFill>
+            </a:ln>
+          </p:spPr>
+          <p:style>
+            <a:lnRef idx="2">
+              <a:schemeClr val="accent1">
+                <a:shade val="15000"/>
+              </a:schemeClr>
+            </a:lnRef>
+            <a:fillRef idx="1">
+              <a:schemeClr val="accent1"/>
+            </a:fillRef>
+            <a:effectRef idx="0">
+              <a:schemeClr val="accent1"/>
+            </a:effectRef>
+            <a:fontRef idx="minor">
+              <a:schemeClr val="lt1"/>
+            </a:fontRef>
+          </p:style>
+          <p:txBody>
+            <a:bodyPr rtlCol="0" anchor="ctr"/>
+            <a:lstStyle/>
+            <a:p>
+              <a:pPr algn="ctr"/>
+              <a:endParaRPr lang="ko-KR" altLang="en-US" dirty="0"/>
+            </a:p>
+          </p:txBody>
+        </p:sp>
+        <p:sp>
+          <p:nvSpPr>
+            <p:cNvPr id="30" name="타원 29">
+              <a:extLst>
+                <a:ext uri="{FF2B5EF4-FFF2-40B4-BE49-F238E27FC236}">
+                  <a16:creationId xmlns:a16="http://schemas.microsoft.com/office/drawing/2014/main" id="{6DC0FAB9-BB1A-0DD3-2A5C-BFDE94185FE5}"/>
+                </a:ext>
+              </a:extLst>
+            </p:cNvPr>
+            <p:cNvSpPr/>
+            <p:nvPr/>
+          </p:nvSpPr>
+          <p:spPr>
+            <a:xfrm>
+              <a:off x="9472547" y="4200505"/>
+              <a:ext cx="505321" cy="505321"/>
+            </a:xfrm>
+            <a:prstGeom prst="ellipse">
+              <a:avLst/>
+            </a:prstGeom>
+            <a:solidFill>
+              <a:schemeClr val="accent6">
+                <a:lumMod val="60000"/>
+                <a:lumOff val="40000"/>
+              </a:schemeClr>
+            </a:solidFill>
+            <a:ln w="38100">
+              <a:solidFill>
+                <a:schemeClr val="tx1"/>
+              </a:solidFill>
+            </a:ln>
+          </p:spPr>
+          <p:style>
+            <a:lnRef idx="2">
+              <a:schemeClr val="accent1">
+                <a:shade val="15000"/>
+              </a:schemeClr>
+            </a:lnRef>
+            <a:fillRef idx="1">
+              <a:schemeClr val="accent1"/>
+            </a:fillRef>
+            <a:effectRef idx="0">
+              <a:schemeClr val="accent1"/>
+            </a:effectRef>
+            <a:fontRef idx="minor">
+              <a:schemeClr val="lt1"/>
+            </a:fontRef>
+          </p:style>
+          <p:txBody>
+            <a:bodyPr rtlCol="0" anchor="ctr"/>
+            <a:lstStyle/>
+            <a:p>
+              <a:pPr algn="ctr"/>
+              <a:endParaRPr lang="ko-KR" altLang="en-US" dirty="0"/>
+            </a:p>
+          </p:txBody>
+        </p:sp>
+        <p:sp>
+          <p:nvSpPr>
+            <p:cNvPr id="31" name="타원 30">
+              <a:extLst>
+                <a:ext uri="{FF2B5EF4-FFF2-40B4-BE49-F238E27FC236}">
+                  <a16:creationId xmlns:a16="http://schemas.microsoft.com/office/drawing/2014/main" id="{5DE16C08-2DF7-10B0-6B23-FBED189A09A3}"/>
+                </a:ext>
+              </a:extLst>
+            </p:cNvPr>
+            <p:cNvSpPr/>
+            <p:nvPr/>
+          </p:nvSpPr>
+          <p:spPr>
+            <a:xfrm>
+              <a:off x="9375244" y="4312135"/>
+              <a:ext cx="194606" cy="194606"/>
+            </a:xfrm>
+            <a:prstGeom prst="ellipse">
+              <a:avLst/>
+            </a:prstGeom>
+            <a:solidFill>
+              <a:schemeClr val="bg1"/>
+            </a:solidFill>
+            <a:ln w="38100">
+              <a:solidFill>
+                <a:schemeClr val="tx1"/>
+              </a:solidFill>
+            </a:ln>
+          </p:spPr>
+          <p:style>
+            <a:lnRef idx="2">
+              <a:schemeClr val="accent1">
+                <a:shade val="15000"/>
+              </a:schemeClr>
+            </a:lnRef>
+            <a:fillRef idx="1">
+              <a:schemeClr val="accent1"/>
+            </a:fillRef>
+            <a:effectRef idx="0">
+              <a:schemeClr val="accent1"/>
+            </a:effectRef>
+            <a:fontRef idx="minor">
+              <a:schemeClr val="lt1"/>
+            </a:fontRef>
+          </p:style>
+          <p:txBody>
+            <a:bodyPr rtlCol="0" anchor="ctr"/>
+            <a:lstStyle/>
+            <a:p>
+              <a:pPr algn="ctr"/>
+              <a:endParaRPr lang="ko-KR" altLang="en-US" dirty="0"/>
+            </a:p>
+          </p:txBody>
+        </p:sp>
+        <p:sp>
+          <p:nvSpPr>
+            <p:cNvPr id="32" name="순서도: 지연 31">
+              <a:extLst>
+                <a:ext uri="{FF2B5EF4-FFF2-40B4-BE49-F238E27FC236}">
+                  <a16:creationId xmlns:a16="http://schemas.microsoft.com/office/drawing/2014/main" id="{578BD9EF-374D-4191-0CCD-A92BEA2BE2FE}"/>
+                </a:ext>
+              </a:extLst>
+            </p:cNvPr>
+            <p:cNvSpPr/>
+            <p:nvPr/>
+          </p:nvSpPr>
+          <p:spPr>
+            <a:xfrm rot="18900000">
+              <a:off x="9190670" y="4571051"/>
+              <a:ext cx="241871" cy="313430"/>
+            </a:xfrm>
+            <a:prstGeom prst="flowChartDelay">
+              <a:avLst/>
+            </a:prstGeom>
+            <a:solidFill>
+              <a:schemeClr val="bg1"/>
+            </a:solidFill>
+            <a:ln w="38100">
+              <a:solidFill>
+                <a:schemeClr val="tx1"/>
+              </a:solidFill>
+            </a:ln>
+          </p:spPr>
+          <p:style>
+            <a:lnRef idx="2">
+              <a:schemeClr val="accent1">
+                <a:shade val="15000"/>
+              </a:schemeClr>
+            </a:lnRef>
+            <a:fillRef idx="1">
+              <a:schemeClr val="accent1"/>
+            </a:fillRef>
+            <a:effectRef idx="0">
+              <a:schemeClr val="accent1"/>
+            </a:effectRef>
+            <a:fontRef idx="minor">
+              <a:schemeClr val="lt1"/>
+            </a:fontRef>
+          </p:style>
+          <p:txBody>
+            <a:bodyPr rtlCol="0" anchor="ctr"/>
+            <a:lstStyle/>
+            <a:p>
+              <a:pPr algn="ctr"/>
+              <a:endParaRPr lang="ko-KR" altLang="en-US"/>
+            </a:p>
+          </p:txBody>
+        </p:sp>
+        <p:sp>
+          <p:nvSpPr>
+            <p:cNvPr id="33" name="순서도: 지연 32">
+              <a:extLst>
+                <a:ext uri="{FF2B5EF4-FFF2-40B4-BE49-F238E27FC236}">
+                  <a16:creationId xmlns:a16="http://schemas.microsoft.com/office/drawing/2014/main" id="{77FD1365-ABCB-7EC2-E13B-4E3F10821F26}"/>
+                </a:ext>
+              </a:extLst>
+            </p:cNvPr>
+            <p:cNvSpPr/>
+            <p:nvPr/>
+          </p:nvSpPr>
+          <p:spPr>
+            <a:xfrm rot="14100000">
+              <a:off x="10012780" y="4571051"/>
+              <a:ext cx="241871" cy="313430"/>
+            </a:xfrm>
+            <a:prstGeom prst="flowChartDelay">
+              <a:avLst/>
+            </a:prstGeom>
+            <a:solidFill>
+              <a:schemeClr val="bg1"/>
+            </a:solidFill>
+            <a:ln w="38100">
+              <a:solidFill>
+                <a:schemeClr val="tx1"/>
+              </a:solidFill>
+            </a:ln>
+          </p:spPr>
+          <p:style>
+            <a:lnRef idx="2">
+              <a:schemeClr val="accent1">
+                <a:shade val="15000"/>
+              </a:schemeClr>
+            </a:lnRef>
+            <a:fillRef idx="1">
+              <a:schemeClr val="accent1"/>
+            </a:fillRef>
+            <a:effectRef idx="0">
+              <a:schemeClr val="accent1"/>
+            </a:effectRef>
+            <a:fontRef idx="minor">
+              <a:schemeClr val="lt1"/>
+            </a:fontRef>
+          </p:style>
+          <p:txBody>
+            <a:bodyPr rtlCol="0" anchor="ctr"/>
+            <a:lstStyle/>
+            <a:p>
+              <a:pPr algn="ctr"/>
+              <a:endParaRPr lang="ko-KR" altLang="en-US"/>
+            </a:p>
+          </p:txBody>
+        </p:sp>
+        <p:sp>
+          <p:nvSpPr>
+            <p:cNvPr id="3" name="자유형: 도형 2">
+              <a:extLst>
+                <a:ext uri="{FF2B5EF4-FFF2-40B4-BE49-F238E27FC236}">
+                  <a16:creationId xmlns:a16="http://schemas.microsoft.com/office/drawing/2014/main" id="{D59C06EA-A85E-BC74-E324-BCA9F5114A2F}"/>
+                </a:ext>
+              </a:extLst>
+            </p:cNvPr>
+            <p:cNvSpPr/>
+            <p:nvPr/>
+          </p:nvSpPr>
+          <p:spPr>
+            <a:xfrm>
+              <a:off x="1473200" y="1793240"/>
+              <a:ext cx="2240280" cy="1320800"/>
+            </a:xfrm>
+            <a:custGeom>
+              <a:avLst/>
+              <a:gdLst>
+                <a:gd name="connsiteX0" fmla="*/ 355600 w 2240280"/>
+                <a:gd name="connsiteY0" fmla="*/ 822960 h 1320800"/>
+                <a:gd name="connsiteX1" fmla="*/ 55880 w 2240280"/>
+                <a:gd name="connsiteY1" fmla="*/ 762000 h 1320800"/>
+                <a:gd name="connsiteX2" fmla="*/ 25400 w 2240280"/>
+                <a:gd name="connsiteY2" fmla="*/ 899160 h 1320800"/>
+                <a:gd name="connsiteX3" fmla="*/ 314960 w 2240280"/>
+                <a:gd name="connsiteY3" fmla="*/ 914400 h 1320800"/>
+                <a:gd name="connsiteX4" fmla="*/ 172720 w 2240280"/>
+                <a:gd name="connsiteY4" fmla="*/ 1056640 h 1320800"/>
+                <a:gd name="connsiteX5" fmla="*/ 289560 w 2240280"/>
+                <a:gd name="connsiteY5" fmla="*/ 1209040 h 1320800"/>
+                <a:gd name="connsiteX6" fmla="*/ 513080 w 2240280"/>
+                <a:gd name="connsiteY6" fmla="*/ 934720 h 1320800"/>
+                <a:gd name="connsiteX7" fmla="*/ 513080 w 2240280"/>
+                <a:gd name="connsiteY7" fmla="*/ 1244600 h 1320800"/>
+                <a:gd name="connsiteX8" fmla="*/ 660400 w 2240280"/>
+                <a:gd name="connsiteY8" fmla="*/ 1280160 h 1320800"/>
+                <a:gd name="connsiteX9" fmla="*/ 665480 w 2240280"/>
+                <a:gd name="connsiteY9" fmla="*/ 960120 h 1320800"/>
+                <a:gd name="connsiteX10" fmla="*/ 792480 w 2240280"/>
+                <a:gd name="connsiteY10" fmla="*/ 1254760 h 1320800"/>
+                <a:gd name="connsiteX11" fmla="*/ 980440 w 2240280"/>
+                <a:gd name="connsiteY11" fmla="*/ 1275080 h 1320800"/>
+                <a:gd name="connsiteX12" fmla="*/ 990600 w 2240280"/>
+                <a:gd name="connsiteY12" fmla="*/ 949960 h 1320800"/>
+                <a:gd name="connsiteX13" fmla="*/ 1092200 w 2240280"/>
+                <a:gd name="connsiteY13" fmla="*/ 1280160 h 1320800"/>
+                <a:gd name="connsiteX14" fmla="*/ 1214120 w 2240280"/>
+                <a:gd name="connsiteY14" fmla="*/ 1280160 h 1320800"/>
+                <a:gd name="connsiteX15" fmla="*/ 1249680 w 2240280"/>
+                <a:gd name="connsiteY15" fmla="*/ 955040 h 1320800"/>
+                <a:gd name="connsiteX16" fmla="*/ 1376680 w 2240280"/>
+                <a:gd name="connsiteY16" fmla="*/ 1320800 h 1320800"/>
+                <a:gd name="connsiteX17" fmla="*/ 1600200 w 2240280"/>
+                <a:gd name="connsiteY17" fmla="*/ 1163320 h 1320800"/>
+                <a:gd name="connsiteX18" fmla="*/ 1391920 w 2240280"/>
+                <a:gd name="connsiteY18" fmla="*/ 939800 h 1320800"/>
+                <a:gd name="connsiteX19" fmla="*/ 1666240 w 2240280"/>
+                <a:gd name="connsiteY19" fmla="*/ 1173480 h 1320800"/>
+                <a:gd name="connsiteX20" fmla="*/ 1889760 w 2240280"/>
+                <a:gd name="connsiteY20" fmla="*/ 1127760 h 1320800"/>
+                <a:gd name="connsiteX21" fmla="*/ 1732280 w 2240280"/>
+                <a:gd name="connsiteY21" fmla="*/ 944880 h 1320800"/>
+                <a:gd name="connsiteX22" fmla="*/ 2026920 w 2240280"/>
+                <a:gd name="connsiteY22" fmla="*/ 1127760 h 1320800"/>
+                <a:gd name="connsiteX23" fmla="*/ 2143760 w 2240280"/>
+                <a:gd name="connsiteY23" fmla="*/ 990600 h 1320800"/>
+                <a:gd name="connsiteX24" fmla="*/ 1849120 w 2240280"/>
+                <a:gd name="connsiteY24" fmla="*/ 868680 h 1320800"/>
+                <a:gd name="connsiteX25" fmla="*/ 2240280 w 2240280"/>
+                <a:gd name="connsiteY25" fmla="*/ 802640 h 1320800"/>
+                <a:gd name="connsiteX26" fmla="*/ 2164080 w 2240280"/>
+                <a:gd name="connsiteY26" fmla="*/ 579120 h 1320800"/>
+                <a:gd name="connsiteX27" fmla="*/ 1793240 w 2240280"/>
+                <a:gd name="connsiteY27" fmla="*/ 741680 h 1320800"/>
+                <a:gd name="connsiteX28" fmla="*/ 2032000 w 2240280"/>
+                <a:gd name="connsiteY28" fmla="*/ 492760 h 1320800"/>
+                <a:gd name="connsiteX29" fmla="*/ 1971040 w 2240280"/>
+                <a:gd name="connsiteY29" fmla="*/ 299720 h 1320800"/>
+                <a:gd name="connsiteX30" fmla="*/ 1783080 w 2240280"/>
+                <a:gd name="connsiteY30" fmla="*/ 472440 h 1320800"/>
+                <a:gd name="connsiteX31" fmla="*/ 1833880 w 2240280"/>
+                <a:gd name="connsiteY31" fmla="*/ 243840 h 1320800"/>
+                <a:gd name="connsiteX32" fmla="*/ 1701800 w 2240280"/>
+                <a:gd name="connsiteY32" fmla="*/ 162560 h 1320800"/>
+                <a:gd name="connsiteX33" fmla="*/ 1564640 w 2240280"/>
+                <a:gd name="connsiteY33" fmla="*/ 370840 h 1320800"/>
+                <a:gd name="connsiteX34" fmla="*/ 1584960 w 2240280"/>
+                <a:gd name="connsiteY34" fmla="*/ 40640 h 1320800"/>
+                <a:gd name="connsiteX35" fmla="*/ 1376680 w 2240280"/>
+                <a:gd name="connsiteY35" fmla="*/ 5080 h 1320800"/>
+                <a:gd name="connsiteX36" fmla="*/ 1346200 w 2240280"/>
+                <a:gd name="connsiteY36" fmla="*/ 279400 h 1320800"/>
+                <a:gd name="connsiteX37" fmla="*/ 1290320 w 2240280"/>
+                <a:gd name="connsiteY37" fmla="*/ 0 h 1320800"/>
+                <a:gd name="connsiteX38" fmla="*/ 1107440 w 2240280"/>
+                <a:gd name="connsiteY38" fmla="*/ 20320 h 1320800"/>
+                <a:gd name="connsiteX39" fmla="*/ 1036320 w 2240280"/>
+                <a:gd name="connsiteY39" fmla="*/ 320040 h 1320800"/>
+                <a:gd name="connsiteX40" fmla="*/ 929640 w 2240280"/>
+                <a:gd name="connsiteY40" fmla="*/ 40640 h 1320800"/>
+                <a:gd name="connsiteX41" fmla="*/ 756920 w 2240280"/>
+                <a:gd name="connsiteY41" fmla="*/ 15240 h 1320800"/>
+                <a:gd name="connsiteX42" fmla="*/ 751840 w 2240280"/>
+                <a:gd name="connsiteY42" fmla="*/ 284480 h 1320800"/>
+                <a:gd name="connsiteX43" fmla="*/ 553720 w 2240280"/>
+                <a:gd name="connsiteY43" fmla="*/ 15240 h 1320800"/>
+                <a:gd name="connsiteX44" fmla="*/ 441960 w 2240280"/>
+                <a:gd name="connsiteY44" fmla="*/ 76200 h 1320800"/>
+                <a:gd name="connsiteX45" fmla="*/ 599440 w 2240280"/>
+                <a:gd name="connsiteY45" fmla="*/ 330200 h 1320800"/>
+                <a:gd name="connsiteX46" fmla="*/ 375920 w 2240280"/>
+                <a:gd name="connsiteY46" fmla="*/ 198120 h 1320800"/>
+                <a:gd name="connsiteX47" fmla="*/ 294640 w 2240280"/>
+                <a:gd name="connsiteY47" fmla="*/ 355600 h 1320800"/>
+                <a:gd name="connsiteX48" fmla="*/ 477520 w 2240280"/>
+                <a:gd name="connsiteY48" fmla="*/ 508000 h 1320800"/>
+                <a:gd name="connsiteX49" fmla="*/ 228600 w 2240280"/>
+                <a:gd name="connsiteY49" fmla="*/ 386080 h 1320800"/>
+                <a:gd name="connsiteX50" fmla="*/ 167640 w 2240280"/>
+                <a:gd name="connsiteY50" fmla="*/ 513080 h 1320800"/>
+                <a:gd name="connsiteX51" fmla="*/ 370840 w 2240280"/>
+                <a:gd name="connsiteY51" fmla="*/ 629920 h 1320800"/>
+                <a:gd name="connsiteX52" fmla="*/ 0 w 2240280"/>
+                <a:gd name="connsiteY52" fmla="*/ 533400 h 1320800"/>
+                <a:gd name="connsiteX53" fmla="*/ 15240 w 2240280"/>
+                <a:gd name="connsiteY53" fmla="*/ 655320 h 1320800"/>
+                <a:gd name="connsiteX54" fmla="*/ 355600 w 2240280"/>
+                <a:gd name="connsiteY54" fmla="*/ 822960 h 1320800"/>
+              </a:gdLst>
+              <a:ahLst/>
+              <a:cxnLst>
+                <a:cxn ang="0">
+                  <a:pos x="connsiteX0" y="connsiteY0"/>
+                </a:cxn>
+                <a:cxn ang="0">
+                  <a:pos x="connsiteX1" y="connsiteY1"/>
+                </a:cxn>
+                <a:cxn ang="0">
+                  <a:pos x="connsiteX2" y="connsiteY2"/>
+                </a:cxn>
+                <a:cxn ang="0">
+                  <a:pos x="connsiteX3" y="connsiteY3"/>
+                </a:cxn>
+                <a:cxn ang="0">
+                  <a:pos x="connsiteX4" y="connsiteY4"/>
+                </a:cxn>
+                <a:cxn ang="0">
+                  <a:pos x="connsiteX5" y="connsiteY5"/>
+                </a:cxn>
+                <a:cxn ang="0">
+                  <a:pos x="connsiteX6" y="connsiteY6"/>
+                </a:cxn>
+                <a:cxn ang="0">
+                  <a:pos x="connsiteX7" y="connsiteY7"/>
+                </a:cxn>
+                <a:cxn ang="0">
+                  <a:pos x="connsiteX8" y="connsiteY8"/>
+                </a:cxn>
+                <a:cxn ang="0">
+                  <a:pos x="connsiteX9" y="connsiteY9"/>
+                </a:cxn>
+                <a:cxn ang="0">
+                  <a:pos x="connsiteX10" y="connsiteY10"/>
+                </a:cxn>
+                <a:cxn ang="0">
+                  <a:pos x="connsiteX11" y="connsiteY11"/>
+                </a:cxn>
+                <a:cxn ang="0">
+                  <a:pos x="connsiteX12" y="connsiteY12"/>
+                </a:cxn>
+                <a:cxn ang="0">
+                  <a:pos x="connsiteX13" y="connsiteY13"/>
+                </a:cxn>
+                <a:cxn ang="0">
+                  <a:pos x="connsiteX14" y="connsiteY14"/>
+                </a:cxn>
+                <a:cxn ang="0">
+                  <a:pos x="connsiteX15" y="connsiteY15"/>
+                </a:cxn>
+                <a:cxn ang="0">
+                  <a:pos x="connsiteX16" y="connsiteY16"/>
+                </a:cxn>
+                <a:cxn ang="0">
+                  <a:pos x="connsiteX17" y="connsiteY17"/>
+                </a:cxn>
+                <a:cxn ang="0">
+                  <a:pos x="connsiteX18" y="connsiteY18"/>
+                </a:cxn>
+                <a:cxn ang="0">
+                  <a:pos x="connsiteX19" y="connsiteY19"/>
+                </a:cxn>
+                <a:cxn ang="0">
+                  <a:pos x="connsiteX20" y="connsiteY20"/>
+                </a:cxn>
+                <a:cxn ang="0">
+                  <a:pos x="connsiteX21" y="connsiteY21"/>
+                </a:cxn>
+                <a:cxn ang="0">
+                  <a:pos x="connsiteX22" y="connsiteY22"/>
+                </a:cxn>
+                <a:cxn ang="0">
+                  <a:pos x="connsiteX23" y="connsiteY23"/>
+                </a:cxn>
+                <a:cxn ang="0">
+                  <a:pos x="connsiteX24" y="connsiteY24"/>
+                </a:cxn>
+                <a:cxn ang="0">
+                  <a:pos x="connsiteX25" y="connsiteY25"/>
+                </a:cxn>
+                <a:cxn ang="0">
+                  <a:pos x="connsiteX26" y="connsiteY26"/>
+                </a:cxn>
+                <a:cxn ang="0">
+                  <a:pos x="connsiteX27" y="connsiteY27"/>
+                </a:cxn>
+                <a:cxn ang="0">
+                  <a:pos x="connsiteX28" y="connsiteY28"/>
+                </a:cxn>
+                <a:cxn ang="0">
+                  <a:pos x="connsiteX29" y="connsiteY29"/>
+                </a:cxn>
+                <a:cxn ang="0">
+                  <a:pos x="connsiteX30" y="connsiteY30"/>
+                </a:cxn>
+                <a:cxn ang="0">
+                  <a:pos x="connsiteX31" y="connsiteY31"/>
+                </a:cxn>
+                <a:cxn ang="0">
+                  <a:pos x="connsiteX32" y="connsiteY32"/>
+                </a:cxn>
+                <a:cxn ang="0">
+                  <a:pos x="connsiteX33" y="connsiteY33"/>
+                </a:cxn>
+                <a:cxn ang="0">
+                  <a:pos x="connsiteX34" y="connsiteY34"/>
+                </a:cxn>
+                <a:cxn ang="0">
+                  <a:pos x="connsiteX35" y="connsiteY35"/>
+                </a:cxn>
+                <a:cxn ang="0">
+                  <a:pos x="connsiteX36" y="connsiteY36"/>
+                </a:cxn>
+                <a:cxn ang="0">
+                  <a:pos x="connsiteX37" y="connsiteY37"/>
+                </a:cxn>
+                <a:cxn ang="0">
+                  <a:pos x="connsiteX38" y="connsiteY38"/>
+                </a:cxn>
+                <a:cxn ang="0">
+                  <a:pos x="connsiteX39" y="connsiteY39"/>
+                </a:cxn>
+                <a:cxn ang="0">
+                  <a:pos x="connsiteX40" y="connsiteY40"/>
+                </a:cxn>
+                <a:cxn ang="0">
+                  <a:pos x="connsiteX41" y="connsiteY41"/>
+                </a:cxn>
+                <a:cxn ang="0">
+                  <a:pos x="connsiteX42" y="connsiteY42"/>
+                </a:cxn>
+                <a:cxn ang="0">
+                  <a:pos x="connsiteX43" y="connsiteY43"/>
+                </a:cxn>
+                <a:cxn ang="0">
+                  <a:pos x="connsiteX44" y="connsiteY44"/>
+                </a:cxn>
+                <a:cxn ang="0">
+                  <a:pos x="connsiteX45" y="connsiteY45"/>
+                </a:cxn>
+                <a:cxn ang="0">
+                  <a:pos x="connsiteX46" y="connsiteY46"/>
+                </a:cxn>
+                <a:cxn ang="0">
+                  <a:pos x="connsiteX47" y="connsiteY47"/>
+                </a:cxn>
+                <a:cxn ang="0">
+                  <a:pos x="connsiteX48" y="connsiteY48"/>
+                </a:cxn>
+                <a:cxn ang="0">
+                  <a:pos x="connsiteX49" y="connsiteY49"/>
+                </a:cxn>
+                <a:cxn ang="0">
+                  <a:pos x="connsiteX50" y="connsiteY50"/>
+                </a:cxn>
+                <a:cxn ang="0">
+                  <a:pos x="connsiteX51" y="connsiteY51"/>
+                </a:cxn>
+                <a:cxn ang="0">
+                  <a:pos x="connsiteX52" y="connsiteY52"/>
+                </a:cxn>
+                <a:cxn ang="0">
+                  <a:pos x="connsiteX53" y="connsiteY53"/>
+                </a:cxn>
+                <a:cxn ang="0">
+                  <a:pos x="connsiteX54" y="connsiteY54"/>
+                </a:cxn>
+              </a:cxnLst>
+              <a:rect l="l" t="t" r="r" b="b"/>
+              <a:pathLst>
+                <a:path w="2240280" h="1320800">
+                  <a:moveTo>
+                    <a:pt x="355600" y="822960"/>
+                  </a:moveTo>
+                  <a:lnTo>
+                    <a:pt x="55880" y="762000"/>
+                  </a:lnTo>
+                  <a:lnTo>
+                    <a:pt x="25400" y="899160"/>
+                  </a:lnTo>
+                  <a:lnTo>
+                    <a:pt x="314960" y="914400"/>
+                  </a:lnTo>
+                  <a:lnTo>
+                    <a:pt x="172720" y="1056640"/>
+                  </a:lnTo>
+                  <a:lnTo>
+                    <a:pt x="289560" y="1209040"/>
+                  </a:lnTo>
+                  <a:lnTo>
+                    <a:pt x="513080" y="934720"/>
+                  </a:lnTo>
+                  <a:lnTo>
+                    <a:pt x="513080" y="1244600"/>
+                  </a:lnTo>
+                  <a:lnTo>
+                    <a:pt x="660400" y="1280160"/>
+                  </a:lnTo>
+                  <a:cubicBezTo>
+                    <a:pt x="662093" y="1173480"/>
+                    <a:pt x="663787" y="1066800"/>
+                    <a:pt x="665480" y="960120"/>
+                  </a:cubicBezTo>
+                  <a:lnTo>
+                    <a:pt x="792480" y="1254760"/>
+                  </a:lnTo>
+                  <a:lnTo>
+                    <a:pt x="980440" y="1275080"/>
+                  </a:lnTo>
+                  <a:lnTo>
+                    <a:pt x="990600" y="949960"/>
+                  </a:lnTo>
+                  <a:lnTo>
+                    <a:pt x="1092200" y="1280160"/>
+                  </a:lnTo>
+                  <a:lnTo>
+                    <a:pt x="1214120" y="1280160"/>
+                  </a:lnTo>
+                  <a:lnTo>
+                    <a:pt x="1249680" y="955040"/>
+                  </a:lnTo>
+                  <a:lnTo>
+                    <a:pt x="1376680" y="1320800"/>
+                  </a:lnTo>
+                  <a:lnTo>
+                    <a:pt x="1600200" y="1163320"/>
+                  </a:lnTo>
+                  <a:lnTo>
+                    <a:pt x="1391920" y="939800"/>
+                  </a:lnTo>
+                  <a:lnTo>
+                    <a:pt x="1666240" y="1173480"/>
+                  </a:lnTo>
+                  <a:lnTo>
+                    <a:pt x="1889760" y="1127760"/>
+                  </a:lnTo>
+                  <a:lnTo>
+                    <a:pt x="1732280" y="944880"/>
+                  </a:lnTo>
+                  <a:lnTo>
+                    <a:pt x="2026920" y="1127760"/>
+                  </a:lnTo>
+                  <a:lnTo>
+                    <a:pt x="2143760" y="990600"/>
+                  </a:lnTo>
+                  <a:lnTo>
+                    <a:pt x="1849120" y="868680"/>
+                  </a:lnTo>
+                  <a:lnTo>
+                    <a:pt x="2240280" y="802640"/>
+                  </a:lnTo>
+                  <a:lnTo>
+                    <a:pt x="2164080" y="579120"/>
+                  </a:lnTo>
+                  <a:lnTo>
+                    <a:pt x="1793240" y="741680"/>
+                  </a:lnTo>
+                  <a:lnTo>
+                    <a:pt x="2032000" y="492760"/>
+                  </a:lnTo>
+                  <a:lnTo>
+                    <a:pt x="1971040" y="299720"/>
+                  </a:lnTo>
+                  <a:lnTo>
+                    <a:pt x="1783080" y="472440"/>
+                  </a:lnTo>
+                  <a:lnTo>
+                    <a:pt x="1833880" y="243840"/>
+                  </a:lnTo>
+                  <a:lnTo>
+                    <a:pt x="1701800" y="162560"/>
+                  </a:lnTo>
+                  <a:lnTo>
+                    <a:pt x="1564640" y="370840"/>
+                  </a:lnTo>
+                  <a:lnTo>
+                    <a:pt x="1584960" y="40640"/>
+                  </a:lnTo>
+                  <a:lnTo>
+                    <a:pt x="1376680" y="5080"/>
+                  </a:lnTo>
+                  <a:lnTo>
+                    <a:pt x="1346200" y="279400"/>
+                  </a:lnTo>
+                  <a:lnTo>
+                    <a:pt x="1290320" y="0"/>
+                  </a:lnTo>
+                  <a:lnTo>
+                    <a:pt x="1107440" y="20320"/>
+                  </a:lnTo>
+                  <a:lnTo>
+                    <a:pt x="1036320" y="320040"/>
+                  </a:lnTo>
+                  <a:lnTo>
+                    <a:pt x="929640" y="40640"/>
+                  </a:lnTo>
+                  <a:lnTo>
+                    <a:pt x="756920" y="15240"/>
+                  </a:lnTo>
+                  <a:cubicBezTo>
+                    <a:pt x="755227" y="104987"/>
+                    <a:pt x="753533" y="194733"/>
+                    <a:pt x="751840" y="284480"/>
+                  </a:cubicBezTo>
+                  <a:lnTo>
+                    <a:pt x="553720" y="15240"/>
+                  </a:lnTo>
+                  <a:lnTo>
+                    <a:pt x="441960" y="76200"/>
+                  </a:lnTo>
+                  <a:lnTo>
+                    <a:pt x="599440" y="330200"/>
+                  </a:lnTo>
+                  <a:lnTo>
+                    <a:pt x="375920" y="198120"/>
+                  </a:lnTo>
+                  <a:lnTo>
+                    <a:pt x="294640" y="355600"/>
+                  </a:lnTo>
+                  <a:lnTo>
+                    <a:pt x="477520" y="508000"/>
+                  </a:lnTo>
+                  <a:lnTo>
+                    <a:pt x="228600" y="386080"/>
+                  </a:lnTo>
+                  <a:lnTo>
+                    <a:pt x="167640" y="513080"/>
+                  </a:lnTo>
+                  <a:lnTo>
+                    <a:pt x="370840" y="629920"/>
+                  </a:lnTo>
+                  <a:lnTo>
+                    <a:pt x="0" y="533400"/>
+                  </a:lnTo>
+                  <a:lnTo>
+                    <a:pt x="15240" y="655320"/>
+                  </a:lnTo>
+                  <a:lnTo>
+                    <a:pt x="355600" y="822960"/>
+                  </a:lnTo>
+                  <a:close/>
+                </a:path>
+              </a:pathLst>
+            </a:custGeom>
+            <a:solidFill>
+              <a:schemeClr val="tx1">
+                <a:lumMod val="50000"/>
+                <a:lumOff val="50000"/>
+              </a:schemeClr>
+            </a:solidFill>
+            <a:ln w="38100">
+              <a:solidFill>
+                <a:schemeClr val="tx1"/>
+              </a:solidFill>
+            </a:ln>
+          </p:spPr>
+          <p:style>
+            <a:lnRef idx="2">
+              <a:schemeClr val="accent1">
+                <a:shade val="15000"/>
+              </a:schemeClr>
+            </a:lnRef>
+            <a:fillRef idx="1">
+              <a:schemeClr val="accent1"/>
+            </a:fillRef>
+            <a:effectRef idx="0">
+              <a:schemeClr val="accent1"/>
+            </a:effectRef>
+            <a:fontRef idx="minor">
+              <a:schemeClr val="lt1"/>
+            </a:fontRef>
+          </p:style>
+          <p:txBody>
+            <a:bodyPr rtlCol="0" anchor="ctr"/>
+            <a:lstStyle/>
+            <a:p>
+              <a:pPr algn="ctr"/>
+              <a:endParaRPr lang="ko-KR" altLang="en-US"/>
+            </a:p>
+          </p:txBody>
+        </p:sp>
+        <p:sp>
+          <p:nvSpPr>
+            <p:cNvPr id="39" name="자유형: 도형 38">
+              <a:extLst>
+                <a:ext uri="{FF2B5EF4-FFF2-40B4-BE49-F238E27FC236}">
+                  <a16:creationId xmlns:a16="http://schemas.microsoft.com/office/drawing/2014/main" id="{A0A342BD-815D-A7F9-3E3A-828212D10A84}"/>
+                </a:ext>
+              </a:extLst>
+            </p:cNvPr>
+            <p:cNvSpPr/>
+            <p:nvPr/>
+          </p:nvSpPr>
+          <p:spPr>
+            <a:xfrm>
+              <a:off x="5072642" y="2207125"/>
+              <a:ext cx="2012053" cy="1888306"/>
+            </a:xfrm>
+            <a:custGeom>
+              <a:avLst/>
+              <a:gdLst>
+                <a:gd name="connsiteX0" fmla="*/ 1067900 w 2012053"/>
+                <a:gd name="connsiteY0" fmla="*/ 0 h 1888306"/>
+                <a:gd name="connsiteX1" fmla="*/ 2012053 w 2012053"/>
+                <a:gd name="connsiteY1" fmla="*/ 944153 h 1888306"/>
+                <a:gd name="connsiteX2" fmla="*/ 1067900 w 2012053"/>
+                <a:gd name="connsiteY2" fmla="*/ 1888306 h 1888306"/>
+                <a:gd name="connsiteX3" fmla="*/ 166194 w 2012053"/>
+                <a:gd name="connsiteY3" fmla="*/ 1224915 h 1888306"/>
+                <a:gd name="connsiteX4" fmla="*/ 161288 w 2012053"/>
+                <a:gd name="connsiteY4" fmla="*/ 1205835 h 1888306"/>
+                <a:gd name="connsiteX5" fmla="*/ 82764 w 2012053"/>
+                <a:gd name="connsiteY5" fmla="*/ 1184559 h 1888306"/>
+                <a:gd name="connsiteX6" fmla="*/ 7019 w 2012053"/>
+                <a:gd name="connsiteY6" fmla="*/ 1001672 h 1888306"/>
+                <a:gd name="connsiteX7" fmla="*/ 116074 w 2012053"/>
+                <a:gd name="connsiteY7" fmla="*/ 881613 h 1888306"/>
+                <a:gd name="connsiteX8" fmla="*/ 126900 w 2012053"/>
+                <a:gd name="connsiteY8" fmla="*/ 881707 h 1888306"/>
+                <a:gd name="connsiteX9" fmla="*/ 128622 w 2012053"/>
+                <a:gd name="connsiteY9" fmla="*/ 847619 h 1888306"/>
+                <a:gd name="connsiteX10" fmla="*/ 1067900 w 2012053"/>
+                <a:gd name="connsiteY10" fmla="*/ 0 h 1888306"/>
+              </a:gdLst>
+              <a:ahLst/>
+              <a:cxnLst>
+                <a:cxn ang="0">
+                  <a:pos x="connsiteX0" y="connsiteY0"/>
+                </a:cxn>
+                <a:cxn ang="0">
+                  <a:pos x="connsiteX1" y="connsiteY1"/>
+                </a:cxn>
+                <a:cxn ang="0">
+                  <a:pos x="connsiteX2" y="connsiteY2"/>
+                </a:cxn>
+                <a:cxn ang="0">
+                  <a:pos x="connsiteX3" y="connsiteY3"/>
+                </a:cxn>
+                <a:cxn ang="0">
+                  <a:pos x="connsiteX4" y="connsiteY4"/>
+                </a:cxn>
+                <a:cxn ang="0">
+                  <a:pos x="connsiteX5" y="connsiteY5"/>
+                </a:cxn>
+                <a:cxn ang="0">
+                  <a:pos x="connsiteX6" y="connsiteY6"/>
+                </a:cxn>
+                <a:cxn ang="0">
+                  <a:pos x="connsiteX7" y="connsiteY7"/>
+                </a:cxn>
+                <a:cxn ang="0">
+                  <a:pos x="connsiteX8" y="connsiteY8"/>
+                </a:cxn>
+                <a:cxn ang="0">
+                  <a:pos x="connsiteX9" y="connsiteY9"/>
+                </a:cxn>
+                <a:cxn ang="0">
+                  <a:pos x="connsiteX10" y="connsiteY10"/>
+                </a:cxn>
+              </a:cxnLst>
+              <a:rect l="l" t="t" r="r" b="b"/>
+              <a:pathLst>
+                <a:path w="2012053" h="1888306">
+                  <a:moveTo>
+                    <a:pt x="1067900" y="0"/>
+                  </a:moveTo>
+                  <a:cubicBezTo>
+                    <a:pt x="1589341" y="0"/>
+                    <a:pt x="2012053" y="422712"/>
+                    <a:pt x="2012053" y="944153"/>
+                  </a:cubicBezTo>
+                  <a:cubicBezTo>
+                    <a:pt x="2012053" y="1465594"/>
+                    <a:pt x="1589341" y="1888306"/>
+                    <a:pt x="1067900" y="1888306"/>
+                  </a:cubicBezTo>
+                  <a:cubicBezTo>
+                    <a:pt x="644229" y="1888306"/>
+                    <a:pt x="285735" y="1609250"/>
+                    <a:pt x="166194" y="1224915"/>
+                  </a:cubicBezTo>
+                  <a:lnTo>
+                    <a:pt x="161288" y="1205835"/>
+                  </a:lnTo>
+                  <a:lnTo>
+                    <a:pt x="82764" y="1184559"/>
+                  </a:lnTo>
+                  <a:cubicBezTo>
+                    <a:pt x="18297" y="1167093"/>
+                    <a:pt x="-15615" y="1085211"/>
+                    <a:pt x="7019" y="1001672"/>
+                  </a:cubicBezTo>
+                  <a:cubicBezTo>
+                    <a:pt x="23995" y="939017"/>
+                    <a:pt x="67957" y="893225"/>
+                    <a:pt x="116074" y="881613"/>
+                  </a:cubicBezTo>
+                  <a:lnTo>
+                    <a:pt x="126900" y="881707"/>
+                  </a:lnTo>
+                  <a:lnTo>
+                    <a:pt x="128622" y="847619"/>
+                  </a:lnTo>
+                  <a:cubicBezTo>
+                    <a:pt x="176972" y="371524"/>
+                    <a:pt x="579049" y="0"/>
+                    <a:pt x="1067900" y="0"/>
+                  </a:cubicBezTo>
+                  <a:close/>
+                </a:path>
+              </a:pathLst>
+            </a:custGeom>
+            <a:solidFill>
+              <a:srgbClr val="F5DEB4"/>
+            </a:solidFill>
+            <a:ln w="38100">
+              <a:solidFill>
+                <a:schemeClr val="tx1"/>
+              </a:solidFill>
+            </a:ln>
+          </p:spPr>
+          <p:style>
+            <a:lnRef idx="2">
+              <a:schemeClr val="accent1">
+                <a:shade val="15000"/>
+              </a:schemeClr>
+            </a:lnRef>
+            <a:fillRef idx="1">
+              <a:schemeClr val="accent1"/>
+            </a:fillRef>
+            <a:effectRef idx="0">
+              <a:schemeClr val="accent1"/>
+            </a:effectRef>
+            <a:fontRef idx="minor">
+              <a:schemeClr val="lt1"/>
+            </a:fontRef>
+          </p:style>
+          <p:txBody>
+            <a:bodyPr wrap="square" rtlCol="0" anchor="ctr">
+              <a:noAutofit/>
+            </a:bodyPr>
+            <a:lstStyle/>
+            <a:p>
+              <a:pPr algn="ctr"/>
+              <a:endParaRPr lang="ko-KR" altLang="en-US" dirty="0"/>
+            </a:p>
+          </p:txBody>
+        </p:sp>
+        <p:sp>
+          <p:nvSpPr>
+            <p:cNvPr id="40" name="타원 39">
+              <a:extLst>
+                <a:ext uri="{FF2B5EF4-FFF2-40B4-BE49-F238E27FC236}">
+                  <a16:creationId xmlns:a16="http://schemas.microsoft.com/office/drawing/2014/main" id="{167D9EA5-A151-DA37-3D08-BF09A377EB93}"/>
+                </a:ext>
+              </a:extLst>
+            </p:cNvPr>
+            <p:cNvSpPr/>
+            <p:nvPr/>
+          </p:nvSpPr>
+          <p:spPr>
+            <a:xfrm>
+              <a:off x="5787211" y="2997583"/>
+              <a:ext cx="119907" cy="119907"/>
+            </a:xfrm>
+            <a:prstGeom prst="ellipse">
+              <a:avLst/>
+            </a:prstGeom>
+            <a:solidFill>
+              <a:schemeClr val="tx1">
+                <a:lumMod val="65000"/>
+                <a:lumOff val="35000"/>
+              </a:schemeClr>
+            </a:solidFill>
+            <a:ln w="38100">
+              <a:solidFill>
+                <a:schemeClr val="tx1"/>
+              </a:solidFill>
+            </a:ln>
+          </p:spPr>
+          <p:style>
+            <a:lnRef idx="2">
+              <a:schemeClr val="accent1">
+                <a:shade val="15000"/>
+              </a:schemeClr>
+            </a:lnRef>
+            <a:fillRef idx="1">
+              <a:schemeClr val="accent1"/>
+            </a:fillRef>
+            <a:effectRef idx="0">
+              <a:schemeClr val="accent1"/>
+            </a:effectRef>
+            <a:fontRef idx="minor">
+              <a:schemeClr val="lt1"/>
+            </a:fontRef>
+          </p:style>
+          <p:txBody>
+            <a:bodyPr rtlCol="0" anchor="ctr"/>
+            <a:lstStyle/>
+            <a:p>
+              <a:pPr algn="ctr"/>
+              <a:endParaRPr lang="ko-KR" altLang="en-US"/>
+            </a:p>
+          </p:txBody>
+        </p:sp>
+        <p:sp>
+          <p:nvSpPr>
+            <p:cNvPr id="41" name="타원 40">
+              <a:extLst>
+                <a:ext uri="{FF2B5EF4-FFF2-40B4-BE49-F238E27FC236}">
+                  <a16:creationId xmlns:a16="http://schemas.microsoft.com/office/drawing/2014/main" id="{BC1B19E1-3312-C02D-20D4-AC0D86318DF9}"/>
+                </a:ext>
+              </a:extLst>
+            </p:cNvPr>
+            <p:cNvSpPr/>
+            <p:nvPr/>
+          </p:nvSpPr>
+          <p:spPr>
+            <a:xfrm rot="19641618">
+              <a:off x="5542028" y="3498184"/>
+              <a:ext cx="241498" cy="355106"/>
+            </a:xfrm>
+            <a:prstGeom prst="ellipse">
+              <a:avLst/>
+            </a:prstGeom>
+            <a:solidFill>
+              <a:schemeClr val="accent2">
+                <a:lumMod val="60000"/>
+                <a:lumOff val="40000"/>
+              </a:schemeClr>
+            </a:solidFill>
+            <a:ln w="38100">
+              <a:solidFill>
+                <a:schemeClr val="tx1"/>
+              </a:solidFill>
+            </a:ln>
+          </p:spPr>
+          <p:style>
+            <a:lnRef idx="2">
+              <a:schemeClr val="accent1">
+                <a:shade val="15000"/>
+              </a:schemeClr>
+            </a:lnRef>
+            <a:fillRef idx="1">
+              <a:schemeClr val="accent1"/>
+            </a:fillRef>
+            <a:effectRef idx="0">
+              <a:schemeClr val="accent1"/>
+            </a:effectRef>
+            <a:fontRef idx="minor">
+              <a:schemeClr val="lt1"/>
+            </a:fontRef>
+          </p:style>
+          <p:txBody>
+            <a:bodyPr rtlCol="0" anchor="ctr"/>
+            <a:lstStyle/>
+            <a:p>
+              <a:pPr algn="ctr"/>
+              <a:endParaRPr lang="ko-KR" altLang="en-US"/>
+            </a:p>
+          </p:txBody>
+        </p:sp>
+        <p:sp>
+          <p:nvSpPr>
+            <p:cNvPr id="42" name="자유형: 도형 41">
+              <a:extLst>
+                <a:ext uri="{FF2B5EF4-FFF2-40B4-BE49-F238E27FC236}">
+                  <a16:creationId xmlns:a16="http://schemas.microsoft.com/office/drawing/2014/main" id="{937BAFAF-F4A9-68A3-38EB-592F7C431A3C}"/>
+                </a:ext>
+              </a:extLst>
+            </p:cNvPr>
+            <p:cNvSpPr/>
+            <p:nvPr/>
+          </p:nvSpPr>
+          <p:spPr>
+            <a:xfrm>
+              <a:off x="4966619" y="1736751"/>
+              <a:ext cx="2240280" cy="1320800"/>
+            </a:xfrm>
+            <a:custGeom>
+              <a:avLst/>
+              <a:gdLst>
+                <a:gd name="connsiteX0" fmla="*/ 355600 w 2240280"/>
+                <a:gd name="connsiteY0" fmla="*/ 822960 h 1320800"/>
+                <a:gd name="connsiteX1" fmla="*/ 55880 w 2240280"/>
+                <a:gd name="connsiteY1" fmla="*/ 762000 h 1320800"/>
+                <a:gd name="connsiteX2" fmla="*/ 25400 w 2240280"/>
+                <a:gd name="connsiteY2" fmla="*/ 899160 h 1320800"/>
+                <a:gd name="connsiteX3" fmla="*/ 314960 w 2240280"/>
+                <a:gd name="connsiteY3" fmla="*/ 914400 h 1320800"/>
+                <a:gd name="connsiteX4" fmla="*/ 172720 w 2240280"/>
+                <a:gd name="connsiteY4" fmla="*/ 1056640 h 1320800"/>
+                <a:gd name="connsiteX5" fmla="*/ 289560 w 2240280"/>
+                <a:gd name="connsiteY5" fmla="*/ 1209040 h 1320800"/>
+                <a:gd name="connsiteX6" fmla="*/ 513080 w 2240280"/>
+                <a:gd name="connsiteY6" fmla="*/ 934720 h 1320800"/>
+                <a:gd name="connsiteX7" fmla="*/ 513080 w 2240280"/>
+                <a:gd name="connsiteY7" fmla="*/ 1244600 h 1320800"/>
+                <a:gd name="connsiteX8" fmla="*/ 660400 w 2240280"/>
+                <a:gd name="connsiteY8" fmla="*/ 1280160 h 1320800"/>
+                <a:gd name="connsiteX9" fmla="*/ 665480 w 2240280"/>
+                <a:gd name="connsiteY9" fmla="*/ 960120 h 1320800"/>
+                <a:gd name="connsiteX10" fmla="*/ 792480 w 2240280"/>
+                <a:gd name="connsiteY10" fmla="*/ 1254760 h 1320800"/>
+                <a:gd name="connsiteX11" fmla="*/ 980440 w 2240280"/>
+                <a:gd name="connsiteY11" fmla="*/ 1275080 h 1320800"/>
+                <a:gd name="connsiteX12" fmla="*/ 990600 w 2240280"/>
+                <a:gd name="connsiteY12" fmla="*/ 949960 h 1320800"/>
+                <a:gd name="connsiteX13" fmla="*/ 1092200 w 2240280"/>
+                <a:gd name="connsiteY13" fmla="*/ 1280160 h 1320800"/>
+                <a:gd name="connsiteX14" fmla="*/ 1214120 w 2240280"/>
+                <a:gd name="connsiteY14" fmla="*/ 1280160 h 1320800"/>
+                <a:gd name="connsiteX15" fmla="*/ 1249680 w 2240280"/>
+                <a:gd name="connsiteY15" fmla="*/ 955040 h 1320800"/>
+                <a:gd name="connsiteX16" fmla="*/ 1376680 w 2240280"/>
+                <a:gd name="connsiteY16" fmla="*/ 1320800 h 1320800"/>
+                <a:gd name="connsiteX17" fmla="*/ 1600200 w 2240280"/>
+                <a:gd name="connsiteY17" fmla="*/ 1163320 h 1320800"/>
+                <a:gd name="connsiteX18" fmla="*/ 1391920 w 2240280"/>
+                <a:gd name="connsiteY18" fmla="*/ 939800 h 1320800"/>
+                <a:gd name="connsiteX19" fmla="*/ 1666240 w 2240280"/>
+                <a:gd name="connsiteY19" fmla="*/ 1173480 h 1320800"/>
+                <a:gd name="connsiteX20" fmla="*/ 1889760 w 2240280"/>
+                <a:gd name="connsiteY20" fmla="*/ 1127760 h 1320800"/>
+                <a:gd name="connsiteX21" fmla="*/ 1732280 w 2240280"/>
+                <a:gd name="connsiteY21" fmla="*/ 944880 h 1320800"/>
+                <a:gd name="connsiteX22" fmla="*/ 2026920 w 2240280"/>
+                <a:gd name="connsiteY22" fmla="*/ 1127760 h 1320800"/>
+                <a:gd name="connsiteX23" fmla="*/ 2143760 w 2240280"/>
+                <a:gd name="connsiteY23" fmla="*/ 990600 h 1320800"/>
+                <a:gd name="connsiteX24" fmla="*/ 1849120 w 2240280"/>
+                <a:gd name="connsiteY24" fmla="*/ 868680 h 1320800"/>
+                <a:gd name="connsiteX25" fmla="*/ 2240280 w 2240280"/>
+                <a:gd name="connsiteY25" fmla="*/ 802640 h 1320800"/>
+                <a:gd name="connsiteX26" fmla="*/ 2164080 w 2240280"/>
+                <a:gd name="connsiteY26" fmla="*/ 579120 h 1320800"/>
+                <a:gd name="connsiteX27" fmla="*/ 1793240 w 2240280"/>
+                <a:gd name="connsiteY27" fmla="*/ 741680 h 1320800"/>
+                <a:gd name="connsiteX28" fmla="*/ 2032000 w 2240280"/>
+                <a:gd name="connsiteY28" fmla="*/ 492760 h 1320800"/>
+                <a:gd name="connsiteX29" fmla="*/ 1971040 w 2240280"/>
+                <a:gd name="connsiteY29" fmla="*/ 299720 h 1320800"/>
+                <a:gd name="connsiteX30" fmla="*/ 1783080 w 2240280"/>
+                <a:gd name="connsiteY30" fmla="*/ 472440 h 1320800"/>
+                <a:gd name="connsiteX31" fmla="*/ 1833880 w 2240280"/>
+                <a:gd name="connsiteY31" fmla="*/ 243840 h 1320800"/>
+                <a:gd name="connsiteX32" fmla="*/ 1701800 w 2240280"/>
+                <a:gd name="connsiteY32" fmla="*/ 162560 h 1320800"/>
+                <a:gd name="connsiteX33" fmla="*/ 1564640 w 2240280"/>
+                <a:gd name="connsiteY33" fmla="*/ 370840 h 1320800"/>
+                <a:gd name="connsiteX34" fmla="*/ 1584960 w 2240280"/>
+                <a:gd name="connsiteY34" fmla="*/ 40640 h 1320800"/>
+                <a:gd name="connsiteX35" fmla="*/ 1376680 w 2240280"/>
+                <a:gd name="connsiteY35" fmla="*/ 5080 h 1320800"/>
+                <a:gd name="connsiteX36" fmla="*/ 1346200 w 2240280"/>
+                <a:gd name="connsiteY36" fmla="*/ 279400 h 1320800"/>
+                <a:gd name="connsiteX37" fmla="*/ 1290320 w 2240280"/>
+                <a:gd name="connsiteY37" fmla="*/ 0 h 1320800"/>
+                <a:gd name="connsiteX38" fmla="*/ 1107440 w 2240280"/>
+                <a:gd name="connsiteY38" fmla="*/ 20320 h 1320800"/>
+                <a:gd name="connsiteX39" fmla="*/ 1036320 w 2240280"/>
+                <a:gd name="connsiteY39" fmla="*/ 320040 h 1320800"/>
+                <a:gd name="connsiteX40" fmla="*/ 929640 w 2240280"/>
+                <a:gd name="connsiteY40" fmla="*/ 40640 h 1320800"/>
+                <a:gd name="connsiteX41" fmla="*/ 756920 w 2240280"/>
+                <a:gd name="connsiteY41" fmla="*/ 15240 h 1320800"/>
+                <a:gd name="connsiteX42" fmla="*/ 751840 w 2240280"/>
+                <a:gd name="connsiteY42" fmla="*/ 284480 h 1320800"/>
+                <a:gd name="connsiteX43" fmla="*/ 553720 w 2240280"/>
+                <a:gd name="connsiteY43" fmla="*/ 15240 h 1320800"/>
+                <a:gd name="connsiteX44" fmla="*/ 441960 w 2240280"/>
+                <a:gd name="connsiteY44" fmla="*/ 76200 h 1320800"/>
+                <a:gd name="connsiteX45" fmla="*/ 599440 w 2240280"/>
+                <a:gd name="connsiteY45" fmla="*/ 330200 h 1320800"/>
+                <a:gd name="connsiteX46" fmla="*/ 375920 w 2240280"/>
+                <a:gd name="connsiteY46" fmla="*/ 198120 h 1320800"/>
+                <a:gd name="connsiteX47" fmla="*/ 294640 w 2240280"/>
+                <a:gd name="connsiteY47" fmla="*/ 355600 h 1320800"/>
+                <a:gd name="connsiteX48" fmla="*/ 477520 w 2240280"/>
+                <a:gd name="connsiteY48" fmla="*/ 508000 h 1320800"/>
+                <a:gd name="connsiteX49" fmla="*/ 228600 w 2240280"/>
+                <a:gd name="connsiteY49" fmla="*/ 386080 h 1320800"/>
+                <a:gd name="connsiteX50" fmla="*/ 167640 w 2240280"/>
+                <a:gd name="connsiteY50" fmla="*/ 513080 h 1320800"/>
+                <a:gd name="connsiteX51" fmla="*/ 370840 w 2240280"/>
+                <a:gd name="connsiteY51" fmla="*/ 629920 h 1320800"/>
+                <a:gd name="connsiteX52" fmla="*/ 0 w 2240280"/>
+                <a:gd name="connsiteY52" fmla="*/ 533400 h 1320800"/>
+                <a:gd name="connsiteX53" fmla="*/ 15240 w 2240280"/>
+                <a:gd name="connsiteY53" fmla="*/ 655320 h 1320800"/>
+                <a:gd name="connsiteX54" fmla="*/ 355600 w 2240280"/>
+                <a:gd name="connsiteY54" fmla="*/ 822960 h 1320800"/>
+              </a:gdLst>
+              <a:ahLst/>
+              <a:cxnLst>
+                <a:cxn ang="0">
+                  <a:pos x="connsiteX0" y="connsiteY0"/>
+                </a:cxn>
+                <a:cxn ang="0">
+                  <a:pos x="connsiteX1" y="connsiteY1"/>
+                </a:cxn>
+                <a:cxn ang="0">
+                  <a:pos x="connsiteX2" y="connsiteY2"/>
+                </a:cxn>
+                <a:cxn ang="0">
+                  <a:pos x="connsiteX3" y="connsiteY3"/>
+                </a:cxn>
+                <a:cxn ang="0">
+                  <a:pos x="connsiteX4" y="connsiteY4"/>
+                </a:cxn>
+                <a:cxn ang="0">
+                  <a:pos x="connsiteX5" y="connsiteY5"/>
+                </a:cxn>
+                <a:cxn ang="0">
+                  <a:pos x="connsiteX6" y="connsiteY6"/>
+                </a:cxn>
+                <a:cxn ang="0">
+                  <a:pos x="connsiteX7" y="connsiteY7"/>
+                </a:cxn>
+                <a:cxn ang="0">
+                  <a:pos x="connsiteX8" y="connsiteY8"/>
+                </a:cxn>
+                <a:cxn ang="0">
+                  <a:pos x="connsiteX9" y="connsiteY9"/>
+                </a:cxn>
+                <a:cxn ang="0">
+                  <a:pos x="connsiteX10" y="connsiteY10"/>
+                </a:cxn>
+                <a:cxn ang="0">
+                  <a:pos x="connsiteX11" y="connsiteY11"/>
+                </a:cxn>
+                <a:cxn ang="0">
+                  <a:pos x="connsiteX12" y="connsiteY12"/>
+                </a:cxn>
+                <a:cxn ang="0">
+                  <a:pos x="connsiteX13" y="connsiteY13"/>
+                </a:cxn>
+                <a:cxn ang="0">
+                  <a:pos x="connsiteX14" y="connsiteY14"/>
+                </a:cxn>
+                <a:cxn ang="0">
+                  <a:pos x="connsiteX15" y="connsiteY15"/>
+                </a:cxn>
+                <a:cxn ang="0">
+                  <a:pos x="connsiteX16" y="connsiteY16"/>
+                </a:cxn>
+                <a:cxn ang="0">
+                  <a:pos x="connsiteX17" y="connsiteY17"/>
+                </a:cxn>
+                <a:cxn ang="0">
+                  <a:pos x="connsiteX18" y="connsiteY18"/>
+                </a:cxn>
+                <a:cxn ang="0">
+                  <a:pos x="connsiteX19" y="connsiteY19"/>
+                </a:cxn>
+                <a:cxn ang="0">
+                  <a:pos x="connsiteX20" y="connsiteY20"/>
+                </a:cxn>
+                <a:cxn ang="0">
+                  <a:pos x="connsiteX21" y="connsiteY21"/>
+                </a:cxn>
+                <a:cxn ang="0">
+                  <a:pos x="connsiteX22" y="connsiteY22"/>
+                </a:cxn>
+                <a:cxn ang="0">
+                  <a:pos x="connsiteX23" y="connsiteY23"/>
+                </a:cxn>
+                <a:cxn ang="0">
+                  <a:pos x="connsiteX24" y="connsiteY24"/>
+                </a:cxn>
+                <a:cxn ang="0">
+                  <a:pos x="connsiteX25" y="connsiteY25"/>
+                </a:cxn>
+                <a:cxn ang="0">
+                  <a:pos x="connsiteX26" y="connsiteY26"/>
+                </a:cxn>
+                <a:cxn ang="0">
+                  <a:pos x="connsiteX27" y="connsiteY27"/>
+                </a:cxn>
+                <a:cxn ang="0">
+                  <a:pos x="connsiteX28" y="connsiteY28"/>
+                </a:cxn>
+                <a:cxn ang="0">
+                  <a:pos x="connsiteX29" y="connsiteY29"/>
+                </a:cxn>
+                <a:cxn ang="0">
+                  <a:pos x="connsiteX30" y="connsiteY30"/>
+                </a:cxn>
+                <a:cxn ang="0">
+                  <a:pos x="connsiteX31" y="connsiteY31"/>
+                </a:cxn>
+                <a:cxn ang="0">
+                  <a:pos x="connsiteX32" y="connsiteY32"/>
+                </a:cxn>
+                <a:cxn ang="0">
+                  <a:pos x="connsiteX33" y="connsiteY33"/>
+                </a:cxn>
+                <a:cxn ang="0">
+                  <a:pos x="connsiteX34" y="connsiteY34"/>
+                </a:cxn>
+                <a:cxn ang="0">
+                  <a:pos x="connsiteX35" y="connsiteY35"/>
+                </a:cxn>
+                <a:cxn ang="0">
+                  <a:pos x="connsiteX36" y="connsiteY36"/>
+                </a:cxn>
+                <a:cxn ang="0">
+                  <a:pos x="connsiteX37" y="connsiteY37"/>
+                </a:cxn>
+                <a:cxn ang="0">
+                  <a:pos x="connsiteX38" y="connsiteY38"/>
+                </a:cxn>
+                <a:cxn ang="0">
+                  <a:pos x="connsiteX39" y="connsiteY39"/>
+                </a:cxn>
+                <a:cxn ang="0">
+                  <a:pos x="connsiteX40" y="connsiteY40"/>
+                </a:cxn>
+                <a:cxn ang="0">
+                  <a:pos x="connsiteX41" y="connsiteY41"/>
+                </a:cxn>
+                <a:cxn ang="0">
+                  <a:pos x="connsiteX42" y="connsiteY42"/>
+                </a:cxn>
+                <a:cxn ang="0">
+                  <a:pos x="connsiteX43" y="connsiteY43"/>
+                </a:cxn>
+                <a:cxn ang="0">
+                  <a:pos x="connsiteX44" y="connsiteY44"/>
+                </a:cxn>
+                <a:cxn ang="0">
+                  <a:pos x="connsiteX45" y="connsiteY45"/>
+                </a:cxn>
+                <a:cxn ang="0">
+                  <a:pos x="connsiteX46" y="connsiteY46"/>
+                </a:cxn>
+                <a:cxn ang="0">
+                  <a:pos x="connsiteX47" y="connsiteY47"/>
+                </a:cxn>
+                <a:cxn ang="0">
+                  <a:pos x="connsiteX48" y="connsiteY48"/>
+                </a:cxn>
+                <a:cxn ang="0">
+                  <a:pos x="connsiteX49" y="connsiteY49"/>
+                </a:cxn>
+                <a:cxn ang="0">
+                  <a:pos x="connsiteX50" y="connsiteY50"/>
+                </a:cxn>
+                <a:cxn ang="0">
+                  <a:pos x="connsiteX51" y="connsiteY51"/>
+                </a:cxn>
+                <a:cxn ang="0">
+                  <a:pos x="connsiteX52" y="connsiteY52"/>
+                </a:cxn>
+                <a:cxn ang="0">
+                  <a:pos x="connsiteX53" y="connsiteY53"/>
+                </a:cxn>
+                <a:cxn ang="0">
+                  <a:pos x="connsiteX54" y="connsiteY54"/>
+                </a:cxn>
+              </a:cxnLst>
+              <a:rect l="l" t="t" r="r" b="b"/>
+              <a:pathLst>
+                <a:path w="2240280" h="1320800">
+                  <a:moveTo>
+                    <a:pt x="355600" y="822960"/>
+                  </a:moveTo>
+                  <a:lnTo>
+                    <a:pt x="55880" y="762000"/>
+                  </a:lnTo>
+                  <a:lnTo>
+                    <a:pt x="25400" y="899160"/>
+                  </a:lnTo>
+                  <a:lnTo>
+                    <a:pt x="314960" y="914400"/>
+                  </a:lnTo>
+                  <a:lnTo>
+                    <a:pt x="172720" y="1056640"/>
+                  </a:lnTo>
+                  <a:lnTo>
+                    <a:pt x="289560" y="1209040"/>
+                  </a:lnTo>
+                  <a:lnTo>
+                    <a:pt x="513080" y="934720"/>
+                  </a:lnTo>
+                  <a:lnTo>
+                    <a:pt x="513080" y="1244600"/>
+                  </a:lnTo>
+                  <a:lnTo>
+                    <a:pt x="660400" y="1280160"/>
+                  </a:lnTo>
+                  <a:cubicBezTo>
+                    <a:pt x="662093" y="1173480"/>
+                    <a:pt x="663787" y="1066800"/>
+                    <a:pt x="665480" y="960120"/>
+                  </a:cubicBezTo>
+                  <a:lnTo>
+                    <a:pt x="792480" y="1254760"/>
+                  </a:lnTo>
+                  <a:lnTo>
+                    <a:pt x="980440" y="1275080"/>
+                  </a:lnTo>
+                  <a:lnTo>
+                    <a:pt x="990600" y="949960"/>
+                  </a:lnTo>
+                  <a:lnTo>
+                    <a:pt x="1092200" y="1280160"/>
+                  </a:lnTo>
+                  <a:lnTo>
+                    <a:pt x="1214120" y="1280160"/>
+                  </a:lnTo>
+                  <a:lnTo>
+                    <a:pt x="1249680" y="955040"/>
+                  </a:lnTo>
+                  <a:lnTo>
+                    <a:pt x="1376680" y="1320800"/>
+                  </a:lnTo>
+                  <a:lnTo>
+                    <a:pt x="1600200" y="1163320"/>
+                  </a:lnTo>
+                  <a:lnTo>
+                    <a:pt x="1391920" y="939800"/>
+                  </a:lnTo>
+                  <a:lnTo>
+                    <a:pt x="1666240" y="1173480"/>
+                  </a:lnTo>
+                  <a:lnTo>
+                    <a:pt x="1889760" y="1127760"/>
+                  </a:lnTo>
+                  <a:lnTo>
+                    <a:pt x="1732280" y="944880"/>
+                  </a:lnTo>
+                  <a:lnTo>
+                    <a:pt x="2026920" y="1127760"/>
+                  </a:lnTo>
+                  <a:lnTo>
+                    <a:pt x="2143760" y="990600"/>
+                  </a:lnTo>
+                  <a:lnTo>
+                    <a:pt x="1849120" y="868680"/>
+                  </a:lnTo>
+                  <a:lnTo>
+                    <a:pt x="2240280" y="802640"/>
+                  </a:lnTo>
+                  <a:lnTo>
+                    <a:pt x="2164080" y="579120"/>
+                  </a:lnTo>
+                  <a:lnTo>
+                    <a:pt x="1793240" y="741680"/>
+                  </a:lnTo>
+                  <a:lnTo>
+                    <a:pt x="2032000" y="492760"/>
+                  </a:lnTo>
+                  <a:lnTo>
+                    <a:pt x="1971040" y="299720"/>
+                  </a:lnTo>
+                  <a:lnTo>
+                    <a:pt x="1783080" y="472440"/>
+                  </a:lnTo>
+                  <a:lnTo>
+                    <a:pt x="1833880" y="243840"/>
+                  </a:lnTo>
+                  <a:lnTo>
+                    <a:pt x="1701800" y="162560"/>
+                  </a:lnTo>
+                  <a:lnTo>
+                    <a:pt x="1564640" y="370840"/>
+                  </a:lnTo>
+                  <a:lnTo>
+                    <a:pt x="1584960" y="40640"/>
+                  </a:lnTo>
+                  <a:lnTo>
+                    <a:pt x="1376680" y="5080"/>
+                  </a:lnTo>
+                  <a:lnTo>
+                    <a:pt x="1346200" y="279400"/>
+                  </a:lnTo>
+                  <a:lnTo>
+                    <a:pt x="1290320" y="0"/>
+                  </a:lnTo>
+                  <a:lnTo>
+                    <a:pt x="1107440" y="20320"/>
+                  </a:lnTo>
+                  <a:lnTo>
+                    <a:pt x="1036320" y="320040"/>
+                  </a:lnTo>
+                  <a:lnTo>
+                    <a:pt x="929640" y="40640"/>
+                  </a:lnTo>
+                  <a:lnTo>
+                    <a:pt x="756920" y="15240"/>
+                  </a:lnTo>
+                  <a:cubicBezTo>
+                    <a:pt x="755227" y="104987"/>
+                    <a:pt x="753533" y="194733"/>
+                    <a:pt x="751840" y="284480"/>
+                  </a:cubicBezTo>
+                  <a:lnTo>
+                    <a:pt x="553720" y="15240"/>
+                  </a:lnTo>
+                  <a:lnTo>
+                    <a:pt x="441960" y="76200"/>
+                  </a:lnTo>
+                  <a:lnTo>
+                    <a:pt x="599440" y="330200"/>
+                  </a:lnTo>
+                  <a:lnTo>
+                    <a:pt x="375920" y="198120"/>
+                  </a:lnTo>
+                  <a:lnTo>
+                    <a:pt x="294640" y="355600"/>
+                  </a:lnTo>
+                  <a:lnTo>
+                    <a:pt x="477520" y="508000"/>
+                  </a:lnTo>
+                  <a:lnTo>
+                    <a:pt x="228600" y="386080"/>
+                  </a:lnTo>
+                  <a:lnTo>
+                    <a:pt x="167640" y="513080"/>
+                  </a:lnTo>
+                  <a:lnTo>
+                    <a:pt x="370840" y="629920"/>
+                  </a:lnTo>
+                  <a:lnTo>
+                    <a:pt x="0" y="533400"/>
+                  </a:lnTo>
+                  <a:lnTo>
+                    <a:pt x="15240" y="655320"/>
+                  </a:lnTo>
+                  <a:lnTo>
+                    <a:pt x="355600" y="822960"/>
+                  </a:lnTo>
+                  <a:close/>
+                </a:path>
+              </a:pathLst>
+            </a:custGeom>
+            <a:solidFill>
+              <a:schemeClr val="tx1">
+                <a:lumMod val="50000"/>
+                <a:lumOff val="50000"/>
+              </a:schemeClr>
+            </a:solidFill>
+            <a:ln w="38100">
+              <a:solidFill>
+                <a:schemeClr val="tx1"/>
+              </a:solidFill>
+            </a:ln>
+          </p:spPr>
+          <p:style>
+            <a:lnRef idx="2">
+              <a:schemeClr val="accent1">
+                <a:shade val="15000"/>
+              </a:schemeClr>
+            </a:lnRef>
+            <a:fillRef idx="1">
+              <a:schemeClr val="accent1"/>
+            </a:fillRef>
+            <a:effectRef idx="0">
+              <a:schemeClr val="accent1"/>
+            </a:effectRef>
+            <a:fontRef idx="minor">
+              <a:schemeClr val="lt1"/>
+            </a:fontRef>
+          </p:style>
+          <p:txBody>
+            <a:bodyPr rtlCol="0" anchor="ctr"/>
+            <a:lstStyle/>
+            <a:p>
+              <a:pPr algn="ctr"/>
+              <a:endParaRPr lang="ko-KR" altLang="en-US"/>
+            </a:p>
+          </p:txBody>
+        </p:sp>
+        <p:sp>
+          <p:nvSpPr>
+            <p:cNvPr id="47" name="자유형: 도형 46">
+              <a:extLst>
+                <a:ext uri="{FF2B5EF4-FFF2-40B4-BE49-F238E27FC236}">
+                  <a16:creationId xmlns:a16="http://schemas.microsoft.com/office/drawing/2014/main" id="{04341E74-4FA8-D158-81B3-B6E95CDE12BA}"/>
+                </a:ext>
+              </a:extLst>
+            </p:cNvPr>
+            <p:cNvSpPr/>
+            <p:nvPr/>
+          </p:nvSpPr>
+          <p:spPr>
+            <a:xfrm>
+              <a:off x="8600721" y="2256887"/>
+              <a:ext cx="2012053" cy="1888306"/>
+            </a:xfrm>
+            <a:custGeom>
+              <a:avLst/>
+              <a:gdLst>
+                <a:gd name="connsiteX0" fmla="*/ 1067900 w 2012053"/>
+                <a:gd name="connsiteY0" fmla="*/ 0 h 1888306"/>
+                <a:gd name="connsiteX1" fmla="*/ 2012053 w 2012053"/>
+                <a:gd name="connsiteY1" fmla="*/ 944153 h 1888306"/>
+                <a:gd name="connsiteX2" fmla="*/ 1067900 w 2012053"/>
+                <a:gd name="connsiteY2" fmla="*/ 1888306 h 1888306"/>
+                <a:gd name="connsiteX3" fmla="*/ 166194 w 2012053"/>
+                <a:gd name="connsiteY3" fmla="*/ 1224915 h 1888306"/>
+                <a:gd name="connsiteX4" fmla="*/ 161288 w 2012053"/>
+                <a:gd name="connsiteY4" fmla="*/ 1205835 h 1888306"/>
+                <a:gd name="connsiteX5" fmla="*/ 82764 w 2012053"/>
+                <a:gd name="connsiteY5" fmla="*/ 1184559 h 1888306"/>
+                <a:gd name="connsiteX6" fmla="*/ 7019 w 2012053"/>
+                <a:gd name="connsiteY6" fmla="*/ 1001672 h 1888306"/>
+                <a:gd name="connsiteX7" fmla="*/ 116074 w 2012053"/>
+                <a:gd name="connsiteY7" fmla="*/ 881613 h 1888306"/>
+                <a:gd name="connsiteX8" fmla="*/ 126900 w 2012053"/>
+                <a:gd name="connsiteY8" fmla="*/ 881707 h 1888306"/>
+                <a:gd name="connsiteX9" fmla="*/ 128622 w 2012053"/>
+                <a:gd name="connsiteY9" fmla="*/ 847619 h 1888306"/>
+                <a:gd name="connsiteX10" fmla="*/ 1067900 w 2012053"/>
+                <a:gd name="connsiteY10" fmla="*/ 0 h 1888306"/>
+              </a:gdLst>
+              <a:ahLst/>
+              <a:cxnLst>
+                <a:cxn ang="0">
+                  <a:pos x="connsiteX0" y="connsiteY0"/>
+                </a:cxn>
+                <a:cxn ang="0">
+                  <a:pos x="connsiteX1" y="connsiteY1"/>
+                </a:cxn>
+                <a:cxn ang="0">
+                  <a:pos x="connsiteX2" y="connsiteY2"/>
+                </a:cxn>
+                <a:cxn ang="0">
+                  <a:pos x="connsiteX3" y="connsiteY3"/>
+                </a:cxn>
+                <a:cxn ang="0">
+                  <a:pos x="connsiteX4" y="connsiteY4"/>
+                </a:cxn>
+                <a:cxn ang="0">
+                  <a:pos x="connsiteX5" y="connsiteY5"/>
+                </a:cxn>
+                <a:cxn ang="0">
+                  <a:pos x="connsiteX6" y="connsiteY6"/>
+                </a:cxn>
+                <a:cxn ang="0">
+                  <a:pos x="connsiteX7" y="connsiteY7"/>
+                </a:cxn>
+                <a:cxn ang="0">
+                  <a:pos x="connsiteX8" y="connsiteY8"/>
+                </a:cxn>
+                <a:cxn ang="0">
+                  <a:pos x="connsiteX9" y="connsiteY9"/>
+                </a:cxn>
+                <a:cxn ang="0">
+                  <a:pos x="connsiteX10" y="connsiteY10"/>
+                </a:cxn>
+              </a:cxnLst>
+              <a:rect l="l" t="t" r="r" b="b"/>
+              <a:pathLst>
+                <a:path w="2012053" h="1888306">
+                  <a:moveTo>
+                    <a:pt x="1067900" y="0"/>
+                  </a:moveTo>
+                  <a:cubicBezTo>
+                    <a:pt x="1589341" y="0"/>
+                    <a:pt x="2012053" y="422712"/>
+                    <a:pt x="2012053" y="944153"/>
+                  </a:cubicBezTo>
+                  <a:cubicBezTo>
+                    <a:pt x="2012053" y="1465594"/>
+                    <a:pt x="1589341" y="1888306"/>
+                    <a:pt x="1067900" y="1888306"/>
+                  </a:cubicBezTo>
+                  <a:cubicBezTo>
+                    <a:pt x="644229" y="1888306"/>
+                    <a:pt x="285735" y="1609250"/>
+                    <a:pt x="166194" y="1224915"/>
+                  </a:cubicBezTo>
+                  <a:lnTo>
+                    <a:pt x="161288" y="1205835"/>
+                  </a:lnTo>
+                  <a:lnTo>
+                    <a:pt x="82764" y="1184559"/>
+                  </a:lnTo>
+                  <a:cubicBezTo>
+                    <a:pt x="18297" y="1167093"/>
+                    <a:pt x="-15615" y="1085211"/>
+                    <a:pt x="7019" y="1001672"/>
+                  </a:cubicBezTo>
+                  <a:cubicBezTo>
+                    <a:pt x="23995" y="939017"/>
+                    <a:pt x="67957" y="893225"/>
+                    <a:pt x="116074" y="881613"/>
+                  </a:cubicBezTo>
+                  <a:lnTo>
+                    <a:pt x="126900" y="881707"/>
+                  </a:lnTo>
+                  <a:lnTo>
+                    <a:pt x="128622" y="847619"/>
+                  </a:lnTo>
+                  <a:cubicBezTo>
+                    <a:pt x="176972" y="371524"/>
+                    <a:pt x="579049" y="0"/>
+                    <a:pt x="1067900" y="0"/>
+                  </a:cubicBezTo>
+                  <a:close/>
+                </a:path>
+              </a:pathLst>
+            </a:custGeom>
+            <a:solidFill>
+              <a:srgbClr val="F5DEB4"/>
+            </a:solidFill>
+            <a:ln w="38100">
+              <a:solidFill>
+                <a:schemeClr val="tx1"/>
+              </a:solidFill>
+            </a:ln>
+          </p:spPr>
+          <p:style>
+            <a:lnRef idx="2">
+              <a:schemeClr val="accent1">
+                <a:shade val="15000"/>
+              </a:schemeClr>
+            </a:lnRef>
+            <a:fillRef idx="1">
+              <a:schemeClr val="accent1"/>
+            </a:fillRef>
+            <a:effectRef idx="0">
+              <a:schemeClr val="accent1"/>
+            </a:effectRef>
+            <a:fontRef idx="minor">
+              <a:schemeClr val="lt1"/>
+            </a:fontRef>
+          </p:style>
+          <p:txBody>
+            <a:bodyPr wrap="square" rtlCol="0" anchor="ctr">
+              <a:noAutofit/>
+            </a:bodyPr>
+            <a:lstStyle/>
+            <a:p>
+              <a:pPr algn="ctr"/>
+              <a:endParaRPr lang="ko-KR" altLang="en-US" dirty="0"/>
+            </a:p>
+          </p:txBody>
+        </p:sp>
+        <p:sp>
+          <p:nvSpPr>
+            <p:cNvPr id="48" name="타원 47">
+              <a:extLst>
+                <a:ext uri="{FF2B5EF4-FFF2-40B4-BE49-F238E27FC236}">
+                  <a16:creationId xmlns:a16="http://schemas.microsoft.com/office/drawing/2014/main" id="{BE3EDE9D-A3BB-BE67-5CFF-1E2AA9E0E00C}"/>
+                </a:ext>
+              </a:extLst>
+            </p:cNvPr>
+            <p:cNvSpPr/>
+            <p:nvPr/>
+          </p:nvSpPr>
+          <p:spPr>
+            <a:xfrm>
+              <a:off x="9315290" y="3047345"/>
+              <a:ext cx="119907" cy="119907"/>
+            </a:xfrm>
+            <a:prstGeom prst="ellipse">
+              <a:avLst/>
+            </a:prstGeom>
+            <a:solidFill>
+              <a:schemeClr val="tx1">
+                <a:lumMod val="65000"/>
+                <a:lumOff val="35000"/>
+              </a:schemeClr>
+            </a:solidFill>
+            <a:ln w="38100">
+              <a:solidFill>
+                <a:schemeClr val="tx1"/>
+              </a:solidFill>
+            </a:ln>
+          </p:spPr>
+          <p:style>
+            <a:lnRef idx="2">
+              <a:schemeClr val="accent1">
+                <a:shade val="15000"/>
+              </a:schemeClr>
+            </a:lnRef>
+            <a:fillRef idx="1">
+              <a:schemeClr val="accent1"/>
+            </a:fillRef>
+            <a:effectRef idx="0">
+              <a:schemeClr val="accent1"/>
+            </a:effectRef>
+            <a:fontRef idx="minor">
+              <a:schemeClr val="lt1"/>
+            </a:fontRef>
+          </p:style>
+          <p:txBody>
+            <a:bodyPr rtlCol="0" anchor="ctr"/>
+            <a:lstStyle/>
+            <a:p>
+              <a:pPr algn="ctr"/>
+              <a:endParaRPr lang="ko-KR" altLang="en-US"/>
+            </a:p>
+          </p:txBody>
+        </p:sp>
+        <p:sp>
+          <p:nvSpPr>
+            <p:cNvPr id="49" name="타원 48">
+              <a:extLst>
+                <a:ext uri="{FF2B5EF4-FFF2-40B4-BE49-F238E27FC236}">
+                  <a16:creationId xmlns:a16="http://schemas.microsoft.com/office/drawing/2014/main" id="{7C1280BB-228B-1008-C4B1-617CFB3236E6}"/>
+                </a:ext>
+              </a:extLst>
+            </p:cNvPr>
+            <p:cNvSpPr/>
+            <p:nvPr/>
+          </p:nvSpPr>
+          <p:spPr>
+            <a:xfrm rot="19641618">
+              <a:off x="9070107" y="3547946"/>
+              <a:ext cx="241498" cy="355106"/>
+            </a:xfrm>
+            <a:prstGeom prst="ellipse">
+              <a:avLst/>
+            </a:prstGeom>
+            <a:solidFill>
+              <a:schemeClr val="accent2">
+                <a:lumMod val="60000"/>
+                <a:lumOff val="40000"/>
+              </a:schemeClr>
+            </a:solidFill>
+            <a:ln w="38100">
+              <a:solidFill>
+                <a:schemeClr val="tx1"/>
+              </a:solidFill>
+            </a:ln>
+          </p:spPr>
+          <p:style>
+            <a:lnRef idx="2">
+              <a:schemeClr val="accent1">
+                <a:shade val="15000"/>
+              </a:schemeClr>
+            </a:lnRef>
+            <a:fillRef idx="1">
+              <a:schemeClr val="accent1"/>
+            </a:fillRef>
+            <a:effectRef idx="0">
+              <a:schemeClr val="accent1"/>
+            </a:effectRef>
+            <a:fontRef idx="minor">
+              <a:schemeClr val="lt1"/>
+            </a:fontRef>
+          </p:style>
+          <p:txBody>
+            <a:bodyPr rtlCol="0" anchor="ctr"/>
+            <a:lstStyle/>
+            <a:p>
+              <a:pPr algn="ctr"/>
+              <a:endParaRPr lang="ko-KR" altLang="en-US"/>
+            </a:p>
+          </p:txBody>
+        </p:sp>
+        <p:sp>
+          <p:nvSpPr>
+            <p:cNvPr id="50" name="자유형: 도형 49">
+              <a:extLst>
+                <a:ext uri="{FF2B5EF4-FFF2-40B4-BE49-F238E27FC236}">
+                  <a16:creationId xmlns:a16="http://schemas.microsoft.com/office/drawing/2014/main" id="{1875C0A4-C7BC-63D9-A315-9D93BDDFB722}"/>
+                </a:ext>
+              </a:extLst>
+            </p:cNvPr>
+            <p:cNvSpPr/>
+            <p:nvPr/>
+          </p:nvSpPr>
+          <p:spPr>
+            <a:xfrm>
+              <a:off x="8494698" y="1786513"/>
+              <a:ext cx="2240280" cy="1320800"/>
+            </a:xfrm>
+            <a:custGeom>
+              <a:avLst/>
+              <a:gdLst>
+                <a:gd name="connsiteX0" fmla="*/ 355600 w 2240280"/>
+                <a:gd name="connsiteY0" fmla="*/ 822960 h 1320800"/>
+                <a:gd name="connsiteX1" fmla="*/ 55880 w 2240280"/>
+                <a:gd name="connsiteY1" fmla="*/ 762000 h 1320800"/>
+                <a:gd name="connsiteX2" fmla="*/ 25400 w 2240280"/>
+                <a:gd name="connsiteY2" fmla="*/ 899160 h 1320800"/>
+                <a:gd name="connsiteX3" fmla="*/ 314960 w 2240280"/>
+                <a:gd name="connsiteY3" fmla="*/ 914400 h 1320800"/>
+                <a:gd name="connsiteX4" fmla="*/ 172720 w 2240280"/>
+                <a:gd name="connsiteY4" fmla="*/ 1056640 h 1320800"/>
+                <a:gd name="connsiteX5" fmla="*/ 289560 w 2240280"/>
+                <a:gd name="connsiteY5" fmla="*/ 1209040 h 1320800"/>
+                <a:gd name="connsiteX6" fmla="*/ 513080 w 2240280"/>
+                <a:gd name="connsiteY6" fmla="*/ 934720 h 1320800"/>
+                <a:gd name="connsiteX7" fmla="*/ 513080 w 2240280"/>
+                <a:gd name="connsiteY7" fmla="*/ 1244600 h 1320800"/>
+                <a:gd name="connsiteX8" fmla="*/ 660400 w 2240280"/>
+                <a:gd name="connsiteY8" fmla="*/ 1280160 h 1320800"/>
+                <a:gd name="connsiteX9" fmla="*/ 665480 w 2240280"/>
+                <a:gd name="connsiteY9" fmla="*/ 960120 h 1320800"/>
+                <a:gd name="connsiteX10" fmla="*/ 792480 w 2240280"/>
+                <a:gd name="connsiteY10" fmla="*/ 1254760 h 1320800"/>
+                <a:gd name="connsiteX11" fmla="*/ 980440 w 2240280"/>
+                <a:gd name="connsiteY11" fmla="*/ 1275080 h 1320800"/>
+                <a:gd name="connsiteX12" fmla="*/ 990600 w 2240280"/>
+                <a:gd name="connsiteY12" fmla="*/ 949960 h 1320800"/>
+                <a:gd name="connsiteX13" fmla="*/ 1092200 w 2240280"/>
+                <a:gd name="connsiteY13" fmla="*/ 1280160 h 1320800"/>
+                <a:gd name="connsiteX14" fmla="*/ 1214120 w 2240280"/>
+                <a:gd name="connsiteY14" fmla="*/ 1280160 h 1320800"/>
+                <a:gd name="connsiteX15" fmla="*/ 1249680 w 2240280"/>
+                <a:gd name="connsiteY15" fmla="*/ 955040 h 1320800"/>
+                <a:gd name="connsiteX16" fmla="*/ 1376680 w 2240280"/>
+                <a:gd name="connsiteY16" fmla="*/ 1320800 h 1320800"/>
+                <a:gd name="connsiteX17" fmla="*/ 1600200 w 2240280"/>
+                <a:gd name="connsiteY17" fmla="*/ 1163320 h 1320800"/>
+                <a:gd name="connsiteX18" fmla="*/ 1391920 w 2240280"/>
+                <a:gd name="connsiteY18" fmla="*/ 939800 h 1320800"/>
+                <a:gd name="connsiteX19" fmla="*/ 1666240 w 2240280"/>
+                <a:gd name="connsiteY19" fmla="*/ 1173480 h 1320800"/>
+                <a:gd name="connsiteX20" fmla="*/ 1889760 w 2240280"/>
+                <a:gd name="connsiteY20" fmla="*/ 1127760 h 1320800"/>
+                <a:gd name="connsiteX21" fmla="*/ 1732280 w 2240280"/>
+                <a:gd name="connsiteY21" fmla="*/ 944880 h 1320800"/>
+                <a:gd name="connsiteX22" fmla="*/ 2026920 w 2240280"/>
+                <a:gd name="connsiteY22" fmla="*/ 1127760 h 1320800"/>
+                <a:gd name="connsiteX23" fmla="*/ 2143760 w 2240280"/>
+                <a:gd name="connsiteY23" fmla="*/ 990600 h 1320800"/>
+                <a:gd name="connsiteX24" fmla="*/ 1849120 w 2240280"/>
+                <a:gd name="connsiteY24" fmla="*/ 868680 h 1320800"/>
+                <a:gd name="connsiteX25" fmla="*/ 2240280 w 2240280"/>
+                <a:gd name="connsiteY25" fmla="*/ 802640 h 1320800"/>
+                <a:gd name="connsiteX26" fmla="*/ 2164080 w 2240280"/>
+                <a:gd name="connsiteY26" fmla="*/ 579120 h 1320800"/>
+                <a:gd name="connsiteX27" fmla="*/ 1793240 w 2240280"/>
+                <a:gd name="connsiteY27" fmla="*/ 741680 h 1320800"/>
+                <a:gd name="connsiteX28" fmla="*/ 2032000 w 2240280"/>
+                <a:gd name="connsiteY28" fmla="*/ 492760 h 1320800"/>
+                <a:gd name="connsiteX29" fmla="*/ 1971040 w 2240280"/>
+                <a:gd name="connsiteY29" fmla="*/ 299720 h 1320800"/>
+                <a:gd name="connsiteX30" fmla="*/ 1783080 w 2240280"/>
+                <a:gd name="connsiteY30" fmla="*/ 472440 h 1320800"/>
+                <a:gd name="connsiteX31" fmla="*/ 1833880 w 2240280"/>
+                <a:gd name="connsiteY31" fmla="*/ 243840 h 1320800"/>
+                <a:gd name="connsiteX32" fmla="*/ 1701800 w 2240280"/>
+                <a:gd name="connsiteY32" fmla="*/ 162560 h 1320800"/>
+                <a:gd name="connsiteX33" fmla="*/ 1564640 w 2240280"/>
+                <a:gd name="connsiteY33" fmla="*/ 370840 h 1320800"/>
+                <a:gd name="connsiteX34" fmla="*/ 1584960 w 2240280"/>
+                <a:gd name="connsiteY34" fmla="*/ 40640 h 1320800"/>
+                <a:gd name="connsiteX35" fmla="*/ 1376680 w 2240280"/>
+                <a:gd name="connsiteY35" fmla="*/ 5080 h 1320800"/>
+                <a:gd name="connsiteX36" fmla="*/ 1346200 w 2240280"/>
+                <a:gd name="connsiteY36" fmla="*/ 279400 h 1320800"/>
+                <a:gd name="connsiteX37" fmla="*/ 1290320 w 2240280"/>
+                <a:gd name="connsiteY37" fmla="*/ 0 h 1320800"/>
+                <a:gd name="connsiteX38" fmla="*/ 1107440 w 2240280"/>
+                <a:gd name="connsiteY38" fmla="*/ 20320 h 1320800"/>
+                <a:gd name="connsiteX39" fmla="*/ 1036320 w 2240280"/>
+                <a:gd name="connsiteY39" fmla="*/ 320040 h 1320800"/>
+                <a:gd name="connsiteX40" fmla="*/ 929640 w 2240280"/>
+                <a:gd name="connsiteY40" fmla="*/ 40640 h 1320800"/>
+                <a:gd name="connsiteX41" fmla="*/ 756920 w 2240280"/>
+                <a:gd name="connsiteY41" fmla="*/ 15240 h 1320800"/>
+                <a:gd name="connsiteX42" fmla="*/ 751840 w 2240280"/>
+                <a:gd name="connsiteY42" fmla="*/ 284480 h 1320800"/>
+                <a:gd name="connsiteX43" fmla="*/ 553720 w 2240280"/>
+                <a:gd name="connsiteY43" fmla="*/ 15240 h 1320800"/>
+                <a:gd name="connsiteX44" fmla="*/ 441960 w 2240280"/>
+                <a:gd name="connsiteY44" fmla="*/ 76200 h 1320800"/>
+                <a:gd name="connsiteX45" fmla="*/ 599440 w 2240280"/>
+                <a:gd name="connsiteY45" fmla="*/ 330200 h 1320800"/>
+                <a:gd name="connsiteX46" fmla="*/ 375920 w 2240280"/>
+                <a:gd name="connsiteY46" fmla="*/ 198120 h 1320800"/>
+                <a:gd name="connsiteX47" fmla="*/ 294640 w 2240280"/>
+                <a:gd name="connsiteY47" fmla="*/ 355600 h 1320800"/>
+                <a:gd name="connsiteX48" fmla="*/ 477520 w 2240280"/>
+                <a:gd name="connsiteY48" fmla="*/ 508000 h 1320800"/>
+                <a:gd name="connsiteX49" fmla="*/ 228600 w 2240280"/>
+                <a:gd name="connsiteY49" fmla="*/ 386080 h 1320800"/>
+                <a:gd name="connsiteX50" fmla="*/ 167640 w 2240280"/>
+                <a:gd name="connsiteY50" fmla="*/ 513080 h 1320800"/>
+                <a:gd name="connsiteX51" fmla="*/ 370840 w 2240280"/>
+                <a:gd name="connsiteY51" fmla="*/ 629920 h 1320800"/>
+                <a:gd name="connsiteX52" fmla="*/ 0 w 2240280"/>
+                <a:gd name="connsiteY52" fmla="*/ 533400 h 1320800"/>
+                <a:gd name="connsiteX53" fmla="*/ 15240 w 2240280"/>
+                <a:gd name="connsiteY53" fmla="*/ 655320 h 1320800"/>
+                <a:gd name="connsiteX54" fmla="*/ 355600 w 2240280"/>
+                <a:gd name="connsiteY54" fmla="*/ 822960 h 1320800"/>
+              </a:gdLst>
+              <a:ahLst/>
+              <a:cxnLst>
+                <a:cxn ang="0">
+                  <a:pos x="connsiteX0" y="connsiteY0"/>
+                </a:cxn>
+                <a:cxn ang="0">
+                  <a:pos x="connsiteX1" y="connsiteY1"/>
+                </a:cxn>
+                <a:cxn ang="0">
+                  <a:pos x="connsiteX2" y="connsiteY2"/>
+                </a:cxn>
+                <a:cxn ang="0">
+                  <a:pos x="connsiteX3" y="connsiteY3"/>
+                </a:cxn>
+                <a:cxn ang="0">
+                  <a:pos x="connsiteX4" y="connsiteY4"/>
+                </a:cxn>
+                <a:cxn ang="0">
+                  <a:pos x="connsiteX5" y="connsiteY5"/>
+                </a:cxn>
+                <a:cxn ang="0">
+                  <a:pos x="connsiteX6" y="connsiteY6"/>
+                </a:cxn>
+                <a:cxn ang="0">
+                  <a:pos x="connsiteX7" y="connsiteY7"/>
+                </a:cxn>
+                <a:cxn ang="0">
+                  <a:pos x="connsiteX8" y="connsiteY8"/>
+                </a:cxn>
+                <a:cxn ang="0">
+                  <a:pos x="connsiteX9" y="connsiteY9"/>
+                </a:cxn>
+                <a:cxn ang="0">
+                  <a:pos x="connsiteX10" y="connsiteY10"/>
+                </a:cxn>
+                <a:cxn ang="0">
+                  <a:pos x="connsiteX11" y="connsiteY11"/>
+                </a:cxn>
+                <a:cxn ang="0">
+                  <a:pos x="connsiteX12" y="connsiteY12"/>
+                </a:cxn>
+                <a:cxn ang="0">
+                  <a:pos x="connsiteX13" y="connsiteY13"/>
+                </a:cxn>
+                <a:cxn ang="0">
+                  <a:pos x="connsiteX14" y="connsiteY14"/>
+                </a:cxn>
+                <a:cxn ang="0">
+                  <a:pos x="connsiteX15" y="connsiteY15"/>
+                </a:cxn>
+                <a:cxn ang="0">
+                  <a:pos x="connsiteX16" y="connsiteY16"/>
+                </a:cxn>
+                <a:cxn ang="0">
+                  <a:pos x="connsiteX17" y="connsiteY17"/>
+                </a:cxn>
+                <a:cxn ang="0">
+                  <a:pos x="connsiteX18" y="connsiteY18"/>
+                </a:cxn>
+                <a:cxn ang="0">
+                  <a:pos x="connsiteX19" y="connsiteY19"/>
+                </a:cxn>
+                <a:cxn ang="0">
+                  <a:pos x="connsiteX20" y="connsiteY20"/>
+                </a:cxn>
+                <a:cxn ang="0">
+                  <a:pos x="connsiteX21" y="connsiteY21"/>
+                </a:cxn>
+                <a:cxn ang="0">
+                  <a:pos x="connsiteX22" y="connsiteY22"/>
+                </a:cxn>
+                <a:cxn ang="0">
+                  <a:pos x="connsiteX23" y="connsiteY23"/>
+                </a:cxn>
+                <a:cxn ang="0">
+                  <a:pos x="connsiteX24" y="connsiteY24"/>
+                </a:cxn>
+                <a:cxn ang="0">
+                  <a:pos x="connsiteX25" y="connsiteY25"/>
+                </a:cxn>
+                <a:cxn ang="0">
+                  <a:pos x="connsiteX26" y="connsiteY26"/>
+                </a:cxn>
+                <a:cxn ang="0">
+                  <a:pos x="connsiteX27" y="connsiteY27"/>
+                </a:cxn>
+                <a:cxn ang="0">
+                  <a:pos x="connsiteX28" y="connsiteY28"/>
+                </a:cxn>
+                <a:cxn ang="0">
+                  <a:pos x="connsiteX29" y="connsiteY29"/>
+                </a:cxn>
+                <a:cxn ang="0">
+                  <a:pos x="connsiteX30" y="connsiteY30"/>
+                </a:cxn>
+                <a:cxn ang="0">
+                  <a:pos x="connsiteX31" y="connsiteY31"/>
+                </a:cxn>
+                <a:cxn ang="0">
+                  <a:pos x="connsiteX32" y="connsiteY32"/>
+                </a:cxn>
+                <a:cxn ang="0">
+                  <a:pos x="connsiteX33" y="connsiteY33"/>
+                </a:cxn>
+                <a:cxn ang="0">
+                  <a:pos x="connsiteX34" y="connsiteY34"/>
+                </a:cxn>
+                <a:cxn ang="0">
+                  <a:pos x="connsiteX35" y="connsiteY35"/>
+                </a:cxn>
+                <a:cxn ang="0">
+                  <a:pos x="connsiteX36" y="connsiteY36"/>
+                </a:cxn>
+                <a:cxn ang="0">
+                  <a:pos x="connsiteX37" y="connsiteY37"/>
+                </a:cxn>
+                <a:cxn ang="0">
+                  <a:pos x="connsiteX38" y="connsiteY38"/>
+                </a:cxn>
+                <a:cxn ang="0">
+                  <a:pos x="connsiteX39" y="connsiteY39"/>
+                </a:cxn>
+                <a:cxn ang="0">
+                  <a:pos x="connsiteX40" y="connsiteY40"/>
+                </a:cxn>
+                <a:cxn ang="0">
+                  <a:pos x="connsiteX41" y="connsiteY41"/>
+                </a:cxn>
+                <a:cxn ang="0">
+                  <a:pos x="connsiteX42" y="connsiteY42"/>
+                </a:cxn>
+                <a:cxn ang="0">
+                  <a:pos x="connsiteX43" y="connsiteY43"/>
+                </a:cxn>
+                <a:cxn ang="0">
+                  <a:pos x="connsiteX44" y="connsiteY44"/>
+                </a:cxn>
+                <a:cxn ang="0">
+                  <a:pos x="connsiteX45" y="connsiteY45"/>
+                </a:cxn>
+                <a:cxn ang="0">
+                  <a:pos x="connsiteX46" y="connsiteY46"/>
+                </a:cxn>
+                <a:cxn ang="0">
+                  <a:pos x="connsiteX47" y="connsiteY47"/>
+                </a:cxn>
+                <a:cxn ang="0">
+                  <a:pos x="connsiteX48" y="connsiteY48"/>
+                </a:cxn>
+                <a:cxn ang="0">
+                  <a:pos x="connsiteX49" y="connsiteY49"/>
+                </a:cxn>
+                <a:cxn ang="0">
+                  <a:pos x="connsiteX50" y="connsiteY50"/>
+                </a:cxn>
+                <a:cxn ang="0">
+                  <a:pos x="connsiteX51" y="connsiteY51"/>
+                </a:cxn>
+                <a:cxn ang="0">
+                  <a:pos x="connsiteX52" y="connsiteY52"/>
+                </a:cxn>
+                <a:cxn ang="0">
+                  <a:pos x="connsiteX53" y="connsiteY53"/>
+                </a:cxn>
+                <a:cxn ang="0">
+                  <a:pos x="connsiteX54" y="connsiteY54"/>
+                </a:cxn>
+              </a:cxnLst>
+              <a:rect l="l" t="t" r="r" b="b"/>
+              <a:pathLst>
+                <a:path w="2240280" h="1320800">
+                  <a:moveTo>
+                    <a:pt x="355600" y="822960"/>
+                  </a:moveTo>
+                  <a:lnTo>
+                    <a:pt x="55880" y="762000"/>
+                  </a:lnTo>
+                  <a:lnTo>
+                    <a:pt x="25400" y="899160"/>
+                  </a:lnTo>
+                  <a:lnTo>
+                    <a:pt x="314960" y="914400"/>
+                  </a:lnTo>
+                  <a:lnTo>
+                    <a:pt x="172720" y="1056640"/>
+                  </a:lnTo>
+                  <a:lnTo>
+                    <a:pt x="289560" y="1209040"/>
+                  </a:lnTo>
+                  <a:lnTo>
+                    <a:pt x="513080" y="934720"/>
+                  </a:lnTo>
+                  <a:lnTo>
+                    <a:pt x="513080" y="1244600"/>
+                  </a:lnTo>
+                  <a:lnTo>
+                    <a:pt x="660400" y="1280160"/>
+                  </a:lnTo>
+                  <a:cubicBezTo>
+                    <a:pt x="662093" y="1173480"/>
+                    <a:pt x="663787" y="1066800"/>
+                    <a:pt x="665480" y="960120"/>
+                  </a:cubicBezTo>
+                  <a:lnTo>
+                    <a:pt x="792480" y="1254760"/>
+                  </a:lnTo>
+                  <a:lnTo>
+                    <a:pt x="980440" y="1275080"/>
+                  </a:lnTo>
+                  <a:lnTo>
+                    <a:pt x="990600" y="949960"/>
+                  </a:lnTo>
+                  <a:lnTo>
+                    <a:pt x="1092200" y="1280160"/>
+                  </a:lnTo>
+                  <a:lnTo>
+                    <a:pt x="1214120" y="1280160"/>
+                  </a:lnTo>
+                  <a:lnTo>
+                    <a:pt x="1249680" y="955040"/>
+                  </a:lnTo>
+                  <a:lnTo>
+                    <a:pt x="1376680" y="1320800"/>
+                  </a:lnTo>
+                  <a:lnTo>
+                    <a:pt x="1600200" y="1163320"/>
+                  </a:lnTo>
+                  <a:lnTo>
+                    <a:pt x="1391920" y="939800"/>
+                  </a:lnTo>
+                  <a:lnTo>
+                    <a:pt x="1666240" y="1173480"/>
+                  </a:lnTo>
+                  <a:lnTo>
+                    <a:pt x="1889760" y="1127760"/>
+                  </a:lnTo>
+                  <a:lnTo>
+                    <a:pt x="1732280" y="944880"/>
+                  </a:lnTo>
+                  <a:lnTo>
+                    <a:pt x="2026920" y="1127760"/>
+                  </a:lnTo>
+                  <a:lnTo>
+                    <a:pt x="2143760" y="990600"/>
+                  </a:lnTo>
+                  <a:lnTo>
+                    <a:pt x="1849120" y="868680"/>
+                  </a:lnTo>
+                  <a:lnTo>
+                    <a:pt x="2240280" y="802640"/>
+                  </a:lnTo>
+                  <a:lnTo>
+                    <a:pt x="2164080" y="579120"/>
+                  </a:lnTo>
+                  <a:lnTo>
+                    <a:pt x="1793240" y="741680"/>
+                  </a:lnTo>
+                  <a:lnTo>
+                    <a:pt x="2032000" y="492760"/>
+                  </a:lnTo>
+                  <a:lnTo>
+                    <a:pt x="1971040" y="299720"/>
+                  </a:lnTo>
+                  <a:lnTo>
+                    <a:pt x="1783080" y="472440"/>
+                  </a:lnTo>
+                  <a:lnTo>
+                    <a:pt x="1833880" y="243840"/>
+                  </a:lnTo>
+                  <a:lnTo>
+                    <a:pt x="1701800" y="162560"/>
+                  </a:lnTo>
+                  <a:lnTo>
+                    <a:pt x="1564640" y="370840"/>
+                  </a:lnTo>
+                  <a:lnTo>
+                    <a:pt x="1584960" y="40640"/>
+                  </a:lnTo>
+                  <a:lnTo>
+                    <a:pt x="1376680" y="5080"/>
+                  </a:lnTo>
+                  <a:lnTo>
+                    <a:pt x="1346200" y="279400"/>
+                  </a:lnTo>
+                  <a:lnTo>
+                    <a:pt x="1290320" y="0"/>
+                  </a:lnTo>
+                  <a:lnTo>
+                    <a:pt x="1107440" y="20320"/>
+                  </a:lnTo>
+                  <a:lnTo>
+                    <a:pt x="1036320" y="320040"/>
+                  </a:lnTo>
+                  <a:lnTo>
+                    <a:pt x="929640" y="40640"/>
+                  </a:lnTo>
+                  <a:lnTo>
+                    <a:pt x="756920" y="15240"/>
+                  </a:lnTo>
+                  <a:cubicBezTo>
+                    <a:pt x="755227" y="104987"/>
+                    <a:pt x="753533" y="194733"/>
+                    <a:pt x="751840" y="284480"/>
+                  </a:cubicBezTo>
+                  <a:lnTo>
+                    <a:pt x="553720" y="15240"/>
+                  </a:lnTo>
+                  <a:lnTo>
+                    <a:pt x="441960" y="76200"/>
+                  </a:lnTo>
+                  <a:lnTo>
+                    <a:pt x="599440" y="330200"/>
+                  </a:lnTo>
+                  <a:lnTo>
+                    <a:pt x="375920" y="198120"/>
+                  </a:lnTo>
+                  <a:lnTo>
+                    <a:pt x="294640" y="355600"/>
+                  </a:lnTo>
+                  <a:lnTo>
+                    <a:pt x="477520" y="508000"/>
+                  </a:lnTo>
+                  <a:lnTo>
+                    <a:pt x="228600" y="386080"/>
+                  </a:lnTo>
+                  <a:lnTo>
+                    <a:pt x="167640" y="513080"/>
+                  </a:lnTo>
+                  <a:lnTo>
+                    <a:pt x="370840" y="629920"/>
+                  </a:lnTo>
+                  <a:lnTo>
+                    <a:pt x="0" y="533400"/>
+                  </a:lnTo>
+                  <a:lnTo>
+                    <a:pt x="15240" y="655320"/>
+                  </a:lnTo>
+                  <a:lnTo>
+                    <a:pt x="355600" y="822960"/>
+                  </a:lnTo>
+                  <a:close/>
+                </a:path>
+              </a:pathLst>
+            </a:custGeom>
+            <a:solidFill>
+              <a:schemeClr val="tx1">
+                <a:lumMod val="50000"/>
+                <a:lumOff val="50000"/>
+              </a:schemeClr>
+            </a:solidFill>
+            <a:ln w="38100">
+              <a:solidFill>
+                <a:schemeClr val="tx1"/>
+              </a:solidFill>
+            </a:ln>
+          </p:spPr>
+          <p:style>
+            <a:lnRef idx="2">
+              <a:schemeClr val="accent1">
+                <a:shade val="15000"/>
+              </a:schemeClr>
+            </a:lnRef>
+            <a:fillRef idx="1">
+              <a:schemeClr val="accent1"/>
+            </a:fillRef>
+            <a:effectRef idx="0">
+              <a:schemeClr val="accent1"/>
+            </a:effectRef>
+            <a:fontRef idx="minor">
+              <a:schemeClr val="lt1"/>
+            </a:fontRef>
+          </p:style>
+          <p:txBody>
+            <a:bodyPr rtlCol="0" anchor="ctr"/>
+            <a:lstStyle/>
+            <a:p>
+              <a:pPr algn="ctr"/>
+              <a:endParaRPr lang="ko-KR" altLang="en-US"/>
+            </a:p>
+          </p:txBody>
+        </p:sp>
+      </p:grpSp>
+    </p:spTree>
+    <p:extLst>
+      <p:ext uri="{BB962C8B-B14F-4D97-AF65-F5344CB8AC3E}">
+        <p14:creationId xmlns:p14="http://schemas.microsoft.com/office/powerpoint/2010/main" val="2873542570"/>
+      </p:ext>
+    </p:extLst>
+  </p:cSld>
+  <p:clrMapOvr>
+    <a:masterClrMapping/>
+  </p:clrMapOvr>
+</p:sld>
+</file>
+
+<file path=ppt/slides/slide20.xml><?xml version="1.0" encoding="utf-8"?>
 <p:sld xmlns:a="http://schemas.openxmlformats.org/drawingml/2006/main" xmlns:r="http://schemas.openxmlformats.org/officeDocument/2006/relationships" xmlns:p="http://schemas.openxmlformats.org/presentationml/2006/main">
   <p:cSld>
     <p:bg>
@@ -13955,7 +19977,7 @@
 </p:sld>
 </file>
 
-<file path=ppt/slides/slide18.xml><?xml version="1.0" encoding="utf-8"?>
+<file path=ppt/slides/slide21.xml><?xml version="1.0" encoding="utf-8"?>
 <p:sld xmlns:a="http://schemas.openxmlformats.org/drawingml/2006/main" xmlns:r="http://schemas.openxmlformats.org/officeDocument/2006/relationships" xmlns:p="http://schemas.openxmlformats.org/presentationml/2006/main">
   <p:cSld>
     <p:spTree>
@@ -16369,7 +22391,7 @@
 </p:sld>
 </file>
 
-<file path=ppt/slides/slide19.xml><?xml version="1.0" encoding="utf-8"?>
+<file path=ppt/slides/slide22.xml><?xml version="1.0" encoding="utf-8"?>
 <p:sld xmlns:a="http://schemas.openxmlformats.org/drawingml/2006/main" xmlns:r="http://schemas.openxmlformats.org/officeDocument/2006/relationships" xmlns:p="http://schemas.openxmlformats.org/presentationml/2006/main">
   <p:cSld>
     <p:spTree>
@@ -18769,3298 +24791,7 @@
 </p:sld>
 </file>
 
-<file path=ppt/slides/slide2.xml><?xml version="1.0" encoding="utf-8"?>
-<p:sld xmlns:a="http://schemas.openxmlformats.org/drawingml/2006/main" xmlns:r="http://schemas.openxmlformats.org/officeDocument/2006/relationships" xmlns:p="http://schemas.openxmlformats.org/presentationml/2006/main">
-  <p:cSld>
-    <p:spTree>
-      <p:nvGrpSpPr>
-        <p:cNvPr id="1" name=""/>
-        <p:cNvGrpSpPr/>
-        <p:nvPr/>
-      </p:nvGrpSpPr>
-      <p:grpSpPr>
-        <a:xfrm>
-          <a:off x="0" y="0"/>
-          <a:ext cx="0" cy="0"/>
-          <a:chOff x="0" y="0"/>
-          <a:chExt cx="0" cy="0"/>
-        </a:xfrm>
-      </p:grpSpPr>
-      <p:grpSp>
-        <p:nvGrpSpPr>
-          <p:cNvPr id="51" name="그룹 50">
-            <a:extLst>
-              <a:ext uri="{FF2B5EF4-FFF2-40B4-BE49-F238E27FC236}">
-                <a16:creationId xmlns:a16="http://schemas.microsoft.com/office/drawing/2014/main" id="{2A3F020C-E44E-F142-4F5D-C6D271750993}"/>
-              </a:ext>
-            </a:extLst>
-          </p:cNvPr>
-          <p:cNvGrpSpPr/>
-          <p:nvPr/>
-        </p:nvGrpSpPr>
-        <p:grpSpPr>
-          <a:xfrm>
-            <a:off x="833045" y="1676793"/>
-            <a:ext cx="10800000" cy="3600000"/>
-            <a:chOff x="833046" y="1676794"/>
-            <a:chExt cx="10525907" cy="3504411"/>
-          </a:xfrm>
-        </p:grpSpPr>
-        <p:sp>
-          <p:nvSpPr>
-            <p:cNvPr id="14" name="직사각형 13">
-              <a:extLst>
-                <a:ext uri="{FF2B5EF4-FFF2-40B4-BE49-F238E27FC236}">
-                  <a16:creationId xmlns:a16="http://schemas.microsoft.com/office/drawing/2014/main" id="{1A2E10EA-ECD6-320E-A717-A6A8E8806504}"/>
-                </a:ext>
-              </a:extLst>
-            </p:cNvPr>
-            <p:cNvSpPr/>
-            <p:nvPr/>
-          </p:nvSpPr>
-          <p:spPr>
-            <a:xfrm>
-              <a:off x="833046" y="1676796"/>
-              <a:ext cx="3504409" cy="3504409"/>
-            </a:xfrm>
-            <a:prstGeom prst="rect">
-              <a:avLst/>
-            </a:prstGeom>
-            <a:noFill/>
-            <a:ln>
-              <a:noFill/>
-            </a:ln>
-          </p:spPr>
-          <p:style>
-            <a:lnRef idx="2">
-              <a:schemeClr val="accent1">
-                <a:shade val="15000"/>
-              </a:schemeClr>
-            </a:lnRef>
-            <a:fillRef idx="1">
-              <a:schemeClr val="accent1"/>
-            </a:fillRef>
-            <a:effectRef idx="0">
-              <a:schemeClr val="accent1"/>
-            </a:effectRef>
-            <a:fontRef idx="minor">
-              <a:schemeClr val="lt1"/>
-            </a:fontRef>
-          </p:style>
-          <p:txBody>
-            <a:bodyPr rtlCol="0" anchor="ctr"/>
-            <a:lstStyle/>
-            <a:p>
-              <a:pPr algn="ctr"/>
-              <a:endParaRPr lang="ko-KR" altLang="en-US"/>
-            </a:p>
-          </p:txBody>
-        </p:sp>
-        <p:sp>
-          <p:nvSpPr>
-            <p:cNvPr id="15" name="직사각형 14">
-              <a:extLst>
-                <a:ext uri="{FF2B5EF4-FFF2-40B4-BE49-F238E27FC236}">
-                  <a16:creationId xmlns:a16="http://schemas.microsoft.com/office/drawing/2014/main" id="{89014616-648A-932B-DB14-3A492A010E86}"/>
-                </a:ext>
-              </a:extLst>
-            </p:cNvPr>
-            <p:cNvSpPr/>
-            <p:nvPr/>
-          </p:nvSpPr>
-          <p:spPr>
-            <a:xfrm>
-              <a:off x="4343795" y="1676795"/>
-              <a:ext cx="3504409" cy="3504409"/>
-            </a:xfrm>
-            <a:prstGeom prst="rect">
-              <a:avLst/>
-            </a:prstGeom>
-            <a:noFill/>
-            <a:ln>
-              <a:noFill/>
-            </a:ln>
-          </p:spPr>
-          <p:style>
-            <a:lnRef idx="2">
-              <a:schemeClr val="accent1">
-                <a:shade val="15000"/>
-              </a:schemeClr>
-            </a:lnRef>
-            <a:fillRef idx="1">
-              <a:schemeClr val="accent1"/>
-            </a:fillRef>
-            <a:effectRef idx="0">
-              <a:schemeClr val="accent1"/>
-            </a:effectRef>
-            <a:fontRef idx="minor">
-              <a:schemeClr val="lt1"/>
-            </a:fontRef>
-          </p:style>
-          <p:txBody>
-            <a:bodyPr rtlCol="0" anchor="ctr"/>
-            <a:lstStyle/>
-            <a:p>
-              <a:pPr algn="ctr"/>
-              <a:endParaRPr lang="ko-KR" altLang="en-US"/>
-            </a:p>
-          </p:txBody>
-        </p:sp>
-        <p:sp>
-          <p:nvSpPr>
-            <p:cNvPr id="16" name="직사각형 15">
-              <a:extLst>
-                <a:ext uri="{FF2B5EF4-FFF2-40B4-BE49-F238E27FC236}">
-                  <a16:creationId xmlns:a16="http://schemas.microsoft.com/office/drawing/2014/main" id="{FA7679B8-230E-40FB-F7EC-DF6B358493F3}"/>
-                </a:ext>
-              </a:extLst>
-            </p:cNvPr>
-            <p:cNvSpPr/>
-            <p:nvPr/>
-          </p:nvSpPr>
-          <p:spPr>
-            <a:xfrm>
-              <a:off x="7854544" y="1676794"/>
-              <a:ext cx="3504409" cy="3504409"/>
-            </a:xfrm>
-            <a:prstGeom prst="rect">
-              <a:avLst/>
-            </a:prstGeom>
-            <a:noFill/>
-            <a:ln>
-              <a:noFill/>
-            </a:ln>
-          </p:spPr>
-          <p:style>
-            <a:lnRef idx="2">
-              <a:schemeClr val="accent1">
-                <a:shade val="15000"/>
-              </a:schemeClr>
-            </a:lnRef>
-            <a:fillRef idx="1">
-              <a:schemeClr val="accent1"/>
-            </a:fillRef>
-            <a:effectRef idx="0">
-              <a:schemeClr val="accent1"/>
-            </a:effectRef>
-            <a:fontRef idx="minor">
-              <a:schemeClr val="lt1"/>
-            </a:fontRef>
-          </p:style>
-          <p:txBody>
-            <a:bodyPr rtlCol="0" anchor="ctr"/>
-            <a:lstStyle/>
-            <a:p>
-              <a:pPr algn="ctr"/>
-              <a:endParaRPr lang="ko-KR" altLang="en-US"/>
-            </a:p>
-          </p:txBody>
-        </p:sp>
-        <p:sp>
-          <p:nvSpPr>
-            <p:cNvPr id="6" name="타원 5">
-              <a:extLst>
-                <a:ext uri="{FF2B5EF4-FFF2-40B4-BE49-F238E27FC236}">
-                  <a16:creationId xmlns:a16="http://schemas.microsoft.com/office/drawing/2014/main" id="{4199BC8F-D6B7-3EAA-5124-3E7135ED64F0}"/>
-                </a:ext>
-              </a:extLst>
-            </p:cNvPr>
-            <p:cNvSpPr/>
-            <p:nvPr/>
-          </p:nvSpPr>
-          <p:spPr>
-            <a:xfrm>
-              <a:off x="2353746" y="4313312"/>
-              <a:ext cx="194606" cy="194606"/>
-            </a:xfrm>
-            <a:prstGeom prst="ellipse">
-              <a:avLst/>
-            </a:prstGeom>
-            <a:solidFill>
-              <a:schemeClr val="bg1"/>
-            </a:solidFill>
-            <a:ln w="38100">
-              <a:solidFill>
-                <a:schemeClr val="tx1"/>
-              </a:solidFill>
-            </a:ln>
-          </p:spPr>
-          <p:style>
-            <a:lnRef idx="2">
-              <a:schemeClr val="accent1">
-                <a:shade val="15000"/>
-              </a:schemeClr>
-            </a:lnRef>
-            <a:fillRef idx="1">
-              <a:schemeClr val="accent1"/>
-            </a:fillRef>
-            <a:effectRef idx="0">
-              <a:schemeClr val="accent1"/>
-            </a:effectRef>
-            <a:fontRef idx="minor">
-              <a:schemeClr val="lt1"/>
-            </a:fontRef>
-          </p:style>
-          <p:txBody>
-            <a:bodyPr rtlCol="0" anchor="ctr"/>
-            <a:lstStyle/>
-            <a:p>
-              <a:pPr algn="ctr"/>
-              <a:endParaRPr lang="ko-KR" altLang="en-US" dirty="0"/>
-            </a:p>
-          </p:txBody>
-        </p:sp>
-        <p:sp>
-          <p:nvSpPr>
-            <p:cNvPr id="5" name="타원 4">
-              <a:extLst>
-                <a:ext uri="{FF2B5EF4-FFF2-40B4-BE49-F238E27FC236}">
-                  <a16:creationId xmlns:a16="http://schemas.microsoft.com/office/drawing/2014/main" id="{DEBEBF3E-0358-FB45-DA61-B1455F85D55B}"/>
-                </a:ext>
-              </a:extLst>
-            </p:cNvPr>
-            <p:cNvSpPr/>
-            <p:nvPr/>
-          </p:nvSpPr>
-          <p:spPr>
-            <a:xfrm>
-              <a:off x="2451049" y="4201682"/>
-              <a:ext cx="505321" cy="505321"/>
-            </a:xfrm>
-            <a:prstGeom prst="ellipse">
-              <a:avLst/>
-            </a:prstGeom>
-            <a:solidFill>
-              <a:schemeClr val="accent6">
-                <a:lumMod val="60000"/>
-                <a:lumOff val="40000"/>
-              </a:schemeClr>
-            </a:solidFill>
-            <a:ln w="38100">
-              <a:solidFill>
-                <a:schemeClr val="tx1"/>
-              </a:solidFill>
-            </a:ln>
-          </p:spPr>
-          <p:style>
-            <a:lnRef idx="2">
-              <a:schemeClr val="accent1">
-                <a:shade val="15000"/>
-              </a:schemeClr>
-            </a:lnRef>
-            <a:fillRef idx="1">
-              <a:schemeClr val="accent1"/>
-            </a:fillRef>
-            <a:effectRef idx="0">
-              <a:schemeClr val="accent1"/>
-            </a:effectRef>
-            <a:fontRef idx="minor">
-              <a:schemeClr val="lt1"/>
-            </a:fontRef>
-          </p:style>
-          <p:txBody>
-            <a:bodyPr rtlCol="0" anchor="ctr"/>
-            <a:lstStyle/>
-            <a:p>
-              <a:pPr algn="ctr"/>
-              <a:endParaRPr lang="ko-KR" altLang="en-US" dirty="0"/>
-            </a:p>
-          </p:txBody>
-        </p:sp>
-        <p:sp>
-          <p:nvSpPr>
-            <p:cNvPr id="7" name="타원 6">
-              <a:extLst>
-                <a:ext uri="{FF2B5EF4-FFF2-40B4-BE49-F238E27FC236}">
-                  <a16:creationId xmlns:a16="http://schemas.microsoft.com/office/drawing/2014/main" id="{29AE59D5-15E4-A717-7246-23B0714B6879}"/>
-                </a:ext>
-              </a:extLst>
-            </p:cNvPr>
-            <p:cNvSpPr/>
-            <p:nvPr/>
-          </p:nvSpPr>
-          <p:spPr>
-            <a:xfrm>
-              <a:off x="2859067" y="4313312"/>
-              <a:ext cx="194606" cy="194606"/>
-            </a:xfrm>
-            <a:prstGeom prst="ellipse">
-              <a:avLst/>
-            </a:prstGeom>
-            <a:solidFill>
-              <a:schemeClr val="bg1"/>
-            </a:solidFill>
-            <a:ln w="38100">
-              <a:solidFill>
-                <a:schemeClr val="tx1"/>
-              </a:solidFill>
-            </a:ln>
-          </p:spPr>
-          <p:style>
-            <a:lnRef idx="2">
-              <a:schemeClr val="accent1">
-                <a:shade val="15000"/>
-              </a:schemeClr>
-            </a:lnRef>
-            <a:fillRef idx="1">
-              <a:schemeClr val="accent1"/>
-            </a:fillRef>
-            <a:effectRef idx="0">
-              <a:schemeClr val="accent1"/>
-            </a:effectRef>
-            <a:fontRef idx="minor">
-              <a:schemeClr val="lt1"/>
-            </a:fontRef>
-          </p:style>
-          <p:txBody>
-            <a:bodyPr rtlCol="0" anchor="ctr"/>
-            <a:lstStyle/>
-            <a:p>
-              <a:pPr algn="ctr"/>
-              <a:endParaRPr lang="ko-KR" altLang="en-US" dirty="0"/>
-            </a:p>
-          </p:txBody>
-        </p:sp>
-        <p:sp>
-          <p:nvSpPr>
-            <p:cNvPr id="8" name="순서도: 지연 7">
-              <a:extLst>
-                <a:ext uri="{FF2B5EF4-FFF2-40B4-BE49-F238E27FC236}">
-                  <a16:creationId xmlns:a16="http://schemas.microsoft.com/office/drawing/2014/main" id="{A738ED43-F5D8-B9AA-DC82-E087B5677385}"/>
-                </a:ext>
-              </a:extLst>
-            </p:cNvPr>
-            <p:cNvSpPr/>
-            <p:nvPr/>
-          </p:nvSpPr>
-          <p:spPr>
-            <a:xfrm rot="18900000">
-              <a:off x="2169172" y="4572228"/>
-              <a:ext cx="241871" cy="313430"/>
-            </a:xfrm>
-            <a:prstGeom prst="flowChartDelay">
-              <a:avLst/>
-            </a:prstGeom>
-            <a:solidFill>
-              <a:schemeClr val="bg1"/>
-            </a:solidFill>
-            <a:ln w="38100">
-              <a:solidFill>
-                <a:schemeClr val="tx1"/>
-              </a:solidFill>
-            </a:ln>
-          </p:spPr>
-          <p:style>
-            <a:lnRef idx="2">
-              <a:schemeClr val="accent1">
-                <a:shade val="15000"/>
-              </a:schemeClr>
-            </a:lnRef>
-            <a:fillRef idx="1">
-              <a:schemeClr val="accent1"/>
-            </a:fillRef>
-            <a:effectRef idx="0">
-              <a:schemeClr val="accent1"/>
-            </a:effectRef>
-            <a:fontRef idx="minor">
-              <a:schemeClr val="lt1"/>
-            </a:fontRef>
-          </p:style>
-          <p:txBody>
-            <a:bodyPr rtlCol="0" anchor="ctr"/>
-            <a:lstStyle/>
-            <a:p>
-              <a:pPr algn="ctr"/>
-              <a:endParaRPr lang="ko-KR" altLang="en-US"/>
-            </a:p>
-          </p:txBody>
-        </p:sp>
-        <p:sp>
-          <p:nvSpPr>
-            <p:cNvPr id="9" name="순서도: 지연 8">
-              <a:extLst>
-                <a:ext uri="{FF2B5EF4-FFF2-40B4-BE49-F238E27FC236}">
-                  <a16:creationId xmlns:a16="http://schemas.microsoft.com/office/drawing/2014/main" id="{74DCCA03-C3D3-C4AE-321A-56E6C76CB2BD}"/>
-                </a:ext>
-              </a:extLst>
-            </p:cNvPr>
-            <p:cNvSpPr/>
-            <p:nvPr/>
-          </p:nvSpPr>
-          <p:spPr>
-            <a:xfrm rot="14100000">
-              <a:off x="2991282" y="4572228"/>
-              <a:ext cx="241871" cy="313430"/>
-            </a:xfrm>
-            <a:prstGeom prst="flowChartDelay">
-              <a:avLst/>
-            </a:prstGeom>
-            <a:solidFill>
-              <a:schemeClr val="bg1"/>
-            </a:solidFill>
-            <a:ln w="38100">
-              <a:solidFill>
-                <a:schemeClr val="tx1"/>
-              </a:solidFill>
-            </a:ln>
-          </p:spPr>
-          <p:style>
-            <a:lnRef idx="2">
-              <a:schemeClr val="accent1">
-                <a:shade val="15000"/>
-              </a:schemeClr>
-            </a:lnRef>
-            <a:fillRef idx="1">
-              <a:schemeClr val="accent1"/>
-            </a:fillRef>
-            <a:effectRef idx="0">
-              <a:schemeClr val="accent1"/>
-            </a:effectRef>
-            <a:fontRef idx="minor">
-              <a:schemeClr val="lt1"/>
-            </a:fontRef>
-          </p:style>
-          <p:txBody>
-            <a:bodyPr rtlCol="0" anchor="ctr"/>
-            <a:lstStyle/>
-            <a:p>
-              <a:pPr algn="ctr"/>
-              <a:endParaRPr lang="ko-KR" altLang="en-US"/>
-            </a:p>
-          </p:txBody>
-        </p:sp>
-        <p:sp>
-          <p:nvSpPr>
-            <p:cNvPr id="2" name="자유형: 도형 1">
-              <a:extLst>
-                <a:ext uri="{FF2B5EF4-FFF2-40B4-BE49-F238E27FC236}">
-                  <a16:creationId xmlns:a16="http://schemas.microsoft.com/office/drawing/2014/main" id="{85E02217-17CB-E14B-AFCC-9CE72F3CA952}"/>
-                </a:ext>
-              </a:extLst>
-            </p:cNvPr>
-            <p:cNvSpPr/>
-            <p:nvPr/>
-          </p:nvSpPr>
-          <p:spPr>
-            <a:xfrm>
-              <a:off x="1579223" y="2263614"/>
-              <a:ext cx="2012053" cy="1888306"/>
-            </a:xfrm>
-            <a:custGeom>
-              <a:avLst/>
-              <a:gdLst>
-                <a:gd name="connsiteX0" fmla="*/ 1067900 w 2012053"/>
-                <a:gd name="connsiteY0" fmla="*/ 0 h 1888306"/>
-                <a:gd name="connsiteX1" fmla="*/ 2012053 w 2012053"/>
-                <a:gd name="connsiteY1" fmla="*/ 944153 h 1888306"/>
-                <a:gd name="connsiteX2" fmla="*/ 1067900 w 2012053"/>
-                <a:gd name="connsiteY2" fmla="*/ 1888306 h 1888306"/>
-                <a:gd name="connsiteX3" fmla="*/ 166194 w 2012053"/>
-                <a:gd name="connsiteY3" fmla="*/ 1224915 h 1888306"/>
-                <a:gd name="connsiteX4" fmla="*/ 161288 w 2012053"/>
-                <a:gd name="connsiteY4" fmla="*/ 1205835 h 1888306"/>
-                <a:gd name="connsiteX5" fmla="*/ 82764 w 2012053"/>
-                <a:gd name="connsiteY5" fmla="*/ 1184559 h 1888306"/>
-                <a:gd name="connsiteX6" fmla="*/ 7019 w 2012053"/>
-                <a:gd name="connsiteY6" fmla="*/ 1001672 h 1888306"/>
-                <a:gd name="connsiteX7" fmla="*/ 116074 w 2012053"/>
-                <a:gd name="connsiteY7" fmla="*/ 881613 h 1888306"/>
-                <a:gd name="connsiteX8" fmla="*/ 126900 w 2012053"/>
-                <a:gd name="connsiteY8" fmla="*/ 881707 h 1888306"/>
-                <a:gd name="connsiteX9" fmla="*/ 128622 w 2012053"/>
-                <a:gd name="connsiteY9" fmla="*/ 847619 h 1888306"/>
-                <a:gd name="connsiteX10" fmla="*/ 1067900 w 2012053"/>
-                <a:gd name="connsiteY10" fmla="*/ 0 h 1888306"/>
-              </a:gdLst>
-              <a:ahLst/>
-              <a:cxnLst>
-                <a:cxn ang="0">
-                  <a:pos x="connsiteX0" y="connsiteY0"/>
-                </a:cxn>
-                <a:cxn ang="0">
-                  <a:pos x="connsiteX1" y="connsiteY1"/>
-                </a:cxn>
-                <a:cxn ang="0">
-                  <a:pos x="connsiteX2" y="connsiteY2"/>
-                </a:cxn>
-                <a:cxn ang="0">
-                  <a:pos x="connsiteX3" y="connsiteY3"/>
-                </a:cxn>
-                <a:cxn ang="0">
-                  <a:pos x="connsiteX4" y="connsiteY4"/>
-                </a:cxn>
-                <a:cxn ang="0">
-                  <a:pos x="connsiteX5" y="connsiteY5"/>
-                </a:cxn>
-                <a:cxn ang="0">
-                  <a:pos x="connsiteX6" y="connsiteY6"/>
-                </a:cxn>
-                <a:cxn ang="0">
-                  <a:pos x="connsiteX7" y="connsiteY7"/>
-                </a:cxn>
-                <a:cxn ang="0">
-                  <a:pos x="connsiteX8" y="connsiteY8"/>
-                </a:cxn>
-                <a:cxn ang="0">
-                  <a:pos x="connsiteX9" y="connsiteY9"/>
-                </a:cxn>
-                <a:cxn ang="0">
-                  <a:pos x="connsiteX10" y="connsiteY10"/>
-                </a:cxn>
-              </a:cxnLst>
-              <a:rect l="l" t="t" r="r" b="b"/>
-              <a:pathLst>
-                <a:path w="2012053" h="1888306">
-                  <a:moveTo>
-                    <a:pt x="1067900" y="0"/>
-                  </a:moveTo>
-                  <a:cubicBezTo>
-                    <a:pt x="1589341" y="0"/>
-                    <a:pt x="2012053" y="422712"/>
-                    <a:pt x="2012053" y="944153"/>
-                  </a:cubicBezTo>
-                  <a:cubicBezTo>
-                    <a:pt x="2012053" y="1465594"/>
-                    <a:pt x="1589341" y="1888306"/>
-                    <a:pt x="1067900" y="1888306"/>
-                  </a:cubicBezTo>
-                  <a:cubicBezTo>
-                    <a:pt x="644229" y="1888306"/>
-                    <a:pt x="285735" y="1609250"/>
-                    <a:pt x="166194" y="1224915"/>
-                  </a:cubicBezTo>
-                  <a:lnTo>
-                    <a:pt x="161288" y="1205835"/>
-                  </a:lnTo>
-                  <a:lnTo>
-                    <a:pt x="82764" y="1184559"/>
-                  </a:lnTo>
-                  <a:cubicBezTo>
-                    <a:pt x="18297" y="1167093"/>
-                    <a:pt x="-15615" y="1085211"/>
-                    <a:pt x="7019" y="1001672"/>
-                  </a:cubicBezTo>
-                  <a:cubicBezTo>
-                    <a:pt x="23995" y="939017"/>
-                    <a:pt x="67957" y="893225"/>
-                    <a:pt x="116074" y="881613"/>
-                  </a:cubicBezTo>
-                  <a:lnTo>
-                    <a:pt x="126900" y="881707"/>
-                  </a:lnTo>
-                  <a:lnTo>
-                    <a:pt x="128622" y="847619"/>
-                  </a:lnTo>
-                  <a:cubicBezTo>
-                    <a:pt x="176972" y="371524"/>
-                    <a:pt x="579049" y="0"/>
-                    <a:pt x="1067900" y="0"/>
-                  </a:cubicBezTo>
-                  <a:close/>
-                </a:path>
-              </a:pathLst>
-            </a:custGeom>
-            <a:solidFill>
-              <a:srgbClr val="F5DEB4"/>
-            </a:solidFill>
-            <a:ln w="38100">
-              <a:solidFill>
-                <a:schemeClr val="tx1"/>
-              </a:solidFill>
-            </a:ln>
-          </p:spPr>
-          <p:style>
-            <a:lnRef idx="2">
-              <a:schemeClr val="accent1">
-                <a:shade val="15000"/>
-              </a:schemeClr>
-            </a:lnRef>
-            <a:fillRef idx="1">
-              <a:schemeClr val="accent1"/>
-            </a:fillRef>
-            <a:effectRef idx="0">
-              <a:schemeClr val="accent1"/>
-            </a:effectRef>
-            <a:fontRef idx="minor">
-              <a:schemeClr val="lt1"/>
-            </a:fontRef>
-          </p:style>
-          <p:txBody>
-            <a:bodyPr wrap="square" rtlCol="0" anchor="ctr">
-              <a:noAutofit/>
-            </a:bodyPr>
-            <a:lstStyle/>
-            <a:p>
-              <a:pPr algn="ctr"/>
-              <a:endParaRPr lang="ko-KR" altLang="en-US" dirty="0"/>
-            </a:p>
-          </p:txBody>
-        </p:sp>
-        <p:sp>
-          <p:nvSpPr>
-            <p:cNvPr id="10" name="타원 9">
-              <a:extLst>
-                <a:ext uri="{FF2B5EF4-FFF2-40B4-BE49-F238E27FC236}">
-                  <a16:creationId xmlns:a16="http://schemas.microsoft.com/office/drawing/2014/main" id="{EB5F35A8-55F9-795E-0D28-C6C4B28E6696}"/>
-                </a:ext>
-              </a:extLst>
-            </p:cNvPr>
-            <p:cNvSpPr/>
-            <p:nvPr/>
-          </p:nvSpPr>
-          <p:spPr>
-            <a:xfrm>
-              <a:off x="2293792" y="3054072"/>
-              <a:ext cx="119907" cy="119907"/>
-            </a:xfrm>
-            <a:prstGeom prst="ellipse">
-              <a:avLst/>
-            </a:prstGeom>
-            <a:solidFill>
-              <a:schemeClr val="tx1">
-                <a:lumMod val="65000"/>
-                <a:lumOff val="35000"/>
-              </a:schemeClr>
-            </a:solidFill>
-            <a:ln w="38100">
-              <a:solidFill>
-                <a:schemeClr val="tx1"/>
-              </a:solidFill>
-            </a:ln>
-          </p:spPr>
-          <p:style>
-            <a:lnRef idx="2">
-              <a:schemeClr val="accent1">
-                <a:shade val="15000"/>
-              </a:schemeClr>
-            </a:lnRef>
-            <a:fillRef idx="1">
-              <a:schemeClr val="accent1"/>
-            </a:fillRef>
-            <a:effectRef idx="0">
-              <a:schemeClr val="accent1"/>
-            </a:effectRef>
-            <a:fontRef idx="minor">
-              <a:schemeClr val="lt1"/>
-            </a:fontRef>
-          </p:style>
-          <p:txBody>
-            <a:bodyPr rtlCol="0" anchor="ctr"/>
-            <a:lstStyle/>
-            <a:p>
-              <a:pPr algn="ctr"/>
-              <a:endParaRPr lang="ko-KR" altLang="en-US"/>
-            </a:p>
-          </p:txBody>
-        </p:sp>
-        <p:sp>
-          <p:nvSpPr>
-            <p:cNvPr id="12" name="타원 11">
-              <a:extLst>
-                <a:ext uri="{FF2B5EF4-FFF2-40B4-BE49-F238E27FC236}">
-                  <a16:creationId xmlns:a16="http://schemas.microsoft.com/office/drawing/2014/main" id="{FE30D7E2-0C0F-9CBC-E225-0A6A3C2E3060}"/>
-                </a:ext>
-              </a:extLst>
-            </p:cNvPr>
-            <p:cNvSpPr/>
-            <p:nvPr/>
-          </p:nvSpPr>
-          <p:spPr>
-            <a:xfrm rot="19641618">
-              <a:off x="2048609" y="3554673"/>
-              <a:ext cx="241498" cy="355106"/>
-            </a:xfrm>
-            <a:prstGeom prst="ellipse">
-              <a:avLst/>
-            </a:prstGeom>
-            <a:solidFill>
-              <a:schemeClr val="accent2">
-                <a:lumMod val="60000"/>
-                <a:lumOff val="40000"/>
-              </a:schemeClr>
-            </a:solidFill>
-            <a:ln w="38100">
-              <a:solidFill>
-                <a:schemeClr val="tx1"/>
-              </a:solidFill>
-            </a:ln>
-          </p:spPr>
-          <p:style>
-            <a:lnRef idx="2">
-              <a:schemeClr val="accent1">
-                <a:shade val="15000"/>
-              </a:schemeClr>
-            </a:lnRef>
-            <a:fillRef idx="1">
-              <a:schemeClr val="accent1"/>
-            </a:fillRef>
-            <a:effectRef idx="0">
-              <a:schemeClr val="accent1"/>
-            </a:effectRef>
-            <a:fontRef idx="minor">
-              <a:schemeClr val="lt1"/>
-            </a:fontRef>
-          </p:style>
-          <p:txBody>
-            <a:bodyPr rtlCol="0" anchor="ctr"/>
-            <a:lstStyle/>
-            <a:p>
-              <a:pPr algn="ctr"/>
-              <a:endParaRPr lang="ko-KR" altLang="en-US"/>
-            </a:p>
-          </p:txBody>
-        </p:sp>
-        <p:sp>
-          <p:nvSpPr>
-            <p:cNvPr id="20" name="타원 19">
-              <a:extLst>
-                <a:ext uri="{FF2B5EF4-FFF2-40B4-BE49-F238E27FC236}">
-                  <a16:creationId xmlns:a16="http://schemas.microsoft.com/office/drawing/2014/main" id="{9CAC6178-DE26-D427-CD48-640FED486023}"/>
-                </a:ext>
-              </a:extLst>
-            </p:cNvPr>
-            <p:cNvSpPr/>
-            <p:nvPr/>
-          </p:nvSpPr>
-          <p:spPr>
-            <a:xfrm>
-              <a:off x="5955458" y="4145193"/>
-              <a:ext cx="505321" cy="505321"/>
-            </a:xfrm>
-            <a:prstGeom prst="ellipse">
-              <a:avLst/>
-            </a:prstGeom>
-            <a:solidFill>
-              <a:schemeClr val="accent6">
-                <a:lumMod val="60000"/>
-                <a:lumOff val="40000"/>
-              </a:schemeClr>
-            </a:solidFill>
-            <a:ln w="38100">
-              <a:solidFill>
-                <a:schemeClr val="tx1"/>
-              </a:solidFill>
-            </a:ln>
-          </p:spPr>
-          <p:style>
-            <a:lnRef idx="2">
-              <a:schemeClr val="accent1">
-                <a:shade val="15000"/>
-              </a:schemeClr>
-            </a:lnRef>
-            <a:fillRef idx="1">
-              <a:schemeClr val="accent1"/>
-            </a:fillRef>
-            <a:effectRef idx="0">
-              <a:schemeClr val="accent1"/>
-            </a:effectRef>
-            <a:fontRef idx="minor">
-              <a:schemeClr val="lt1"/>
-            </a:fontRef>
-          </p:style>
-          <p:txBody>
-            <a:bodyPr rtlCol="0" anchor="ctr"/>
-            <a:lstStyle/>
-            <a:p>
-              <a:pPr algn="ctr"/>
-              <a:endParaRPr lang="ko-KR" altLang="en-US" dirty="0"/>
-            </a:p>
-          </p:txBody>
-        </p:sp>
-        <p:sp>
-          <p:nvSpPr>
-            <p:cNvPr id="21" name="타원 20">
-              <a:extLst>
-                <a:ext uri="{FF2B5EF4-FFF2-40B4-BE49-F238E27FC236}">
-                  <a16:creationId xmlns:a16="http://schemas.microsoft.com/office/drawing/2014/main" id="{2B8F19D8-A5E6-3F44-C02B-ED4BF460918F}"/>
-                </a:ext>
-              </a:extLst>
-            </p:cNvPr>
-            <p:cNvSpPr/>
-            <p:nvPr/>
-          </p:nvSpPr>
-          <p:spPr>
-            <a:xfrm>
-              <a:off x="6110815" y="4256823"/>
-              <a:ext cx="194606" cy="194606"/>
-            </a:xfrm>
-            <a:prstGeom prst="ellipse">
-              <a:avLst/>
-            </a:prstGeom>
-            <a:solidFill>
-              <a:schemeClr val="bg1"/>
-            </a:solidFill>
-            <a:ln w="38100">
-              <a:solidFill>
-                <a:schemeClr val="tx1"/>
-              </a:solidFill>
-            </a:ln>
-          </p:spPr>
-          <p:style>
-            <a:lnRef idx="2">
-              <a:schemeClr val="accent1">
-                <a:shade val="15000"/>
-              </a:schemeClr>
-            </a:lnRef>
-            <a:fillRef idx="1">
-              <a:schemeClr val="accent1"/>
-            </a:fillRef>
-            <a:effectRef idx="0">
-              <a:schemeClr val="accent1"/>
-            </a:effectRef>
-            <a:fontRef idx="minor">
-              <a:schemeClr val="lt1"/>
-            </a:fontRef>
-          </p:style>
-          <p:txBody>
-            <a:bodyPr rtlCol="0" anchor="ctr"/>
-            <a:lstStyle/>
-            <a:p>
-              <a:pPr algn="ctr"/>
-              <a:endParaRPr lang="ko-KR" altLang="en-US" dirty="0"/>
-            </a:p>
-          </p:txBody>
-        </p:sp>
-        <p:sp>
-          <p:nvSpPr>
-            <p:cNvPr id="22" name="순서도: 지연 21">
-              <a:extLst>
-                <a:ext uri="{FF2B5EF4-FFF2-40B4-BE49-F238E27FC236}">
-                  <a16:creationId xmlns:a16="http://schemas.microsoft.com/office/drawing/2014/main" id="{5682A0E6-4C8E-EA02-E0C2-472DF1696C97}"/>
-                </a:ext>
-              </a:extLst>
-            </p:cNvPr>
-            <p:cNvSpPr/>
-            <p:nvPr/>
-          </p:nvSpPr>
-          <p:spPr>
-            <a:xfrm rot="16200000">
-              <a:off x="6087183" y="4664496"/>
-              <a:ext cx="241871" cy="313430"/>
-            </a:xfrm>
-            <a:prstGeom prst="flowChartDelay">
-              <a:avLst/>
-            </a:prstGeom>
-            <a:solidFill>
-              <a:schemeClr val="bg1"/>
-            </a:solidFill>
-            <a:ln w="38100">
-              <a:solidFill>
-                <a:schemeClr val="tx1"/>
-              </a:solidFill>
-            </a:ln>
-          </p:spPr>
-          <p:style>
-            <a:lnRef idx="2">
-              <a:schemeClr val="accent1">
-                <a:shade val="15000"/>
-              </a:schemeClr>
-            </a:lnRef>
-            <a:fillRef idx="1">
-              <a:schemeClr val="accent1"/>
-            </a:fillRef>
-            <a:effectRef idx="0">
-              <a:schemeClr val="accent1"/>
-            </a:effectRef>
-            <a:fontRef idx="minor">
-              <a:schemeClr val="lt1"/>
-            </a:fontRef>
-          </p:style>
-          <p:txBody>
-            <a:bodyPr rtlCol="0" anchor="ctr"/>
-            <a:lstStyle/>
-            <a:p>
-              <a:pPr algn="ctr"/>
-              <a:endParaRPr lang="ko-KR" altLang="en-US" dirty="0"/>
-            </a:p>
-          </p:txBody>
-        </p:sp>
-        <p:sp>
-          <p:nvSpPr>
-            <p:cNvPr id="28" name="타원 27">
-              <a:extLst>
-                <a:ext uri="{FF2B5EF4-FFF2-40B4-BE49-F238E27FC236}">
-                  <a16:creationId xmlns:a16="http://schemas.microsoft.com/office/drawing/2014/main" id="{51C5B86B-96BC-7B69-0CE0-E0F5BB7E2384}"/>
-                </a:ext>
-              </a:extLst>
-            </p:cNvPr>
-            <p:cNvSpPr/>
-            <p:nvPr/>
-          </p:nvSpPr>
-          <p:spPr>
-            <a:xfrm>
-              <a:off x="9880565" y="4312135"/>
-              <a:ext cx="194606" cy="194606"/>
-            </a:xfrm>
-            <a:prstGeom prst="ellipse">
-              <a:avLst/>
-            </a:prstGeom>
-            <a:solidFill>
-              <a:schemeClr val="bg1"/>
-            </a:solidFill>
-            <a:ln w="38100">
-              <a:solidFill>
-                <a:schemeClr val="tx1"/>
-              </a:solidFill>
-            </a:ln>
-          </p:spPr>
-          <p:style>
-            <a:lnRef idx="2">
-              <a:schemeClr val="accent1">
-                <a:shade val="15000"/>
-              </a:schemeClr>
-            </a:lnRef>
-            <a:fillRef idx="1">
-              <a:schemeClr val="accent1"/>
-            </a:fillRef>
-            <a:effectRef idx="0">
-              <a:schemeClr val="accent1"/>
-            </a:effectRef>
-            <a:fontRef idx="minor">
-              <a:schemeClr val="lt1"/>
-            </a:fontRef>
-          </p:style>
-          <p:txBody>
-            <a:bodyPr rtlCol="0" anchor="ctr"/>
-            <a:lstStyle/>
-            <a:p>
-              <a:pPr algn="ctr"/>
-              <a:endParaRPr lang="ko-KR" altLang="en-US" dirty="0"/>
-            </a:p>
-          </p:txBody>
-        </p:sp>
-        <p:sp>
-          <p:nvSpPr>
-            <p:cNvPr id="30" name="타원 29">
-              <a:extLst>
-                <a:ext uri="{FF2B5EF4-FFF2-40B4-BE49-F238E27FC236}">
-                  <a16:creationId xmlns:a16="http://schemas.microsoft.com/office/drawing/2014/main" id="{6DC0FAB9-BB1A-0DD3-2A5C-BFDE94185FE5}"/>
-                </a:ext>
-              </a:extLst>
-            </p:cNvPr>
-            <p:cNvSpPr/>
-            <p:nvPr/>
-          </p:nvSpPr>
-          <p:spPr>
-            <a:xfrm>
-              <a:off x="9472547" y="4200505"/>
-              <a:ext cx="505321" cy="505321"/>
-            </a:xfrm>
-            <a:prstGeom prst="ellipse">
-              <a:avLst/>
-            </a:prstGeom>
-            <a:solidFill>
-              <a:schemeClr val="accent6">
-                <a:lumMod val="60000"/>
-                <a:lumOff val="40000"/>
-              </a:schemeClr>
-            </a:solidFill>
-            <a:ln w="38100">
-              <a:solidFill>
-                <a:schemeClr val="tx1"/>
-              </a:solidFill>
-            </a:ln>
-          </p:spPr>
-          <p:style>
-            <a:lnRef idx="2">
-              <a:schemeClr val="accent1">
-                <a:shade val="15000"/>
-              </a:schemeClr>
-            </a:lnRef>
-            <a:fillRef idx="1">
-              <a:schemeClr val="accent1"/>
-            </a:fillRef>
-            <a:effectRef idx="0">
-              <a:schemeClr val="accent1"/>
-            </a:effectRef>
-            <a:fontRef idx="minor">
-              <a:schemeClr val="lt1"/>
-            </a:fontRef>
-          </p:style>
-          <p:txBody>
-            <a:bodyPr rtlCol="0" anchor="ctr"/>
-            <a:lstStyle/>
-            <a:p>
-              <a:pPr algn="ctr"/>
-              <a:endParaRPr lang="ko-KR" altLang="en-US" dirty="0"/>
-            </a:p>
-          </p:txBody>
-        </p:sp>
-        <p:sp>
-          <p:nvSpPr>
-            <p:cNvPr id="31" name="타원 30">
-              <a:extLst>
-                <a:ext uri="{FF2B5EF4-FFF2-40B4-BE49-F238E27FC236}">
-                  <a16:creationId xmlns:a16="http://schemas.microsoft.com/office/drawing/2014/main" id="{5DE16C08-2DF7-10B0-6B23-FBED189A09A3}"/>
-                </a:ext>
-              </a:extLst>
-            </p:cNvPr>
-            <p:cNvSpPr/>
-            <p:nvPr/>
-          </p:nvSpPr>
-          <p:spPr>
-            <a:xfrm>
-              <a:off x="9375244" y="4312135"/>
-              <a:ext cx="194606" cy="194606"/>
-            </a:xfrm>
-            <a:prstGeom prst="ellipse">
-              <a:avLst/>
-            </a:prstGeom>
-            <a:solidFill>
-              <a:schemeClr val="bg1"/>
-            </a:solidFill>
-            <a:ln w="38100">
-              <a:solidFill>
-                <a:schemeClr val="tx1"/>
-              </a:solidFill>
-            </a:ln>
-          </p:spPr>
-          <p:style>
-            <a:lnRef idx="2">
-              <a:schemeClr val="accent1">
-                <a:shade val="15000"/>
-              </a:schemeClr>
-            </a:lnRef>
-            <a:fillRef idx="1">
-              <a:schemeClr val="accent1"/>
-            </a:fillRef>
-            <a:effectRef idx="0">
-              <a:schemeClr val="accent1"/>
-            </a:effectRef>
-            <a:fontRef idx="minor">
-              <a:schemeClr val="lt1"/>
-            </a:fontRef>
-          </p:style>
-          <p:txBody>
-            <a:bodyPr rtlCol="0" anchor="ctr"/>
-            <a:lstStyle/>
-            <a:p>
-              <a:pPr algn="ctr"/>
-              <a:endParaRPr lang="ko-KR" altLang="en-US" dirty="0"/>
-            </a:p>
-          </p:txBody>
-        </p:sp>
-        <p:sp>
-          <p:nvSpPr>
-            <p:cNvPr id="32" name="순서도: 지연 31">
-              <a:extLst>
-                <a:ext uri="{FF2B5EF4-FFF2-40B4-BE49-F238E27FC236}">
-                  <a16:creationId xmlns:a16="http://schemas.microsoft.com/office/drawing/2014/main" id="{578BD9EF-374D-4191-0CCD-A92BEA2BE2FE}"/>
-                </a:ext>
-              </a:extLst>
-            </p:cNvPr>
-            <p:cNvSpPr/>
-            <p:nvPr/>
-          </p:nvSpPr>
-          <p:spPr>
-            <a:xfrm rot="18900000">
-              <a:off x="9190670" y="4571051"/>
-              <a:ext cx="241871" cy="313430"/>
-            </a:xfrm>
-            <a:prstGeom prst="flowChartDelay">
-              <a:avLst/>
-            </a:prstGeom>
-            <a:solidFill>
-              <a:schemeClr val="bg1"/>
-            </a:solidFill>
-            <a:ln w="38100">
-              <a:solidFill>
-                <a:schemeClr val="tx1"/>
-              </a:solidFill>
-            </a:ln>
-          </p:spPr>
-          <p:style>
-            <a:lnRef idx="2">
-              <a:schemeClr val="accent1">
-                <a:shade val="15000"/>
-              </a:schemeClr>
-            </a:lnRef>
-            <a:fillRef idx="1">
-              <a:schemeClr val="accent1"/>
-            </a:fillRef>
-            <a:effectRef idx="0">
-              <a:schemeClr val="accent1"/>
-            </a:effectRef>
-            <a:fontRef idx="minor">
-              <a:schemeClr val="lt1"/>
-            </a:fontRef>
-          </p:style>
-          <p:txBody>
-            <a:bodyPr rtlCol="0" anchor="ctr"/>
-            <a:lstStyle/>
-            <a:p>
-              <a:pPr algn="ctr"/>
-              <a:endParaRPr lang="ko-KR" altLang="en-US"/>
-            </a:p>
-          </p:txBody>
-        </p:sp>
-        <p:sp>
-          <p:nvSpPr>
-            <p:cNvPr id="33" name="순서도: 지연 32">
-              <a:extLst>
-                <a:ext uri="{FF2B5EF4-FFF2-40B4-BE49-F238E27FC236}">
-                  <a16:creationId xmlns:a16="http://schemas.microsoft.com/office/drawing/2014/main" id="{77FD1365-ABCB-7EC2-E13B-4E3F10821F26}"/>
-                </a:ext>
-              </a:extLst>
-            </p:cNvPr>
-            <p:cNvSpPr/>
-            <p:nvPr/>
-          </p:nvSpPr>
-          <p:spPr>
-            <a:xfrm rot="14100000">
-              <a:off x="10012780" y="4571051"/>
-              <a:ext cx="241871" cy="313430"/>
-            </a:xfrm>
-            <a:prstGeom prst="flowChartDelay">
-              <a:avLst/>
-            </a:prstGeom>
-            <a:solidFill>
-              <a:schemeClr val="bg1"/>
-            </a:solidFill>
-            <a:ln w="38100">
-              <a:solidFill>
-                <a:schemeClr val="tx1"/>
-              </a:solidFill>
-            </a:ln>
-          </p:spPr>
-          <p:style>
-            <a:lnRef idx="2">
-              <a:schemeClr val="accent1">
-                <a:shade val="15000"/>
-              </a:schemeClr>
-            </a:lnRef>
-            <a:fillRef idx="1">
-              <a:schemeClr val="accent1"/>
-            </a:fillRef>
-            <a:effectRef idx="0">
-              <a:schemeClr val="accent1"/>
-            </a:effectRef>
-            <a:fontRef idx="minor">
-              <a:schemeClr val="lt1"/>
-            </a:fontRef>
-          </p:style>
-          <p:txBody>
-            <a:bodyPr rtlCol="0" anchor="ctr"/>
-            <a:lstStyle/>
-            <a:p>
-              <a:pPr algn="ctr"/>
-              <a:endParaRPr lang="ko-KR" altLang="en-US"/>
-            </a:p>
-          </p:txBody>
-        </p:sp>
-        <p:sp>
-          <p:nvSpPr>
-            <p:cNvPr id="3" name="자유형: 도형 2">
-              <a:extLst>
-                <a:ext uri="{FF2B5EF4-FFF2-40B4-BE49-F238E27FC236}">
-                  <a16:creationId xmlns:a16="http://schemas.microsoft.com/office/drawing/2014/main" id="{D59C06EA-A85E-BC74-E324-BCA9F5114A2F}"/>
-                </a:ext>
-              </a:extLst>
-            </p:cNvPr>
-            <p:cNvSpPr/>
-            <p:nvPr/>
-          </p:nvSpPr>
-          <p:spPr>
-            <a:xfrm>
-              <a:off x="1473200" y="1793240"/>
-              <a:ext cx="2240280" cy="1320800"/>
-            </a:xfrm>
-            <a:custGeom>
-              <a:avLst/>
-              <a:gdLst>
-                <a:gd name="connsiteX0" fmla="*/ 355600 w 2240280"/>
-                <a:gd name="connsiteY0" fmla="*/ 822960 h 1320800"/>
-                <a:gd name="connsiteX1" fmla="*/ 55880 w 2240280"/>
-                <a:gd name="connsiteY1" fmla="*/ 762000 h 1320800"/>
-                <a:gd name="connsiteX2" fmla="*/ 25400 w 2240280"/>
-                <a:gd name="connsiteY2" fmla="*/ 899160 h 1320800"/>
-                <a:gd name="connsiteX3" fmla="*/ 314960 w 2240280"/>
-                <a:gd name="connsiteY3" fmla="*/ 914400 h 1320800"/>
-                <a:gd name="connsiteX4" fmla="*/ 172720 w 2240280"/>
-                <a:gd name="connsiteY4" fmla="*/ 1056640 h 1320800"/>
-                <a:gd name="connsiteX5" fmla="*/ 289560 w 2240280"/>
-                <a:gd name="connsiteY5" fmla="*/ 1209040 h 1320800"/>
-                <a:gd name="connsiteX6" fmla="*/ 513080 w 2240280"/>
-                <a:gd name="connsiteY6" fmla="*/ 934720 h 1320800"/>
-                <a:gd name="connsiteX7" fmla="*/ 513080 w 2240280"/>
-                <a:gd name="connsiteY7" fmla="*/ 1244600 h 1320800"/>
-                <a:gd name="connsiteX8" fmla="*/ 660400 w 2240280"/>
-                <a:gd name="connsiteY8" fmla="*/ 1280160 h 1320800"/>
-                <a:gd name="connsiteX9" fmla="*/ 665480 w 2240280"/>
-                <a:gd name="connsiteY9" fmla="*/ 960120 h 1320800"/>
-                <a:gd name="connsiteX10" fmla="*/ 792480 w 2240280"/>
-                <a:gd name="connsiteY10" fmla="*/ 1254760 h 1320800"/>
-                <a:gd name="connsiteX11" fmla="*/ 980440 w 2240280"/>
-                <a:gd name="connsiteY11" fmla="*/ 1275080 h 1320800"/>
-                <a:gd name="connsiteX12" fmla="*/ 990600 w 2240280"/>
-                <a:gd name="connsiteY12" fmla="*/ 949960 h 1320800"/>
-                <a:gd name="connsiteX13" fmla="*/ 1092200 w 2240280"/>
-                <a:gd name="connsiteY13" fmla="*/ 1280160 h 1320800"/>
-                <a:gd name="connsiteX14" fmla="*/ 1214120 w 2240280"/>
-                <a:gd name="connsiteY14" fmla="*/ 1280160 h 1320800"/>
-                <a:gd name="connsiteX15" fmla="*/ 1249680 w 2240280"/>
-                <a:gd name="connsiteY15" fmla="*/ 955040 h 1320800"/>
-                <a:gd name="connsiteX16" fmla="*/ 1376680 w 2240280"/>
-                <a:gd name="connsiteY16" fmla="*/ 1320800 h 1320800"/>
-                <a:gd name="connsiteX17" fmla="*/ 1600200 w 2240280"/>
-                <a:gd name="connsiteY17" fmla="*/ 1163320 h 1320800"/>
-                <a:gd name="connsiteX18" fmla="*/ 1391920 w 2240280"/>
-                <a:gd name="connsiteY18" fmla="*/ 939800 h 1320800"/>
-                <a:gd name="connsiteX19" fmla="*/ 1666240 w 2240280"/>
-                <a:gd name="connsiteY19" fmla="*/ 1173480 h 1320800"/>
-                <a:gd name="connsiteX20" fmla="*/ 1889760 w 2240280"/>
-                <a:gd name="connsiteY20" fmla="*/ 1127760 h 1320800"/>
-                <a:gd name="connsiteX21" fmla="*/ 1732280 w 2240280"/>
-                <a:gd name="connsiteY21" fmla="*/ 944880 h 1320800"/>
-                <a:gd name="connsiteX22" fmla="*/ 2026920 w 2240280"/>
-                <a:gd name="connsiteY22" fmla="*/ 1127760 h 1320800"/>
-                <a:gd name="connsiteX23" fmla="*/ 2143760 w 2240280"/>
-                <a:gd name="connsiteY23" fmla="*/ 990600 h 1320800"/>
-                <a:gd name="connsiteX24" fmla="*/ 1849120 w 2240280"/>
-                <a:gd name="connsiteY24" fmla="*/ 868680 h 1320800"/>
-                <a:gd name="connsiteX25" fmla="*/ 2240280 w 2240280"/>
-                <a:gd name="connsiteY25" fmla="*/ 802640 h 1320800"/>
-                <a:gd name="connsiteX26" fmla="*/ 2164080 w 2240280"/>
-                <a:gd name="connsiteY26" fmla="*/ 579120 h 1320800"/>
-                <a:gd name="connsiteX27" fmla="*/ 1793240 w 2240280"/>
-                <a:gd name="connsiteY27" fmla="*/ 741680 h 1320800"/>
-                <a:gd name="connsiteX28" fmla="*/ 2032000 w 2240280"/>
-                <a:gd name="connsiteY28" fmla="*/ 492760 h 1320800"/>
-                <a:gd name="connsiteX29" fmla="*/ 1971040 w 2240280"/>
-                <a:gd name="connsiteY29" fmla="*/ 299720 h 1320800"/>
-                <a:gd name="connsiteX30" fmla="*/ 1783080 w 2240280"/>
-                <a:gd name="connsiteY30" fmla="*/ 472440 h 1320800"/>
-                <a:gd name="connsiteX31" fmla="*/ 1833880 w 2240280"/>
-                <a:gd name="connsiteY31" fmla="*/ 243840 h 1320800"/>
-                <a:gd name="connsiteX32" fmla="*/ 1701800 w 2240280"/>
-                <a:gd name="connsiteY32" fmla="*/ 162560 h 1320800"/>
-                <a:gd name="connsiteX33" fmla="*/ 1564640 w 2240280"/>
-                <a:gd name="connsiteY33" fmla="*/ 370840 h 1320800"/>
-                <a:gd name="connsiteX34" fmla="*/ 1584960 w 2240280"/>
-                <a:gd name="connsiteY34" fmla="*/ 40640 h 1320800"/>
-                <a:gd name="connsiteX35" fmla="*/ 1376680 w 2240280"/>
-                <a:gd name="connsiteY35" fmla="*/ 5080 h 1320800"/>
-                <a:gd name="connsiteX36" fmla="*/ 1346200 w 2240280"/>
-                <a:gd name="connsiteY36" fmla="*/ 279400 h 1320800"/>
-                <a:gd name="connsiteX37" fmla="*/ 1290320 w 2240280"/>
-                <a:gd name="connsiteY37" fmla="*/ 0 h 1320800"/>
-                <a:gd name="connsiteX38" fmla="*/ 1107440 w 2240280"/>
-                <a:gd name="connsiteY38" fmla="*/ 20320 h 1320800"/>
-                <a:gd name="connsiteX39" fmla="*/ 1036320 w 2240280"/>
-                <a:gd name="connsiteY39" fmla="*/ 320040 h 1320800"/>
-                <a:gd name="connsiteX40" fmla="*/ 929640 w 2240280"/>
-                <a:gd name="connsiteY40" fmla="*/ 40640 h 1320800"/>
-                <a:gd name="connsiteX41" fmla="*/ 756920 w 2240280"/>
-                <a:gd name="connsiteY41" fmla="*/ 15240 h 1320800"/>
-                <a:gd name="connsiteX42" fmla="*/ 751840 w 2240280"/>
-                <a:gd name="connsiteY42" fmla="*/ 284480 h 1320800"/>
-                <a:gd name="connsiteX43" fmla="*/ 553720 w 2240280"/>
-                <a:gd name="connsiteY43" fmla="*/ 15240 h 1320800"/>
-                <a:gd name="connsiteX44" fmla="*/ 441960 w 2240280"/>
-                <a:gd name="connsiteY44" fmla="*/ 76200 h 1320800"/>
-                <a:gd name="connsiteX45" fmla="*/ 599440 w 2240280"/>
-                <a:gd name="connsiteY45" fmla="*/ 330200 h 1320800"/>
-                <a:gd name="connsiteX46" fmla="*/ 375920 w 2240280"/>
-                <a:gd name="connsiteY46" fmla="*/ 198120 h 1320800"/>
-                <a:gd name="connsiteX47" fmla="*/ 294640 w 2240280"/>
-                <a:gd name="connsiteY47" fmla="*/ 355600 h 1320800"/>
-                <a:gd name="connsiteX48" fmla="*/ 477520 w 2240280"/>
-                <a:gd name="connsiteY48" fmla="*/ 508000 h 1320800"/>
-                <a:gd name="connsiteX49" fmla="*/ 228600 w 2240280"/>
-                <a:gd name="connsiteY49" fmla="*/ 386080 h 1320800"/>
-                <a:gd name="connsiteX50" fmla="*/ 167640 w 2240280"/>
-                <a:gd name="connsiteY50" fmla="*/ 513080 h 1320800"/>
-                <a:gd name="connsiteX51" fmla="*/ 370840 w 2240280"/>
-                <a:gd name="connsiteY51" fmla="*/ 629920 h 1320800"/>
-                <a:gd name="connsiteX52" fmla="*/ 0 w 2240280"/>
-                <a:gd name="connsiteY52" fmla="*/ 533400 h 1320800"/>
-                <a:gd name="connsiteX53" fmla="*/ 15240 w 2240280"/>
-                <a:gd name="connsiteY53" fmla="*/ 655320 h 1320800"/>
-                <a:gd name="connsiteX54" fmla="*/ 355600 w 2240280"/>
-                <a:gd name="connsiteY54" fmla="*/ 822960 h 1320800"/>
-              </a:gdLst>
-              <a:ahLst/>
-              <a:cxnLst>
-                <a:cxn ang="0">
-                  <a:pos x="connsiteX0" y="connsiteY0"/>
-                </a:cxn>
-                <a:cxn ang="0">
-                  <a:pos x="connsiteX1" y="connsiteY1"/>
-                </a:cxn>
-                <a:cxn ang="0">
-                  <a:pos x="connsiteX2" y="connsiteY2"/>
-                </a:cxn>
-                <a:cxn ang="0">
-                  <a:pos x="connsiteX3" y="connsiteY3"/>
-                </a:cxn>
-                <a:cxn ang="0">
-                  <a:pos x="connsiteX4" y="connsiteY4"/>
-                </a:cxn>
-                <a:cxn ang="0">
-                  <a:pos x="connsiteX5" y="connsiteY5"/>
-                </a:cxn>
-                <a:cxn ang="0">
-                  <a:pos x="connsiteX6" y="connsiteY6"/>
-                </a:cxn>
-                <a:cxn ang="0">
-                  <a:pos x="connsiteX7" y="connsiteY7"/>
-                </a:cxn>
-                <a:cxn ang="0">
-                  <a:pos x="connsiteX8" y="connsiteY8"/>
-                </a:cxn>
-                <a:cxn ang="0">
-                  <a:pos x="connsiteX9" y="connsiteY9"/>
-                </a:cxn>
-                <a:cxn ang="0">
-                  <a:pos x="connsiteX10" y="connsiteY10"/>
-                </a:cxn>
-                <a:cxn ang="0">
-                  <a:pos x="connsiteX11" y="connsiteY11"/>
-                </a:cxn>
-                <a:cxn ang="0">
-                  <a:pos x="connsiteX12" y="connsiteY12"/>
-                </a:cxn>
-                <a:cxn ang="0">
-                  <a:pos x="connsiteX13" y="connsiteY13"/>
-                </a:cxn>
-                <a:cxn ang="0">
-                  <a:pos x="connsiteX14" y="connsiteY14"/>
-                </a:cxn>
-                <a:cxn ang="0">
-                  <a:pos x="connsiteX15" y="connsiteY15"/>
-                </a:cxn>
-                <a:cxn ang="0">
-                  <a:pos x="connsiteX16" y="connsiteY16"/>
-                </a:cxn>
-                <a:cxn ang="0">
-                  <a:pos x="connsiteX17" y="connsiteY17"/>
-                </a:cxn>
-                <a:cxn ang="0">
-                  <a:pos x="connsiteX18" y="connsiteY18"/>
-                </a:cxn>
-                <a:cxn ang="0">
-                  <a:pos x="connsiteX19" y="connsiteY19"/>
-                </a:cxn>
-                <a:cxn ang="0">
-                  <a:pos x="connsiteX20" y="connsiteY20"/>
-                </a:cxn>
-                <a:cxn ang="0">
-                  <a:pos x="connsiteX21" y="connsiteY21"/>
-                </a:cxn>
-                <a:cxn ang="0">
-                  <a:pos x="connsiteX22" y="connsiteY22"/>
-                </a:cxn>
-                <a:cxn ang="0">
-                  <a:pos x="connsiteX23" y="connsiteY23"/>
-                </a:cxn>
-                <a:cxn ang="0">
-                  <a:pos x="connsiteX24" y="connsiteY24"/>
-                </a:cxn>
-                <a:cxn ang="0">
-                  <a:pos x="connsiteX25" y="connsiteY25"/>
-                </a:cxn>
-                <a:cxn ang="0">
-                  <a:pos x="connsiteX26" y="connsiteY26"/>
-                </a:cxn>
-                <a:cxn ang="0">
-                  <a:pos x="connsiteX27" y="connsiteY27"/>
-                </a:cxn>
-                <a:cxn ang="0">
-                  <a:pos x="connsiteX28" y="connsiteY28"/>
-                </a:cxn>
-                <a:cxn ang="0">
-                  <a:pos x="connsiteX29" y="connsiteY29"/>
-                </a:cxn>
-                <a:cxn ang="0">
-                  <a:pos x="connsiteX30" y="connsiteY30"/>
-                </a:cxn>
-                <a:cxn ang="0">
-                  <a:pos x="connsiteX31" y="connsiteY31"/>
-                </a:cxn>
-                <a:cxn ang="0">
-                  <a:pos x="connsiteX32" y="connsiteY32"/>
-                </a:cxn>
-                <a:cxn ang="0">
-                  <a:pos x="connsiteX33" y="connsiteY33"/>
-                </a:cxn>
-                <a:cxn ang="0">
-                  <a:pos x="connsiteX34" y="connsiteY34"/>
-                </a:cxn>
-                <a:cxn ang="0">
-                  <a:pos x="connsiteX35" y="connsiteY35"/>
-                </a:cxn>
-                <a:cxn ang="0">
-                  <a:pos x="connsiteX36" y="connsiteY36"/>
-                </a:cxn>
-                <a:cxn ang="0">
-                  <a:pos x="connsiteX37" y="connsiteY37"/>
-                </a:cxn>
-                <a:cxn ang="0">
-                  <a:pos x="connsiteX38" y="connsiteY38"/>
-                </a:cxn>
-                <a:cxn ang="0">
-                  <a:pos x="connsiteX39" y="connsiteY39"/>
-                </a:cxn>
-                <a:cxn ang="0">
-                  <a:pos x="connsiteX40" y="connsiteY40"/>
-                </a:cxn>
-                <a:cxn ang="0">
-                  <a:pos x="connsiteX41" y="connsiteY41"/>
-                </a:cxn>
-                <a:cxn ang="0">
-                  <a:pos x="connsiteX42" y="connsiteY42"/>
-                </a:cxn>
-                <a:cxn ang="0">
-                  <a:pos x="connsiteX43" y="connsiteY43"/>
-                </a:cxn>
-                <a:cxn ang="0">
-                  <a:pos x="connsiteX44" y="connsiteY44"/>
-                </a:cxn>
-                <a:cxn ang="0">
-                  <a:pos x="connsiteX45" y="connsiteY45"/>
-                </a:cxn>
-                <a:cxn ang="0">
-                  <a:pos x="connsiteX46" y="connsiteY46"/>
-                </a:cxn>
-                <a:cxn ang="0">
-                  <a:pos x="connsiteX47" y="connsiteY47"/>
-                </a:cxn>
-                <a:cxn ang="0">
-                  <a:pos x="connsiteX48" y="connsiteY48"/>
-                </a:cxn>
-                <a:cxn ang="0">
-                  <a:pos x="connsiteX49" y="connsiteY49"/>
-                </a:cxn>
-                <a:cxn ang="0">
-                  <a:pos x="connsiteX50" y="connsiteY50"/>
-                </a:cxn>
-                <a:cxn ang="0">
-                  <a:pos x="connsiteX51" y="connsiteY51"/>
-                </a:cxn>
-                <a:cxn ang="0">
-                  <a:pos x="connsiteX52" y="connsiteY52"/>
-                </a:cxn>
-                <a:cxn ang="0">
-                  <a:pos x="connsiteX53" y="connsiteY53"/>
-                </a:cxn>
-                <a:cxn ang="0">
-                  <a:pos x="connsiteX54" y="connsiteY54"/>
-                </a:cxn>
-              </a:cxnLst>
-              <a:rect l="l" t="t" r="r" b="b"/>
-              <a:pathLst>
-                <a:path w="2240280" h="1320800">
-                  <a:moveTo>
-                    <a:pt x="355600" y="822960"/>
-                  </a:moveTo>
-                  <a:lnTo>
-                    <a:pt x="55880" y="762000"/>
-                  </a:lnTo>
-                  <a:lnTo>
-                    <a:pt x="25400" y="899160"/>
-                  </a:lnTo>
-                  <a:lnTo>
-                    <a:pt x="314960" y="914400"/>
-                  </a:lnTo>
-                  <a:lnTo>
-                    <a:pt x="172720" y="1056640"/>
-                  </a:lnTo>
-                  <a:lnTo>
-                    <a:pt x="289560" y="1209040"/>
-                  </a:lnTo>
-                  <a:lnTo>
-                    <a:pt x="513080" y="934720"/>
-                  </a:lnTo>
-                  <a:lnTo>
-                    <a:pt x="513080" y="1244600"/>
-                  </a:lnTo>
-                  <a:lnTo>
-                    <a:pt x="660400" y="1280160"/>
-                  </a:lnTo>
-                  <a:cubicBezTo>
-                    <a:pt x="662093" y="1173480"/>
-                    <a:pt x="663787" y="1066800"/>
-                    <a:pt x="665480" y="960120"/>
-                  </a:cubicBezTo>
-                  <a:lnTo>
-                    <a:pt x="792480" y="1254760"/>
-                  </a:lnTo>
-                  <a:lnTo>
-                    <a:pt x="980440" y="1275080"/>
-                  </a:lnTo>
-                  <a:lnTo>
-                    <a:pt x="990600" y="949960"/>
-                  </a:lnTo>
-                  <a:lnTo>
-                    <a:pt x="1092200" y="1280160"/>
-                  </a:lnTo>
-                  <a:lnTo>
-                    <a:pt x="1214120" y="1280160"/>
-                  </a:lnTo>
-                  <a:lnTo>
-                    <a:pt x="1249680" y="955040"/>
-                  </a:lnTo>
-                  <a:lnTo>
-                    <a:pt x="1376680" y="1320800"/>
-                  </a:lnTo>
-                  <a:lnTo>
-                    <a:pt x="1600200" y="1163320"/>
-                  </a:lnTo>
-                  <a:lnTo>
-                    <a:pt x="1391920" y="939800"/>
-                  </a:lnTo>
-                  <a:lnTo>
-                    <a:pt x="1666240" y="1173480"/>
-                  </a:lnTo>
-                  <a:lnTo>
-                    <a:pt x="1889760" y="1127760"/>
-                  </a:lnTo>
-                  <a:lnTo>
-                    <a:pt x="1732280" y="944880"/>
-                  </a:lnTo>
-                  <a:lnTo>
-                    <a:pt x="2026920" y="1127760"/>
-                  </a:lnTo>
-                  <a:lnTo>
-                    <a:pt x="2143760" y="990600"/>
-                  </a:lnTo>
-                  <a:lnTo>
-                    <a:pt x="1849120" y="868680"/>
-                  </a:lnTo>
-                  <a:lnTo>
-                    <a:pt x="2240280" y="802640"/>
-                  </a:lnTo>
-                  <a:lnTo>
-                    <a:pt x="2164080" y="579120"/>
-                  </a:lnTo>
-                  <a:lnTo>
-                    <a:pt x="1793240" y="741680"/>
-                  </a:lnTo>
-                  <a:lnTo>
-                    <a:pt x="2032000" y="492760"/>
-                  </a:lnTo>
-                  <a:lnTo>
-                    <a:pt x="1971040" y="299720"/>
-                  </a:lnTo>
-                  <a:lnTo>
-                    <a:pt x="1783080" y="472440"/>
-                  </a:lnTo>
-                  <a:lnTo>
-                    <a:pt x="1833880" y="243840"/>
-                  </a:lnTo>
-                  <a:lnTo>
-                    <a:pt x="1701800" y="162560"/>
-                  </a:lnTo>
-                  <a:lnTo>
-                    <a:pt x="1564640" y="370840"/>
-                  </a:lnTo>
-                  <a:lnTo>
-                    <a:pt x="1584960" y="40640"/>
-                  </a:lnTo>
-                  <a:lnTo>
-                    <a:pt x="1376680" y="5080"/>
-                  </a:lnTo>
-                  <a:lnTo>
-                    <a:pt x="1346200" y="279400"/>
-                  </a:lnTo>
-                  <a:lnTo>
-                    <a:pt x="1290320" y="0"/>
-                  </a:lnTo>
-                  <a:lnTo>
-                    <a:pt x="1107440" y="20320"/>
-                  </a:lnTo>
-                  <a:lnTo>
-                    <a:pt x="1036320" y="320040"/>
-                  </a:lnTo>
-                  <a:lnTo>
-                    <a:pt x="929640" y="40640"/>
-                  </a:lnTo>
-                  <a:lnTo>
-                    <a:pt x="756920" y="15240"/>
-                  </a:lnTo>
-                  <a:cubicBezTo>
-                    <a:pt x="755227" y="104987"/>
-                    <a:pt x="753533" y="194733"/>
-                    <a:pt x="751840" y="284480"/>
-                  </a:cubicBezTo>
-                  <a:lnTo>
-                    <a:pt x="553720" y="15240"/>
-                  </a:lnTo>
-                  <a:lnTo>
-                    <a:pt x="441960" y="76200"/>
-                  </a:lnTo>
-                  <a:lnTo>
-                    <a:pt x="599440" y="330200"/>
-                  </a:lnTo>
-                  <a:lnTo>
-                    <a:pt x="375920" y="198120"/>
-                  </a:lnTo>
-                  <a:lnTo>
-                    <a:pt x="294640" y="355600"/>
-                  </a:lnTo>
-                  <a:lnTo>
-                    <a:pt x="477520" y="508000"/>
-                  </a:lnTo>
-                  <a:lnTo>
-                    <a:pt x="228600" y="386080"/>
-                  </a:lnTo>
-                  <a:lnTo>
-                    <a:pt x="167640" y="513080"/>
-                  </a:lnTo>
-                  <a:lnTo>
-                    <a:pt x="370840" y="629920"/>
-                  </a:lnTo>
-                  <a:lnTo>
-                    <a:pt x="0" y="533400"/>
-                  </a:lnTo>
-                  <a:lnTo>
-                    <a:pt x="15240" y="655320"/>
-                  </a:lnTo>
-                  <a:lnTo>
-                    <a:pt x="355600" y="822960"/>
-                  </a:lnTo>
-                  <a:close/>
-                </a:path>
-              </a:pathLst>
-            </a:custGeom>
-            <a:solidFill>
-              <a:schemeClr val="tx1">
-                <a:lumMod val="50000"/>
-                <a:lumOff val="50000"/>
-              </a:schemeClr>
-            </a:solidFill>
-            <a:ln w="38100">
-              <a:solidFill>
-                <a:schemeClr val="tx1"/>
-              </a:solidFill>
-            </a:ln>
-          </p:spPr>
-          <p:style>
-            <a:lnRef idx="2">
-              <a:schemeClr val="accent1">
-                <a:shade val="15000"/>
-              </a:schemeClr>
-            </a:lnRef>
-            <a:fillRef idx="1">
-              <a:schemeClr val="accent1"/>
-            </a:fillRef>
-            <a:effectRef idx="0">
-              <a:schemeClr val="accent1"/>
-            </a:effectRef>
-            <a:fontRef idx="minor">
-              <a:schemeClr val="lt1"/>
-            </a:fontRef>
-          </p:style>
-          <p:txBody>
-            <a:bodyPr rtlCol="0" anchor="ctr"/>
-            <a:lstStyle/>
-            <a:p>
-              <a:pPr algn="ctr"/>
-              <a:endParaRPr lang="ko-KR" altLang="en-US"/>
-            </a:p>
-          </p:txBody>
-        </p:sp>
-        <p:sp>
-          <p:nvSpPr>
-            <p:cNvPr id="39" name="자유형: 도형 38">
-              <a:extLst>
-                <a:ext uri="{FF2B5EF4-FFF2-40B4-BE49-F238E27FC236}">
-                  <a16:creationId xmlns:a16="http://schemas.microsoft.com/office/drawing/2014/main" id="{A0A342BD-815D-A7F9-3E3A-828212D10A84}"/>
-                </a:ext>
-              </a:extLst>
-            </p:cNvPr>
-            <p:cNvSpPr/>
-            <p:nvPr/>
-          </p:nvSpPr>
-          <p:spPr>
-            <a:xfrm>
-              <a:off x="5072642" y="2207125"/>
-              <a:ext cx="2012053" cy="1888306"/>
-            </a:xfrm>
-            <a:custGeom>
-              <a:avLst/>
-              <a:gdLst>
-                <a:gd name="connsiteX0" fmla="*/ 1067900 w 2012053"/>
-                <a:gd name="connsiteY0" fmla="*/ 0 h 1888306"/>
-                <a:gd name="connsiteX1" fmla="*/ 2012053 w 2012053"/>
-                <a:gd name="connsiteY1" fmla="*/ 944153 h 1888306"/>
-                <a:gd name="connsiteX2" fmla="*/ 1067900 w 2012053"/>
-                <a:gd name="connsiteY2" fmla="*/ 1888306 h 1888306"/>
-                <a:gd name="connsiteX3" fmla="*/ 166194 w 2012053"/>
-                <a:gd name="connsiteY3" fmla="*/ 1224915 h 1888306"/>
-                <a:gd name="connsiteX4" fmla="*/ 161288 w 2012053"/>
-                <a:gd name="connsiteY4" fmla="*/ 1205835 h 1888306"/>
-                <a:gd name="connsiteX5" fmla="*/ 82764 w 2012053"/>
-                <a:gd name="connsiteY5" fmla="*/ 1184559 h 1888306"/>
-                <a:gd name="connsiteX6" fmla="*/ 7019 w 2012053"/>
-                <a:gd name="connsiteY6" fmla="*/ 1001672 h 1888306"/>
-                <a:gd name="connsiteX7" fmla="*/ 116074 w 2012053"/>
-                <a:gd name="connsiteY7" fmla="*/ 881613 h 1888306"/>
-                <a:gd name="connsiteX8" fmla="*/ 126900 w 2012053"/>
-                <a:gd name="connsiteY8" fmla="*/ 881707 h 1888306"/>
-                <a:gd name="connsiteX9" fmla="*/ 128622 w 2012053"/>
-                <a:gd name="connsiteY9" fmla="*/ 847619 h 1888306"/>
-                <a:gd name="connsiteX10" fmla="*/ 1067900 w 2012053"/>
-                <a:gd name="connsiteY10" fmla="*/ 0 h 1888306"/>
-              </a:gdLst>
-              <a:ahLst/>
-              <a:cxnLst>
-                <a:cxn ang="0">
-                  <a:pos x="connsiteX0" y="connsiteY0"/>
-                </a:cxn>
-                <a:cxn ang="0">
-                  <a:pos x="connsiteX1" y="connsiteY1"/>
-                </a:cxn>
-                <a:cxn ang="0">
-                  <a:pos x="connsiteX2" y="connsiteY2"/>
-                </a:cxn>
-                <a:cxn ang="0">
-                  <a:pos x="connsiteX3" y="connsiteY3"/>
-                </a:cxn>
-                <a:cxn ang="0">
-                  <a:pos x="connsiteX4" y="connsiteY4"/>
-                </a:cxn>
-                <a:cxn ang="0">
-                  <a:pos x="connsiteX5" y="connsiteY5"/>
-                </a:cxn>
-                <a:cxn ang="0">
-                  <a:pos x="connsiteX6" y="connsiteY6"/>
-                </a:cxn>
-                <a:cxn ang="0">
-                  <a:pos x="connsiteX7" y="connsiteY7"/>
-                </a:cxn>
-                <a:cxn ang="0">
-                  <a:pos x="connsiteX8" y="connsiteY8"/>
-                </a:cxn>
-                <a:cxn ang="0">
-                  <a:pos x="connsiteX9" y="connsiteY9"/>
-                </a:cxn>
-                <a:cxn ang="0">
-                  <a:pos x="connsiteX10" y="connsiteY10"/>
-                </a:cxn>
-              </a:cxnLst>
-              <a:rect l="l" t="t" r="r" b="b"/>
-              <a:pathLst>
-                <a:path w="2012053" h="1888306">
-                  <a:moveTo>
-                    <a:pt x="1067900" y="0"/>
-                  </a:moveTo>
-                  <a:cubicBezTo>
-                    <a:pt x="1589341" y="0"/>
-                    <a:pt x="2012053" y="422712"/>
-                    <a:pt x="2012053" y="944153"/>
-                  </a:cubicBezTo>
-                  <a:cubicBezTo>
-                    <a:pt x="2012053" y="1465594"/>
-                    <a:pt x="1589341" y="1888306"/>
-                    <a:pt x="1067900" y="1888306"/>
-                  </a:cubicBezTo>
-                  <a:cubicBezTo>
-                    <a:pt x="644229" y="1888306"/>
-                    <a:pt x="285735" y="1609250"/>
-                    <a:pt x="166194" y="1224915"/>
-                  </a:cubicBezTo>
-                  <a:lnTo>
-                    <a:pt x="161288" y="1205835"/>
-                  </a:lnTo>
-                  <a:lnTo>
-                    <a:pt x="82764" y="1184559"/>
-                  </a:lnTo>
-                  <a:cubicBezTo>
-                    <a:pt x="18297" y="1167093"/>
-                    <a:pt x="-15615" y="1085211"/>
-                    <a:pt x="7019" y="1001672"/>
-                  </a:cubicBezTo>
-                  <a:cubicBezTo>
-                    <a:pt x="23995" y="939017"/>
-                    <a:pt x="67957" y="893225"/>
-                    <a:pt x="116074" y="881613"/>
-                  </a:cubicBezTo>
-                  <a:lnTo>
-                    <a:pt x="126900" y="881707"/>
-                  </a:lnTo>
-                  <a:lnTo>
-                    <a:pt x="128622" y="847619"/>
-                  </a:lnTo>
-                  <a:cubicBezTo>
-                    <a:pt x="176972" y="371524"/>
-                    <a:pt x="579049" y="0"/>
-                    <a:pt x="1067900" y="0"/>
-                  </a:cubicBezTo>
-                  <a:close/>
-                </a:path>
-              </a:pathLst>
-            </a:custGeom>
-            <a:solidFill>
-              <a:srgbClr val="F5DEB4"/>
-            </a:solidFill>
-            <a:ln w="38100">
-              <a:solidFill>
-                <a:schemeClr val="tx1"/>
-              </a:solidFill>
-            </a:ln>
-          </p:spPr>
-          <p:style>
-            <a:lnRef idx="2">
-              <a:schemeClr val="accent1">
-                <a:shade val="15000"/>
-              </a:schemeClr>
-            </a:lnRef>
-            <a:fillRef idx="1">
-              <a:schemeClr val="accent1"/>
-            </a:fillRef>
-            <a:effectRef idx="0">
-              <a:schemeClr val="accent1"/>
-            </a:effectRef>
-            <a:fontRef idx="minor">
-              <a:schemeClr val="lt1"/>
-            </a:fontRef>
-          </p:style>
-          <p:txBody>
-            <a:bodyPr wrap="square" rtlCol="0" anchor="ctr">
-              <a:noAutofit/>
-            </a:bodyPr>
-            <a:lstStyle/>
-            <a:p>
-              <a:pPr algn="ctr"/>
-              <a:endParaRPr lang="ko-KR" altLang="en-US" dirty="0"/>
-            </a:p>
-          </p:txBody>
-        </p:sp>
-        <p:sp>
-          <p:nvSpPr>
-            <p:cNvPr id="40" name="타원 39">
-              <a:extLst>
-                <a:ext uri="{FF2B5EF4-FFF2-40B4-BE49-F238E27FC236}">
-                  <a16:creationId xmlns:a16="http://schemas.microsoft.com/office/drawing/2014/main" id="{167D9EA5-A151-DA37-3D08-BF09A377EB93}"/>
-                </a:ext>
-              </a:extLst>
-            </p:cNvPr>
-            <p:cNvSpPr/>
-            <p:nvPr/>
-          </p:nvSpPr>
-          <p:spPr>
-            <a:xfrm>
-              <a:off x="5787211" y="2997583"/>
-              <a:ext cx="119907" cy="119907"/>
-            </a:xfrm>
-            <a:prstGeom prst="ellipse">
-              <a:avLst/>
-            </a:prstGeom>
-            <a:solidFill>
-              <a:schemeClr val="tx1">
-                <a:lumMod val="65000"/>
-                <a:lumOff val="35000"/>
-              </a:schemeClr>
-            </a:solidFill>
-            <a:ln w="38100">
-              <a:solidFill>
-                <a:schemeClr val="tx1"/>
-              </a:solidFill>
-            </a:ln>
-          </p:spPr>
-          <p:style>
-            <a:lnRef idx="2">
-              <a:schemeClr val="accent1">
-                <a:shade val="15000"/>
-              </a:schemeClr>
-            </a:lnRef>
-            <a:fillRef idx="1">
-              <a:schemeClr val="accent1"/>
-            </a:fillRef>
-            <a:effectRef idx="0">
-              <a:schemeClr val="accent1"/>
-            </a:effectRef>
-            <a:fontRef idx="minor">
-              <a:schemeClr val="lt1"/>
-            </a:fontRef>
-          </p:style>
-          <p:txBody>
-            <a:bodyPr rtlCol="0" anchor="ctr"/>
-            <a:lstStyle/>
-            <a:p>
-              <a:pPr algn="ctr"/>
-              <a:endParaRPr lang="ko-KR" altLang="en-US"/>
-            </a:p>
-          </p:txBody>
-        </p:sp>
-        <p:sp>
-          <p:nvSpPr>
-            <p:cNvPr id="41" name="타원 40">
-              <a:extLst>
-                <a:ext uri="{FF2B5EF4-FFF2-40B4-BE49-F238E27FC236}">
-                  <a16:creationId xmlns:a16="http://schemas.microsoft.com/office/drawing/2014/main" id="{BC1B19E1-3312-C02D-20D4-AC0D86318DF9}"/>
-                </a:ext>
-              </a:extLst>
-            </p:cNvPr>
-            <p:cNvSpPr/>
-            <p:nvPr/>
-          </p:nvSpPr>
-          <p:spPr>
-            <a:xfrm rot="19641618">
-              <a:off x="5542028" y="3498184"/>
-              <a:ext cx="241498" cy="355106"/>
-            </a:xfrm>
-            <a:prstGeom prst="ellipse">
-              <a:avLst/>
-            </a:prstGeom>
-            <a:solidFill>
-              <a:schemeClr val="accent2">
-                <a:lumMod val="60000"/>
-                <a:lumOff val="40000"/>
-              </a:schemeClr>
-            </a:solidFill>
-            <a:ln w="38100">
-              <a:solidFill>
-                <a:schemeClr val="tx1"/>
-              </a:solidFill>
-            </a:ln>
-          </p:spPr>
-          <p:style>
-            <a:lnRef idx="2">
-              <a:schemeClr val="accent1">
-                <a:shade val="15000"/>
-              </a:schemeClr>
-            </a:lnRef>
-            <a:fillRef idx="1">
-              <a:schemeClr val="accent1"/>
-            </a:fillRef>
-            <a:effectRef idx="0">
-              <a:schemeClr val="accent1"/>
-            </a:effectRef>
-            <a:fontRef idx="minor">
-              <a:schemeClr val="lt1"/>
-            </a:fontRef>
-          </p:style>
-          <p:txBody>
-            <a:bodyPr rtlCol="0" anchor="ctr"/>
-            <a:lstStyle/>
-            <a:p>
-              <a:pPr algn="ctr"/>
-              <a:endParaRPr lang="ko-KR" altLang="en-US"/>
-            </a:p>
-          </p:txBody>
-        </p:sp>
-        <p:sp>
-          <p:nvSpPr>
-            <p:cNvPr id="42" name="자유형: 도형 41">
-              <a:extLst>
-                <a:ext uri="{FF2B5EF4-FFF2-40B4-BE49-F238E27FC236}">
-                  <a16:creationId xmlns:a16="http://schemas.microsoft.com/office/drawing/2014/main" id="{937BAFAF-F4A9-68A3-38EB-592F7C431A3C}"/>
-                </a:ext>
-              </a:extLst>
-            </p:cNvPr>
-            <p:cNvSpPr/>
-            <p:nvPr/>
-          </p:nvSpPr>
-          <p:spPr>
-            <a:xfrm>
-              <a:off x="4966619" y="1736751"/>
-              <a:ext cx="2240280" cy="1320800"/>
-            </a:xfrm>
-            <a:custGeom>
-              <a:avLst/>
-              <a:gdLst>
-                <a:gd name="connsiteX0" fmla="*/ 355600 w 2240280"/>
-                <a:gd name="connsiteY0" fmla="*/ 822960 h 1320800"/>
-                <a:gd name="connsiteX1" fmla="*/ 55880 w 2240280"/>
-                <a:gd name="connsiteY1" fmla="*/ 762000 h 1320800"/>
-                <a:gd name="connsiteX2" fmla="*/ 25400 w 2240280"/>
-                <a:gd name="connsiteY2" fmla="*/ 899160 h 1320800"/>
-                <a:gd name="connsiteX3" fmla="*/ 314960 w 2240280"/>
-                <a:gd name="connsiteY3" fmla="*/ 914400 h 1320800"/>
-                <a:gd name="connsiteX4" fmla="*/ 172720 w 2240280"/>
-                <a:gd name="connsiteY4" fmla="*/ 1056640 h 1320800"/>
-                <a:gd name="connsiteX5" fmla="*/ 289560 w 2240280"/>
-                <a:gd name="connsiteY5" fmla="*/ 1209040 h 1320800"/>
-                <a:gd name="connsiteX6" fmla="*/ 513080 w 2240280"/>
-                <a:gd name="connsiteY6" fmla="*/ 934720 h 1320800"/>
-                <a:gd name="connsiteX7" fmla="*/ 513080 w 2240280"/>
-                <a:gd name="connsiteY7" fmla="*/ 1244600 h 1320800"/>
-                <a:gd name="connsiteX8" fmla="*/ 660400 w 2240280"/>
-                <a:gd name="connsiteY8" fmla="*/ 1280160 h 1320800"/>
-                <a:gd name="connsiteX9" fmla="*/ 665480 w 2240280"/>
-                <a:gd name="connsiteY9" fmla="*/ 960120 h 1320800"/>
-                <a:gd name="connsiteX10" fmla="*/ 792480 w 2240280"/>
-                <a:gd name="connsiteY10" fmla="*/ 1254760 h 1320800"/>
-                <a:gd name="connsiteX11" fmla="*/ 980440 w 2240280"/>
-                <a:gd name="connsiteY11" fmla="*/ 1275080 h 1320800"/>
-                <a:gd name="connsiteX12" fmla="*/ 990600 w 2240280"/>
-                <a:gd name="connsiteY12" fmla="*/ 949960 h 1320800"/>
-                <a:gd name="connsiteX13" fmla="*/ 1092200 w 2240280"/>
-                <a:gd name="connsiteY13" fmla="*/ 1280160 h 1320800"/>
-                <a:gd name="connsiteX14" fmla="*/ 1214120 w 2240280"/>
-                <a:gd name="connsiteY14" fmla="*/ 1280160 h 1320800"/>
-                <a:gd name="connsiteX15" fmla="*/ 1249680 w 2240280"/>
-                <a:gd name="connsiteY15" fmla="*/ 955040 h 1320800"/>
-                <a:gd name="connsiteX16" fmla="*/ 1376680 w 2240280"/>
-                <a:gd name="connsiteY16" fmla="*/ 1320800 h 1320800"/>
-                <a:gd name="connsiteX17" fmla="*/ 1600200 w 2240280"/>
-                <a:gd name="connsiteY17" fmla="*/ 1163320 h 1320800"/>
-                <a:gd name="connsiteX18" fmla="*/ 1391920 w 2240280"/>
-                <a:gd name="connsiteY18" fmla="*/ 939800 h 1320800"/>
-                <a:gd name="connsiteX19" fmla="*/ 1666240 w 2240280"/>
-                <a:gd name="connsiteY19" fmla="*/ 1173480 h 1320800"/>
-                <a:gd name="connsiteX20" fmla="*/ 1889760 w 2240280"/>
-                <a:gd name="connsiteY20" fmla="*/ 1127760 h 1320800"/>
-                <a:gd name="connsiteX21" fmla="*/ 1732280 w 2240280"/>
-                <a:gd name="connsiteY21" fmla="*/ 944880 h 1320800"/>
-                <a:gd name="connsiteX22" fmla="*/ 2026920 w 2240280"/>
-                <a:gd name="connsiteY22" fmla="*/ 1127760 h 1320800"/>
-                <a:gd name="connsiteX23" fmla="*/ 2143760 w 2240280"/>
-                <a:gd name="connsiteY23" fmla="*/ 990600 h 1320800"/>
-                <a:gd name="connsiteX24" fmla="*/ 1849120 w 2240280"/>
-                <a:gd name="connsiteY24" fmla="*/ 868680 h 1320800"/>
-                <a:gd name="connsiteX25" fmla="*/ 2240280 w 2240280"/>
-                <a:gd name="connsiteY25" fmla="*/ 802640 h 1320800"/>
-                <a:gd name="connsiteX26" fmla="*/ 2164080 w 2240280"/>
-                <a:gd name="connsiteY26" fmla="*/ 579120 h 1320800"/>
-                <a:gd name="connsiteX27" fmla="*/ 1793240 w 2240280"/>
-                <a:gd name="connsiteY27" fmla="*/ 741680 h 1320800"/>
-                <a:gd name="connsiteX28" fmla="*/ 2032000 w 2240280"/>
-                <a:gd name="connsiteY28" fmla="*/ 492760 h 1320800"/>
-                <a:gd name="connsiteX29" fmla="*/ 1971040 w 2240280"/>
-                <a:gd name="connsiteY29" fmla="*/ 299720 h 1320800"/>
-                <a:gd name="connsiteX30" fmla="*/ 1783080 w 2240280"/>
-                <a:gd name="connsiteY30" fmla="*/ 472440 h 1320800"/>
-                <a:gd name="connsiteX31" fmla="*/ 1833880 w 2240280"/>
-                <a:gd name="connsiteY31" fmla="*/ 243840 h 1320800"/>
-                <a:gd name="connsiteX32" fmla="*/ 1701800 w 2240280"/>
-                <a:gd name="connsiteY32" fmla="*/ 162560 h 1320800"/>
-                <a:gd name="connsiteX33" fmla="*/ 1564640 w 2240280"/>
-                <a:gd name="connsiteY33" fmla="*/ 370840 h 1320800"/>
-                <a:gd name="connsiteX34" fmla="*/ 1584960 w 2240280"/>
-                <a:gd name="connsiteY34" fmla="*/ 40640 h 1320800"/>
-                <a:gd name="connsiteX35" fmla="*/ 1376680 w 2240280"/>
-                <a:gd name="connsiteY35" fmla="*/ 5080 h 1320800"/>
-                <a:gd name="connsiteX36" fmla="*/ 1346200 w 2240280"/>
-                <a:gd name="connsiteY36" fmla="*/ 279400 h 1320800"/>
-                <a:gd name="connsiteX37" fmla="*/ 1290320 w 2240280"/>
-                <a:gd name="connsiteY37" fmla="*/ 0 h 1320800"/>
-                <a:gd name="connsiteX38" fmla="*/ 1107440 w 2240280"/>
-                <a:gd name="connsiteY38" fmla="*/ 20320 h 1320800"/>
-                <a:gd name="connsiteX39" fmla="*/ 1036320 w 2240280"/>
-                <a:gd name="connsiteY39" fmla="*/ 320040 h 1320800"/>
-                <a:gd name="connsiteX40" fmla="*/ 929640 w 2240280"/>
-                <a:gd name="connsiteY40" fmla="*/ 40640 h 1320800"/>
-                <a:gd name="connsiteX41" fmla="*/ 756920 w 2240280"/>
-                <a:gd name="connsiteY41" fmla="*/ 15240 h 1320800"/>
-                <a:gd name="connsiteX42" fmla="*/ 751840 w 2240280"/>
-                <a:gd name="connsiteY42" fmla="*/ 284480 h 1320800"/>
-                <a:gd name="connsiteX43" fmla="*/ 553720 w 2240280"/>
-                <a:gd name="connsiteY43" fmla="*/ 15240 h 1320800"/>
-                <a:gd name="connsiteX44" fmla="*/ 441960 w 2240280"/>
-                <a:gd name="connsiteY44" fmla="*/ 76200 h 1320800"/>
-                <a:gd name="connsiteX45" fmla="*/ 599440 w 2240280"/>
-                <a:gd name="connsiteY45" fmla="*/ 330200 h 1320800"/>
-                <a:gd name="connsiteX46" fmla="*/ 375920 w 2240280"/>
-                <a:gd name="connsiteY46" fmla="*/ 198120 h 1320800"/>
-                <a:gd name="connsiteX47" fmla="*/ 294640 w 2240280"/>
-                <a:gd name="connsiteY47" fmla="*/ 355600 h 1320800"/>
-                <a:gd name="connsiteX48" fmla="*/ 477520 w 2240280"/>
-                <a:gd name="connsiteY48" fmla="*/ 508000 h 1320800"/>
-                <a:gd name="connsiteX49" fmla="*/ 228600 w 2240280"/>
-                <a:gd name="connsiteY49" fmla="*/ 386080 h 1320800"/>
-                <a:gd name="connsiteX50" fmla="*/ 167640 w 2240280"/>
-                <a:gd name="connsiteY50" fmla="*/ 513080 h 1320800"/>
-                <a:gd name="connsiteX51" fmla="*/ 370840 w 2240280"/>
-                <a:gd name="connsiteY51" fmla="*/ 629920 h 1320800"/>
-                <a:gd name="connsiteX52" fmla="*/ 0 w 2240280"/>
-                <a:gd name="connsiteY52" fmla="*/ 533400 h 1320800"/>
-                <a:gd name="connsiteX53" fmla="*/ 15240 w 2240280"/>
-                <a:gd name="connsiteY53" fmla="*/ 655320 h 1320800"/>
-                <a:gd name="connsiteX54" fmla="*/ 355600 w 2240280"/>
-                <a:gd name="connsiteY54" fmla="*/ 822960 h 1320800"/>
-              </a:gdLst>
-              <a:ahLst/>
-              <a:cxnLst>
-                <a:cxn ang="0">
-                  <a:pos x="connsiteX0" y="connsiteY0"/>
-                </a:cxn>
-                <a:cxn ang="0">
-                  <a:pos x="connsiteX1" y="connsiteY1"/>
-                </a:cxn>
-                <a:cxn ang="0">
-                  <a:pos x="connsiteX2" y="connsiteY2"/>
-                </a:cxn>
-                <a:cxn ang="0">
-                  <a:pos x="connsiteX3" y="connsiteY3"/>
-                </a:cxn>
-                <a:cxn ang="0">
-                  <a:pos x="connsiteX4" y="connsiteY4"/>
-                </a:cxn>
-                <a:cxn ang="0">
-                  <a:pos x="connsiteX5" y="connsiteY5"/>
-                </a:cxn>
-                <a:cxn ang="0">
-                  <a:pos x="connsiteX6" y="connsiteY6"/>
-                </a:cxn>
-                <a:cxn ang="0">
-                  <a:pos x="connsiteX7" y="connsiteY7"/>
-                </a:cxn>
-                <a:cxn ang="0">
-                  <a:pos x="connsiteX8" y="connsiteY8"/>
-                </a:cxn>
-                <a:cxn ang="0">
-                  <a:pos x="connsiteX9" y="connsiteY9"/>
-                </a:cxn>
-                <a:cxn ang="0">
-                  <a:pos x="connsiteX10" y="connsiteY10"/>
-                </a:cxn>
-                <a:cxn ang="0">
-                  <a:pos x="connsiteX11" y="connsiteY11"/>
-                </a:cxn>
-                <a:cxn ang="0">
-                  <a:pos x="connsiteX12" y="connsiteY12"/>
-                </a:cxn>
-                <a:cxn ang="0">
-                  <a:pos x="connsiteX13" y="connsiteY13"/>
-                </a:cxn>
-                <a:cxn ang="0">
-                  <a:pos x="connsiteX14" y="connsiteY14"/>
-                </a:cxn>
-                <a:cxn ang="0">
-                  <a:pos x="connsiteX15" y="connsiteY15"/>
-                </a:cxn>
-                <a:cxn ang="0">
-                  <a:pos x="connsiteX16" y="connsiteY16"/>
-                </a:cxn>
-                <a:cxn ang="0">
-                  <a:pos x="connsiteX17" y="connsiteY17"/>
-                </a:cxn>
-                <a:cxn ang="0">
-                  <a:pos x="connsiteX18" y="connsiteY18"/>
-                </a:cxn>
-                <a:cxn ang="0">
-                  <a:pos x="connsiteX19" y="connsiteY19"/>
-                </a:cxn>
-                <a:cxn ang="0">
-                  <a:pos x="connsiteX20" y="connsiteY20"/>
-                </a:cxn>
-                <a:cxn ang="0">
-                  <a:pos x="connsiteX21" y="connsiteY21"/>
-                </a:cxn>
-                <a:cxn ang="0">
-                  <a:pos x="connsiteX22" y="connsiteY22"/>
-                </a:cxn>
-                <a:cxn ang="0">
-                  <a:pos x="connsiteX23" y="connsiteY23"/>
-                </a:cxn>
-                <a:cxn ang="0">
-                  <a:pos x="connsiteX24" y="connsiteY24"/>
-                </a:cxn>
-                <a:cxn ang="0">
-                  <a:pos x="connsiteX25" y="connsiteY25"/>
-                </a:cxn>
-                <a:cxn ang="0">
-                  <a:pos x="connsiteX26" y="connsiteY26"/>
-                </a:cxn>
-                <a:cxn ang="0">
-                  <a:pos x="connsiteX27" y="connsiteY27"/>
-                </a:cxn>
-                <a:cxn ang="0">
-                  <a:pos x="connsiteX28" y="connsiteY28"/>
-                </a:cxn>
-                <a:cxn ang="0">
-                  <a:pos x="connsiteX29" y="connsiteY29"/>
-                </a:cxn>
-                <a:cxn ang="0">
-                  <a:pos x="connsiteX30" y="connsiteY30"/>
-                </a:cxn>
-                <a:cxn ang="0">
-                  <a:pos x="connsiteX31" y="connsiteY31"/>
-                </a:cxn>
-                <a:cxn ang="0">
-                  <a:pos x="connsiteX32" y="connsiteY32"/>
-                </a:cxn>
-                <a:cxn ang="0">
-                  <a:pos x="connsiteX33" y="connsiteY33"/>
-                </a:cxn>
-                <a:cxn ang="0">
-                  <a:pos x="connsiteX34" y="connsiteY34"/>
-                </a:cxn>
-                <a:cxn ang="0">
-                  <a:pos x="connsiteX35" y="connsiteY35"/>
-                </a:cxn>
-                <a:cxn ang="0">
-                  <a:pos x="connsiteX36" y="connsiteY36"/>
-                </a:cxn>
-                <a:cxn ang="0">
-                  <a:pos x="connsiteX37" y="connsiteY37"/>
-                </a:cxn>
-                <a:cxn ang="0">
-                  <a:pos x="connsiteX38" y="connsiteY38"/>
-                </a:cxn>
-                <a:cxn ang="0">
-                  <a:pos x="connsiteX39" y="connsiteY39"/>
-                </a:cxn>
-                <a:cxn ang="0">
-                  <a:pos x="connsiteX40" y="connsiteY40"/>
-                </a:cxn>
-                <a:cxn ang="0">
-                  <a:pos x="connsiteX41" y="connsiteY41"/>
-                </a:cxn>
-                <a:cxn ang="0">
-                  <a:pos x="connsiteX42" y="connsiteY42"/>
-                </a:cxn>
-                <a:cxn ang="0">
-                  <a:pos x="connsiteX43" y="connsiteY43"/>
-                </a:cxn>
-                <a:cxn ang="0">
-                  <a:pos x="connsiteX44" y="connsiteY44"/>
-                </a:cxn>
-                <a:cxn ang="0">
-                  <a:pos x="connsiteX45" y="connsiteY45"/>
-                </a:cxn>
-                <a:cxn ang="0">
-                  <a:pos x="connsiteX46" y="connsiteY46"/>
-                </a:cxn>
-                <a:cxn ang="0">
-                  <a:pos x="connsiteX47" y="connsiteY47"/>
-                </a:cxn>
-                <a:cxn ang="0">
-                  <a:pos x="connsiteX48" y="connsiteY48"/>
-                </a:cxn>
-                <a:cxn ang="0">
-                  <a:pos x="connsiteX49" y="connsiteY49"/>
-                </a:cxn>
-                <a:cxn ang="0">
-                  <a:pos x="connsiteX50" y="connsiteY50"/>
-                </a:cxn>
-                <a:cxn ang="0">
-                  <a:pos x="connsiteX51" y="connsiteY51"/>
-                </a:cxn>
-                <a:cxn ang="0">
-                  <a:pos x="connsiteX52" y="connsiteY52"/>
-                </a:cxn>
-                <a:cxn ang="0">
-                  <a:pos x="connsiteX53" y="connsiteY53"/>
-                </a:cxn>
-                <a:cxn ang="0">
-                  <a:pos x="connsiteX54" y="connsiteY54"/>
-                </a:cxn>
-              </a:cxnLst>
-              <a:rect l="l" t="t" r="r" b="b"/>
-              <a:pathLst>
-                <a:path w="2240280" h="1320800">
-                  <a:moveTo>
-                    <a:pt x="355600" y="822960"/>
-                  </a:moveTo>
-                  <a:lnTo>
-                    <a:pt x="55880" y="762000"/>
-                  </a:lnTo>
-                  <a:lnTo>
-                    <a:pt x="25400" y="899160"/>
-                  </a:lnTo>
-                  <a:lnTo>
-                    <a:pt x="314960" y="914400"/>
-                  </a:lnTo>
-                  <a:lnTo>
-                    <a:pt x="172720" y="1056640"/>
-                  </a:lnTo>
-                  <a:lnTo>
-                    <a:pt x="289560" y="1209040"/>
-                  </a:lnTo>
-                  <a:lnTo>
-                    <a:pt x="513080" y="934720"/>
-                  </a:lnTo>
-                  <a:lnTo>
-                    <a:pt x="513080" y="1244600"/>
-                  </a:lnTo>
-                  <a:lnTo>
-                    <a:pt x="660400" y="1280160"/>
-                  </a:lnTo>
-                  <a:cubicBezTo>
-                    <a:pt x="662093" y="1173480"/>
-                    <a:pt x="663787" y="1066800"/>
-                    <a:pt x="665480" y="960120"/>
-                  </a:cubicBezTo>
-                  <a:lnTo>
-                    <a:pt x="792480" y="1254760"/>
-                  </a:lnTo>
-                  <a:lnTo>
-                    <a:pt x="980440" y="1275080"/>
-                  </a:lnTo>
-                  <a:lnTo>
-                    <a:pt x="990600" y="949960"/>
-                  </a:lnTo>
-                  <a:lnTo>
-                    <a:pt x="1092200" y="1280160"/>
-                  </a:lnTo>
-                  <a:lnTo>
-                    <a:pt x="1214120" y="1280160"/>
-                  </a:lnTo>
-                  <a:lnTo>
-                    <a:pt x="1249680" y="955040"/>
-                  </a:lnTo>
-                  <a:lnTo>
-                    <a:pt x="1376680" y="1320800"/>
-                  </a:lnTo>
-                  <a:lnTo>
-                    <a:pt x="1600200" y="1163320"/>
-                  </a:lnTo>
-                  <a:lnTo>
-                    <a:pt x="1391920" y="939800"/>
-                  </a:lnTo>
-                  <a:lnTo>
-                    <a:pt x="1666240" y="1173480"/>
-                  </a:lnTo>
-                  <a:lnTo>
-                    <a:pt x="1889760" y="1127760"/>
-                  </a:lnTo>
-                  <a:lnTo>
-                    <a:pt x="1732280" y="944880"/>
-                  </a:lnTo>
-                  <a:lnTo>
-                    <a:pt x="2026920" y="1127760"/>
-                  </a:lnTo>
-                  <a:lnTo>
-                    <a:pt x="2143760" y="990600"/>
-                  </a:lnTo>
-                  <a:lnTo>
-                    <a:pt x="1849120" y="868680"/>
-                  </a:lnTo>
-                  <a:lnTo>
-                    <a:pt x="2240280" y="802640"/>
-                  </a:lnTo>
-                  <a:lnTo>
-                    <a:pt x="2164080" y="579120"/>
-                  </a:lnTo>
-                  <a:lnTo>
-                    <a:pt x="1793240" y="741680"/>
-                  </a:lnTo>
-                  <a:lnTo>
-                    <a:pt x="2032000" y="492760"/>
-                  </a:lnTo>
-                  <a:lnTo>
-                    <a:pt x="1971040" y="299720"/>
-                  </a:lnTo>
-                  <a:lnTo>
-                    <a:pt x="1783080" y="472440"/>
-                  </a:lnTo>
-                  <a:lnTo>
-                    <a:pt x="1833880" y="243840"/>
-                  </a:lnTo>
-                  <a:lnTo>
-                    <a:pt x="1701800" y="162560"/>
-                  </a:lnTo>
-                  <a:lnTo>
-                    <a:pt x="1564640" y="370840"/>
-                  </a:lnTo>
-                  <a:lnTo>
-                    <a:pt x="1584960" y="40640"/>
-                  </a:lnTo>
-                  <a:lnTo>
-                    <a:pt x="1376680" y="5080"/>
-                  </a:lnTo>
-                  <a:lnTo>
-                    <a:pt x="1346200" y="279400"/>
-                  </a:lnTo>
-                  <a:lnTo>
-                    <a:pt x="1290320" y="0"/>
-                  </a:lnTo>
-                  <a:lnTo>
-                    <a:pt x="1107440" y="20320"/>
-                  </a:lnTo>
-                  <a:lnTo>
-                    <a:pt x="1036320" y="320040"/>
-                  </a:lnTo>
-                  <a:lnTo>
-                    <a:pt x="929640" y="40640"/>
-                  </a:lnTo>
-                  <a:lnTo>
-                    <a:pt x="756920" y="15240"/>
-                  </a:lnTo>
-                  <a:cubicBezTo>
-                    <a:pt x="755227" y="104987"/>
-                    <a:pt x="753533" y="194733"/>
-                    <a:pt x="751840" y="284480"/>
-                  </a:cubicBezTo>
-                  <a:lnTo>
-                    <a:pt x="553720" y="15240"/>
-                  </a:lnTo>
-                  <a:lnTo>
-                    <a:pt x="441960" y="76200"/>
-                  </a:lnTo>
-                  <a:lnTo>
-                    <a:pt x="599440" y="330200"/>
-                  </a:lnTo>
-                  <a:lnTo>
-                    <a:pt x="375920" y="198120"/>
-                  </a:lnTo>
-                  <a:lnTo>
-                    <a:pt x="294640" y="355600"/>
-                  </a:lnTo>
-                  <a:lnTo>
-                    <a:pt x="477520" y="508000"/>
-                  </a:lnTo>
-                  <a:lnTo>
-                    <a:pt x="228600" y="386080"/>
-                  </a:lnTo>
-                  <a:lnTo>
-                    <a:pt x="167640" y="513080"/>
-                  </a:lnTo>
-                  <a:lnTo>
-                    <a:pt x="370840" y="629920"/>
-                  </a:lnTo>
-                  <a:lnTo>
-                    <a:pt x="0" y="533400"/>
-                  </a:lnTo>
-                  <a:lnTo>
-                    <a:pt x="15240" y="655320"/>
-                  </a:lnTo>
-                  <a:lnTo>
-                    <a:pt x="355600" y="822960"/>
-                  </a:lnTo>
-                  <a:close/>
-                </a:path>
-              </a:pathLst>
-            </a:custGeom>
-            <a:solidFill>
-              <a:schemeClr val="tx1">
-                <a:lumMod val="50000"/>
-                <a:lumOff val="50000"/>
-              </a:schemeClr>
-            </a:solidFill>
-            <a:ln w="38100">
-              <a:solidFill>
-                <a:schemeClr val="tx1"/>
-              </a:solidFill>
-            </a:ln>
-          </p:spPr>
-          <p:style>
-            <a:lnRef idx="2">
-              <a:schemeClr val="accent1">
-                <a:shade val="15000"/>
-              </a:schemeClr>
-            </a:lnRef>
-            <a:fillRef idx="1">
-              <a:schemeClr val="accent1"/>
-            </a:fillRef>
-            <a:effectRef idx="0">
-              <a:schemeClr val="accent1"/>
-            </a:effectRef>
-            <a:fontRef idx="minor">
-              <a:schemeClr val="lt1"/>
-            </a:fontRef>
-          </p:style>
-          <p:txBody>
-            <a:bodyPr rtlCol="0" anchor="ctr"/>
-            <a:lstStyle/>
-            <a:p>
-              <a:pPr algn="ctr"/>
-              <a:endParaRPr lang="ko-KR" altLang="en-US"/>
-            </a:p>
-          </p:txBody>
-        </p:sp>
-        <p:sp>
-          <p:nvSpPr>
-            <p:cNvPr id="47" name="자유형: 도형 46">
-              <a:extLst>
-                <a:ext uri="{FF2B5EF4-FFF2-40B4-BE49-F238E27FC236}">
-                  <a16:creationId xmlns:a16="http://schemas.microsoft.com/office/drawing/2014/main" id="{04341E74-4FA8-D158-81B3-B6E95CDE12BA}"/>
-                </a:ext>
-              </a:extLst>
-            </p:cNvPr>
-            <p:cNvSpPr/>
-            <p:nvPr/>
-          </p:nvSpPr>
-          <p:spPr>
-            <a:xfrm>
-              <a:off x="8600721" y="2256887"/>
-              <a:ext cx="2012053" cy="1888306"/>
-            </a:xfrm>
-            <a:custGeom>
-              <a:avLst/>
-              <a:gdLst>
-                <a:gd name="connsiteX0" fmla="*/ 1067900 w 2012053"/>
-                <a:gd name="connsiteY0" fmla="*/ 0 h 1888306"/>
-                <a:gd name="connsiteX1" fmla="*/ 2012053 w 2012053"/>
-                <a:gd name="connsiteY1" fmla="*/ 944153 h 1888306"/>
-                <a:gd name="connsiteX2" fmla="*/ 1067900 w 2012053"/>
-                <a:gd name="connsiteY2" fmla="*/ 1888306 h 1888306"/>
-                <a:gd name="connsiteX3" fmla="*/ 166194 w 2012053"/>
-                <a:gd name="connsiteY3" fmla="*/ 1224915 h 1888306"/>
-                <a:gd name="connsiteX4" fmla="*/ 161288 w 2012053"/>
-                <a:gd name="connsiteY4" fmla="*/ 1205835 h 1888306"/>
-                <a:gd name="connsiteX5" fmla="*/ 82764 w 2012053"/>
-                <a:gd name="connsiteY5" fmla="*/ 1184559 h 1888306"/>
-                <a:gd name="connsiteX6" fmla="*/ 7019 w 2012053"/>
-                <a:gd name="connsiteY6" fmla="*/ 1001672 h 1888306"/>
-                <a:gd name="connsiteX7" fmla="*/ 116074 w 2012053"/>
-                <a:gd name="connsiteY7" fmla="*/ 881613 h 1888306"/>
-                <a:gd name="connsiteX8" fmla="*/ 126900 w 2012053"/>
-                <a:gd name="connsiteY8" fmla="*/ 881707 h 1888306"/>
-                <a:gd name="connsiteX9" fmla="*/ 128622 w 2012053"/>
-                <a:gd name="connsiteY9" fmla="*/ 847619 h 1888306"/>
-                <a:gd name="connsiteX10" fmla="*/ 1067900 w 2012053"/>
-                <a:gd name="connsiteY10" fmla="*/ 0 h 1888306"/>
-              </a:gdLst>
-              <a:ahLst/>
-              <a:cxnLst>
-                <a:cxn ang="0">
-                  <a:pos x="connsiteX0" y="connsiteY0"/>
-                </a:cxn>
-                <a:cxn ang="0">
-                  <a:pos x="connsiteX1" y="connsiteY1"/>
-                </a:cxn>
-                <a:cxn ang="0">
-                  <a:pos x="connsiteX2" y="connsiteY2"/>
-                </a:cxn>
-                <a:cxn ang="0">
-                  <a:pos x="connsiteX3" y="connsiteY3"/>
-                </a:cxn>
-                <a:cxn ang="0">
-                  <a:pos x="connsiteX4" y="connsiteY4"/>
-                </a:cxn>
-                <a:cxn ang="0">
-                  <a:pos x="connsiteX5" y="connsiteY5"/>
-                </a:cxn>
-                <a:cxn ang="0">
-                  <a:pos x="connsiteX6" y="connsiteY6"/>
-                </a:cxn>
-                <a:cxn ang="0">
-                  <a:pos x="connsiteX7" y="connsiteY7"/>
-                </a:cxn>
-                <a:cxn ang="0">
-                  <a:pos x="connsiteX8" y="connsiteY8"/>
-                </a:cxn>
-                <a:cxn ang="0">
-                  <a:pos x="connsiteX9" y="connsiteY9"/>
-                </a:cxn>
-                <a:cxn ang="0">
-                  <a:pos x="connsiteX10" y="connsiteY10"/>
-                </a:cxn>
-              </a:cxnLst>
-              <a:rect l="l" t="t" r="r" b="b"/>
-              <a:pathLst>
-                <a:path w="2012053" h="1888306">
-                  <a:moveTo>
-                    <a:pt x="1067900" y="0"/>
-                  </a:moveTo>
-                  <a:cubicBezTo>
-                    <a:pt x="1589341" y="0"/>
-                    <a:pt x="2012053" y="422712"/>
-                    <a:pt x="2012053" y="944153"/>
-                  </a:cubicBezTo>
-                  <a:cubicBezTo>
-                    <a:pt x="2012053" y="1465594"/>
-                    <a:pt x="1589341" y="1888306"/>
-                    <a:pt x="1067900" y="1888306"/>
-                  </a:cubicBezTo>
-                  <a:cubicBezTo>
-                    <a:pt x="644229" y="1888306"/>
-                    <a:pt x="285735" y="1609250"/>
-                    <a:pt x="166194" y="1224915"/>
-                  </a:cubicBezTo>
-                  <a:lnTo>
-                    <a:pt x="161288" y="1205835"/>
-                  </a:lnTo>
-                  <a:lnTo>
-                    <a:pt x="82764" y="1184559"/>
-                  </a:lnTo>
-                  <a:cubicBezTo>
-                    <a:pt x="18297" y="1167093"/>
-                    <a:pt x="-15615" y="1085211"/>
-                    <a:pt x="7019" y="1001672"/>
-                  </a:cubicBezTo>
-                  <a:cubicBezTo>
-                    <a:pt x="23995" y="939017"/>
-                    <a:pt x="67957" y="893225"/>
-                    <a:pt x="116074" y="881613"/>
-                  </a:cubicBezTo>
-                  <a:lnTo>
-                    <a:pt x="126900" y="881707"/>
-                  </a:lnTo>
-                  <a:lnTo>
-                    <a:pt x="128622" y="847619"/>
-                  </a:lnTo>
-                  <a:cubicBezTo>
-                    <a:pt x="176972" y="371524"/>
-                    <a:pt x="579049" y="0"/>
-                    <a:pt x="1067900" y="0"/>
-                  </a:cubicBezTo>
-                  <a:close/>
-                </a:path>
-              </a:pathLst>
-            </a:custGeom>
-            <a:solidFill>
-              <a:srgbClr val="F5DEB4"/>
-            </a:solidFill>
-            <a:ln w="38100">
-              <a:solidFill>
-                <a:schemeClr val="tx1"/>
-              </a:solidFill>
-            </a:ln>
-          </p:spPr>
-          <p:style>
-            <a:lnRef idx="2">
-              <a:schemeClr val="accent1">
-                <a:shade val="15000"/>
-              </a:schemeClr>
-            </a:lnRef>
-            <a:fillRef idx="1">
-              <a:schemeClr val="accent1"/>
-            </a:fillRef>
-            <a:effectRef idx="0">
-              <a:schemeClr val="accent1"/>
-            </a:effectRef>
-            <a:fontRef idx="minor">
-              <a:schemeClr val="lt1"/>
-            </a:fontRef>
-          </p:style>
-          <p:txBody>
-            <a:bodyPr wrap="square" rtlCol="0" anchor="ctr">
-              <a:noAutofit/>
-            </a:bodyPr>
-            <a:lstStyle/>
-            <a:p>
-              <a:pPr algn="ctr"/>
-              <a:endParaRPr lang="ko-KR" altLang="en-US" dirty="0"/>
-            </a:p>
-          </p:txBody>
-        </p:sp>
-        <p:sp>
-          <p:nvSpPr>
-            <p:cNvPr id="48" name="타원 47">
-              <a:extLst>
-                <a:ext uri="{FF2B5EF4-FFF2-40B4-BE49-F238E27FC236}">
-                  <a16:creationId xmlns:a16="http://schemas.microsoft.com/office/drawing/2014/main" id="{BE3EDE9D-A3BB-BE67-5CFF-1E2AA9E0E00C}"/>
-                </a:ext>
-              </a:extLst>
-            </p:cNvPr>
-            <p:cNvSpPr/>
-            <p:nvPr/>
-          </p:nvSpPr>
-          <p:spPr>
-            <a:xfrm>
-              <a:off x="9315290" y="3047345"/>
-              <a:ext cx="119907" cy="119907"/>
-            </a:xfrm>
-            <a:prstGeom prst="ellipse">
-              <a:avLst/>
-            </a:prstGeom>
-            <a:solidFill>
-              <a:schemeClr val="tx1">
-                <a:lumMod val="65000"/>
-                <a:lumOff val="35000"/>
-              </a:schemeClr>
-            </a:solidFill>
-            <a:ln w="38100">
-              <a:solidFill>
-                <a:schemeClr val="tx1"/>
-              </a:solidFill>
-            </a:ln>
-          </p:spPr>
-          <p:style>
-            <a:lnRef idx="2">
-              <a:schemeClr val="accent1">
-                <a:shade val="15000"/>
-              </a:schemeClr>
-            </a:lnRef>
-            <a:fillRef idx="1">
-              <a:schemeClr val="accent1"/>
-            </a:fillRef>
-            <a:effectRef idx="0">
-              <a:schemeClr val="accent1"/>
-            </a:effectRef>
-            <a:fontRef idx="minor">
-              <a:schemeClr val="lt1"/>
-            </a:fontRef>
-          </p:style>
-          <p:txBody>
-            <a:bodyPr rtlCol="0" anchor="ctr"/>
-            <a:lstStyle/>
-            <a:p>
-              <a:pPr algn="ctr"/>
-              <a:endParaRPr lang="ko-KR" altLang="en-US"/>
-            </a:p>
-          </p:txBody>
-        </p:sp>
-        <p:sp>
-          <p:nvSpPr>
-            <p:cNvPr id="49" name="타원 48">
-              <a:extLst>
-                <a:ext uri="{FF2B5EF4-FFF2-40B4-BE49-F238E27FC236}">
-                  <a16:creationId xmlns:a16="http://schemas.microsoft.com/office/drawing/2014/main" id="{7C1280BB-228B-1008-C4B1-617CFB3236E6}"/>
-                </a:ext>
-              </a:extLst>
-            </p:cNvPr>
-            <p:cNvSpPr/>
-            <p:nvPr/>
-          </p:nvSpPr>
-          <p:spPr>
-            <a:xfrm rot="19641618">
-              <a:off x="9070107" y="3547946"/>
-              <a:ext cx="241498" cy="355106"/>
-            </a:xfrm>
-            <a:prstGeom prst="ellipse">
-              <a:avLst/>
-            </a:prstGeom>
-            <a:solidFill>
-              <a:schemeClr val="accent2">
-                <a:lumMod val="60000"/>
-                <a:lumOff val="40000"/>
-              </a:schemeClr>
-            </a:solidFill>
-            <a:ln w="38100">
-              <a:solidFill>
-                <a:schemeClr val="tx1"/>
-              </a:solidFill>
-            </a:ln>
-          </p:spPr>
-          <p:style>
-            <a:lnRef idx="2">
-              <a:schemeClr val="accent1">
-                <a:shade val="15000"/>
-              </a:schemeClr>
-            </a:lnRef>
-            <a:fillRef idx="1">
-              <a:schemeClr val="accent1"/>
-            </a:fillRef>
-            <a:effectRef idx="0">
-              <a:schemeClr val="accent1"/>
-            </a:effectRef>
-            <a:fontRef idx="minor">
-              <a:schemeClr val="lt1"/>
-            </a:fontRef>
-          </p:style>
-          <p:txBody>
-            <a:bodyPr rtlCol="0" anchor="ctr"/>
-            <a:lstStyle/>
-            <a:p>
-              <a:pPr algn="ctr"/>
-              <a:endParaRPr lang="ko-KR" altLang="en-US"/>
-            </a:p>
-          </p:txBody>
-        </p:sp>
-        <p:sp>
-          <p:nvSpPr>
-            <p:cNvPr id="50" name="자유형: 도형 49">
-              <a:extLst>
-                <a:ext uri="{FF2B5EF4-FFF2-40B4-BE49-F238E27FC236}">
-                  <a16:creationId xmlns:a16="http://schemas.microsoft.com/office/drawing/2014/main" id="{1875C0A4-C7BC-63D9-A315-9D93BDDFB722}"/>
-                </a:ext>
-              </a:extLst>
-            </p:cNvPr>
-            <p:cNvSpPr/>
-            <p:nvPr/>
-          </p:nvSpPr>
-          <p:spPr>
-            <a:xfrm>
-              <a:off x="8494698" y="1786513"/>
-              <a:ext cx="2240280" cy="1320800"/>
-            </a:xfrm>
-            <a:custGeom>
-              <a:avLst/>
-              <a:gdLst>
-                <a:gd name="connsiteX0" fmla="*/ 355600 w 2240280"/>
-                <a:gd name="connsiteY0" fmla="*/ 822960 h 1320800"/>
-                <a:gd name="connsiteX1" fmla="*/ 55880 w 2240280"/>
-                <a:gd name="connsiteY1" fmla="*/ 762000 h 1320800"/>
-                <a:gd name="connsiteX2" fmla="*/ 25400 w 2240280"/>
-                <a:gd name="connsiteY2" fmla="*/ 899160 h 1320800"/>
-                <a:gd name="connsiteX3" fmla="*/ 314960 w 2240280"/>
-                <a:gd name="connsiteY3" fmla="*/ 914400 h 1320800"/>
-                <a:gd name="connsiteX4" fmla="*/ 172720 w 2240280"/>
-                <a:gd name="connsiteY4" fmla="*/ 1056640 h 1320800"/>
-                <a:gd name="connsiteX5" fmla="*/ 289560 w 2240280"/>
-                <a:gd name="connsiteY5" fmla="*/ 1209040 h 1320800"/>
-                <a:gd name="connsiteX6" fmla="*/ 513080 w 2240280"/>
-                <a:gd name="connsiteY6" fmla="*/ 934720 h 1320800"/>
-                <a:gd name="connsiteX7" fmla="*/ 513080 w 2240280"/>
-                <a:gd name="connsiteY7" fmla="*/ 1244600 h 1320800"/>
-                <a:gd name="connsiteX8" fmla="*/ 660400 w 2240280"/>
-                <a:gd name="connsiteY8" fmla="*/ 1280160 h 1320800"/>
-                <a:gd name="connsiteX9" fmla="*/ 665480 w 2240280"/>
-                <a:gd name="connsiteY9" fmla="*/ 960120 h 1320800"/>
-                <a:gd name="connsiteX10" fmla="*/ 792480 w 2240280"/>
-                <a:gd name="connsiteY10" fmla="*/ 1254760 h 1320800"/>
-                <a:gd name="connsiteX11" fmla="*/ 980440 w 2240280"/>
-                <a:gd name="connsiteY11" fmla="*/ 1275080 h 1320800"/>
-                <a:gd name="connsiteX12" fmla="*/ 990600 w 2240280"/>
-                <a:gd name="connsiteY12" fmla="*/ 949960 h 1320800"/>
-                <a:gd name="connsiteX13" fmla="*/ 1092200 w 2240280"/>
-                <a:gd name="connsiteY13" fmla="*/ 1280160 h 1320800"/>
-                <a:gd name="connsiteX14" fmla="*/ 1214120 w 2240280"/>
-                <a:gd name="connsiteY14" fmla="*/ 1280160 h 1320800"/>
-                <a:gd name="connsiteX15" fmla="*/ 1249680 w 2240280"/>
-                <a:gd name="connsiteY15" fmla="*/ 955040 h 1320800"/>
-                <a:gd name="connsiteX16" fmla="*/ 1376680 w 2240280"/>
-                <a:gd name="connsiteY16" fmla="*/ 1320800 h 1320800"/>
-                <a:gd name="connsiteX17" fmla="*/ 1600200 w 2240280"/>
-                <a:gd name="connsiteY17" fmla="*/ 1163320 h 1320800"/>
-                <a:gd name="connsiteX18" fmla="*/ 1391920 w 2240280"/>
-                <a:gd name="connsiteY18" fmla="*/ 939800 h 1320800"/>
-                <a:gd name="connsiteX19" fmla="*/ 1666240 w 2240280"/>
-                <a:gd name="connsiteY19" fmla="*/ 1173480 h 1320800"/>
-                <a:gd name="connsiteX20" fmla="*/ 1889760 w 2240280"/>
-                <a:gd name="connsiteY20" fmla="*/ 1127760 h 1320800"/>
-                <a:gd name="connsiteX21" fmla="*/ 1732280 w 2240280"/>
-                <a:gd name="connsiteY21" fmla="*/ 944880 h 1320800"/>
-                <a:gd name="connsiteX22" fmla="*/ 2026920 w 2240280"/>
-                <a:gd name="connsiteY22" fmla="*/ 1127760 h 1320800"/>
-                <a:gd name="connsiteX23" fmla="*/ 2143760 w 2240280"/>
-                <a:gd name="connsiteY23" fmla="*/ 990600 h 1320800"/>
-                <a:gd name="connsiteX24" fmla="*/ 1849120 w 2240280"/>
-                <a:gd name="connsiteY24" fmla="*/ 868680 h 1320800"/>
-                <a:gd name="connsiteX25" fmla="*/ 2240280 w 2240280"/>
-                <a:gd name="connsiteY25" fmla="*/ 802640 h 1320800"/>
-                <a:gd name="connsiteX26" fmla="*/ 2164080 w 2240280"/>
-                <a:gd name="connsiteY26" fmla="*/ 579120 h 1320800"/>
-                <a:gd name="connsiteX27" fmla="*/ 1793240 w 2240280"/>
-                <a:gd name="connsiteY27" fmla="*/ 741680 h 1320800"/>
-                <a:gd name="connsiteX28" fmla="*/ 2032000 w 2240280"/>
-                <a:gd name="connsiteY28" fmla="*/ 492760 h 1320800"/>
-                <a:gd name="connsiteX29" fmla="*/ 1971040 w 2240280"/>
-                <a:gd name="connsiteY29" fmla="*/ 299720 h 1320800"/>
-                <a:gd name="connsiteX30" fmla="*/ 1783080 w 2240280"/>
-                <a:gd name="connsiteY30" fmla="*/ 472440 h 1320800"/>
-                <a:gd name="connsiteX31" fmla="*/ 1833880 w 2240280"/>
-                <a:gd name="connsiteY31" fmla="*/ 243840 h 1320800"/>
-                <a:gd name="connsiteX32" fmla="*/ 1701800 w 2240280"/>
-                <a:gd name="connsiteY32" fmla="*/ 162560 h 1320800"/>
-                <a:gd name="connsiteX33" fmla="*/ 1564640 w 2240280"/>
-                <a:gd name="connsiteY33" fmla="*/ 370840 h 1320800"/>
-                <a:gd name="connsiteX34" fmla="*/ 1584960 w 2240280"/>
-                <a:gd name="connsiteY34" fmla="*/ 40640 h 1320800"/>
-                <a:gd name="connsiteX35" fmla="*/ 1376680 w 2240280"/>
-                <a:gd name="connsiteY35" fmla="*/ 5080 h 1320800"/>
-                <a:gd name="connsiteX36" fmla="*/ 1346200 w 2240280"/>
-                <a:gd name="connsiteY36" fmla="*/ 279400 h 1320800"/>
-                <a:gd name="connsiteX37" fmla="*/ 1290320 w 2240280"/>
-                <a:gd name="connsiteY37" fmla="*/ 0 h 1320800"/>
-                <a:gd name="connsiteX38" fmla="*/ 1107440 w 2240280"/>
-                <a:gd name="connsiteY38" fmla="*/ 20320 h 1320800"/>
-                <a:gd name="connsiteX39" fmla="*/ 1036320 w 2240280"/>
-                <a:gd name="connsiteY39" fmla="*/ 320040 h 1320800"/>
-                <a:gd name="connsiteX40" fmla="*/ 929640 w 2240280"/>
-                <a:gd name="connsiteY40" fmla="*/ 40640 h 1320800"/>
-                <a:gd name="connsiteX41" fmla="*/ 756920 w 2240280"/>
-                <a:gd name="connsiteY41" fmla="*/ 15240 h 1320800"/>
-                <a:gd name="connsiteX42" fmla="*/ 751840 w 2240280"/>
-                <a:gd name="connsiteY42" fmla="*/ 284480 h 1320800"/>
-                <a:gd name="connsiteX43" fmla="*/ 553720 w 2240280"/>
-                <a:gd name="connsiteY43" fmla="*/ 15240 h 1320800"/>
-                <a:gd name="connsiteX44" fmla="*/ 441960 w 2240280"/>
-                <a:gd name="connsiteY44" fmla="*/ 76200 h 1320800"/>
-                <a:gd name="connsiteX45" fmla="*/ 599440 w 2240280"/>
-                <a:gd name="connsiteY45" fmla="*/ 330200 h 1320800"/>
-                <a:gd name="connsiteX46" fmla="*/ 375920 w 2240280"/>
-                <a:gd name="connsiteY46" fmla="*/ 198120 h 1320800"/>
-                <a:gd name="connsiteX47" fmla="*/ 294640 w 2240280"/>
-                <a:gd name="connsiteY47" fmla="*/ 355600 h 1320800"/>
-                <a:gd name="connsiteX48" fmla="*/ 477520 w 2240280"/>
-                <a:gd name="connsiteY48" fmla="*/ 508000 h 1320800"/>
-                <a:gd name="connsiteX49" fmla="*/ 228600 w 2240280"/>
-                <a:gd name="connsiteY49" fmla="*/ 386080 h 1320800"/>
-                <a:gd name="connsiteX50" fmla="*/ 167640 w 2240280"/>
-                <a:gd name="connsiteY50" fmla="*/ 513080 h 1320800"/>
-                <a:gd name="connsiteX51" fmla="*/ 370840 w 2240280"/>
-                <a:gd name="connsiteY51" fmla="*/ 629920 h 1320800"/>
-                <a:gd name="connsiteX52" fmla="*/ 0 w 2240280"/>
-                <a:gd name="connsiteY52" fmla="*/ 533400 h 1320800"/>
-                <a:gd name="connsiteX53" fmla="*/ 15240 w 2240280"/>
-                <a:gd name="connsiteY53" fmla="*/ 655320 h 1320800"/>
-                <a:gd name="connsiteX54" fmla="*/ 355600 w 2240280"/>
-                <a:gd name="connsiteY54" fmla="*/ 822960 h 1320800"/>
-              </a:gdLst>
-              <a:ahLst/>
-              <a:cxnLst>
-                <a:cxn ang="0">
-                  <a:pos x="connsiteX0" y="connsiteY0"/>
-                </a:cxn>
-                <a:cxn ang="0">
-                  <a:pos x="connsiteX1" y="connsiteY1"/>
-                </a:cxn>
-                <a:cxn ang="0">
-                  <a:pos x="connsiteX2" y="connsiteY2"/>
-                </a:cxn>
-                <a:cxn ang="0">
-                  <a:pos x="connsiteX3" y="connsiteY3"/>
-                </a:cxn>
-                <a:cxn ang="0">
-                  <a:pos x="connsiteX4" y="connsiteY4"/>
-                </a:cxn>
-                <a:cxn ang="0">
-                  <a:pos x="connsiteX5" y="connsiteY5"/>
-                </a:cxn>
-                <a:cxn ang="0">
-                  <a:pos x="connsiteX6" y="connsiteY6"/>
-                </a:cxn>
-                <a:cxn ang="0">
-                  <a:pos x="connsiteX7" y="connsiteY7"/>
-                </a:cxn>
-                <a:cxn ang="0">
-                  <a:pos x="connsiteX8" y="connsiteY8"/>
-                </a:cxn>
-                <a:cxn ang="0">
-                  <a:pos x="connsiteX9" y="connsiteY9"/>
-                </a:cxn>
-                <a:cxn ang="0">
-                  <a:pos x="connsiteX10" y="connsiteY10"/>
-                </a:cxn>
-                <a:cxn ang="0">
-                  <a:pos x="connsiteX11" y="connsiteY11"/>
-                </a:cxn>
-                <a:cxn ang="0">
-                  <a:pos x="connsiteX12" y="connsiteY12"/>
-                </a:cxn>
-                <a:cxn ang="0">
-                  <a:pos x="connsiteX13" y="connsiteY13"/>
-                </a:cxn>
-                <a:cxn ang="0">
-                  <a:pos x="connsiteX14" y="connsiteY14"/>
-                </a:cxn>
-                <a:cxn ang="0">
-                  <a:pos x="connsiteX15" y="connsiteY15"/>
-                </a:cxn>
-                <a:cxn ang="0">
-                  <a:pos x="connsiteX16" y="connsiteY16"/>
-                </a:cxn>
-                <a:cxn ang="0">
-                  <a:pos x="connsiteX17" y="connsiteY17"/>
-                </a:cxn>
-                <a:cxn ang="0">
-                  <a:pos x="connsiteX18" y="connsiteY18"/>
-                </a:cxn>
-                <a:cxn ang="0">
-                  <a:pos x="connsiteX19" y="connsiteY19"/>
-                </a:cxn>
-                <a:cxn ang="0">
-                  <a:pos x="connsiteX20" y="connsiteY20"/>
-                </a:cxn>
-                <a:cxn ang="0">
-                  <a:pos x="connsiteX21" y="connsiteY21"/>
-                </a:cxn>
-                <a:cxn ang="0">
-                  <a:pos x="connsiteX22" y="connsiteY22"/>
-                </a:cxn>
-                <a:cxn ang="0">
-                  <a:pos x="connsiteX23" y="connsiteY23"/>
-                </a:cxn>
-                <a:cxn ang="0">
-                  <a:pos x="connsiteX24" y="connsiteY24"/>
-                </a:cxn>
-                <a:cxn ang="0">
-                  <a:pos x="connsiteX25" y="connsiteY25"/>
-                </a:cxn>
-                <a:cxn ang="0">
-                  <a:pos x="connsiteX26" y="connsiteY26"/>
-                </a:cxn>
-                <a:cxn ang="0">
-                  <a:pos x="connsiteX27" y="connsiteY27"/>
-                </a:cxn>
-                <a:cxn ang="0">
-                  <a:pos x="connsiteX28" y="connsiteY28"/>
-                </a:cxn>
-                <a:cxn ang="0">
-                  <a:pos x="connsiteX29" y="connsiteY29"/>
-                </a:cxn>
-                <a:cxn ang="0">
-                  <a:pos x="connsiteX30" y="connsiteY30"/>
-                </a:cxn>
-                <a:cxn ang="0">
-                  <a:pos x="connsiteX31" y="connsiteY31"/>
-                </a:cxn>
-                <a:cxn ang="0">
-                  <a:pos x="connsiteX32" y="connsiteY32"/>
-                </a:cxn>
-                <a:cxn ang="0">
-                  <a:pos x="connsiteX33" y="connsiteY33"/>
-                </a:cxn>
-                <a:cxn ang="0">
-                  <a:pos x="connsiteX34" y="connsiteY34"/>
-                </a:cxn>
-                <a:cxn ang="0">
-                  <a:pos x="connsiteX35" y="connsiteY35"/>
-                </a:cxn>
-                <a:cxn ang="0">
-                  <a:pos x="connsiteX36" y="connsiteY36"/>
-                </a:cxn>
-                <a:cxn ang="0">
-                  <a:pos x="connsiteX37" y="connsiteY37"/>
-                </a:cxn>
-                <a:cxn ang="0">
-                  <a:pos x="connsiteX38" y="connsiteY38"/>
-                </a:cxn>
-                <a:cxn ang="0">
-                  <a:pos x="connsiteX39" y="connsiteY39"/>
-                </a:cxn>
-                <a:cxn ang="0">
-                  <a:pos x="connsiteX40" y="connsiteY40"/>
-                </a:cxn>
-                <a:cxn ang="0">
-                  <a:pos x="connsiteX41" y="connsiteY41"/>
-                </a:cxn>
-                <a:cxn ang="0">
-                  <a:pos x="connsiteX42" y="connsiteY42"/>
-                </a:cxn>
-                <a:cxn ang="0">
-                  <a:pos x="connsiteX43" y="connsiteY43"/>
-                </a:cxn>
-                <a:cxn ang="0">
-                  <a:pos x="connsiteX44" y="connsiteY44"/>
-                </a:cxn>
-                <a:cxn ang="0">
-                  <a:pos x="connsiteX45" y="connsiteY45"/>
-                </a:cxn>
-                <a:cxn ang="0">
-                  <a:pos x="connsiteX46" y="connsiteY46"/>
-                </a:cxn>
-                <a:cxn ang="0">
-                  <a:pos x="connsiteX47" y="connsiteY47"/>
-                </a:cxn>
-                <a:cxn ang="0">
-                  <a:pos x="connsiteX48" y="connsiteY48"/>
-                </a:cxn>
-                <a:cxn ang="0">
-                  <a:pos x="connsiteX49" y="connsiteY49"/>
-                </a:cxn>
-                <a:cxn ang="0">
-                  <a:pos x="connsiteX50" y="connsiteY50"/>
-                </a:cxn>
-                <a:cxn ang="0">
-                  <a:pos x="connsiteX51" y="connsiteY51"/>
-                </a:cxn>
-                <a:cxn ang="0">
-                  <a:pos x="connsiteX52" y="connsiteY52"/>
-                </a:cxn>
-                <a:cxn ang="0">
-                  <a:pos x="connsiteX53" y="connsiteY53"/>
-                </a:cxn>
-                <a:cxn ang="0">
-                  <a:pos x="connsiteX54" y="connsiteY54"/>
-                </a:cxn>
-              </a:cxnLst>
-              <a:rect l="l" t="t" r="r" b="b"/>
-              <a:pathLst>
-                <a:path w="2240280" h="1320800">
-                  <a:moveTo>
-                    <a:pt x="355600" y="822960"/>
-                  </a:moveTo>
-                  <a:lnTo>
-                    <a:pt x="55880" y="762000"/>
-                  </a:lnTo>
-                  <a:lnTo>
-                    <a:pt x="25400" y="899160"/>
-                  </a:lnTo>
-                  <a:lnTo>
-                    <a:pt x="314960" y="914400"/>
-                  </a:lnTo>
-                  <a:lnTo>
-                    <a:pt x="172720" y="1056640"/>
-                  </a:lnTo>
-                  <a:lnTo>
-                    <a:pt x="289560" y="1209040"/>
-                  </a:lnTo>
-                  <a:lnTo>
-                    <a:pt x="513080" y="934720"/>
-                  </a:lnTo>
-                  <a:lnTo>
-                    <a:pt x="513080" y="1244600"/>
-                  </a:lnTo>
-                  <a:lnTo>
-                    <a:pt x="660400" y="1280160"/>
-                  </a:lnTo>
-                  <a:cubicBezTo>
-                    <a:pt x="662093" y="1173480"/>
-                    <a:pt x="663787" y="1066800"/>
-                    <a:pt x="665480" y="960120"/>
-                  </a:cubicBezTo>
-                  <a:lnTo>
-                    <a:pt x="792480" y="1254760"/>
-                  </a:lnTo>
-                  <a:lnTo>
-                    <a:pt x="980440" y="1275080"/>
-                  </a:lnTo>
-                  <a:lnTo>
-                    <a:pt x="990600" y="949960"/>
-                  </a:lnTo>
-                  <a:lnTo>
-                    <a:pt x="1092200" y="1280160"/>
-                  </a:lnTo>
-                  <a:lnTo>
-                    <a:pt x="1214120" y="1280160"/>
-                  </a:lnTo>
-                  <a:lnTo>
-                    <a:pt x="1249680" y="955040"/>
-                  </a:lnTo>
-                  <a:lnTo>
-                    <a:pt x="1376680" y="1320800"/>
-                  </a:lnTo>
-                  <a:lnTo>
-                    <a:pt x="1600200" y="1163320"/>
-                  </a:lnTo>
-                  <a:lnTo>
-                    <a:pt x="1391920" y="939800"/>
-                  </a:lnTo>
-                  <a:lnTo>
-                    <a:pt x="1666240" y="1173480"/>
-                  </a:lnTo>
-                  <a:lnTo>
-                    <a:pt x="1889760" y="1127760"/>
-                  </a:lnTo>
-                  <a:lnTo>
-                    <a:pt x="1732280" y="944880"/>
-                  </a:lnTo>
-                  <a:lnTo>
-                    <a:pt x="2026920" y="1127760"/>
-                  </a:lnTo>
-                  <a:lnTo>
-                    <a:pt x="2143760" y="990600"/>
-                  </a:lnTo>
-                  <a:lnTo>
-                    <a:pt x="1849120" y="868680"/>
-                  </a:lnTo>
-                  <a:lnTo>
-                    <a:pt x="2240280" y="802640"/>
-                  </a:lnTo>
-                  <a:lnTo>
-                    <a:pt x="2164080" y="579120"/>
-                  </a:lnTo>
-                  <a:lnTo>
-                    <a:pt x="1793240" y="741680"/>
-                  </a:lnTo>
-                  <a:lnTo>
-                    <a:pt x="2032000" y="492760"/>
-                  </a:lnTo>
-                  <a:lnTo>
-                    <a:pt x="1971040" y="299720"/>
-                  </a:lnTo>
-                  <a:lnTo>
-                    <a:pt x="1783080" y="472440"/>
-                  </a:lnTo>
-                  <a:lnTo>
-                    <a:pt x="1833880" y="243840"/>
-                  </a:lnTo>
-                  <a:lnTo>
-                    <a:pt x="1701800" y="162560"/>
-                  </a:lnTo>
-                  <a:lnTo>
-                    <a:pt x="1564640" y="370840"/>
-                  </a:lnTo>
-                  <a:lnTo>
-                    <a:pt x="1584960" y="40640"/>
-                  </a:lnTo>
-                  <a:lnTo>
-                    <a:pt x="1376680" y="5080"/>
-                  </a:lnTo>
-                  <a:lnTo>
-                    <a:pt x="1346200" y="279400"/>
-                  </a:lnTo>
-                  <a:lnTo>
-                    <a:pt x="1290320" y="0"/>
-                  </a:lnTo>
-                  <a:lnTo>
-                    <a:pt x="1107440" y="20320"/>
-                  </a:lnTo>
-                  <a:lnTo>
-                    <a:pt x="1036320" y="320040"/>
-                  </a:lnTo>
-                  <a:lnTo>
-                    <a:pt x="929640" y="40640"/>
-                  </a:lnTo>
-                  <a:lnTo>
-                    <a:pt x="756920" y="15240"/>
-                  </a:lnTo>
-                  <a:cubicBezTo>
-                    <a:pt x="755227" y="104987"/>
-                    <a:pt x="753533" y="194733"/>
-                    <a:pt x="751840" y="284480"/>
-                  </a:cubicBezTo>
-                  <a:lnTo>
-                    <a:pt x="553720" y="15240"/>
-                  </a:lnTo>
-                  <a:lnTo>
-                    <a:pt x="441960" y="76200"/>
-                  </a:lnTo>
-                  <a:lnTo>
-                    <a:pt x="599440" y="330200"/>
-                  </a:lnTo>
-                  <a:lnTo>
-                    <a:pt x="375920" y="198120"/>
-                  </a:lnTo>
-                  <a:lnTo>
-                    <a:pt x="294640" y="355600"/>
-                  </a:lnTo>
-                  <a:lnTo>
-                    <a:pt x="477520" y="508000"/>
-                  </a:lnTo>
-                  <a:lnTo>
-                    <a:pt x="228600" y="386080"/>
-                  </a:lnTo>
-                  <a:lnTo>
-                    <a:pt x="167640" y="513080"/>
-                  </a:lnTo>
-                  <a:lnTo>
-                    <a:pt x="370840" y="629920"/>
-                  </a:lnTo>
-                  <a:lnTo>
-                    <a:pt x="0" y="533400"/>
-                  </a:lnTo>
-                  <a:lnTo>
-                    <a:pt x="15240" y="655320"/>
-                  </a:lnTo>
-                  <a:lnTo>
-                    <a:pt x="355600" y="822960"/>
-                  </a:lnTo>
-                  <a:close/>
-                </a:path>
-              </a:pathLst>
-            </a:custGeom>
-            <a:solidFill>
-              <a:schemeClr val="tx1">
-                <a:lumMod val="50000"/>
-                <a:lumOff val="50000"/>
-              </a:schemeClr>
-            </a:solidFill>
-            <a:ln w="38100">
-              <a:solidFill>
-                <a:schemeClr val="tx1"/>
-              </a:solidFill>
-            </a:ln>
-          </p:spPr>
-          <p:style>
-            <a:lnRef idx="2">
-              <a:schemeClr val="accent1">
-                <a:shade val="15000"/>
-              </a:schemeClr>
-            </a:lnRef>
-            <a:fillRef idx="1">
-              <a:schemeClr val="accent1"/>
-            </a:fillRef>
-            <a:effectRef idx="0">
-              <a:schemeClr val="accent1"/>
-            </a:effectRef>
-            <a:fontRef idx="minor">
-              <a:schemeClr val="lt1"/>
-            </a:fontRef>
-          </p:style>
-          <p:txBody>
-            <a:bodyPr rtlCol="0" anchor="ctr"/>
-            <a:lstStyle/>
-            <a:p>
-              <a:pPr algn="ctr"/>
-              <a:endParaRPr lang="ko-KR" altLang="en-US"/>
-            </a:p>
-          </p:txBody>
-        </p:sp>
-      </p:grpSp>
-    </p:spTree>
-    <p:extLst>
-      <p:ext uri="{BB962C8B-B14F-4D97-AF65-F5344CB8AC3E}">
-        <p14:creationId xmlns:p14="http://schemas.microsoft.com/office/powerpoint/2010/main" val="2873542570"/>
-      </p:ext>
-    </p:extLst>
-  </p:cSld>
-  <p:clrMapOvr>
-    <a:masterClrMapping/>
-  </p:clrMapOvr>
-</p:sld>
-</file>
-
-<file path=ppt/slides/slide20.xml><?xml version="1.0" encoding="utf-8"?>
+<file path=ppt/slides/slide23.xml><?xml version="1.0" encoding="utf-8"?>
 <p:sld xmlns:a="http://schemas.openxmlformats.org/drawingml/2006/main" xmlns:r="http://schemas.openxmlformats.org/officeDocument/2006/relationships" xmlns:p="http://schemas.openxmlformats.org/presentationml/2006/main">
   <p:cSld>
     <p:spTree>
